--- a/Documents P3/CS 414 Rollerball Project 03.pptx
+++ b/Documents P3/CS 414 Rollerball Project 03.pptx
@@ -2,16 +2,17 @@
 <file path=ppt/presentation.xml><?xml version="1.0" encoding="utf-8"?>
 <p:presentation xmlns:a="http://schemas.openxmlformats.org/drawingml/2006/main" xmlns:r="http://schemas.openxmlformats.org/officeDocument/2006/relationships" xmlns:p="http://schemas.openxmlformats.org/presentationml/2006/main" saveSubsetFonts="1" autoCompressPictures="0">
   <p:sldMasterIdLst>
-    <p:sldMasterId id="2147483648" r:id="rId1"/>
+    <p:sldMasterId id="2147483720" r:id="rId1"/>
+    <p:sldMasterId id="2147483756" r:id="rId2"/>
   </p:sldMasterIdLst>
   <p:sldIdLst>
-    <p:sldId id="256" r:id="rId2"/>
-    <p:sldId id="261" r:id="rId3"/>
-    <p:sldId id="262" r:id="rId4"/>
-    <p:sldId id="257" r:id="rId5"/>
-    <p:sldId id="258" r:id="rId6"/>
-    <p:sldId id="259" r:id="rId7"/>
+    <p:sldId id="256" r:id="rId3"/>
+    <p:sldId id="257" r:id="rId4"/>
+    <p:sldId id="258" r:id="rId5"/>
+    <p:sldId id="259" r:id="rId6"/>
+    <p:sldId id="261" r:id="rId7"/>
     <p:sldId id="260" r:id="rId8"/>
+    <p:sldId id="262" r:id="rId9"/>
   </p:sldIdLst>
   <p:sldSz cx="12192000" cy="6858000"/>
   <p:notesSz cx="6858000" cy="9144000"/>
@@ -110,6 +111,11 @@
       </a:defRPr>
     </a:lvl9pPr>
   </p:defaultTextStyle>
+  <p:extLst>
+    <p:ext uri="{EFAFB233-063F-42B5-8137-9DF3F51BA10A}">
+      <p15:sldGuideLst xmlns:p15="http://schemas.microsoft.com/office/powerpoint/2012/main"/>
+    </p:ext>
+  </p:extLst>
 </p:presentation>
 </file>
 
@@ -135,7 +141,7 @@
           <p:cNvPr id="2" name="標題 1">
             <a:extLst>
               <a:ext uri="{FF2B5EF4-FFF2-40B4-BE49-F238E27FC236}">
-                <a16:creationId xmlns:a16="http://schemas.microsoft.com/office/drawing/2014/main" id="{8ECE5CDB-C5A9-004C-B560-4F4C7502FBA6}"/>
+                <a16:creationId xmlns:a16="http://schemas.microsoft.com/office/drawing/2014/main" id="{5B49D2A4-0386-9442-9537-7B4086AFC012}"/>
               </a:ext>
             </a:extLst>
           </p:cNvPr>
@@ -172,7 +178,7 @@
           <p:cNvPr id="3" name="副標題 2">
             <a:extLst>
               <a:ext uri="{FF2B5EF4-FFF2-40B4-BE49-F238E27FC236}">
-                <a16:creationId xmlns:a16="http://schemas.microsoft.com/office/drawing/2014/main" id="{DE2EC84B-2513-EC42-928B-FD4372519E2B}"/>
+                <a16:creationId xmlns:a16="http://schemas.microsoft.com/office/drawing/2014/main" id="{30251DBC-8D84-7D49-9C07-4E54CEF6D808}"/>
               </a:ext>
             </a:extLst>
           </p:cNvPr>
@@ -242,7 +248,7 @@
           <p:cNvPr id="4" name="日期版面配置區 3">
             <a:extLst>
               <a:ext uri="{FF2B5EF4-FFF2-40B4-BE49-F238E27FC236}">
-                <a16:creationId xmlns:a16="http://schemas.microsoft.com/office/drawing/2014/main" id="{5BEA9DF1-1140-7044-AEC8-A62E51C7CF79}"/>
+                <a16:creationId xmlns:a16="http://schemas.microsoft.com/office/drawing/2014/main" id="{FCDF379F-0125-7946-A972-0521E9B86E0B}"/>
               </a:ext>
             </a:extLst>
           </p:cNvPr>
@@ -260,7 +266,7 @@
           <a:p>
             <a:fld id="{55B79785-3012-D54A-860E-226ED4EF2A90}" type="datetimeFigureOut">
               <a:rPr kumimoji="1" lang="zh-TW" altLang="en-US" smtClean="0"/>
-              <a:t>2018/10/23</a:t>
+              <a:t>2018/10/28</a:t>
             </a:fld>
             <a:endParaRPr kumimoji="1" lang="zh-TW" altLang="en-US"/>
           </a:p>
@@ -271,7 +277,7 @@
           <p:cNvPr id="5" name="頁尾版面配置區 4">
             <a:extLst>
               <a:ext uri="{FF2B5EF4-FFF2-40B4-BE49-F238E27FC236}">
-                <a16:creationId xmlns:a16="http://schemas.microsoft.com/office/drawing/2014/main" id="{7FE2CA81-535B-1C44-84BD-2AB5A98EB2B0}"/>
+                <a16:creationId xmlns:a16="http://schemas.microsoft.com/office/drawing/2014/main" id="{F096B8B8-7BBC-8849-A770-B3A62823AB43}"/>
               </a:ext>
             </a:extLst>
           </p:cNvPr>
@@ -296,7 +302,7 @@
           <p:cNvPr id="6" name="投影片編號版面配置區 5">
             <a:extLst>
               <a:ext uri="{FF2B5EF4-FFF2-40B4-BE49-F238E27FC236}">
-                <a16:creationId xmlns:a16="http://schemas.microsoft.com/office/drawing/2014/main" id="{BACF8955-8388-4B41-B499-E0A1EDAB6561}"/>
+                <a16:creationId xmlns:a16="http://schemas.microsoft.com/office/drawing/2014/main" id="{5B500298-8183-E245-B5CD-EE8D07369F9C}"/>
               </a:ext>
             </a:extLst>
           </p:cNvPr>
@@ -323,7 +329,7 @@
     </p:spTree>
     <p:extLst>
       <p:ext uri="{BB962C8B-B14F-4D97-AF65-F5344CB8AC3E}">
-        <p14:creationId xmlns:p14="http://schemas.microsoft.com/office/powerpoint/2010/main" val="1386048942"/>
+        <p14:creationId xmlns:p14="http://schemas.microsoft.com/office/powerpoint/2010/main" val="3052354806"/>
       </p:ext>
     </p:extLst>
   </p:cSld>
@@ -355,7 +361,7 @@
           <p:cNvPr id="2" name="標題 1">
             <a:extLst>
               <a:ext uri="{FF2B5EF4-FFF2-40B4-BE49-F238E27FC236}">
-                <a16:creationId xmlns:a16="http://schemas.microsoft.com/office/drawing/2014/main" id="{A27EF7E0-043F-1342-A4A4-06F1CE027F75}"/>
+                <a16:creationId xmlns:a16="http://schemas.microsoft.com/office/drawing/2014/main" id="{DEB86FA4-E45F-F442-8E1E-6B09AF3E62B1}"/>
               </a:ext>
             </a:extLst>
           </p:cNvPr>
@@ -383,7 +389,7 @@
           <p:cNvPr id="3" name="直排文字版面配置區 2">
             <a:extLst>
               <a:ext uri="{FF2B5EF4-FFF2-40B4-BE49-F238E27FC236}">
-                <a16:creationId xmlns:a16="http://schemas.microsoft.com/office/drawing/2014/main" id="{B2F857BF-EA95-E345-8387-BF47ECDBC452}"/>
+                <a16:creationId xmlns:a16="http://schemas.microsoft.com/office/drawing/2014/main" id="{CD211B8C-E8F6-5C46-B8B9-407E1FD5453B}"/>
               </a:ext>
             </a:extLst>
           </p:cNvPr>
@@ -415,7 +421,7 @@
           <p:cNvPr id="4" name="日期版面配置區 3">
             <a:extLst>
               <a:ext uri="{FF2B5EF4-FFF2-40B4-BE49-F238E27FC236}">
-                <a16:creationId xmlns:a16="http://schemas.microsoft.com/office/drawing/2014/main" id="{3ADC8019-EB30-A24C-A874-0317B03429A9}"/>
+                <a16:creationId xmlns:a16="http://schemas.microsoft.com/office/drawing/2014/main" id="{3FF14B40-BAF9-8B41-8070-4F11F9DA1BEA}"/>
               </a:ext>
             </a:extLst>
           </p:cNvPr>
@@ -433,7 +439,7 @@
           <a:p>
             <a:fld id="{55B79785-3012-D54A-860E-226ED4EF2A90}" type="datetimeFigureOut">
               <a:rPr kumimoji="1" lang="zh-TW" altLang="en-US" smtClean="0"/>
-              <a:t>2018/10/23</a:t>
+              <a:t>2018/10/28</a:t>
             </a:fld>
             <a:endParaRPr kumimoji="1" lang="zh-TW" altLang="en-US"/>
           </a:p>
@@ -444,7 +450,7 @@
           <p:cNvPr id="5" name="頁尾版面配置區 4">
             <a:extLst>
               <a:ext uri="{FF2B5EF4-FFF2-40B4-BE49-F238E27FC236}">
-                <a16:creationId xmlns:a16="http://schemas.microsoft.com/office/drawing/2014/main" id="{F45D55AB-C7DE-9C41-A9AC-23614B495194}"/>
+                <a16:creationId xmlns:a16="http://schemas.microsoft.com/office/drawing/2014/main" id="{E1514AB0-47D7-CC4C-8118-16EC02EDEE02}"/>
               </a:ext>
             </a:extLst>
           </p:cNvPr>
@@ -469,7 +475,7 @@
           <p:cNvPr id="6" name="投影片編號版面配置區 5">
             <a:extLst>
               <a:ext uri="{FF2B5EF4-FFF2-40B4-BE49-F238E27FC236}">
-                <a16:creationId xmlns:a16="http://schemas.microsoft.com/office/drawing/2014/main" id="{734D8D42-E047-074E-8A8B-A2EE0ED4E29D}"/>
+                <a16:creationId xmlns:a16="http://schemas.microsoft.com/office/drawing/2014/main" id="{873BDD57-A15D-E246-A718-644AE8F506D4}"/>
               </a:ext>
             </a:extLst>
           </p:cNvPr>
@@ -496,7 +502,7 @@
     </p:spTree>
     <p:extLst>
       <p:ext uri="{BB962C8B-B14F-4D97-AF65-F5344CB8AC3E}">
-        <p14:creationId xmlns:p14="http://schemas.microsoft.com/office/powerpoint/2010/main" val="2895996593"/>
+        <p14:creationId xmlns:p14="http://schemas.microsoft.com/office/powerpoint/2010/main" val="603924718"/>
       </p:ext>
     </p:extLst>
   </p:cSld>
@@ -528,7 +534,7 @@
           <p:cNvPr id="2" name="直排標題 1">
             <a:extLst>
               <a:ext uri="{FF2B5EF4-FFF2-40B4-BE49-F238E27FC236}">
-                <a16:creationId xmlns:a16="http://schemas.microsoft.com/office/drawing/2014/main" id="{03619FB9-C7BB-6645-9D4A-C3676C1C1E77}"/>
+                <a16:creationId xmlns:a16="http://schemas.microsoft.com/office/drawing/2014/main" id="{D188E78C-E44F-104D-A01E-D097F2EDD094}"/>
               </a:ext>
             </a:extLst>
           </p:cNvPr>
@@ -561,7 +567,7 @@
           <p:cNvPr id="3" name="直排文字版面配置區 2">
             <a:extLst>
               <a:ext uri="{FF2B5EF4-FFF2-40B4-BE49-F238E27FC236}">
-                <a16:creationId xmlns:a16="http://schemas.microsoft.com/office/drawing/2014/main" id="{D2F9B397-B91F-054B-82EA-FA2FA57E32F8}"/>
+                <a16:creationId xmlns:a16="http://schemas.microsoft.com/office/drawing/2014/main" id="{561D6231-5521-584D-8A4B-EAB4B107D224}"/>
               </a:ext>
             </a:extLst>
           </p:cNvPr>
@@ -598,7 +604,7 @@
           <p:cNvPr id="4" name="日期版面配置區 3">
             <a:extLst>
               <a:ext uri="{FF2B5EF4-FFF2-40B4-BE49-F238E27FC236}">
-                <a16:creationId xmlns:a16="http://schemas.microsoft.com/office/drawing/2014/main" id="{E0960973-DCEC-084C-9D71-E294AFBFB47A}"/>
+                <a16:creationId xmlns:a16="http://schemas.microsoft.com/office/drawing/2014/main" id="{DFA738C6-6066-2240-941D-2E2BA3D88277}"/>
               </a:ext>
             </a:extLst>
           </p:cNvPr>
@@ -616,7 +622,7 @@
           <a:p>
             <a:fld id="{55B79785-3012-D54A-860E-226ED4EF2A90}" type="datetimeFigureOut">
               <a:rPr kumimoji="1" lang="zh-TW" altLang="en-US" smtClean="0"/>
-              <a:t>2018/10/23</a:t>
+              <a:t>2018/10/28</a:t>
             </a:fld>
             <a:endParaRPr kumimoji="1" lang="zh-TW" altLang="en-US"/>
           </a:p>
@@ -627,7 +633,7 @@
           <p:cNvPr id="5" name="頁尾版面配置區 4">
             <a:extLst>
               <a:ext uri="{FF2B5EF4-FFF2-40B4-BE49-F238E27FC236}">
-                <a16:creationId xmlns:a16="http://schemas.microsoft.com/office/drawing/2014/main" id="{A21B5D63-2ABD-0A4D-BF5E-6534C7FA0C61}"/>
+                <a16:creationId xmlns:a16="http://schemas.microsoft.com/office/drawing/2014/main" id="{BD83B968-AA17-CD48-942F-CB307F80DAB9}"/>
               </a:ext>
             </a:extLst>
           </p:cNvPr>
@@ -652,7 +658,7 @@
           <p:cNvPr id="6" name="投影片編號版面配置區 5">
             <a:extLst>
               <a:ext uri="{FF2B5EF4-FFF2-40B4-BE49-F238E27FC236}">
-                <a16:creationId xmlns:a16="http://schemas.microsoft.com/office/drawing/2014/main" id="{F1143B5E-A676-5546-AAC8-BB7F3EF935A3}"/>
+                <a16:creationId xmlns:a16="http://schemas.microsoft.com/office/drawing/2014/main" id="{69502901-2EB0-5549-8376-FF982D7D25DE}"/>
               </a:ext>
             </a:extLst>
           </p:cNvPr>
@@ -679,7 +685,2573 @@
     </p:spTree>
     <p:extLst>
       <p:ext uri="{BB962C8B-B14F-4D97-AF65-F5344CB8AC3E}">
-        <p14:creationId xmlns:p14="http://schemas.microsoft.com/office/powerpoint/2010/main" val="1728460704"/>
+        <p14:creationId xmlns:p14="http://schemas.microsoft.com/office/powerpoint/2010/main" val="1144982051"/>
+      </p:ext>
+    </p:extLst>
+  </p:cSld>
+  <p:clrMapOvr>
+    <a:masterClrMapping/>
+  </p:clrMapOvr>
+</p:sldLayout>
+</file>
+
+<file path=ppt/slideLayouts/slideLayout12.xml><?xml version="1.0" encoding="utf-8"?>
+<p:sldLayout xmlns:a="http://schemas.openxmlformats.org/drawingml/2006/main" xmlns:r="http://schemas.openxmlformats.org/officeDocument/2006/relationships" xmlns:p="http://schemas.openxmlformats.org/presentationml/2006/main" showMasterSp="0" type="title" preserve="1">
+  <p:cSld name="標題投影片">
+    <p:spTree>
+      <p:nvGrpSpPr>
+        <p:cNvPr id="1" name=""/>
+        <p:cNvGrpSpPr/>
+        <p:nvPr/>
+      </p:nvGrpSpPr>
+      <p:grpSpPr>
+        <a:xfrm>
+          <a:off x="0" y="0"/>
+          <a:ext cx="0" cy="0"/>
+          <a:chOff x="0" y="0"/>
+          <a:chExt cx="0" cy="0"/>
+        </a:xfrm>
+      </p:grpSpPr>
+      <p:sp>
+        <p:nvSpPr>
+          <p:cNvPr id="7" name="Rectangle 6"/>
+          <p:cNvSpPr/>
+          <p:nvPr/>
+        </p:nvSpPr>
+        <p:spPr>
+          <a:xfrm>
+            <a:off x="920834" y="1346946"/>
+            <a:ext cx="10222992" cy="80683"/>
+          </a:xfrm>
+          <a:prstGeom prst="rect">
+            <a:avLst/>
+          </a:prstGeom>
+          <a:blipFill dpi="0" rotWithShape="1">
+            <a:blip r:embed="rId2">
+              <a:alphaModFix amt="85000"/>
+              <a:lum bright="70000" contrast="-70000"/>
+              <a:extLst>
+                <a:ext uri="{BEBA8EAE-BF5A-486C-A8C5-ECC9F3942E4B}">
+                  <a14:imgProps xmlns:a14="http://schemas.microsoft.com/office/drawing/2010/main">
+                    <a14:imgLayer r:embed="rId3">
+                      <a14:imgEffect>
+                        <a14:sharpenSoften amount="61000"/>
+                      </a14:imgEffect>
+                    </a14:imgLayer>
+                  </a14:imgProps>
+                </a:ext>
+                <a:ext uri="{28A0092B-C50C-407E-A947-70E740481C1C}">
+                  <a14:useLocalDpi xmlns:a14="http://schemas.microsoft.com/office/drawing/2010/main" val="0"/>
+                </a:ext>
+              </a:extLst>
+            </a:blip>
+            <a:srcRect/>
+            <a:tile tx="0" ty="-762000" sx="92000" sy="89000" flip="xy" algn="ctr"/>
+          </a:blipFill>
+          <a:ln>
+            <a:noFill/>
+          </a:ln>
+        </p:spPr>
+        <p:style>
+          <a:lnRef idx="2">
+            <a:schemeClr val="accent1">
+              <a:shade val="50000"/>
+            </a:schemeClr>
+          </a:lnRef>
+          <a:fillRef idx="1">
+            <a:schemeClr val="accent1"/>
+          </a:fillRef>
+          <a:effectRef idx="0">
+            <a:schemeClr val="accent1"/>
+          </a:effectRef>
+          <a:fontRef idx="minor">
+            <a:schemeClr val="lt1"/>
+          </a:fontRef>
+        </p:style>
+        <p:txBody>
+          <a:bodyPr rtlCol="0" anchor="ctr"/>
+          <a:lstStyle/>
+          <a:p>
+            <a:pPr algn="ctr"/>
+            <a:endParaRPr lang="en-US"/>
+          </a:p>
+        </p:txBody>
+      </p:sp>
+      <p:sp>
+        <p:nvSpPr>
+          <p:cNvPr id="8" name="Rectangle 7"/>
+          <p:cNvSpPr/>
+          <p:nvPr/>
+        </p:nvSpPr>
+        <p:spPr>
+          <a:xfrm>
+            <a:off x="920834" y="4299696"/>
+            <a:ext cx="10222992" cy="80683"/>
+          </a:xfrm>
+          <a:prstGeom prst="rect">
+            <a:avLst/>
+          </a:prstGeom>
+          <a:blipFill dpi="0" rotWithShape="1">
+            <a:blip r:embed="rId2">
+              <a:alphaModFix amt="85000"/>
+              <a:lum bright="70000" contrast="-70000"/>
+              <a:extLst>
+                <a:ext uri="{BEBA8EAE-BF5A-486C-A8C5-ECC9F3942E4B}">
+                  <a14:imgProps xmlns:a14="http://schemas.microsoft.com/office/drawing/2010/main">
+                    <a14:imgLayer r:embed="rId3">
+                      <a14:imgEffect>
+                        <a14:sharpenSoften amount="61000"/>
+                      </a14:imgEffect>
+                    </a14:imgLayer>
+                  </a14:imgProps>
+                </a:ext>
+                <a:ext uri="{28A0092B-C50C-407E-A947-70E740481C1C}">
+                  <a14:useLocalDpi xmlns:a14="http://schemas.microsoft.com/office/drawing/2010/main" val="0"/>
+                </a:ext>
+              </a:extLst>
+            </a:blip>
+            <a:srcRect/>
+            <a:tile tx="0" ty="-717550" sx="92000" sy="89000" flip="xy" algn="ctr"/>
+          </a:blipFill>
+          <a:ln>
+            <a:noFill/>
+          </a:ln>
+        </p:spPr>
+        <p:style>
+          <a:lnRef idx="2">
+            <a:schemeClr val="accent1">
+              <a:shade val="50000"/>
+            </a:schemeClr>
+          </a:lnRef>
+          <a:fillRef idx="1">
+            <a:schemeClr val="accent1"/>
+          </a:fillRef>
+          <a:effectRef idx="0">
+            <a:schemeClr val="accent1"/>
+          </a:effectRef>
+          <a:fontRef idx="minor">
+            <a:schemeClr val="lt1"/>
+          </a:fontRef>
+        </p:style>
+        <p:txBody>
+          <a:bodyPr rtlCol="0" anchor="ctr"/>
+          <a:lstStyle/>
+          <a:p>
+            <a:pPr algn="ctr"/>
+            <a:endParaRPr lang="en-US"/>
+          </a:p>
+        </p:txBody>
+      </p:sp>
+      <p:sp>
+        <p:nvSpPr>
+          <p:cNvPr id="9" name="Rectangle 8"/>
+          <p:cNvSpPr/>
+          <p:nvPr/>
+        </p:nvSpPr>
+        <p:spPr>
+          <a:xfrm>
+            <a:off x="920834" y="1484779"/>
+            <a:ext cx="10222992" cy="2743200"/>
+          </a:xfrm>
+          <a:prstGeom prst="rect">
+            <a:avLst/>
+          </a:prstGeom>
+          <a:blipFill dpi="0" rotWithShape="1">
+            <a:blip r:embed="rId2">
+              <a:alphaModFix amt="85000"/>
+              <a:lum bright="70000" contrast="-70000"/>
+              <a:extLst>
+                <a:ext uri="{BEBA8EAE-BF5A-486C-A8C5-ECC9F3942E4B}">
+                  <a14:imgProps xmlns:a14="http://schemas.microsoft.com/office/drawing/2010/main">
+                    <a14:imgLayer r:embed="rId3">
+                      <a14:imgEffect>
+                        <a14:sharpenSoften amount="61000"/>
+                      </a14:imgEffect>
+                    </a14:imgLayer>
+                  </a14:imgProps>
+                </a:ext>
+                <a:ext uri="{28A0092B-C50C-407E-A947-70E740481C1C}">
+                  <a14:useLocalDpi xmlns:a14="http://schemas.microsoft.com/office/drawing/2010/main" val="0"/>
+                </a:ext>
+              </a:extLst>
+            </a:blip>
+            <a:srcRect/>
+            <a:tile tx="0" ty="-704850" sx="92000" sy="89000" flip="xy" algn="ctr"/>
+          </a:blipFill>
+          <a:ln>
+            <a:noFill/>
+          </a:ln>
+        </p:spPr>
+        <p:style>
+          <a:lnRef idx="2">
+            <a:schemeClr val="accent1">
+              <a:shade val="50000"/>
+            </a:schemeClr>
+          </a:lnRef>
+          <a:fillRef idx="1">
+            <a:schemeClr val="accent1"/>
+          </a:fillRef>
+          <a:effectRef idx="0">
+            <a:schemeClr val="accent1"/>
+          </a:effectRef>
+          <a:fontRef idx="minor">
+            <a:schemeClr val="lt1"/>
+          </a:fontRef>
+        </p:style>
+        <p:txBody>
+          <a:bodyPr rtlCol="0" anchor="ctr"/>
+          <a:lstStyle/>
+          <a:p>
+            <a:pPr algn="ctr"/>
+            <a:endParaRPr lang="en-US"/>
+          </a:p>
+        </p:txBody>
+      </p:sp>
+      <p:grpSp>
+        <p:nvGrpSpPr>
+          <p:cNvPr id="10" name="Group 9"/>
+          <p:cNvGrpSpPr/>
+          <p:nvPr/>
+        </p:nvGrpSpPr>
+        <p:grpSpPr>
+          <a:xfrm>
+            <a:off x="9649215" y="4068923"/>
+            <a:ext cx="1080904" cy="1080902"/>
+            <a:chOff x="9685338" y="4460675"/>
+            <a:chExt cx="1080904" cy="1080902"/>
+          </a:xfrm>
+        </p:grpSpPr>
+        <p:sp>
+          <p:nvSpPr>
+            <p:cNvPr id="11" name="Oval 10"/>
+            <p:cNvSpPr/>
+            <p:nvPr/>
+          </p:nvSpPr>
+          <p:spPr>
+            <a:xfrm>
+              <a:off x="9685338" y="4460675"/>
+              <a:ext cx="1080904" cy="1080902"/>
+            </a:xfrm>
+            <a:prstGeom prst="ellipse">
+              <a:avLst/>
+            </a:prstGeom>
+            <a:blipFill dpi="0" rotWithShape="1">
+              <a:blip r:embed="rId4">
+                <a:duotone>
+                  <a:schemeClr val="accent1">
+                    <a:shade val="45000"/>
+                    <a:satMod val="135000"/>
+                  </a:schemeClr>
+                  <a:prstClr val="white"/>
+                </a:duotone>
+                <a:extLst>
+                  <a:ext uri="{BEBA8EAE-BF5A-486C-A8C5-ECC9F3942E4B}">
+                    <a14:imgProps xmlns:a14="http://schemas.microsoft.com/office/drawing/2010/main">
+                      <a14:imgLayer r:embed="rId5">
+                        <a14:imgEffect>
+                          <a14:saturation sat="95000"/>
+                        </a14:imgEffect>
+                      </a14:imgLayer>
+                    </a14:imgProps>
+                  </a:ext>
+                </a:extLst>
+              </a:blip>
+              <a:srcRect/>
+              <a:tile tx="0" ty="0" sx="85000" sy="85000" flip="none" algn="tl"/>
+            </a:blipFill>
+            <a:ln w="25400" cap="flat" cmpd="sng" algn="ctr">
+              <a:noFill/>
+              <a:prstDash val="solid"/>
+            </a:ln>
+            <a:effectLst/>
+          </p:spPr>
+          <p:txBody>
+            <a:bodyPr lIns="0" tIns="0" rIns="0" bIns="0" rtlCol="0" anchor="ctr"/>
+            <a:lstStyle/>
+            <a:p>
+              <a:pPr marL="0" marR="0" lvl="0" indent="0" algn="ctr" defTabSz="914400" eaLnBrk="1" fontAlgn="auto" latinLnBrk="0" hangingPunct="1">
+                <a:lnSpc>
+                  <a:spcPct val="100000"/>
+                </a:lnSpc>
+                <a:spcBef>
+                  <a:spcPts val="0"/>
+                </a:spcBef>
+                <a:spcAft>
+                  <a:spcPts val="0"/>
+                </a:spcAft>
+                <a:buClrTx/>
+                <a:buSzTx/>
+                <a:buFontTx/>
+                <a:buNone/>
+                <a:tabLst/>
+                <a:defRPr/>
+              </a:pPr>
+              <a:endParaRPr kumimoji="0" lang="en-US" sz="2000" b="0" i="0" u="none" strike="noStrike" kern="0" cap="none" spc="0" normalizeH="0" baseline="0" noProof="0" dirty="0">
+                <a:ln>
+                  <a:noFill/>
+                </a:ln>
+                <a:solidFill>
+                  <a:prstClr val="white"/>
+                </a:solidFill>
+                <a:effectLst/>
+                <a:uLnTx/>
+                <a:uFillTx/>
+                <a:latin typeface="Rockwell Extra Bold" pitchFamily="18" charset="0"/>
+                <a:ea typeface="+mn-ea"/>
+                <a:cs typeface="+mn-cs"/>
+              </a:endParaRPr>
+            </a:p>
+          </p:txBody>
+        </p:sp>
+        <p:sp>
+          <p:nvSpPr>
+            <p:cNvPr id="12" name="Oval 11"/>
+            <p:cNvSpPr/>
+            <p:nvPr/>
+          </p:nvSpPr>
+          <p:spPr>
+            <a:xfrm>
+              <a:off x="9793429" y="4568765"/>
+              <a:ext cx="864723" cy="864722"/>
+            </a:xfrm>
+            <a:prstGeom prst="ellipse">
+              <a:avLst/>
+            </a:prstGeom>
+            <a:noFill/>
+            <a:ln w="25400" cap="flat" cmpd="sng" algn="ctr">
+              <a:solidFill>
+                <a:sysClr val="window" lastClr="FFFFFF"/>
+              </a:solidFill>
+              <a:prstDash val="solid"/>
+            </a:ln>
+            <a:effectLst/>
+          </p:spPr>
+          <p:txBody>
+            <a:bodyPr rtlCol="0" anchor="ctr"/>
+            <a:lstStyle/>
+            <a:p>
+              <a:pPr marL="0" marR="0" lvl="0" indent="0" algn="ctr" defTabSz="914400" eaLnBrk="1" fontAlgn="auto" latinLnBrk="0" hangingPunct="1">
+                <a:lnSpc>
+                  <a:spcPct val="100000"/>
+                </a:lnSpc>
+                <a:spcBef>
+                  <a:spcPts val="0"/>
+                </a:spcBef>
+                <a:spcAft>
+                  <a:spcPts val="0"/>
+                </a:spcAft>
+                <a:buClrTx/>
+                <a:buSzTx/>
+                <a:buFontTx/>
+                <a:buNone/>
+                <a:tabLst/>
+                <a:defRPr/>
+              </a:pPr>
+              <a:endParaRPr kumimoji="0" lang="en-US" sz="1800" b="0" i="0" u="none" strike="noStrike" kern="0" cap="none" spc="0" normalizeH="0" baseline="0" noProof="0" dirty="0">
+                <a:ln>
+                  <a:noFill/>
+                </a:ln>
+                <a:solidFill>
+                  <a:prstClr val="white"/>
+                </a:solidFill>
+                <a:effectLst/>
+                <a:uLnTx/>
+                <a:uFillTx/>
+                <a:latin typeface="Calibri"/>
+                <a:ea typeface="+mn-ea"/>
+                <a:cs typeface="+mn-cs"/>
+              </a:endParaRPr>
+            </a:p>
+          </p:txBody>
+        </p:sp>
+      </p:grpSp>
+      <p:sp>
+        <p:nvSpPr>
+          <p:cNvPr id="2" name="Title 1"/>
+          <p:cNvSpPr>
+            <a:spLocks noGrp="1"/>
+          </p:cNvSpPr>
+          <p:nvPr>
+            <p:ph type="ctrTitle"/>
+          </p:nvPr>
+        </p:nvSpPr>
+        <p:spPr>
+          <a:xfrm>
+            <a:off x="1051560" y="1432223"/>
+            <a:ext cx="9966960" cy="3035808"/>
+          </a:xfrm>
+        </p:spPr>
+        <p:txBody>
+          <a:bodyPr anchor="ctr">
+            <a:noAutofit/>
+          </a:bodyPr>
+          <a:lstStyle>
+            <a:lvl1pPr algn="l">
+              <a:lnSpc>
+                <a:spcPct val="80000"/>
+              </a:lnSpc>
+              <a:defRPr sz="9600" cap="all" baseline="0">
+                <a:blipFill dpi="0" rotWithShape="1">
+                  <a:blip r:embed="rId4"/>
+                  <a:srcRect/>
+                  <a:tile tx="6350" ty="-127000" sx="65000" sy="64000" flip="none" algn="tl"/>
+                </a:blipFill>
+              </a:defRPr>
+            </a:lvl1pPr>
+          </a:lstStyle>
+          <a:p>
+            <a:r>
+              <a:rPr lang="zh-TW" altLang="en-US"/>
+              <a:t>按一下以編輯母片標題樣式</a:t>
+            </a:r>
+            <a:endParaRPr lang="en-US" dirty="0"/>
+          </a:p>
+        </p:txBody>
+      </p:sp>
+      <p:sp>
+        <p:nvSpPr>
+          <p:cNvPr id="3" name="Subtitle 2"/>
+          <p:cNvSpPr>
+            <a:spLocks noGrp="1"/>
+          </p:cNvSpPr>
+          <p:nvPr>
+            <p:ph type="subTitle" idx="1"/>
+          </p:nvPr>
+        </p:nvSpPr>
+        <p:spPr>
+          <a:xfrm>
+            <a:off x="1069848" y="4389120"/>
+            <a:ext cx="7891272" cy="1069848"/>
+          </a:xfrm>
+        </p:spPr>
+        <p:txBody>
+          <a:bodyPr>
+            <a:normAutofit/>
+          </a:bodyPr>
+          <a:lstStyle>
+            <a:lvl1pPr marL="0" indent="0" algn="l">
+              <a:buNone/>
+              <a:defRPr sz="2200">
+                <a:solidFill>
+                  <a:schemeClr val="tx1"/>
+                </a:solidFill>
+              </a:defRPr>
+            </a:lvl1pPr>
+            <a:lvl2pPr marL="457200" indent="0" algn="ctr">
+              <a:buNone/>
+              <a:defRPr sz="2800"/>
+            </a:lvl2pPr>
+            <a:lvl3pPr marL="914400" indent="0" algn="ctr">
+              <a:buNone/>
+              <a:defRPr sz="2400"/>
+            </a:lvl3pPr>
+            <a:lvl4pPr marL="1371600" indent="0" algn="ctr">
+              <a:buNone/>
+              <a:defRPr sz="2000"/>
+            </a:lvl4pPr>
+            <a:lvl5pPr marL="1828800" indent="0" algn="ctr">
+              <a:buNone/>
+              <a:defRPr sz="2000"/>
+            </a:lvl5pPr>
+            <a:lvl6pPr marL="2286000" indent="0" algn="ctr">
+              <a:buNone/>
+              <a:defRPr sz="2000"/>
+            </a:lvl6pPr>
+            <a:lvl7pPr marL="2743200" indent="0" algn="ctr">
+              <a:buNone/>
+              <a:defRPr sz="2000"/>
+            </a:lvl7pPr>
+            <a:lvl8pPr marL="3200400" indent="0" algn="ctr">
+              <a:buNone/>
+              <a:defRPr sz="2000"/>
+            </a:lvl8pPr>
+            <a:lvl9pPr marL="3657600" indent="0" algn="ctr">
+              <a:buNone/>
+              <a:defRPr sz="2000"/>
+            </a:lvl9pPr>
+          </a:lstStyle>
+          <a:p>
+            <a:r>
+              <a:rPr lang="zh-TW" altLang="en-US"/>
+              <a:t>按一下以編輯母片子標題樣式</a:t>
+            </a:r>
+            <a:endParaRPr lang="en-US" dirty="0"/>
+          </a:p>
+        </p:txBody>
+      </p:sp>
+      <p:sp>
+        <p:nvSpPr>
+          <p:cNvPr id="4" name="Date Placeholder 3"/>
+          <p:cNvSpPr>
+            <a:spLocks noGrp="1"/>
+          </p:cNvSpPr>
+          <p:nvPr>
+            <p:ph type="dt" sz="half" idx="10"/>
+          </p:nvPr>
+        </p:nvSpPr>
+        <p:spPr/>
+        <p:txBody>
+          <a:bodyPr/>
+          <a:lstStyle/>
+          <a:p>
+            <a:fld id="{55B79785-3012-D54A-860E-226ED4EF2A90}" type="datetimeFigureOut">
+              <a:rPr kumimoji="1" lang="zh-TW" altLang="en-US" smtClean="0"/>
+              <a:t>2018/10/28</a:t>
+            </a:fld>
+            <a:endParaRPr kumimoji="1" lang="zh-TW" altLang="en-US"/>
+          </a:p>
+        </p:txBody>
+      </p:sp>
+      <p:sp>
+        <p:nvSpPr>
+          <p:cNvPr id="5" name="Footer Placeholder 4"/>
+          <p:cNvSpPr>
+            <a:spLocks noGrp="1"/>
+          </p:cNvSpPr>
+          <p:nvPr>
+            <p:ph type="ftr" sz="quarter" idx="11"/>
+          </p:nvPr>
+        </p:nvSpPr>
+        <p:spPr/>
+        <p:txBody>
+          <a:bodyPr/>
+          <a:lstStyle/>
+          <a:p>
+            <a:endParaRPr kumimoji="1" lang="zh-TW" altLang="en-US"/>
+          </a:p>
+        </p:txBody>
+      </p:sp>
+      <p:sp>
+        <p:nvSpPr>
+          <p:cNvPr id="6" name="Slide Number Placeholder 5"/>
+          <p:cNvSpPr>
+            <a:spLocks noGrp="1"/>
+          </p:cNvSpPr>
+          <p:nvPr>
+            <p:ph type="sldNum" sz="quarter" idx="12"/>
+          </p:nvPr>
+        </p:nvSpPr>
+        <p:spPr>
+          <a:xfrm>
+            <a:off x="9592733" y="4289334"/>
+            <a:ext cx="1193868" cy="640080"/>
+          </a:xfrm>
+        </p:spPr>
+        <p:txBody>
+          <a:bodyPr/>
+          <a:lstStyle>
+            <a:lvl1pPr>
+              <a:defRPr sz="2800"/>
+            </a:lvl1pPr>
+          </a:lstStyle>
+          <a:p>
+            <a:fld id="{97B6DADF-0344-4F4A-882C-585FF354930E}" type="slidenum">
+              <a:rPr kumimoji="1" lang="zh-TW" altLang="en-US" smtClean="0"/>
+              <a:t>‹#›</a:t>
+            </a:fld>
+            <a:endParaRPr kumimoji="1" lang="zh-TW" altLang="en-US"/>
+          </a:p>
+        </p:txBody>
+      </p:sp>
+    </p:spTree>
+    <p:extLst>
+      <p:ext uri="{BB962C8B-B14F-4D97-AF65-F5344CB8AC3E}">
+        <p14:creationId xmlns:p14="http://schemas.microsoft.com/office/powerpoint/2010/main" val="274339319"/>
+      </p:ext>
+    </p:extLst>
+  </p:cSld>
+  <p:clrMapOvr>
+    <a:masterClrMapping/>
+  </p:clrMapOvr>
+</p:sldLayout>
+</file>
+
+<file path=ppt/slideLayouts/slideLayout13.xml><?xml version="1.0" encoding="utf-8"?>
+<p:sldLayout xmlns:a="http://schemas.openxmlformats.org/drawingml/2006/main" xmlns:r="http://schemas.openxmlformats.org/officeDocument/2006/relationships" xmlns:p="http://schemas.openxmlformats.org/presentationml/2006/main" type="obj" preserve="1">
+  <p:cSld name="標題及內容">
+    <p:spTree>
+      <p:nvGrpSpPr>
+        <p:cNvPr id="1" name=""/>
+        <p:cNvGrpSpPr/>
+        <p:nvPr/>
+      </p:nvGrpSpPr>
+      <p:grpSpPr>
+        <a:xfrm>
+          <a:off x="0" y="0"/>
+          <a:ext cx="0" cy="0"/>
+          <a:chOff x="0" y="0"/>
+          <a:chExt cx="0" cy="0"/>
+        </a:xfrm>
+      </p:grpSpPr>
+      <p:sp>
+        <p:nvSpPr>
+          <p:cNvPr id="2" name="Title 1"/>
+          <p:cNvSpPr>
+            <a:spLocks noGrp="1"/>
+          </p:cNvSpPr>
+          <p:nvPr>
+            <p:ph type="title"/>
+          </p:nvPr>
+        </p:nvSpPr>
+        <p:spPr/>
+        <p:txBody>
+          <a:bodyPr/>
+          <a:lstStyle/>
+          <a:p>
+            <a:r>
+              <a:rPr lang="zh-TW" altLang="en-US"/>
+              <a:t>按一下以編輯母片標題樣式</a:t>
+            </a:r>
+            <a:endParaRPr lang="en-US" dirty="0"/>
+          </a:p>
+        </p:txBody>
+      </p:sp>
+      <p:sp>
+        <p:nvSpPr>
+          <p:cNvPr id="3" name="Content Placeholder 2"/>
+          <p:cNvSpPr>
+            <a:spLocks noGrp="1"/>
+          </p:cNvSpPr>
+          <p:nvPr>
+            <p:ph idx="1"/>
+          </p:nvPr>
+        </p:nvSpPr>
+        <p:spPr/>
+        <p:txBody>
+          <a:bodyPr/>
+          <a:lstStyle/>
+          <a:p>
+            <a:pPr lvl="0"/>
+            <a:r>
+              <a:rPr lang="zh-TW" altLang="en-US"/>
+              <a:t>編輯母片文字樣式
+第二層
+第三層
+第四層
+第五層</a:t>
+            </a:r>
+            <a:endParaRPr lang="en-US" dirty="0"/>
+          </a:p>
+        </p:txBody>
+      </p:sp>
+      <p:sp>
+        <p:nvSpPr>
+          <p:cNvPr id="4" name="Date Placeholder 3"/>
+          <p:cNvSpPr>
+            <a:spLocks noGrp="1"/>
+          </p:cNvSpPr>
+          <p:nvPr>
+            <p:ph type="dt" sz="half" idx="10"/>
+          </p:nvPr>
+        </p:nvSpPr>
+        <p:spPr/>
+        <p:txBody>
+          <a:bodyPr/>
+          <a:lstStyle/>
+          <a:p>
+            <a:fld id="{55B79785-3012-D54A-860E-226ED4EF2A90}" type="datetimeFigureOut">
+              <a:rPr kumimoji="1" lang="zh-TW" altLang="en-US" smtClean="0"/>
+              <a:t>2018/10/28</a:t>
+            </a:fld>
+            <a:endParaRPr kumimoji="1" lang="zh-TW" altLang="en-US"/>
+          </a:p>
+        </p:txBody>
+      </p:sp>
+      <p:sp>
+        <p:nvSpPr>
+          <p:cNvPr id="5" name="Footer Placeholder 4"/>
+          <p:cNvSpPr>
+            <a:spLocks noGrp="1"/>
+          </p:cNvSpPr>
+          <p:nvPr>
+            <p:ph type="ftr" sz="quarter" idx="11"/>
+          </p:nvPr>
+        </p:nvSpPr>
+        <p:spPr/>
+        <p:txBody>
+          <a:bodyPr/>
+          <a:lstStyle/>
+          <a:p>
+            <a:endParaRPr kumimoji="1" lang="zh-TW" altLang="en-US"/>
+          </a:p>
+        </p:txBody>
+      </p:sp>
+      <p:sp>
+        <p:nvSpPr>
+          <p:cNvPr id="6" name="Slide Number Placeholder 5"/>
+          <p:cNvSpPr>
+            <a:spLocks noGrp="1"/>
+          </p:cNvSpPr>
+          <p:nvPr>
+            <p:ph type="sldNum" sz="quarter" idx="12"/>
+          </p:nvPr>
+        </p:nvSpPr>
+        <p:spPr/>
+        <p:txBody>
+          <a:bodyPr/>
+          <a:lstStyle/>
+          <a:p>
+            <a:fld id="{97B6DADF-0344-4F4A-882C-585FF354930E}" type="slidenum">
+              <a:rPr kumimoji="1" lang="zh-TW" altLang="en-US" smtClean="0"/>
+              <a:t>‹#›</a:t>
+            </a:fld>
+            <a:endParaRPr kumimoji="1" lang="zh-TW" altLang="en-US"/>
+          </a:p>
+        </p:txBody>
+      </p:sp>
+    </p:spTree>
+    <p:extLst>
+      <p:ext uri="{BB962C8B-B14F-4D97-AF65-F5344CB8AC3E}">
+        <p14:creationId xmlns:p14="http://schemas.microsoft.com/office/powerpoint/2010/main" val="466281397"/>
+      </p:ext>
+    </p:extLst>
+  </p:cSld>
+  <p:clrMapOvr>
+    <a:masterClrMapping/>
+  </p:clrMapOvr>
+</p:sldLayout>
+</file>
+
+<file path=ppt/slideLayouts/slideLayout14.xml><?xml version="1.0" encoding="utf-8"?>
+<p:sldLayout xmlns:a="http://schemas.openxmlformats.org/drawingml/2006/main" xmlns:r="http://schemas.openxmlformats.org/officeDocument/2006/relationships" xmlns:p="http://schemas.openxmlformats.org/presentationml/2006/main" showMasterSp="0" type="secHead" preserve="1">
+  <p:cSld name="章節標題">
+    <p:spTree>
+      <p:nvGrpSpPr>
+        <p:cNvPr id="1" name=""/>
+        <p:cNvGrpSpPr/>
+        <p:nvPr/>
+      </p:nvGrpSpPr>
+      <p:grpSpPr>
+        <a:xfrm>
+          <a:off x="0" y="0"/>
+          <a:ext cx="0" cy="0"/>
+          <a:chOff x="0" y="0"/>
+          <a:chExt cx="0" cy="0"/>
+        </a:xfrm>
+      </p:grpSpPr>
+      <p:sp>
+        <p:nvSpPr>
+          <p:cNvPr id="7" name="Rectangle 6"/>
+          <p:cNvSpPr/>
+          <p:nvPr/>
+        </p:nvSpPr>
+        <p:spPr>
+          <a:xfrm>
+            <a:off x="0" y="4917989"/>
+            <a:ext cx="12192000" cy="1940010"/>
+          </a:xfrm>
+          <a:prstGeom prst="rect">
+            <a:avLst/>
+          </a:prstGeom>
+          <a:blipFill dpi="0" rotWithShape="1">
+            <a:blip r:embed="rId2">
+              <a:alphaModFix amt="85000"/>
+              <a:lum bright="70000" contrast="-70000"/>
+              <a:extLst>
+                <a:ext uri="{BEBA8EAE-BF5A-486C-A8C5-ECC9F3942E4B}">
+                  <a14:imgProps xmlns:a14="http://schemas.microsoft.com/office/drawing/2010/main">
+                    <a14:imgLayer r:embed="rId3">
+                      <a14:imgEffect>
+                        <a14:sharpenSoften amount="61000"/>
+                      </a14:imgEffect>
+                    </a14:imgLayer>
+                  </a14:imgProps>
+                </a:ext>
+                <a:ext uri="{28A0092B-C50C-407E-A947-70E740481C1C}">
+                  <a14:useLocalDpi xmlns:a14="http://schemas.microsoft.com/office/drawing/2010/main" val="0"/>
+                </a:ext>
+              </a:extLst>
+            </a:blip>
+            <a:srcRect/>
+            <a:tile tx="0" ty="-704850" sx="92000" sy="89000" flip="xy" algn="ctr"/>
+          </a:blipFill>
+          <a:ln>
+            <a:noFill/>
+          </a:ln>
+        </p:spPr>
+        <p:style>
+          <a:lnRef idx="2">
+            <a:schemeClr val="accent1">
+              <a:shade val="50000"/>
+            </a:schemeClr>
+          </a:lnRef>
+          <a:fillRef idx="1">
+            <a:schemeClr val="accent1"/>
+          </a:fillRef>
+          <a:effectRef idx="0">
+            <a:schemeClr val="accent1"/>
+          </a:effectRef>
+          <a:fontRef idx="minor">
+            <a:schemeClr val="lt1"/>
+          </a:fontRef>
+        </p:style>
+        <p:txBody>
+          <a:bodyPr rtlCol="0" anchor="ctr"/>
+          <a:lstStyle/>
+          <a:p>
+            <a:pPr algn="ctr"/>
+            <a:endParaRPr lang="en-US"/>
+          </a:p>
+        </p:txBody>
+      </p:sp>
+      <p:sp>
+        <p:nvSpPr>
+          <p:cNvPr id="2" name="Title 1"/>
+          <p:cNvSpPr>
+            <a:spLocks noGrp="1"/>
+          </p:cNvSpPr>
+          <p:nvPr>
+            <p:ph type="title"/>
+          </p:nvPr>
+        </p:nvSpPr>
+        <p:spPr>
+          <a:xfrm>
+            <a:off x="2167128" y="1225296"/>
+            <a:ext cx="9281160" cy="3520440"/>
+          </a:xfrm>
+        </p:spPr>
+        <p:txBody>
+          <a:bodyPr anchor="ctr">
+            <a:normAutofit/>
+          </a:bodyPr>
+          <a:lstStyle>
+            <a:lvl1pPr>
+              <a:lnSpc>
+                <a:spcPct val="80000"/>
+              </a:lnSpc>
+              <a:defRPr sz="8000" b="0"/>
+            </a:lvl1pPr>
+          </a:lstStyle>
+          <a:p>
+            <a:r>
+              <a:rPr lang="zh-TW" altLang="en-US"/>
+              <a:t>按一下以編輯母片標題樣式</a:t>
+            </a:r>
+            <a:endParaRPr lang="en-US" dirty="0"/>
+          </a:p>
+        </p:txBody>
+      </p:sp>
+      <p:sp>
+        <p:nvSpPr>
+          <p:cNvPr id="3" name="Text Placeholder 2"/>
+          <p:cNvSpPr>
+            <a:spLocks noGrp="1"/>
+          </p:cNvSpPr>
+          <p:nvPr>
+            <p:ph type="body" idx="1"/>
+          </p:nvPr>
+        </p:nvSpPr>
+        <p:spPr>
+          <a:xfrm>
+            <a:off x="2165774" y="5020056"/>
+            <a:ext cx="9052560" cy="1066800"/>
+          </a:xfrm>
+        </p:spPr>
+        <p:txBody>
+          <a:bodyPr anchor="t">
+            <a:normAutofit/>
+          </a:bodyPr>
+          <a:lstStyle>
+            <a:lvl1pPr marL="0" indent="0">
+              <a:buNone/>
+              <a:defRPr sz="2000">
+                <a:solidFill>
+                  <a:schemeClr val="tx1"/>
+                </a:solidFill>
+              </a:defRPr>
+            </a:lvl1pPr>
+            <a:lvl2pPr marL="457200" indent="0">
+              <a:buNone/>
+              <a:defRPr sz="1800">
+                <a:solidFill>
+                  <a:schemeClr val="tx1">
+                    <a:tint val="75000"/>
+                  </a:schemeClr>
+                </a:solidFill>
+              </a:defRPr>
+            </a:lvl2pPr>
+            <a:lvl3pPr marL="914400" indent="0">
+              <a:buNone/>
+              <a:defRPr sz="1600">
+                <a:solidFill>
+                  <a:schemeClr val="tx1">
+                    <a:tint val="75000"/>
+                  </a:schemeClr>
+                </a:solidFill>
+              </a:defRPr>
+            </a:lvl3pPr>
+            <a:lvl4pPr marL="1371600" indent="0">
+              <a:buNone/>
+              <a:defRPr sz="1400">
+                <a:solidFill>
+                  <a:schemeClr val="tx1">
+                    <a:tint val="75000"/>
+                  </a:schemeClr>
+                </a:solidFill>
+              </a:defRPr>
+            </a:lvl4pPr>
+            <a:lvl5pPr marL="1828800" indent="0">
+              <a:buNone/>
+              <a:defRPr sz="1400">
+                <a:solidFill>
+                  <a:schemeClr val="tx1">
+                    <a:tint val="75000"/>
+                  </a:schemeClr>
+                </a:solidFill>
+              </a:defRPr>
+            </a:lvl5pPr>
+            <a:lvl6pPr marL="2286000" indent="0">
+              <a:buNone/>
+              <a:defRPr sz="1400">
+                <a:solidFill>
+                  <a:schemeClr val="tx1">
+                    <a:tint val="75000"/>
+                  </a:schemeClr>
+                </a:solidFill>
+              </a:defRPr>
+            </a:lvl6pPr>
+            <a:lvl7pPr marL="2743200" indent="0">
+              <a:buNone/>
+              <a:defRPr sz="1400">
+                <a:solidFill>
+                  <a:schemeClr val="tx1">
+                    <a:tint val="75000"/>
+                  </a:schemeClr>
+                </a:solidFill>
+              </a:defRPr>
+            </a:lvl7pPr>
+            <a:lvl8pPr marL="3200400" indent="0">
+              <a:buNone/>
+              <a:defRPr sz="1400">
+                <a:solidFill>
+                  <a:schemeClr val="tx1">
+                    <a:tint val="75000"/>
+                  </a:schemeClr>
+                </a:solidFill>
+              </a:defRPr>
+            </a:lvl8pPr>
+            <a:lvl9pPr marL="3657600" indent="0">
+              <a:buNone/>
+              <a:defRPr sz="1400">
+                <a:solidFill>
+                  <a:schemeClr val="tx1">
+                    <a:tint val="75000"/>
+                  </a:schemeClr>
+                </a:solidFill>
+              </a:defRPr>
+            </a:lvl9pPr>
+          </a:lstStyle>
+          <a:p>
+            <a:pPr lvl="0"/>
+            <a:r>
+              <a:rPr lang="zh-TW" altLang="en-US"/>
+              <a:t>編輯母片文字樣式
+第二層
+第三層
+第四層
+第五層</a:t>
+            </a:r>
+            <a:endParaRPr lang="en-US"/>
+          </a:p>
+        </p:txBody>
+      </p:sp>
+      <p:sp>
+        <p:nvSpPr>
+          <p:cNvPr id="4" name="Date Placeholder 3"/>
+          <p:cNvSpPr>
+            <a:spLocks noGrp="1"/>
+          </p:cNvSpPr>
+          <p:nvPr>
+            <p:ph type="dt" sz="half" idx="10"/>
+          </p:nvPr>
+        </p:nvSpPr>
+        <p:spPr>
+          <a:xfrm>
+            <a:off x="8593667" y="6272784"/>
+            <a:ext cx="2644309" cy="365125"/>
+          </a:xfrm>
+        </p:spPr>
+        <p:txBody>
+          <a:bodyPr/>
+          <a:lstStyle/>
+          <a:p>
+            <a:fld id="{55B79785-3012-D54A-860E-226ED4EF2A90}" type="datetimeFigureOut">
+              <a:rPr kumimoji="1" lang="zh-TW" altLang="en-US" smtClean="0"/>
+              <a:t>2018/10/28</a:t>
+            </a:fld>
+            <a:endParaRPr kumimoji="1" lang="zh-TW" altLang="en-US"/>
+          </a:p>
+        </p:txBody>
+      </p:sp>
+      <p:sp>
+        <p:nvSpPr>
+          <p:cNvPr id="5" name="Footer Placeholder 4"/>
+          <p:cNvSpPr>
+            <a:spLocks noGrp="1"/>
+          </p:cNvSpPr>
+          <p:nvPr>
+            <p:ph type="ftr" sz="quarter" idx="11"/>
+          </p:nvPr>
+        </p:nvSpPr>
+        <p:spPr>
+          <a:xfrm>
+            <a:off x="2182708" y="6272784"/>
+            <a:ext cx="6327648" cy="365125"/>
+          </a:xfrm>
+        </p:spPr>
+        <p:txBody>
+          <a:bodyPr/>
+          <a:lstStyle/>
+          <a:p>
+            <a:endParaRPr kumimoji="1" lang="zh-TW" altLang="en-US"/>
+          </a:p>
+        </p:txBody>
+      </p:sp>
+      <p:grpSp>
+        <p:nvGrpSpPr>
+          <p:cNvPr id="8" name="Group 7"/>
+          <p:cNvGrpSpPr/>
+          <p:nvPr/>
+        </p:nvGrpSpPr>
+        <p:grpSpPr>
+          <a:xfrm>
+            <a:off x="897399" y="2325848"/>
+            <a:ext cx="1080904" cy="1080902"/>
+            <a:chOff x="9685338" y="4460675"/>
+            <a:chExt cx="1080904" cy="1080902"/>
+          </a:xfrm>
+        </p:grpSpPr>
+        <p:sp>
+          <p:nvSpPr>
+            <p:cNvPr id="9" name="Oval 8"/>
+            <p:cNvSpPr/>
+            <p:nvPr/>
+          </p:nvSpPr>
+          <p:spPr>
+            <a:xfrm>
+              <a:off x="9685338" y="4460675"/>
+              <a:ext cx="1080904" cy="1080902"/>
+            </a:xfrm>
+            <a:prstGeom prst="ellipse">
+              <a:avLst/>
+            </a:prstGeom>
+            <a:blipFill dpi="0" rotWithShape="1">
+              <a:blip r:embed="rId4">
+                <a:duotone>
+                  <a:schemeClr val="accent1">
+                    <a:shade val="45000"/>
+                    <a:satMod val="135000"/>
+                  </a:schemeClr>
+                  <a:prstClr val="white"/>
+                </a:duotone>
+                <a:extLst>
+                  <a:ext uri="{BEBA8EAE-BF5A-486C-A8C5-ECC9F3942E4B}">
+                    <a14:imgProps xmlns:a14="http://schemas.microsoft.com/office/drawing/2010/main">
+                      <a14:imgLayer r:embed="rId5">
+                        <a14:imgEffect>
+                          <a14:saturation sat="95000"/>
+                        </a14:imgEffect>
+                      </a14:imgLayer>
+                    </a14:imgProps>
+                  </a:ext>
+                </a:extLst>
+              </a:blip>
+              <a:srcRect/>
+              <a:tile tx="0" ty="0" sx="85000" sy="85000" flip="none" algn="tl"/>
+            </a:blipFill>
+            <a:ln w="25400" cap="flat" cmpd="sng" algn="ctr">
+              <a:noFill/>
+              <a:prstDash val="solid"/>
+            </a:ln>
+            <a:effectLst/>
+          </p:spPr>
+          <p:txBody>
+            <a:bodyPr lIns="0" tIns="0" rIns="0" bIns="0" rtlCol="0" anchor="ctr"/>
+            <a:lstStyle/>
+            <a:p>
+              <a:pPr marL="0" marR="0" lvl="0" indent="0" algn="ctr" defTabSz="914400" eaLnBrk="1" fontAlgn="auto" latinLnBrk="0" hangingPunct="1">
+                <a:lnSpc>
+                  <a:spcPct val="100000"/>
+                </a:lnSpc>
+                <a:spcBef>
+                  <a:spcPts val="0"/>
+                </a:spcBef>
+                <a:spcAft>
+                  <a:spcPts val="0"/>
+                </a:spcAft>
+                <a:buClrTx/>
+                <a:buSzTx/>
+                <a:buFontTx/>
+                <a:buNone/>
+                <a:tabLst/>
+                <a:defRPr/>
+              </a:pPr>
+              <a:endParaRPr kumimoji="0" lang="en-US" sz="2000" b="0" i="0" u="none" strike="noStrike" kern="0" cap="none" spc="0" normalizeH="0" baseline="0" noProof="0" dirty="0">
+                <a:ln>
+                  <a:noFill/>
+                </a:ln>
+                <a:solidFill>
+                  <a:prstClr val="white"/>
+                </a:solidFill>
+                <a:effectLst/>
+                <a:uLnTx/>
+                <a:uFillTx/>
+                <a:latin typeface="Rockwell Extra Bold" pitchFamily="18" charset="0"/>
+                <a:ea typeface="+mn-ea"/>
+                <a:cs typeface="+mn-cs"/>
+              </a:endParaRPr>
+            </a:p>
+          </p:txBody>
+        </p:sp>
+        <p:sp>
+          <p:nvSpPr>
+            <p:cNvPr id="10" name="Oval 9"/>
+            <p:cNvSpPr/>
+            <p:nvPr/>
+          </p:nvSpPr>
+          <p:spPr>
+            <a:xfrm>
+              <a:off x="9793429" y="4568765"/>
+              <a:ext cx="864723" cy="864722"/>
+            </a:xfrm>
+            <a:prstGeom prst="ellipse">
+              <a:avLst/>
+            </a:prstGeom>
+            <a:noFill/>
+            <a:ln w="25400" cap="flat" cmpd="sng" algn="ctr">
+              <a:solidFill>
+                <a:sysClr val="window" lastClr="FFFFFF"/>
+              </a:solidFill>
+              <a:prstDash val="solid"/>
+            </a:ln>
+            <a:effectLst/>
+          </p:spPr>
+          <p:txBody>
+            <a:bodyPr rtlCol="0" anchor="ctr"/>
+            <a:lstStyle/>
+            <a:p>
+              <a:pPr marL="0" marR="0" lvl="0" indent="0" algn="ctr" defTabSz="914400" eaLnBrk="1" fontAlgn="auto" latinLnBrk="0" hangingPunct="1">
+                <a:lnSpc>
+                  <a:spcPct val="100000"/>
+                </a:lnSpc>
+                <a:spcBef>
+                  <a:spcPts val="0"/>
+                </a:spcBef>
+                <a:spcAft>
+                  <a:spcPts val="0"/>
+                </a:spcAft>
+                <a:buClrTx/>
+                <a:buSzTx/>
+                <a:buFontTx/>
+                <a:buNone/>
+                <a:tabLst/>
+                <a:defRPr/>
+              </a:pPr>
+              <a:endParaRPr kumimoji="0" lang="en-US" sz="1800" b="0" i="0" u="none" strike="noStrike" kern="0" cap="none" spc="0" normalizeH="0" baseline="0" noProof="0" dirty="0">
+                <a:ln>
+                  <a:noFill/>
+                </a:ln>
+                <a:solidFill>
+                  <a:prstClr val="white"/>
+                </a:solidFill>
+                <a:effectLst/>
+                <a:uLnTx/>
+                <a:uFillTx/>
+                <a:latin typeface="Calibri"/>
+                <a:ea typeface="+mn-ea"/>
+                <a:cs typeface="+mn-cs"/>
+              </a:endParaRPr>
+            </a:p>
+          </p:txBody>
+        </p:sp>
+      </p:grpSp>
+      <p:sp>
+        <p:nvSpPr>
+          <p:cNvPr id="6" name="Slide Number Placeholder 5"/>
+          <p:cNvSpPr>
+            <a:spLocks noGrp="1"/>
+          </p:cNvSpPr>
+          <p:nvPr>
+            <p:ph type="sldNum" sz="quarter" idx="12"/>
+          </p:nvPr>
+        </p:nvSpPr>
+        <p:spPr>
+          <a:xfrm>
+            <a:off x="843702" y="2506133"/>
+            <a:ext cx="1188298" cy="720332"/>
+          </a:xfrm>
+        </p:spPr>
+        <p:txBody>
+          <a:bodyPr/>
+          <a:lstStyle>
+            <a:lvl1pPr>
+              <a:defRPr sz="2800"/>
+            </a:lvl1pPr>
+          </a:lstStyle>
+          <a:p>
+            <a:fld id="{97B6DADF-0344-4F4A-882C-585FF354930E}" type="slidenum">
+              <a:rPr kumimoji="1" lang="zh-TW" altLang="en-US" smtClean="0"/>
+              <a:t>‹#›</a:t>
+            </a:fld>
+            <a:endParaRPr kumimoji="1" lang="zh-TW" altLang="en-US"/>
+          </a:p>
+        </p:txBody>
+      </p:sp>
+    </p:spTree>
+    <p:extLst>
+      <p:ext uri="{BB962C8B-B14F-4D97-AF65-F5344CB8AC3E}">
+        <p14:creationId xmlns:p14="http://schemas.microsoft.com/office/powerpoint/2010/main" val="1820241428"/>
+      </p:ext>
+    </p:extLst>
+  </p:cSld>
+  <p:clrMapOvr>
+    <a:masterClrMapping/>
+  </p:clrMapOvr>
+</p:sldLayout>
+</file>
+
+<file path=ppt/slideLayouts/slideLayout15.xml><?xml version="1.0" encoding="utf-8"?>
+<p:sldLayout xmlns:a="http://schemas.openxmlformats.org/drawingml/2006/main" xmlns:r="http://schemas.openxmlformats.org/officeDocument/2006/relationships" xmlns:p="http://schemas.openxmlformats.org/presentationml/2006/main" type="twoObj" preserve="1">
+  <p:cSld name="兩個內容">
+    <p:spTree>
+      <p:nvGrpSpPr>
+        <p:cNvPr id="1" name=""/>
+        <p:cNvGrpSpPr/>
+        <p:nvPr/>
+      </p:nvGrpSpPr>
+      <p:grpSpPr>
+        <a:xfrm>
+          <a:off x="0" y="0"/>
+          <a:ext cx="0" cy="0"/>
+          <a:chOff x="0" y="0"/>
+          <a:chExt cx="0" cy="0"/>
+        </a:xfrm>
+      </p:grpSpPr>
+      <p:sp>
+        <p:nvSpPr>
+          <p:cNvPr id="2" name="Title 1"/>
+          <p:cNvSpPr>
+            <a:spLocks noGrp="1"/>
+          </p:cNvSpPr>
+          <p:nvPr>
+            <p:ph type="title"/>
+          </p:nvPr>
+        </p:nvSpPr>
+        <p:spPr/>
+        <p:txBody>
+          <a:bodyPr/>
+          <a:lstStyle/>
+          <a:p>
+            <a:r>
+              <a:rPr lang="zh-TW" altLang="en-US"/>
+              <a:t>按一下以編輯母片標題樣式</a:t>
+            </a:r>
+            <a:endParaRPr lang="en-US" dirty="0"/>
+          </a:p>
+        </p:txBody>
+      </p:sp>
+      <p:sp>
+        <p:nvSpPr>
+          <p:cNvPr id="3" name="Content Placeholder 2"/>
+          <p:cNvSpPr>
+            <a:spLocks noGrp="1"/>
+          </p:cNvSpPr>
+          <p:nvPr>
+            <p:ph sz="half" idx="1"/>
+          </p:nvPr>
+        </p:nvSpPr>
+        <p:spPr>
+          <a:xfrm>
+            <a:off x="1069848" y="2194560"/>
+            <a:ext cx="4754880" cy="3977640"/>
+          </a:xfrm>
+        </p:spPr>
+        <p:txBody>
+          <a:bodyPr/>
+          <a:lstStyle>
+            <a:lvl1pPr>
+              <a:defRPr sz="2000"/>
+            </a:lvl1pPr>
+            <a:lvl2pPr>
+              <a:defRPr sz="1800"/>
+            </a:lvl2pPr>
+            <a:lvl3pPr>
+              <a:defRPr sz="1600"/>
+            </a:lvl3pPr>
+            <a:lvl4pPr>
+              <a:defRPr sz="1600"/>
+            </a:lvl4pPr>
+            <a:lvl5pPr>
+              <a:defRPr sz="1600"/>
+            </a:lvl5pPr>
+            <a:lvl6pPr>
+              <a:defRPr sz="1800"/>
+            </a:lvl6pPr>
+            <a:lvl7pPr>
+              <a:defRPr sz="1800"/>
+            </a:lvl7pPr>
+            <a:lvl8pPr>
+              <a:defRPr sz="1800"/>
+            </a:lvl8pPr>
+            <a:lvl9pPr>
+              <a:defRPr sz="1800"/>
+            </a:lvl9pPr>
+          </a:lstStyle>
+          <a:p>
+            <a:pPr lvl="0"/>
+            <a:r>
+              <a:rPr lang="zh-TW" altLang="en-US"/>
+              <a:t>編輯母片文字樣式
+第二層
+第三層
+第四層
+第五層</a:t>
+            </a:r>
+            <a:endParaRPr lang="en-US" dirty="0"/>
+          </a:p>
+        </p:txBody>
+      </p:sp>
+      <p:sp>
+        <p:nvSpPr>
+          <p:cNvPr id="4" name="Content Placeholder 3"/>
+          <p:cNvSpPr>
+            <a:spLocks noGrp="1"/>
+          </p:cNvSpPr>
+          <p:nvPr>
+            <p:ph sz="half" idx="2"/>
+          </p:nvPr>
+        </p:nvSpPr>
+        <p:spPr>
+          <a:xfrm>
+            <a:off x="6364224" y="2194560"/>
+            <a:ext cx="4754880" cy="3977640"/>
+          </a:xfrm>
+        </p:spPr>
+        <p:txBody>
+          <a:bodyPr/>
+          <a:lstStyle>
+            <a:lvl1pPr>
+              <a:defRPr sz="2000"/>
+            </a:lvl1pPr>
+            <a:lvl2pPr>
+              <a:defRPr sz="1800"/>
+            </a:lvl2pPr>
+            <a:lvl3pPr>
+              <a:defRPr sz="1600"/>
+            </a:lvl3pPr>
+            <a:lvl4pPr>
+              <a:defRPr sz="1600"/>
+            </a:lvl4pPr>
+            <a:lvl5pPr>
+              <a:defRPr sz="1600"/>
+            </a:lvl5pPr>
+            <a:lvl6pPr>
+              <a:defRPr sz="1800"/>
+            </a:lvl6pPr>
+            <a:lvl7pPr>
+              <a:defRPr sz="1800"/>
+            </a:lvl7pPr>
+            <a:lvl8pPr>
+              <a:defRPr sz="1800"/>
+            </a:lvl8pPr>
+            <a:lvl9pPr>
+              <a:defRPr sz="1800"/>
+            </a:lvl9pPr>
+          </a:lstStyle>
+          <a:p>
+            <a:pPr lvl="0"/>
+            <a:r>
+              <a:rPr lang="zh-TW" altLang="en-US"/>
+              <a:t>編輯母片文字樣式
+第二層
+第三層
+第四層
+第五層</a:t>
+            </a:r>
+            <a:endParaRPr lang="en-US" dirty="0"/>
+          </a:p>
+        </p:txBody>
+      </p:sp>
+      <p:sp>
+        <p:nvSpPr>
+          <p:cNvPr id="5" name="Date Placeholder 4"/>
+          <p:cNvSpPr>
+            <a:spLocks noGrp="1"/>
+          </p:cNvSpPr>
+          <p:nvPr>
+            <p:ph type="dt" sz="half" idx="10"/>
+          </p:nvPr>
+        </p:nvSpPr>
+        <p:spPr/>
+        <p:txBody>
+          <a:bodyPr/>
+          <a:lstStyle/>
+          <a:p>
+            <a:fld id="{55B79785-3012-D54A-860E-226ED4EF2A90}" type="datetimeFigureOut">
+              <a:rPr kumimoji="1" lang="zh-TW" altLang="en-US" smtClean="0"/>
+              <a:t>2018/10/28</a:t>
+            </a:fld>
+            <a:endParaRPr kumimoji="1" lang="zh-TW" altLang="en-US"/>
+          </a:p>
+        </p:txBody>
+      </p:sp>
+      <p:sp>
+        <p:nvSpPr>
+          <p:cNvPr id="6" name="Footer Placeholder 5"/>
+          <p:cNvSpPr>
+            <a:spLocks noGrp="1"/>
+          </p:cNvSpPr>
+          <p:nvPr>
+            <p:ph type="ftr" sz="quarter" idx="11"/>
+          </p:nvPr>
+        </p:nvSpPr>
+        <p:spPr/>
+        <p:txBody>
+          <a:bodyPr/>
+          <a:lstStyle/>
+          <a:p>
+            <a:endParaRPr kumimoji="1" lang="zh-TW" altLang="en-US"/>
+          </a:p>
+        </p:txBody>
+      </p:sp>
+      <p:sp>
+        <p:nvSpPr>
+          <p:cNvPr id="7" name="Slide Number Placeholder 6"/>
+          <p:cNvSpPr>
+            <a:spLocks noGrp="1"/>
+          </p:cNvSpPr>
+          <p:nvPr>
+            <p:ph type="sldNum" sz="quarter" idx="12"/>
+          </p:nvPr>
+        </p:nvSpPr>
+        <p:spPr/>
+        <p:txBody>
+          <a:bodyPr/>
+          <a:lstStyle/>
+          <a:p>
+            <a:fld id="{97B6DADF-0344-4F4A-882C-585FF354930E}" type="slidenum">
+              <a:rPr kumimoji="1" lang="zh-TW" altLang="en-US" smtClean="0"/>
+              <a:t>‹#›</a:t>
+            </a:fld>
+            <a:endParaRPr kumimoji="1" lang="zh-TW" altLang="en-US"/>
+          </a:p>
+        </p:txBody>
+      </p:sp>
+    </p:spTree>
+    <p:extLst>
+      <p:ext uri="{BB962C8B-B14F-4D97-AF65-F5344CB8AC3E}">
+        <p14:creationId xmlns:p14="http://schemas.microsoft.com/office/powerpoint/2010/main" val="3752051209"/>
+      </p:ext>
+    </p:extLst>
+  </p:cSld>
+  <p:clrMapOvr>
+    <a:masterClrMapping/>
+  </p:clrMapOvr>
+</p:sldLayout>
+</file>
+
+<file path=ppt/slideLayouts/slideLayout16.xml><?xml version="1.0" encoding="utf-8"?>
+<p:sldLayout xmlns:a="http://schemas.openxmlformats.org/drawingml/2006/main" xmlns:r="http://schemas.openxmlformats.org/officeDocument/2006/relationships" xmlns:p="http://schemas.openxmlformats.org/presentationml/2006/main" preserve="1">
+  <p:cSld name="比較">
+    <p:spTree>
+      <p:nvGrpSpPr>
+        <p:cNvPr id="1" name=""/>
+        <p:cNvGrpSpPr/>
+        <p:nvPr/>
+      </p:nvGrpSpPr>
+      <p:grpSpPr>
+        <a:xfrm>
+          <a:off x="0" y="0"/>
+          <a:ext cx="0" cy="0"/>
+          <a:chOff x="0" y="0"/>
+          <a:chExt cx="0" cy="0"/>
+        </a:xfrm>
+      </p:grpSpPr>
+      <p:sp>
+        <p:nvSpPr>
+          <p:cNvPr id="3" name="Text Placeholder 2"/>
+          <p:cNvSpPr>
+            <a:spLocks noGrp="1"/>
+          </p:cNvSpPr>
+          <p:nvPr>
+            <p:ph type="body" idx="1"/>
+          </p:nvPr>
+        </p:nvSpPr>
+        <p:spPr>
+          <a:xfrm>
+            <a:off x="1066800" y="2048256"/>
+            <a:ext cx="4754880" cy="640080"/>
+          </a:xfrm>
+        </p:spPr>
+        <p:txBody>
+          <a:bodyPr anchor="ctr">
+            <a:normAutofit/>
+          </a:bodyPr>
+          <a:lstStyle>
+            <a:lvl1pPr marL="0" indent="0">
+              <a:buNone/>
+              <a:defRPr sz="2000" b="1">
+                <a:solidFill>
+                  <a:schemeClr val="accent1">
+                    <a:lumMod val="75000"/>
+                  </a:schemeClr>
+                </a:solidFill>
+              </a:defRPr>
+            </a:lvl1pPr>
+            <a:lvl2pPr marL="457200" indent="0">
+              <a:buNone/>
+              <a:defRPr sz="2000" b="1"/>
+            </a:lvl2pPr>
+            <a:lvl3pPr marL="914400" indent="0">
+              <a:buNone/>
+              <a:defRPr sz="1800" b="1"/>
+            </a:lvl3pPr>
+            <a:lvl4pPr marL="1371600" indent="0">
+              <a:buNone/>
+              <a:defRPr sz="1600" b="1"/>
+            </a:lvl4pPr>
+            <a:lvl5pPr marL="1828800" indent="0">
+              <a:buNone/>
+              <a:defRPr sz="1600" b="1"/>
+            </a:lvl5pPr>
+            <a:lvl6pPr marL="2286000" indent="0">
+              <a:buNone/>
+              <a:defRPr sz="1600" b="1"/>
+            </a:lvl6pPr>
+            <a:lvl7pPr marL="2743200" indent="0">
+              <a:buNone/>
+              <a:defRPr sz="1600" b="1"/>
+            </a:lvl7pPr>
+            <a:lvl8pPr marL="3200400" indent="0">
+              <a:buNone/>
+              <a:defRPr sz="1600" b="1"/>
+            </a:lvl8pPr>
+            <a:lvl9pPr marL="3657600" indent="0">
+              <a:buNone/>
+              <a:defRPr sz="1600" b="1"/>
+            </a:lvl9pPr>
+          </a:lstStyle>
+          <a:p>
+            <a:pPr lvl="0"/>
+            <a:r>
+              <a:rPr lang="zh-TW" altLang="en-US"/>
+              <a:t>編輯母片文字樣式
+第二層
+第三層
+第四層
+第五層</a:t>
+            </a:r>
+            <a:endParaRPr lang="en-US"/>
+          </a:p>
+        </p:txBody>
+      </p:sp>
+      <p:sp>
+        <p:nvSpPr>
+          <p:cNvPr id="4" name="Content Placeholder 3"/>
+          <p:cNvSpPr>
+            <a:spLocks noGrp="1"/>
+          </p:cNvSpPr>
+          <p:nvPr>
+            <p:ph sz="half" idx="2"/>
+          </p:nvPr>
+        </p:nvSpPr>
+        <p:spPr>
+          <a:xfrm>
+            <a:off x="1069848" y="2743200"/>
+            <a:ext cx="4754880" cy="3291840"/>
+          </a:xfrm>
+        </p:spPr>
+        <p:txBody>
+          <a:bodyPr/>
+          <a:lstStyle>
+            <a:lvl1pPr>
+              <a:defRPr sz="2000"/>
+            </a:lvl1pPr>
+            <a:lvl2pPr>
+              <a:defRPr sz="1800"/>
+            </a:lvl2pPr>
+            <a:lvl3pPr>
+              <a:defRPr sz="1600"/>
+            </a:lvl3pPr>
+            <a:lvl4pPr>
+              <a:defRPr sz="1600"/>
+            </a:lvl4pPr>
+            <a:lvl5pPr>
+              <a:defRPr sz="1600"/>
+            </a:lvl5pPr>
+            <a:lvl6pPr>
+              <a:defRPr sz="1600"/>
+            </a:lvl6pPr>
+            <a:lvl7pPr>
+              <a:defRPr sz="1600"/>
+            </a:lvl7pPr>
+            <a:lvl8pPr>
+              <a:defRPr sz="1600"/>
+            </a:lvl8pPr>
+            <a:lvl9pPr>
+              <a:defRPr sz="1600"/>
+            </a:lvl9pPr>
+          </a:lstStyle>
+          <a:p>
+            <a:pPr lvl="0"/>
+            <a:r>
+              <a:rPr lang="zh-TW" altLang="en-US"/>
+              <a:t>編輯母片文字樣式
+第二層
+第三層
+第四層
+第五層</a:t>
+            </a:r>
+            <a:endParaRPr lang="en-US" dirty="0"/>
+          </a:p>
+        </p:txBody>
+      </p:sp>
+      <p:sp>
+        <p:nvSpPr>
+          <p:cNvPr id="5" name="Text Placeholder 4"/>
+          <p:cNvSpPr>
+            <a:spLocks noGrp="1"/>
+          </p:cNvSpPr>
+          <p:nvPr>
+            <p:ph type="body" sz="quarter" idx="3"/>
+          </p:nvPr>
+        </p:nvSpPr>
+        <p:spPr>
+          <a:xfrm>
+            <a:off x="6364224" y="2048256"/>
+            <a:ext cx="4754880" cy="640080"/>
+          </a:xfrm>
+        </p:spPr>
+        <p:txBody>
+          <a:bodyPr anchor="ctr">
+            <a:normAutofit/>
+          </a:bodyPr>
+          <a:lstStyle>
+            <a:lvl1pPr marL="0" indent="0">
+              <a:buNone/>
+              <a:defRPr sz="2000" b="1">
+                <a:solidFill>
+                  <a:schemeClr val="accent1">
+                    <a:lumMod val="75000"/>
+                  </a:schemeClr>
+                </a:solidFill>
+              </a:defRPr>
+            </a:lvl1pPr>
+            <a:lvl2pPr marL="457200" indent="0">
+              <a:buNone/>
+              <a:defRPr sz="2000" b="1"/>
+            </a:lvl2pPr>
+            <a:lvl3pPr marL="914400" indent="0">
+              <a:buNone/>
+              <a:defRPr sz="1800" b="1"/>
+            </a:lvl3pPr>
+            <a:lvl4pPr marL="1371600" indent="0">
+              <a:buNone/>
+              <a:defRPr sz="1600" b="1"/>
+            </a:lvl4pPr>
+            <a:lvl5pPr marL="1828800" indent="0">
+              <a:buNone/>
+              <a:defRPr sz="1600" b="1"/>
+            </a:lvl5pPr>
+            <a:lvl6pPr marL="2286000" indent="0">
+              <a:buNone/>
+              <a:defRPr sz="1600" b="1"/>
+            </a:lvl6pPr>
+            <a:lvl7pPr marL="2743200" indent="0">
+              <a:buNone/>
+              <a:defRPr sz="1600" b="1"/>
+            </a:lvl7pPr>
+            <a:lvl8pPr marL="3200400" indent="0">
+              <a:buNone/>
+              <a:defRPr sz="1600" b="1"/>
+            </a:lvl8pPr>
+            <a:lvl9pPr marL="3657600" indent="0">
+              <a:buNone/>
+              <a:defRPr sz="1600" b="1"/>
+            </a:lvl9pPr>
+          </a:lstStyle>
+          <a:p>
+            <a:pPr lvl="0"/>
+            <a:r>
+              <a:rPr lang="zh-TW" altLang="en-US"/>
+              <a:t>編輯母片文字樣式
+第二層
+第三層
+第四層
+第五層</a:t>
+            </a:r>
+            <a:endParaRPr lang="en-US"/>
+          </a:p>
+        </p:txBody>
+      </p:sp>
+      <p:sp>
+        <p:nvSpPr>
+          <p:cNvPr id="6" name="Content Placeholder 5"/>
+          <p:cNvSpPr>
+            <a:spLocks noGrp="1"/>
+          </p:cNvSpPr>
+          <p:nvPr>
+            <p:ph sz="quarter" idx="4"/>
+          </p:nvPr>
+        </p:nvSpPr>
+        <p:spPr>
+          <a:xfrm>
+            <a:off x="6364224" y="2743200"/>
+            <a:ext cx="4754880" cy="3291840"/>
+          </a:xfrm>
+        </p:spPr>
+        <p:txBody>
+          <a:bodyPr/>
+          <a:lstStyle>
+            <a:lvl1pPr>
+              <a:defRPr sz="2000"/>
+            </a:lvl1pPr>
+            <a:lvl2pPr>
+              <a:defRPr sz="1800"/>
+            </a:lvl2pPr>
+            <a:lvl3pPr>
+              <a:defRPr sz="1600"/>
+            </a:lvl3pPr>
+            <a:lvl4pPr>
+              <a:defRPr sz="1600"/>
+            </a:lvl4pPr>
+            <a:lvl5pPr>
+              <a:defRPr sz="1600"/>
+            </a:lvl5pPr>
+            <a:lvl6pPr>
+              <a:defRPr sz="1600"/>
+            </a:lvl6pPr>
+            <a:lvl7pPr>
+              <a:defRPr sz="1600"/>
+            </a:lvl7pPr>
+            <a:lvl8pPr>
+              <a:defRPr sz="1600"/>
+            </a:lvl8pPr>
+            <a:lvl9pPr>
+              <a:defRPr sz="1600"/>
+            </a:lvl9pPr>
+          </a:lstStyle>
+          <a:p>
+            <a:pPr lvl="0"/>
+            <a:r>
+              <a:rPr lang="zh-TW" altLang="en-US"/>
+              <a:t>編輯母片文字樣式
+第二層
+第三層
+第四層
+第五層</a:t>
+            </a:r>
+            <a:endParaRPr lang="en-US" dirty="0"/>
+          </a:p>
+        </p:txBody>
+      </p:sp>
+      <p:sp>
+        <p:nvSpPr>
+          <p:cNvPr id="7" name="Date Placeholder 6"/>
+          <p:cNvSpPr>
+            <a:spLocks noGrp="1"/>
+          </p:cNvSpPr>
+          <p:nvPr>
+            <p:ph type="dt" sz="half" idx="10"/>
+          </p:nvPr>
+        </p:nvSpPr>
+        <p:spPr/>
+        <p:txBody>
+          <a:bodyPr/>
+          <a:lstStyle/>
+          <a:p>
+            <a:fld id="{55B79785-3012-D54A-860E-226ED4EF2A90}" type="datetimeFigureOut">
+              <a:rPr kumimoji="1" lang="zh-TW" altLang="en-US" smtClean="0"/>
+              <a:t>2018/10/28</a:t>
+            </a:fld>
+            <a:endParaRPr kumimoji="1" lang="zh-TW" altLang="en-US"/>
+          </a:p>
+        </p:txBody>
+      </p:sp>
+      <p:sp>
+        <p:nvSpPr>
+          <p:cNvPr id="8" name="Footer Placeholder 7"/>
+          <p:cNvSpPr>
+            <a:spLocks noGrp="1"/>
+          </p:cNvSpPr>
+          <p:nvPr>
+            <p:ph type="ftr" sz="quarter" idx="11"/>
+          </p:nvPr>
+        </p:nvSpPr>
+        <p:spPr/>
+        <p:txBody>
+          <a:bodyPr/>
+          <a:lstStyle/>
+          <a:p>
+            <a:endParaRPr kumimoji="1" lang="zh-TW" altLang="en-US"/>
+          </a:p>
+        </p:txBody>
+      </p:sp>
+      <p:sp>
+        <p:nvSpPr>
+          <p:cNvPr id="9" name="Slide Number Placeholder 8"/>
+          <p:cNvSpPr>
+            <a:spLocks noGrp="1"/>
+          </p:cNvSpPr>
+          <p:nvPr>
+            <p:ph type="sldNum" sz="quarter" idx="12"/>
+          </p:nvPr>
+        </p:nvSpPr>
+        <p:spPr/>
+        <p:txBody>
+          <a:bodyPr/>
+          <a:lstStyle/>
+          <a:p>
+            <a:fld id="{97B6DADF-0344-4F4A-882C-585FF354930E}" type="slidenum">
+              <a:rPr kumimoji="1" lang="zh-TW" altLang="en-US" smtClean="0"/>
+              <a:t>‹#›</a:t>
+            </a:fld>
+            <a:endParaRPr kumimoji="1" lang="zh-TW" altLang="en-US"/>
+          </a:p>
+        </p:txBody>
+      </p:sp>
+      <p:sp>
+        <p:nvSpPr>
+          <p:cNvPr id="10" name="Title 9"/>
+          <p:cNvSpPr>
+            <a:spLocks noGrp="1"/>
+          </p:cNvSpPr>
+          <p:nvPr>
+            <p:ph type="title"/>
+          </p:nvPr>
+        </p:nvSpPr>
+        <p:spPr/>
+        <p:txBody>
+          <a:bodyPr/>
+          <a:lstStyle/>
+          <a:p>
+            <a:r>
+              <a:rPr lang="zh-TW" altLang="en-US"/>
+              <a:t>按一下以編輯母片標題樣式</a:t>
+            </a:r>
+            <a:endParaRPr lang="en-US" dirty="0"/>
+          </a:p>
+        </p:txBody>
+      </p:sp>
+    </p:spTree>
+    <p:extLst>
+      <p:ext uri="{BB962C8B-B14F-4D97-AF65-F5344CB8AC3E}">
+        <p14:creationId xmlns:p14="http://schemas.microsoft.com/office/powerpoint/2010/main" val="2769568990"/>
+      </p:ext>
+    </p:extLst>
+  </p:cSld>
+  <p:clrMapOvr>
+    <a:masterClrMapping/>
+  </p:clrMapOvr>
+</p:sldLayout>
+</file>
+
+<file path=ppt/slideLayouts/slideLayout17.xml><?xml version="1.0" encoding="utf-8"?>
+<p:sldLayout xmlns:a="http://schemas.openxmlformats.org/drawingml/2006/main" xmlns:r="http://schemas.openxmlformats.org/officeDocument/2006/relationships" xmlns:p="http://schemas.openxmlformats.org/presentationml/2006/main" preserve="1">
+  <p:cSld name="只有標題">
+    <p:spTree>
+      <p:nvGrpSpPr>
+        <p:cNvPr id="1" name=""/>
+        <p:cNvGrpSpPr/>
+        <p:nvPr/>
+      </p:nvGrpSpPr>
+      <p:grpSpPr>
+        <a:xfrm>
+          <a:off x="0" y="0"/>
+          <a:ext cx="0" cy="0"/>
+          <a:chOff x="0" y="0"/>
+          <a:chExt cx="0" cy="0"/>
+        </a:xfrm>
+      </p:grpSpPr>
+      <p:sp>
+        <p:nvSpPr>
+          <p:cNvPr id="3" name="Date Placeholder 2"/>
+          <p:cNvSpPr>
+            <a:spLocks noGrp="1"/>
+          </p:cNvSpPr>
+          <p:nvPr>
+            <p:ph type="dt" sz="half" idx="10"/>
+          </p:nvPr>
+        </p:nvSpPr>
+        <p:spPr/>
+        <p:txBody>
+          <a:bodyPr/>
+          <a:lstStyle/>
+          <a:p>
+            <a:fld id="{55B79785-3012-D54A-860E-226ED4EF2A90}" type="datetimeFigureOut">
+              <a:rPr kumimoji="1" lang="zh-TW" altLang="en-US" smtClean="0"/>
+              <a:t>2018/10/28</a:t>
+            </a:fld>
+            <a:endParaRPr kumimoji="1" lang="zh-TW" altLang="en-US"/>
+          </a:p>
+        </p:txBody>
+      </p:sp>
+      <p:sp>
+        <p:nvSpPr>
+          <p:cNvPr id="4" name="Footer Placeholder 3"/>
+          <p:cNvSpPr>
+            <a:spLocks noGrp="1"/>
+          </p:cNvSpPr>
+          <p:nvPr>
+            <p:ph type="ftr" sz="quarter" idx="11"/>
+          </p:nvPr>
+        </p:nvSpPr>
+        <p:spPr/>
+        <p:txBody>
+          <a:bodyPr/>
+          <a:lstStyle/>
+          <a:p>
+            <a:endParaRPr kumimoji="1" lang="zh-TW" altLang="en-US"/>
+          </a:p>
+        </p:txBody>
+      </p:sp>
+      <p:sp>
+        <p:nvSpPr>
+          <p:cNvPr id="5" name="Slide Number Placeholder 4"/>
+          <p:cNvSpPr>
+            <a:spLocks noGrp="1"/>
+          </p:cNvSpPr>
+          <p:nvPr>
+            <p:ph type="sldNum" sz="quarter" idx="12"/>
+          </p:nvPr>
+        </p:nvSpPr>
+        <p:spPr/>
+        <p:txBody>
+          <a:bodyPr/>
+          <a:lstStyle/>
+          <a:p>
+            <a:fld id="{97B6DADF-0344-4F4A-882C-585FF354930E}" type="slidenum">
+              <a:rPr kumimoji="1" lang="zh-TW" altLang="en-US" smtClean="0"/>
+              <a:t>‹#›</a:t>
+            </a:fld>
+            <a:endParaRPr kumimoji="1" lang="zh-TW" altLang="en-US"/>
+          </a:p>
+        </p:txBody>
+      </p:sp>
+      <p:sp>
+        <p:nvSpPr>
+          <p:cNvPr id="6" name="Title 5"/>
+          <p:cNvSpPr>
+            <a:spLocks noGrp="1"/>
+          </p:cNvSpPr>
+          <p:nvPr>
+            <p:ph type="title"/>
+          </p:nvPr>
+        </p:nvSpPr>
+        <p:spPr/>
+        <p:txBody>
+          <a:bodyPr/>
+          <a:lstStyle/>
+          <a:p>
+            <a:r>
+              <a:rPr lang="zh-TW" altLang="en-US"/>
+              <a:t>按一下以編輯母片標題樣式</a:t>
+            </a:r>
+            <a:endParaRPr lang="en-US"/>
+          </a:p>
+        </p:txBody>
+      </p:sp>
+    </p:spTree>
+    <p:extLst>
+      <p:ext uri="{BB962C8B-B14F-4D97-AF65-F5344CB8AC3E}">
+        <p14:creationId xmlns:p14="http://schemas.microsoft.com/office/powerpoint/2010/main" val="2833060267"/>
+      </p:ext>
+    </p:extLst>
+  </p:cSld>
+  <p:clrMapOvr>
+    <a:masterClrMapping/>
+  </p:clrMapOvr>
+</p:sldLayout>
+</file>
+
+<file path=ppt/slideLayouts/slideLayout18.xml><?xml version="1.0" encoding="utf-8"?>
+<p:sldLayout xmlns:a="http://schemas.openxmlformats.org/drawingml/2006/main" xmlns:r="http://schemas.openxmlformats.org/officeDocument/2006/relationships" xmlns:p="http://schemas.openxmlformats.org/presentationml/2006/main" type="blank" preserve="1">
+  <p:cSld name="空白">
+    <p:spTree>
+      <p:nvGrpSpPr>
+        <p:cNvPr id="1" name=""/>
+        <p:cNvGrpSpPr/>
+        <p:nvPr/>
+      </p:nvGrpSpPr>
+      <p:grpSpPr>
+        <a:xfrm>
+          <a:off x="0" y="0"/>
+          <a:ext cx="0" cy="0"/>
+          <a:chOff x="0" y="0"/>
+          <a:chExt cx="0" cy="0"/>
+        </a:xfrm>
+      </p:grpSpPr>
+      <p:sp>
+        <p:nvSpPr>
+          <p:cNvPr id="2" name="Date Placeholder 1"/>
+          <p:cNvSpPr>
+            <a:spLocks noGrp="1"/>
+          </p:cNvSpPr>
+          <p:nvPr>
+            <p:ph type="dt" sz="half" idx="10"/>
+          </p:nvPr>
+        </p:nvSpPr>
+        <p:spPr/>
+        <p:txBody>
+          <a:bodyPr/>
+          <a:lstStyle/>
+          <a:p>
+            <a:fld id="{55B79785-3012-D54A-860E-226ED4EF2A90}" type="datetimeFigureOut">
+              <a:rPr kumimoji="1" lang="zh-TW" altLang="en-US" smtClean="0"/>
+              <a:t>2018/10/28</a:t>
+            </a:fld>
+            <a:endParaRPr kumimoji="1" lang="zh-TW" altLang="en-US"/>
+          </a:p>
+        </p:txBody>
+      </p:sp>
+      <p:sp>
+        <p:nvSpPr>
+          <p:cNvPr id="3" name="Footer Placeholder 2"/>
+          <p:cNvSpPr>
+            <a:spLocks noGrp="1"/>
+          </p:cNvSpPr>
+          <p:nvPr>
+            <p:ph type="ftr" sz="quarter" idx="11"/>
+          </p:nvPr>
+        </p:nvSpPr>
+        <p:spPr/>
+        <p:txBody>
+          <a:bodyPr/>
+          <a:lstStyle/>
+          <a:p>
+            <a:endParaRPr kumimoji="1" lang="zh-TW" altLang="en-US"/>
+          </a:p>
+        </p:txBody>
+      </p:sp>
+      <p:sp>
+        <p:nvSpPr>
+          <p:cNvPr id="4" name="Slide Number Placeholder 3"/>
+          <p:cNvSpPr>
+            <a:spLocks noGrp="1"/>
+          </p:cNvSpPr>
+          <p:nvPr>
+            <p:ph type="sldNum" sz="quarter" idx="12"/>
+          </p:nvPr>
+        </p:nvSpPr>
+        <p:spPr/>
+        <p:txBody>
+          <a:bodyPr/>
+          <a:lstStyle/>
+          <a:p>
+            <a:fld id="{97B6DADF-0344-4F4A-882C-585FF354930E}" type="slidenum">
+              <a:rPr kumimoji="1" lang="zh-TW" altLang="en-US" smtClean="0"/>
+              <a:t>‹#›</a:t>
+            </a:fld>
+            <a:endParaRPr kumimoji="1" lang="zh-TW" altLang="en-US"/>
+          </a:p>
+        </p:txBody>
+      </p:sp>
+    </p:spTree>
+    <p:extLst>
+      <p:ext uri="{BB962C8B-B14F-4D97-AF65-F5344CB8AC3E}">
+        <p14:creationId xmlns:p14="http://schemas.microsoft.com/office/powerpoint/2010/main" val="3907142962"/>
+      </p:ext>
+    </p:extLst>
+  </p:cSld>
+  <p:clrMapOvr>
+    <a:masterClrMapping/>
+  </p:clrMapOvr>
+</p:sldLayout>
+</file>
+
+<file path=ppt/slideLayouts/slideLayout19.xml><?xml version="1.0" encoding="utf-8"?>
+<p:sldLayout xmlns:a="http://schemas.openxmlformats.org/drawingml/2006/main" xmlns:r="http://schemas.openxmlformats.org/officeDocument/2006/relationships" xmlns:p="http://schemas.openxmlformats.org/presentationml/2006/main" showMasterSp="0" type="objTx" preserve="1">
+  <p:cSld name="含標題的內容">
+    <p:spTree>
+      <p:nvGrpSpPr>
+        <p:cNvPr id="1" name=""/>
+        <p:cNvGrpSpPr/>
+        <p:nvPr/>
+      </p:nvGrpSpPr>
+      <p:grpSpPr>
+        <a:xfrm>
+          <a:off x="0" y="0"/>
+          <a:ext cx="0" cy="0"/>
+          <a:chOff x="0" y="0"/>
+          <a:chExt cx="0" cy="0"/>
+        </a:xfrm>
+      </p:grpSpPr>
+      <p:sp>
+        <p:nvSpPr>
+          <p:cNvPr id="8" name="Rectangle 7"/>
+          <p:cNvSpPr/>
+          <p:nvPr/>
+        </p:nvSpPr>
+        <p:spPr>
+          <a:xfrm>
+            <a:off x="8303740" y="0"/>
+            <a:ext cx="3888259" cy="6857999"/>
+          </a:xfrm>
+          <a:prstGeom prst="rect">
+            <a:avLst/>
+          </a:prstGeom>
+          <a:blipFill dpi="0" rotWithShape="1">
+            <a:blip r:embed="rId2">
+              <a:alphaModFix amt="60000"/>
+              <a:lum bright="70000" contrast="-70000"/>
+              <a:extLst>
+                <a:ext uri="{BEBA8EAE-BF5A-486C-A8C5-ECC9F3942E4B}">
+                  <a14:imgProps xmlns:a14="http://schemas.microsoft.com/office/drawing/2010/main">
+                    <a14:imgLayer r:embed="rId3">
+                      <a14:imgEffect>
+                        <a14:sharpenSoften amount="61000"/>
+                      </a14:imgEffect>
+                    </a14:imgLayer>
+                  </a14:imgProps>
+                </a:ext>
+                <a:ext uri="{28A0092B-C50C-407E-A947-70E740481C1C}">
+                  <a14:useLocalDpi xmlns:a14="http://schemas.microsoft.com/office/drawing/2010/main" val="0"/>
+                </a:ext>
+              </a:extLst>
+            </a:blip>
+            <a:srcRect/>
+            <a:tile tx="0" ty="-704850" sx="92000" sy="89000" flip="xy" algn="ctr"/>
+          </a:blipFill>
+          <a:ln>
+            <a:noFill/>
+          </a:ln>
+        </p:spPr>
+        <p:style>
+          <a:lnRef idx="2">
+            <a:schemeClr val="accent1">
+              <a:shade val="50000"/>
+            </a:schemeClr>
+          </a:lnRef>
+          <a:fillRef idx="1">
+            <a:schemeClr val="accent1"/>
+          </a:fillRef>
+          <a:effectRef idx="0">
+            <a:schemeClr val="accent1"/>
+          </a:effectRef>
+          <a:fontRef idx="minor">
+            <a:schemeClr val="lt1"/>
+          </a:fontRef>
+        </p:style>
+        <p:txBody>
+          <a:bodyPr rtlCol="0" anchor="ctr"/>
+          <a:lstStyle/>
+          <a:p>
+            <a:pPr algn="ctr"/>
+            <a:endParaRPr lang="en-US"/>
+          </a:p>
+        </p:txBody>
+      </p:sp>
+      <p:sp>
+        <p:nvSpPr>
+          <p:cNvPr id="2" name="Title 1"/>
+          <p:cNvSpPr>
+            <a:spLocks noGrp="1"/>
+          </p:cNvSpPr>
+          <p:nvPr>
+            <p:ph type="title"/>
+          </p:nvPr>
+        </p:nvSpPr>
+        <p:spPr>
+          <a:xfrm>
+            <a:off x="8549640" y="685800"/>
+            <a:ext cx="3200400" cy="1737360"/>
+          </a:xfrm>
+        </p:spPr>
+        <p:txBody>
+          <a:bodyPr anchor="b">
+            <a:normAutofit/>
+          </a:bodyPr>
+          <a:lstStyle>
+            <a:lvl1pPr>
+              <a:defRPr sz="3200" b="1"/>
+            </a:lvl1pPr>
+          </a:lstStyle>
+          <a:p>
+            <a:r>
+              <a:rPr lang="zh-TW" altLang="en-US"/>
+              <a:t>按一下以編輯母片標題樣式</a:t>
+            </a:r>
+            <a:endParaRPr lang="en-US" dirty="0"/>
+          </a:p>
+        </p:txBody>
+      </p:sp>
+      <p:sp>
+        <p:nvSpPr>
+          <p:cNvPr id="3" name="Content Placeholder 2"/>
+          <p:cNvSpPr>
+            <a:spLocks noGrp="1"/>
+          </p:cNvSpPr>
+          <p:nvPr>
+            <p:ph idx="1"/>
+          </p:nvPr>
+        </p:nvSpPr>
+        <p:spPr>
+          <a:xfrm>
+            <a:off x="838200" y="685800"/>
+            <a:ext cx="6711696" cy="5020056"/>
+          </a:xfrm>
+        </p:spPr>
+        <p:txBody>
+          <a:bodyPr/>
+          <a:lstStyle>
+            <a:lvl1pPr>
+              <a:defRPr sz="2000"/>
+            </a:lvl1pPr>
+            <a:lvl2pPr>
+              <a:defRPr sz="1800"/>
+            </a:lvl2pPr>
+            <a:lvl3pPr>
+              <a:defRPr sz="1600"/>
+            </a:lvl3pPr>
+            <a:lvl4pPr>
+              <a:defRPr sz="1600"/>
+            </a:lvl4pPr>
+            <a:lvl5pPr>
+              <a:defRPr sz="1600"/>
+            </a:lvl5pPr>
+            <a:lvl6pPr>
+              <a:defRPr sz="2000"/>
+            </a:lvl6pPr>
+            <a:lvl7pPr>
+              <a:defRPr sz="2000"/>
+            </a:lvl7pPr>
+            <a:lvl8pPr>
+              <a:defRPr sz="2000"/>
+            </a:lvl8pPr>
+            <a:lvl9pPr>
+              <a:defRPr sz="2000"/>
+            </a:lvl9pPr>
+          </a:lstStyle>
+          <a:p>
+            <a:pPr lvl="0"/>
+            <a:r>
+              <a:rPr lang="zh-TW" altLang="en-US"/>
+              <a:t>編輯母片文字樣式
+第二層
+第三層
+第四層
+第五層</a:t>
+            </a:r>
+            <a:endParaRPr lang="en-US" dirty="0"/>
+          </a:p>
+        </p:txBody>
+      </p:sp>
+      <p:sp>
+        <p:nvSpPr>
+          <p:cNvPr id="4" name="Text Placeholder 3"/>
+          <p:cNvSpPr>
+            <a:spLocks noGrp="1"/>
+          </p:cNvSpPr>
+          <p:nvPr>
+            <p:ph type="body" sz="half" idx="2"/>
+          </p:nvPr>
+        </p:nvSpPr>
+        <p:spPr>
+          <a:xfrm>
+            <a:off x="8549640" y="2423160"/>
+            <a:ext cx="3200400" cy="3291840"/>
+          </a:xfrm>
+        </p:spPr>
+        <p:txBody>
+          <a:bodyPr>
+            <a:normAutofit/>
+          </a:bodyPr>
+          <a:lstStyle>
+            <a:lvl1pPr marL="0" indent="0">
+              <a:lnSpc>
+                <a:spcPct val="100000"/>
+              </a:lnSpc>
+              <a:spcBef>
+                <a:spcPts val="1000"/>
+              </a:spcBef>
+              <a:buNone/>
+              <a:defRPr sz="1400">
+                <a:solidFill>
+                  <a:schemeClr val="accent1">
+                    <a:lumMod val="75000"/>
+                  </a:schemeClr>
+                </a:solidFill>
+              </a:defRPr>
+            </a:lvl1pPr>
+            <a:lvl2pPr marL="457200" indent="0">
+              <a:buNone/>
+              <a:defRPr sz="1200"/>
+            </a:lvl2pPr>
+            <a:lvl3pPr marL="914400" indent="0">
+              <a:buNone/>
+              <a:defRPr sz="1000"/>
+            </a:lvl3pPr>
+            <a:lvl4pPr marL="1371600" indent="0">
+              <a:buNone/>
+              <a:defRPr sz="900"/>
+            </a:lvl4pPr>
+            <a:lvl5pPr marL="1828800" indent="0">
+              <a:buNone/>
+              <a:defRPr sz="900"/>
+            </a:lvl5pPr>
+            <a:lvl6pPr marL="2286000" indent="0">
+              <a:buNone/>
+              <a:defRPr sz="900"/>
+            </a:lvl6pPr>
+            <a:lvl7pPr marL="2743200" indent="0">
+              <a:buNone/>
+              <a:defRPr sz="900"/>
+            </a:lvl7pPr>
+            <a:lvl8pPr marL="3200400" indent="0">
+              <a:buNone/>
+              <a:defRPr sz="900"/>
+            </a:lvl8pPr>
+            <a:lvl9pPr marL="3657600" indent="0">
+              <a:buNone/>
+              <a:defRPr sz="900"/>
+            </a:lvl9pPr>
+          </a:lstStyle>
+          <a:p>
+            <a:pPr lvl="0"/>
+            <a:r>
+              <a:rPr lang="zh-TW" altLang="en-US"/>
+              <a:t>編輯母片文字樣式
+第二層
+第三層
+第四層
+第五層</a:t>
+            </a:r>
+            <a:endParaRPr lang="en-US"/>
+          </a:p>
+        </p:txBody>
+      </p:sp>
+      <p:sp>
+        <p:nvSpPr>
+          <p:cNvPr id="5" name="Date Placeholder 4"/>
+          <p:cNvSpPr>
+            <a:spLocks noGrp="1"/>
+          </p:cNvSpPr>
+          <p:nvPr>
+            <p:ph type="dt" sz="half" idx="10"/>
+          </p:nvPr>
+        </p:nvSpPr>
+        <p:spPr/>
+        <p:txBody>
+          <a:bodyPr/>
+          <a:lstStyle/>
+          <a:p>
+            <a:fld id="{55B79785-3012-D54A-860E-226ED4EF2A90}" type="datetimeFigureOut">
+              <a:rPr kumimoji="1" lang="zh-TW" altLang="en-US" smtClean="0"/>
+              <a:t>2018/10/28</a:t>
+            </a:fld>
+            <a:endParaRPr kumimoji="1" lang="zh-TW" altLang="en-US"/>
+          </a:p>
+        </p:txBody>
+      </p:sp>
+      <p:sp>
+        <p:nvSpPr>
+          <p:cNvPr id="6" name="Footer Placeholder 5"/>
+          <p:cNvSpPr>
+            <a:spLocks noGrp="1"/>
+          </p:cNvSpPr>
+          <p:nvPr>
+            <p:ph type="ftr" sz="quarter" idx="11"/>
+          </p:nvPr>
+        </p:nvSpPr>
+        <p:spPr/>
+        <p:txBody>
+          <a:bodyPr/>
+          <a:lstStyle/>
+          <a:p>
+            <a:endParaRPr kumimoji="1" lang="zh-TW" altLang="en-US"/>
+          </a:p>
+        </p:txBody>
+      </p:sp>
+      <p:grpSp>
+        <p:nvGrpSpPr>
+          <p:cNvPr id="9" name="Group 8"/>
+          <p:cNvGrpSpPr>
+            <a:grpSpLocks noChangeAspect="1"/>
+          </p:cNvGrpSpPr>
+          <p:nvPr/>
+        </p:nvGrpSpPr>
+        <p:grpSpPr>
+          <a:xfrm>
+            <a:off x="11401725" y="6229681"/>
+            <a:ext cx="457200" cy="457200"/>
+            <a:chOff x="11361456" y="6195813"/>
+            <a:chExt cx="548640" cy="548640"/>
+          </a:xfrm>
+        </p:grpSpPr>
+        <p:sp>
+          <p:nvSpPr>
+            <p:cNvPr id="10" name="Oval 9"/>
+            <p:cNvSpPr/>
+            <p:nvPr/>
+          </p:nvSpPr>
+          <p:spPr>
+            <a:xfrm>
+              <a:off x="11361456" y="6195813"/>
+              <a:ext cx="548640" cy="548640"/>
+            </a:xfrm>
+            <a:prstGeom prst="ellipse">
+              <a:avLst/>
+            </a:prstGeom>
+            <a:blipFill dpi="0" rotWithShape="1">
+              <a:blip r:embed="rId4">
+                <a:duotone>
+                  <a:schemeClr val="accent1">
+                    <a:shade val="45000"/>
+                    <a:satMod val="135000"/>
+                  </a:schemeClr>
+                  <a:prstClr val="white"/>
+                </a:duotone>
+                <a:extLst>
+                  <a:ext uri="{BEBA8EAE-BF5A-486C-A8C5-ECC9F3942E4B}">
+                    <a14:imgProps xmlns:a14="http://schemas.microsoft.com/office/drawing/2010/main">
+                      <a14:imgLayer r:embed="rId5">
+                        <a14:imgEffect>
+                          <a14:saturation sat="95000"/>
+                        </a14:imgEffect>
+                        <a14:imgEffect>
+                          <a14:brightnessContrast bright="-40000" contrast="20000"/>
+                        </a14:imgEffect>
+                      </a14:imgLayer>
+                    </a14:imgProps>
+                  </a:ext>
+                </a:extLst>
+              </a:blip>
+              <a:srcRect/>
+              <a:tile tx="50800" ty="0" sx="85000" sy="85000" flip="none" algn="tl"/>
+            </a:blipFill>
+            <a:ln w="25400" cap="flat" cmpd="sng" algn="ctr">
+              <a:noFill/>
+              <a:prstDash val="solid"/>
+            </a:ln>
+            <a:effectLst/>
+          </p:spPr>
+          <p:txBody>
+            <a:bodyPr lIns="0" tIns="0" rIns="0" bIns="0" rtlCol="0" anchor="ctr"/>
+            <a:lstStyle/>
+            <a:p>
+              <a:pPr marL="0" marR="0" lvl="0" indent="0" algn="ctr" defTabSz="914400" eaLnBrk="1" fontAlgn="auto" latinLnBrk="0" hangingPunct="1">
+                <a:lnSpc>
+                  <a:spcPct val="100000"/>
+                </a:lnSpc>
+                <a:spcBef>
+                  <a:spcPts val="0"/>
+                </a:spcBef>
+                <a:spcAft>
+                  <a:spcPts val="0"/>
+                </a:spcAft>
+                <a:buClrTx/>
+                <a:buSzTx/>
+                <a:buFontTx/>
+                <a:buNone/>
+                <a:tabLst/>
+                <a:defRPr/>
+              </a:pPr>
+              <a:endParaRPr kumimoji="0" lang="en-US" sz="2000" b="0" i="0" u="none" strike="noStrike" kern="0" cap="none" spc="0" normalizeH="0" baseline="0" noProof="0" dirty="0">
+                <a:ln>
+                  <a:noFill/>
+                </a:ln>
+                <a:solidFill>
+                  <a:prstClr val="white"/>
+                </a:solidFill>
+                <a:effectLst/>
+                <a:uLnTx/>
+                <a:uFillTx/>
+                <a:latin typeface="Rockwell Extra Bold" pitchFamily="18" charset="0"/>
+                <a:ea typeface="+mn-ea"/>
+                <a:cs typeface="+mn-cs"/>
+              </a:endParaRPr>
+            </a:p>
+          </p:txBody>
+        </p:sp>
+        <p:sp>
+          <p:nvSpPr>
+            <p:cNvPr id="11" name="Oval 10"/>
+            <p:cNvSpPr/>
+            <p:nvPr/>
+          </p:nvSpPr>
+          <p:spPr>
+            <a:xfrm>
+              <a:off x="11396488" y="6230844"/>
+              <a:ext cx="478576" cy="478578"/>
+            </a:xfrm>
+            <a:prstGeom prst="ellipse">
+              <a:avLst/>
+            </a:prstGeom>
+            <a:noFill/>
+            <a:ln w="12700" cap="flat" cmpd="sng" algn="ctr">
+              <a:solidFill>
+                <a:sysClr val="window" lastClr="FFFFFF"/>
+              </a:solidFill>
+              <a:prstDash val="solid"/>
+            </a:ln>
+            <a:effectLst/>
+          </p:spPr>
+          <p:txBody>
+            <a:bodyPr rtlCol="0" anchor="ctr"/>
+            <a:lstStyle/>
+            <a:p>
+              <a:pPr marL="0" marR="0" lvl="0" indent="0" algn="ctr" defTabSz="914400" eaLnBrk="1" fontAlgn="auto" latinLnBrk="0" hangingPunct="1">
+                <a:lnSpc>
+                  <a:spcPct val="100000"/>
+                </a:lnSpc>
+                <a:spcBef>
+                  <a:spcPts val="0"/>
+                </a:spcBef>
+                <a:spcAft>
+                  <a:spcPts val="0"/>
+                </a:spcAft>
+                <a:buClrTx/>
+                <a:buSzTx/>
+                <a:buFontTx/>
+                <a:buNone/>
+                <a:tabLst/>
+                <a:defRPr/>
+              </a:pPr>
+              <a:endParaRPr kumimoji="0" lang="en-US" sz="1800" b="0" i="0" u="none" strike="noStrike" kern="0" cap="none" spc="0" normalizeH="0" baseline="0" noProof="0" dirty="0">
+                <a:ln>
+                  <a:noFill/>
+                </a:ln>
+                <a:solidFill>
+                  <a:prstClr val="white"/>
+                </a:solidFill>
+                <a:effectLst/>
+                <a:uLnTx/>
+                <a:uFillTx/>
+                <a:latin typeface="Calibri"/>
+                <a:ea typeface="+mn-ea"/>
+                <a:cs typeface="+mn-cs"/>
+              </a:endParaRPr>
+            </a:p>
+          </p:txBody>
+        </p:sp>
+      </p:grpSp>
+      <p:sp>
+        <p:nvSpPr>
+          <p:cNvPr id="7" name="Slide Number Placeholder 6"/>
+          <p:cNvSpPr>
+            <a:spLocks noGrp="1"/>
+          </p:cNvSpPr>
+          <p:nvPr>
+            <p:ph type="sldNum" sz="quarter" idx="12"/>
+          </p:nvPr>
+        </p:nvSpPr>
+        <p:spPr/>
+        <p:txBody>
+          <a:bodyPr/>
+          <a:lstStyle/>
+          <a:p>
+            <a:fld id="{97B6DADF-0344-4F4A-882C-585FF354930E}" type="slidenum">
+              <a:rPr kumimoji="1" lang="zh-TW" altLang="en-US" smtClean="0"/>
+              <a:t>‹#›</a:t>
+            </a:fld>
+            <a:endParaRPr kumimoji="1" lang="zh-TW" altLang="en-US"/>
+          </a:p>
+        </p:txBody>
+      </p:sp>
+    </p:spTree>
+    <p:extLst>
+      <p:ext uri="{BB962C8B-B14F-4D97-AF65-F5344CB8AC3E}">
+        <p14:creationId xmlns:p14="http://schemas.microsoft.com/office/powerpoint/2010/main" val="3705968734"/>
       </p:ext>
     </p:extLst>
   </p:cSld>
@@ -711,7 +3283,7 @@
           <p:cNvPr id="2" name="標題 1">
             <a:extLst>
               <a:ext uri="{FF2B5EF4-FFF2-40B4-BE49-F238E27FC236}">
-                <a16:creationId xmlns:a16="http://schemas.microsoft.com/office/drawing/2014/main" id="{B74978A9-77EE-CE4D-B589-52222F9ACCF5}"/>
+                <a16:creationId xmlns:a16="http://schemas.microsoft.com/office/drawing/2014/main" id="{76D4D48F-B269-2746-BE96-99539764FE16}"/>
               </a:ext>
             </a:extLst>
           </p:cNvPr>
@@ -739,7 +3311,7 @@
           <p:cNvPr id="3" name="內容版面配置區 2">
             <a:extLst>
               <a:ext uri="{FF2B5EF4-FFF2-40B4-BE49-F238E27FC236}">
-                <a16:creationId xmlns:a16="http://schemas.microsoft.com/office/drawing/2014/main" id="{B786B7A0-737F-D446-B5B3-FAF6310318FF}"/>
+                <a16:creationId xmlns:a16="http://schemas.microsoft.com/office/drawing/2014/main" id="{D98CDA30-2358-9C4A-962E-66E3349A274A}"/>
               </a:ext>
             </a:extLst>
           </p:cNvPr>
@@ -771,7 +3343,7 @@
           <p:cNvPr id="4" name="日期版面配置區 3">
             <a:extLst>
               <a:ext uri="{FF2B5EF4-FFF2-40B4-BE49-F238E27FC236}">
-                <a16:creationId xmlns:a16="http://schemas.microsoft.com/office/drawing/2014/main" id="{A4860EF2-33A2-5143-B580-4A59021585CE}"/>
+                <a16:creationId xmlns:a16="http://schemas.microsoft.com/office/drawing/2014/main" id="{0203259B-C218-B045-9A5C-8DB4E5AED854}"/>
               </a:ext>
             </a:extLst>
           </p:cNvPr>
@@ -789,7 +3361,7 @@
           <a:p>
             <a:fld id="{55B79785-3012-D54A-860E-226ED4EF2A90}" type="datetimeFigureOut">
               <a:rPr kumimoji="1" lang="zh-TW" altLang="en-US" smtClean="0"/>
-              <a:t>2018/10/23</a:t>
+              <a:t>2018/10/28</a:t>
             </a:fld>
             <a:endParaRPr kumimoji="1" lang="zh-TW" altLang="en-US"/>
           </a:p>
@@ -800,7 +3372,7 @@
           <p:cNvPr id="5" name="頁尾版面配置區 4">
             <a:extLst>
               <a:ext uri="{FF2B5EF4-FFF2-40B4-BE49-F238E27FC236}">
-                <a16:creationId xmlns:a16="http://schemas.microsoft.com/office/drawing/2014/main" id="{5A039EDE-1DDF-2B45-95E2-1A270A7F015E}"/>
+                <a16:creationId xmlns:a16="http://schemas.microsoft.com/office/drawing/2014/main" id="{5952D979-0D05-6543-8DF4-CA154629B6AC}"/>
               </a:ext>
             </a:extLst>
           </p:cNvPr>
@@ -825,7 +3397,7 @@
           <p:cNvPr id="6" name="投影片編號版面配置區 5">
             <a:extLst>
               <a:ext uri="{FF2B5EF4-FFF2-40B4-BE49-F238E27FC236}">
-                <a16:creationId xmlns:a16="http://schemas.microsoft.com/office/drawing/2014/main" id="{98AAC234-6515-5541-B3F3-4E006220067F}"/>
+                <a16:creationId xmlns:a16="http://schemas.microsoft.com/office/drawing/2014/main" id="{83C7485C-E419-974D-8E6E-ACBBC074D9A4}"/>
               </a:ext>
             </a:extLst>
           </p:cNvPr>
@@ -852,7 +3424,802 @@
     </p:spTree>
     <p:extLst>
       <p:ext uri="{BB962C8B-B14F-4D97-AF65-F5344CB8AC3E}">
-        <p14:creationId xmlns:p14="http://schemas.microsoft.com/office/powerpoint/2010/main" val="4044125049"/>
+        <p14:creationId xmlns:p14="http://schemas.microsoft.com/office/powerpoint/2010/main" val="663916286"/>
+      </p:ext>
+    </p:extLst>
+  </p:cSld>
+  <p:clrMapOvr>
+    <a:masterClrMapping/>
+  </p:clrMapOvr>
+</p:sldLayout>
+</file>
+
+<file path=ppt/slideLayouts/slideLayout20.xml><?xml version="1.0" encoding="utf-8"?>
+<p:sldLayout xmlns:a="http://schemas.openxmlformats.org/drawingml/2006/main" xmlns:r="http://schemas.openxmlformats.org/officeDocument/2006/relationships" xmlns:p="http://schemas.openxmlformats.org/presentationml/2006/main" showMasterSp="0" type="picTx" preserve="1">
+  <p:cSld name="含標題的圖片">
+    <p:spTree>
+      <p:nvGrpSpPr>
+        <p:cNvPr id="1" name=""/>
+        <p:cNvGrpSpPr/>
+        <p:nvPr/>
+      </p:nvGrpSpPr>
+      <p:grpSpPr>
+        <a:xfrm>
+          <a:off x="0" y="0"/>
+          <a:ext cx="0" cy="0"/>
+          <a:chOff x="0" y="0"/>
+          <a:chExt cx="0" cy="0"/>
+        </a:xfrm>
+      </p:grpSpPr>
+      <p:sp>
+        <p:nvSpPr>
+          <p:cNvPr id="11" name="Rectangle 10"/>
+          <p:cNvSpPr/>
+          <p:nvPr/>
+        </p:nvSpPr>
+        <p:spPr>
+          <a:xfrm>
+            <a:off x="8303740" y="0"/>
+            <a:ext cx="3888259" cy="6857999"/>
+          </a:xfrm>
+          <a:prstGeom prst="rect">
+            <a:avLst/>
+          </a:prstGeom>
+          <a:blipFill dpi="0" rotWithShape="1">
+            <a:blip r:embed="rId2">
+              <a:alphaModFix amt="60000"/>
+              <a:lum bright="70000" contrast="-70000"/>
+              <a:extLst>
+                <a:ext uri="{BEBA8EAE-BF5A-486C-A8C5-ECC9F3942E4B}">
+                  <a14:imgProps xmlns:a14="http://schemas.microsoft.com/office/drawing/2010/main">
+                    <a14:imgLayer r:embed="rId3">
+                      <a14:imgEffect>
+                        <a14:sharpenSoften amount="61000"/>
+                      </a14:imgEffect>
+                    </a14:imgLayer>
+                  </a14:imgProps>
+                </a:ext>
+                <a:ext uri="{28A0092B-C50C-407E-A947-70E740481C1C}">
+                  <a14:useLocalDpi xmlns:a14="http://schemas.microsoft.com/office/drawing/2010/main" val="0"/>
+                </a:ext>
+              </a:extLst>
+            </a:blip>
+            <a:srcRect/>
+            <a:tile tx="0" ty="-704850" sx="92000" sy="89000" flip="xy" algn="ctr"/>
+          </a:blipFill>
+          <a:ln>
+            <a:noFill/>
+          </a:ln>
+        </p:spPr>
+        <p:style>
+          <a:lnRef idx="2">
+            <a:schemeClr val="accent1">
+              <a:shade val="50000"/>
+            </a:schemeClr>
+          </a:lnRef>
+          <a:fillRef idx="1">
+            <a:schemeClr val="accent1"/>
+          </a:fillRef>
+          <a:effectRef idx="0">
+            <a:schemeClr val="accent1"/>
+          </a:effectRef>
+          <a:fontRef idx="minor">
+            <a:schemeClr val="lt1"/>
+          </a:fontRef>
+        </p:style>
+        <p:txBody>
+          <a:bodyPr rtlCol="0" anchor="ctr"/>
+          <a:lstStyle/>
+          <a:p>
+            <a:pPr algn="ctr"/>
+            <a:endParaRPr lang="en-US"/>
+          </a:p>
+        </p:txBody>
+      </p:sp>
+      <p:sp>
+        <p:nvSpPr>
+          <p:cNvPr id="2" name="Title 1"/>
+          <p:cNvSpPr>
+            <a:spLocks noGrp="1"/>
+          </p:cNvSpPr>
+          <p:nvPr>
+            <p:ph type="title"/>
+          </p:nvPr>
+        </p:nvSpPr>
+        <p:spPr>
+          <a:xfrm>
+            <a:off x="8549640" y="685800"/>
+            <a:ext cx="3200400" cy="1737360"/>
+          </a:xfrm>
+        </p:spPr>
+        <p:txBody>
+          <a:bodyPr anchor="b">
+            <a:normAutofit/>
+          </a:bodyPr>
+          <a:lstStyle>
+            <a:lvl1pPr>
+              <a:defRPr sz="3200" b="1"/>
+            </a:lvl1pPr>
+          </a:lstStyle>
+          <a:p>
+            <a:r>
+              <a:rPr lang="zh-TW" altLang="en-US"/>
+              <a:t>按一下以編輯母片標題樣式</a:t>
+            </a:r>
+            <a:endParaRPr lang="en-US" dirty="0"/>
+          </a:p>
+        </p:txBody>
+      </p:sp>
+      <p:sp>
+        <p:nvSpPr>
+          <p:cNvPr id="3" name="Picture Placeholder 2"/>
+          <p:cNvSpPr>
+            <a:spLocks noGrp="1"/>
+          </p:cNvSpPr>
+          <p:nvPr>
+            <p:ph type="pic" idx="1"/>
+          </p:nvPr>
+        </p:nvSpPr>
+        <p:spPr>
+          <a:xfrm>
+            <a:off x="0" y="0"/>
+            <a:ext cx="8303740" cy="6858000"/>
+          </a:xfrm>
+          <a:solidFill>
+            <a:schemeClr val="tx2">
+              <a:lumMod val="20000"/>
+              <a:lumOff val="80000"/>
+            </a:schemeClr>
+          </a:solidFill>
+        </p:spPr>
+        <p:txBody>
+          <a:bodyPr/>
+          <a:lstStyle>
+            <a:lvl1pPr marL="0" indent="0">
+              <a:buNone/>
+              <a:defRPr sz="3200"/>
+            </a:lvl1pPr>
+            <a:lvl2pPr marL="457200" indent="0">
+              <a:buNone/>
+              <a:defRPr sz="2800"/>
+            </a:lvl2pPr>
+            <a:lvl3pPr marL="914400" indent="0">
+              <a:buNone/>
+              <a:defRPr sz="2400"/>
+            </a:lvl3pPr>
+            <a:lvl4pPr marL="1371600" indent="0">
+              <a:buNone/>
+              <a:defRPr sz="2000"/>
+            </a:lvl4pPr>
+            <a:lvl5pPr marL="1828800" indent="0">
+              <a:buNone/>
+              <a:defRPr sz="2000"/>
+            </a:lvl5pPr>
+            <a:lvl6pPr marL="2286000" indent="0">
+              <a:buNone/>
+              <a:defRPr sz="2000"/>
+            </a:lvl6pPr>
+            <a:lvl7pPr marL="2743200" indent="0">
+              <a:buNone/>
+              <a:defRPr sz="2000"/>
+            </a:lvl7pPr>
+            <a:lvl8pPr marL="3200400" indent="0">
+              <a:buNone/>
+              <a:defRPr sz="2000"/>
+            </a:lvl8pPr>
+            <a:lvl9pPr marL="3657600" indent="0">
+              <a:buNone/>
+              <a:defRPr sz="2000"/>
+            </a:lvl9pPr>
+          </a:lstStyle>
+          <a:p>
+            <a:r>
+              <a:rPr lang="zh-TW" altLang="en-US"/>
+              <a:t>按一下圖示以新增圖片</a:t>
+            </a:r>
+            <a:endParaRPr lang="en-US" dirty="0"/>
+          </a:p>
+        </p:txBody>
+      </p:sp>
+      <p:sp>
+        <p:nvSpPr>
+          <p:cNvPr id="4" name="Text Placeholder 3"/>
+          <p:cNvSpPr>
+            <a:spLocks noGrp="1"/>
+          </p:cNvSpPr>
+          <p:nvPr>
+            <p:ph type="body" sz="half" idx="2"/>
+          </p:nvPr>
+        </p:nvSpPr>
+        <p:spPr>
+          <a:xfrm>
+            <a:off x="8549640" y="2423160"/>
+            <a:ext cx="3200400" cy="3291840"/>
+          </a:xfrm>
+        </p:spPr>
+        <p:txBody>
+          <a:bodyPr>
+            <a:normAutofit/>
+          </a:bodyPr>
+          <a:lstStyle>
+            <a:lvl1pPr marL="0" indent="0">
+              <a:lnSpc>
+                <a:spcPct val="100000"/>
+              </a:lnSpc>
+              <a:spcBef>
+                <a:spcPts val="1000"/>
+              </a:spcBef>
+              <a:buNone/>
+              <a:defRPr sz="1400">
+                <a:solidFill>
+                  <a:schemeClr val="accent1">
+                    <a:lumMod val="75000"/>
+                  </a:schemeClr>
+                </a:solidFill>
+              </a:defRPr>
+            </a:lvl1pPr>
+            <a:lvl2pPr marL="457200" indent="0">
+              <a:buNone/>
+              <a:defRPr sz="1200"/>
+            </a:lvl2pPr>
+            <a:lvl3pPr marL="914400" indent="0">
+              <a:buNone/>
+              <a:defRPr sz="1000"/>
+            </a:lvl3pPr>
+            <a:lvl4pPr marL="1371600" indent="0">
+              <a:buNone/>
+              <a:defRPr sz="900"/>
+            </a:lvl4pPr>
+            <a:lvl5pPr marL="1828800" indent="0">
+              <a:buNone/>
+              <a:defRPr sz="900"/>
+            </a:lvl5pPr>
+            <a:lvl6pPr marL="2286000" indent="0">
+              <a:buNone/>
+              <a:defRPr sz="900"/>
+            </a:lvl6pPr>
+            <a:lvl7pPr marL="2743200" indent="0">
+              <a:buNone/>
+              <a:defRPr sz="900"/>
+            </a:lvl7pPr>
+            <a:lvl8pPr marL="3200400" indent="0">
+              <a:buNone/>
+              <a:defRPr sz="900"/>
+            </a:lvl8pPr>
+            <a:lvl9pPr marL="3657600" indent="0">
+              <a:buNone/>
+              <a:defRPr sz="900"/>
+            </a:lvl9pPr>
+          </a:lstStyle>
+          <a:p>
+            <a:pPr lvl="0"/>
+            <a:r>
+              <a:rPr lang="zh-TW" altLang="en-US"/>
+              <a:t>編輯母片文字樣式
+第二層
+第三層
+第四層
+第五層</a:t>
+            </a:r>
+            <a:endParaRPr lang="en-US"/>
+          </a:p>
+        </p:txBody>
+      </p:sp>
+      <p:sp>
+        <p:nvSpPr>
+          <p:cNvPr id="5" name="Date Placeholder 4"/>
+          <p:cNvSpPr>
+            <a:spLocks noGrp="1"/>
+          </p:cNvSpPr>
+          <p:nvPr>
+            <p:ph type="dt" sz="half" idx="10"/>
+          </p:nvPr>
+        </p:nvSpPr>
+        <p:spPr/>
+        <p:txBody>
+          <a:bodyPr/>
+          <a:lstStyle/>
+          <a:p>
+            <a:fld id="{55B79785-3012-D54A-860E-226ED4EF2A90}" type="datetimeFigureOut">
+              <a:rPr kumimoji="1" lang="zh-TW" altLang="en-US" smtClean="0"/>
+              <a:t>2018/10/28</a:t>
+            </a:fld>
+            <a:endParaRPr kumimoji="1" lang="zh-TW" altLang="en-US"/>
+          </a:p>
+        </p:txBody>
+      </p:sp>
+      <p:grpSp>
+        <p:nvGrpSpPr>
+          <p:cNvPr id="8" name="Group 7"/>
+          <p:cNvGrpSpPr>
+            <a:grpSpLocks noChangeAspect="1"/>
+          </p:cNvGrpSpPr>
+          <p:nvPr/>
+        </p:nvGrpSpPr>
+        <p:grpSpPr>
+          <a:xfrm>
+            <a:off x="11401725" y="6229681"/>
+            <a:ext cx="457200" cy="457200"/>
+            <a:chOff x="11361456" y="6195813"/>
+            <a:chExt cx="548640" cy="548640"/>
+          </a:xfrm>
+        </p:grpSpPr>
+        <p:sp>
+          <p:nvSpPr>
+            <p:cNvPr id="9" name="Oval 8"/>
+            <p:cNvSpPr/>
+            <p:nvPr/>
+          </p:nvSpPr>
+          <p:spPr>
+            <a:xfrm>
+              <a:off x="11361456" y="6195813"/>
+              <a:ext cx="548640" cy="548640"/>
+            </a:xfrm>
+            <a:prstGeom prst="ellipse">
+              <a:avLst/>
+            </a:prstGeom>
+            <a:blipFill dpi="0" rotWithShape="1">
+              <a:blip r:embed="rId4">
+                <a:duotone>
+                  <a:schemeClr val="accent1">
+                    <a:shade val="45000"/>
+                    <a:satMod val="135000"/>
+                  </a:schemeClr>
+                  <a:prstClr val="white"/>
+                </a:duotone>
+                <a:extLst>
+                  <a:ext uri="{BEBA8EAE-BF5A-486C-A8C5-ECC9F3942E4B}">
+                    <a14:imgProps xmlns:a14="http://schemas.microsoft.com/office/drawing/2010/main">
+                      <a14:imgLayer r:embed="rId5">
+                        <a14:imgEffect>
+                          <a14:saturation sat="95000"/>
+                        </a14:imgEffect>
+                        <a14:imgEffect>
+                          <a14:brightnessContrast bright="-40000" contrast="20000"/>
+                        </a14:imgEffect>
+                      </a14:imgLayer>
+                    </a14:imgProps>
+                  </a:ext>
+                </a:extLst>
+              </a:blip>
+              <a:srcRect/>
+              <a:tile tx="50800" ty="0" sx="85000" sy="85000" flip="none" algn="tl"/>
+            </a:blipFill>
+            <a:ln w="25400" cap="flat" cmpd="sng" algn="ctr">
+              <a:noFill/>
+              <a:prstDash val="solid"/>
+            </a:ln>
+            <a:effectLst/>
+          </p:spPr>
+          <p:txBody>
+            <a:bodyPr lIns="0" tIns="0" rIns="0" bIns="0" rtlCol="0" anchor="ctr"/>
+            <a:lstStyle/>
+            <a:p>
+              <a:pPr marL="0" marR="0" lvl="0" indent="0" algn="ctr" defTabSz="914400" eaLnBrk="1" fontAlgn="auto" latinLnBrk="0" hangingPunct="1">
+                <a:lnSpc>
+                  <a:spcPct val="100000"/>
+                </a:lnSpc>
+                <a:spcBef>
+                  <a:spcPts val="0"/>
+                </a:spcBef>
+                <a:spcAft>
+                  <a:spcPts val="0"/>
+                </a:spcAft>
+                <a:buClrTx/>
+                <a:buSzTx/>
+                <a:buFontTx/>
+                <a:buNone/>
+                <a:tabLst/>
+                <a:defRPr/>
+              </a:pPr>
+              <a:endParaRPr kumimoji="0" lang="en-US" sz="2000" b="0" i="0" u="none" strike="noStrike" kern="0" cap="none" spc="0" normalizeH="0" baseline="0" noProof="0" dirty="0">
+                <a:ln>
+                  <a:noFill/>
+                </a:ln>
+                <a:solidFill>
+                  <a:prstClr val="white"/>
+                </a:solidFill>
+                <a:effectLst/>
+                <a:uLnTx/>
+                <a:uFillTx/>
+                <a:latin typeface="Rockwell Extra Bold" pitchFamily="18" charset="0"/>
+                <a:ea typeface="+mn-ea"/>
+                <a:cs typeface="+mn-cs"/>
+              </a:endParaRPr>
+            </a:p>
+          </p:txBody>
+        </p:sp>
+        <p:sp>
+          <p:nvSpPr>
+            <p:cNvPr id="10" name="Oval 9"/>
+            <p:cNvSpPr/>
+            <p:nvPr/>
+          </p:nvSpPr>
+          <p:spPr>
+            <a:xfrm>
+              <a:off x="11396488" y="6230844"/>
+              <a:ext cx="478576" cy="478578"/>
+            </a:xfrm>
+            <a:prstGeom prst="ellipse">
+              <a:avLst/>
+            </a:prstGeom>
+            <a:noFill/>
+            <a:ln w="12700" cap="flat" cmpd="sng" algn="ctr">
+              <a:solidFill>
+                <a:sysClr val="window" lastClr="FFFFFF"/>
+              </a:solidFill>
+              <a:prstDash val="solid"/>
+            </a:ln>
+            <a:effectLst/>
+          </p:spPr>
+          <p:txBody>
+            <a:bodyPr rtlCol="0" anchor="ctr"/>
+            <a:lstStyle/>
+            <a:p>
+              <a:pPr marL="0" marR="0" lvl="0" indent="0" algn="ctr" defTabSz="914400" eaLnBrk="1" fontAlgn="auto" latinLnBrk="0" hangingPunct="1">
+                <a:lnSpc>
+                  <a:spcPct val="100000"/>
+                </a:lnSpc>
+                <a:spcBef>
+                  <a:spcPts val="0"/>
+                </a:spcBef>
+                <a:spcAft>
+                  <a:spcPts val="0"/>
+                </a:spcAft>
+                <a:buClrTx/>
+                <a:buSzTx/>
+                <a:buFontTx/>
+                <a:buNone/>
+                <a:tabLst/>
+                <a:defRPr/>
+              </a:pPr>
+              <a:endParaRPr kumimoji="0" lang="en-US" sz="1800" b="0" i="0" u="none" strike="noStrike" kern="0" cap="none" spc="0" normalizeH="0" baseline="0" noProof="0" dirty="0">
+                <a:ln>
+                  <a:noFill/>
+                </a:ln>
+                <a:solidFill>
+                  <a:prstClr val="white"/>
+                </a:solidFill>
+                <a:effectLst/>
+                <a:uLnTx/>
+                <a:uFillTx/>
+                <a:latin typeface="Calibri"/>
+                <a:ea typeface="+mn-ea"/>
+                <a:cs typeface="+mn-cs"/>
+              </a:endParaRPr>
+            </a:p>
+          </p:txBody>
+        </p:sp>
+      </p:grpSp>
+      <p:sp>
+        <p:nvSpPr>
+          <p:cNvPr id="7" name="Slide Number Placeholder 6"/>
+          <p:cNvSpPr>
+            <a:spLocks noGrp="1"/>
+          </p:cNvSpPr>
+          <p:nvPr>
+            <p:ph type="sldNum" sz="quarter" idx="12"/>
+          </p:nvPr>
+        </p:nvSpPr>
+        <p:spPr/>
+        <p:txBody>
+          <a:bodyPr/>
+          <a:lstStyle/>
+          <a:p>
+            <a:fld id="{97B6DADF-0344-4F4A-882C-585FF354930E}" type="slidenum">
+              <a:rPr kumimoji="1" lang="zh-TW" altLang="en-US" smtClean="0"/>
+              <a:t>‹#›</a:t>
+            </a:fld>
+            <a:endParaRPr kumimoji="1" lang="zh-TW" altLang="en-US"/>
+          </a:p>
+        </p:txBody>
+      </p:sp>
+    </p:spTree>
+    <p:extLst>
+      <p:ext uri="{BB962C8B-B14F-4D97-AF65-F5344CB8AC3E}">
+        <p14:creationId xmlns:p14="http://schemas.microsoft.com/office/powerpoint/2010/main" val="2172990228"/>
+      </p:ext>
+    </p:extLst>
+  </p:cSld>
+  <p:clrMapOvr>
+    <a:masterClrMapping/>
+  </p:clrMapOvr>
+</p:sldLayout>
+</file>
+
+<file path=ppt/slideLayouts/slideLayout21.xml><?xml version="1.0" encoding="utf-8"?>
+<p:sldLayout xmlns:a="http://schemas.openxmlformats.org/drawingml/2006/main" xmlns:r="http://schemas.openxmlformats.org/officeDocument/2006/relationships" xmlns:p="http://schemas.openxmlformats.org/presentationml/2006/main" type="vertTx" preserve="1">
+  <p:cSld name="標題及直排文字">
+    <p:spTree>
+      <p:nvGrpSpPr>
+        <p:cNvPr id="1" name=""/>
+        <p:cNvGrpSpPr/>
+        <p:nvPr/>
+      </p:nvGrpSpPr>
+      <p:grpSpPr>
+        <a:xfrm>
+          <a:off x="0" y="0"/>
+          <a:ext cx="0" cy="0"/>
+          <a:chOff x="0" y="0"/>
+          <a:chExt cx="0" cy="0"/>
+        </a:xfrm>
+      </p:grpSpPr>
+      <p:sp>
+        <p:nvSpPr>
+          <p:cNvPr id="2" name="Title 1"/>
+          <p:cNvSpPr>
+            <a:spLocks noGrp="1"/>
+          </p:cNvSpPr>
+          <p:nvPr>
+            <p:ph type="title"/>
+          </p:nvPr>
+        </p:nvSpPr>
+        <p:spPr/>
+        <p:txBody>
+          <a:bodyPr/>
+          <a:lstStyle/>
+          <a:p>
+            <a:r>
+              <a:rPr lang="zh-TW" altLang="en-US"/>
+              <a:t>按一下以編輯母片標題樣式</a:t>
+            </a:r>
+            <a:endParaRPr lang="en-US"/>
+          </a:p>
+        </p:txBody>
+      </p:sp>
+      <p:sp>
+        <p:nvSpPr>
+          <p:cNvPr id="3" name="Vertical Text Placeholder 2"/>
+          <p:cNvSpPr>
+            <a:spLocks noGrp="1"/>
+          </p:cNvSpPr>
+          <p:nvPr>
+            <p:ph type="body" orient="vert" idx="1"/>
+          </p:nvPr>
+        </p:nvSpPr>
+        <p:spPr/>
+        <p:txBody>
+          <a:bodyPr vert="eaVert"/>
+          <a:lstStyle/>
+          <a:p>
+            <a:pPr lvl="0"/>
+            <a:r>
+              <a:rPr lang="zh-TW" altLang="en-US"/>
+              <a:t>編輯母片文字樣式
+第二層
+第三層
+第四層
+第五層</a:t>
+            </a:r>
+            <a:endParaRPr lang="en-US"/>
+          </a:p>
+        </p:txBody>
+      </p:sp>
+      <p:sp>
+        <p:nvSpPr>
+          <p:cNvPr id="4" name="Date Placeholder 3"/>
+          <p:cNvSpPr>
+            <a:spLocks noGrp="1"/>
+          </p:cNvSpPr>
+          <p:nvPr>
+            <p:ph type="dt" sz="half" idx="10"/>
+          </p:nvPr>
+        </p:nvSpPr>
+        <p:spPr/>
+        <p:txBody>
+          <a:bodyPr/>
+          <a:lstStyle/>
+          <a:p>
+            <a:fld id="{55B79785-3012-D54A-860E-226ED4EF2A90}" type="datetimeFigureOut">
+              <a:rPr kumimoji="1" lang="zh-TW" altLang="en-US" smtClean="0"/>
+              <a:t>2018/10/28</a:t>
+            </a:fld>
+            <a:endParaRPr kumimoji="1" lang="zh-TW" altLang="en-US"/>
+          </a:p>
+        </p:txBody>
+      </p:sp>
+      <p:sp>
+        <p:nvSpPr>
+          <p:cNvPr id="5" name="Footer Placeholder 4"/>
+          <p:cNvSpPr>
+            <a:spLocks noGrp="1"/>
+          </p:cNvSpPr>
+          <p:nvPr>
+            <p:ph type="ftr" sz="quarter" idx="11"/>
+          </p:nvPr>
+        </p:nvSpPr>
+        <p:spPr/>
+        <p:txBody>
+          <a:bodyPr/>
+          <a:lstStyle/>
+          <a:p>
+            <a:endParaRPr kumimoji="1" lang="zh-TW" altLang="en-US"/>
+          </a:p>
+        </p:txBody>
+      </p:sp>
+      <p:sp>
+        <p:nvSpPr>
+          <p:cNvPr id="6" name="Slide Number Placeholder 5"/>
+          <p:cNvSpPr>
+            <a:spLocks noGrp="1"/>
+          </p:cNvSpPr>
+          <p:nvPr>
+            <p:ph type="sldNum" sz="quarter" idx="12"/>
+          </p:nvPr>
+        </p:nvSpPr>
+        <p:spPr/>
+        <p:txBody>
+          <a:bodyPr/>
+          <a:lstStyle/>
+          <a:p>
+            <a:fld id="{97B6DADF-0344-4F4A-882C-585FF354930E}" type="slidenum">
+              <a:rPr kumimoji="1" lang="zh-TW" altLang="en-US" smtClean="0"/>
+              <a:t>‹#›</a:t>
+            </a:fld>
+            <a:endParaRPr kumimoji="1" lang="zh-TW" altLang="en-US"/>
+          </a:p>
+        </p:txBody>
+      </p:sp>
+    </p:spTree>
+    <p:extLst>
+      <p:ext uri="{BB962C8B-B14F-4D97-AF65-F5344CB8AC3E}">
+        <p14:creationId xmlns:p14="http://schemas.microsoft.com/office/powerpoint/2010/main" val="3535636601"/>
+      </p:ext>
+    </p:extLst>
+  </p:cSld>
+  <p:clrMapOvr>
+    <a:masterClrMapping/>
+  </p:clrMapOvr>
+</p:sldLayout>
+</file>
+
+<file path=ppt/slideLayouts/slideLayout22.xml><?xml version="1.0" encoding="utf-8"?>
+<p:sldLayout xmlns:a="http://schemas.openxmlformats.org/drawingml/2006/main" xmlns:r="http://schemas.openxmlformats.org/officeDocument/2006/relationships" xmlns:p="http://schemas.openxmlformats.org/presentationml/2006/main" type="vertTitleAndTx" preserve="1">
+  <p:cSld name="直排標題及文字">
+    <p:spTree>
+      <p:nvGrpSpPr>
+        <p:cNvPr id="1" name=""/>
+        <p:cNvGrpSpPr/>
+        <p:nvPr/>
+      </p:nvGrpSpPr>
+      <p:grpSpPr>
+        <a:xfrm>
+          <a:off x="0" y="0"/>
+          <a:ext cx="0" cy="0"/>
+          <a:chOff x="0" y="0"/>
+          <a:chExt cx="0" cy="0"/>
+        </a:xfrm>
+      </p:grpSpPr>
+      <p:sp>
+        <p:nvSpPr>
+          <p:cNvPr id="2" name="Vertical Title 1"/>
+          <p:cNvSpPr>
+            <a:spLocks noGrp="1"/>
+          </p:cNvSpPr>
+          <p:nvPr>
+            <p:ph type="title" orient="vert"/>
+          </p:nvPr>
+        </p:nvSpPr>
+        <p:spPr>
+          <a:xfrm>
+            <a:off x="8724900" y="533400"/>
+            <a:ext cx="2552700" cy="5638800"/>
+          </a:xfrm>
+        </p:spPr>
+        <p:txBody>
+          <a:bodyPr vert="eaVert"/>
+          <a:lstStyle/>
+          <a:p>
+            <a:r>
+              <a:rPr lang="zh-TW" altLang="en-US"/>
+              <a:t>按一下以編輯母片標題樣式</a:t>
+            </a:r>
+            <a:endParaRPr lang="en-US" dirty="0"/>
+          </a:p>
+        </p:txBody>
+      </p:sp>
+      <p:sp>
+        <p:nvSpPr>
+          <p:cNvPr id="3" name="Vertical Text Placeholder 2"/>
+          <p:cNvSpPr>
+            <a:spLocks noGrp="1"/>
+          </p:cNvSpPr>
+          <p:nvPr>
+            <p:ph type="body" orient="vert" idx="1"/>
+          </p:nvPr>
+        </p:nvSpPr>
+        <p:spPr>
+          <a:xfrm>
+            <a:off x="1066800" y="533400"/>
+            <a:ext cx="7505700" cy="5638800"/>
+          </a:xfrm>
+        </p:spPr>
+        <p:txBody>
+          <a:bodyPr vert="eaVert"/>
+          <a:lstStyle/>
+          <a:p>
+            <a:pPr lvl="0"/>
+            <a:r>
+              <a:rPr lang="zh-TW" altLang="en-US"/>
+              <a:t>編輯母片文字樣式
+第二層
+第三層
+第四層
+第五層</a:t>
+            </a:r>
+            <a:endParaRPr lang="en-US" dirty="0"/>
+          </a:p>
+        </p:txBody>
+      </p:sp>
+      <p:sp>
+        <p:nvSpPr>
+          <p:cNvPr id="4" name="Date Placeholder 3"/>
+          <p:cNvSpPr>
+            <a:spLocks noGrp="1"/>
+          </p:cNvSpPr>
+          <p:nvPr>
+            <p:ph type="dt" sz="half" idx="10"/>
+          </p:nvPr>
+        </p:nvSpPr>
+        <p:spPr/>
+        <p:txBody>
+          <a:bodyPr/>
+          <a:lstStyle/>
+          <a:p>
+            <a:fld id="{55B79785-3012-D54A-860E-226ED4EF2A90}" type="datetimeFigureOut">
+              <a:rPr kumimoji="1" lang="zh-TW" altLang="en-US" smtClean="0"/>
+              <a:t>2018/10/28</a:t>
+            </a:fld>
+            <a:endParaRPr kumimoji="1" lang="zh-TW" altLang="en-US"/>
+          </a:p>
+        </p:txBody>
+      </p:sp>
+      <p:sp>
+        <p:nvSpPr>
+          <p:cNvPr id="5" name="Footer Placeholder 4"/>
+          <p:cNvSpPr>
+            <a:spLocks noGrp="1"/>
+          </p:cNvSpPr>
+          <p:nvPr>
+            <p:ph type="ftr" sz="quarter" idx="11"/>
+          </p:nvPr>
+        </p:nvSpPr>
+        <p:spPr/>
+        <p:txBody>
+          <a:bodyPr/>
+          <a:lstStyle/>
+          <a:p>
+            <a:endParaRPr kumimoji="1" lang="zh-TW" altLang="en-US"/>
+          </a:p>
+        </p:txBody>
+      </p:sp>
+      <p:sp>
+        <p:nvSpPr>
+          <p:cNvPr id="6" name="Slide Number Placeholder 5"/>
+          <p:cNvSpPr>
+            <a:spLocks noGrp="1"/>
+          </p:cNvSpPr>
+          <p:nvPr>
+            <p:ph type="sldNum" sz="quarter" idx="12"/>
+          </p:nvPr>
+        </p:nvSpPr>
+        <p:spPr/>
+        <p:txBody>
+          <a:bodyPr/>
+          <a:lstStyle/>
+          <a:p>
+            <a:fld id="{97B6DADF-0344-4F4A-882C-585FF354930E}" type="slidenum">
+              <a:rPr kumimoji="1" lang="zh-TW" altLang="en-US" smtClean="0"/>
+              <a:t>‹#›</a:t>
+            </a:fld>
+            <a:endParaRPr kumimoji="1" lang="zh-TW" altLang="en-US"/>
+          </a:p>
+        </p:txBody>
+      </p:sp>
+    </p:spTree>
+    <p:extLst>
+      <p:ext uri="{BB962C8B-B14F-4D97-AF65-F5344CB8AC3E}">
+        <p14:creationId xmlns:p14="http://schemas.microsoft.com/office/powerpoint/2010/main" val="3746244478"/>
       </p:ext>
     </p:extLst>
   </p:cSld>
@@ -884,7 +4251,7 @@
           <p:cNvPr id="2" name="標題 1">
             <a:extLst>
               <a:ext uri="{FF2B5EF4-FFF2-40B4-BE49-F238E27FC236}">
-                <a16:creationId xmlns:a16="http://schemas.microsoft.com/office/drawing/2014/main" id="{374980B0-F123-984E-A2F7-D74EA91DFBCE}"/>
+                <a16:creationId xmlns:a16="http://schemas.microsoft.com/office/drawing/2014/main" id="{260AB561-D72E-A34F-8760-C045223846A6}"/>
               </a:ext>
             </a:extLst>
           </p:cNvPr>
@@ -921,7 +4288,7 @@
           <p:cNvPr id="3" name="文字版面配置區 2">
             <a:extLst>
               <a:ext uri="{FF2B5EF4-FFF2-40B4-BE49-F238E27FC236}">
-                <a16:creationId xmlns:a16="http://schemas.microsoft.com/office/drawing/2014/main" id="{468B82A8-50A4-6040-A779-89EEA884CA56}"/>
+                <a16:creationId xmlns:a16="http://schemas.microsoft.com/office/drawing/2014/main" id="{3F84679B-B8BD-FD48-811D-00AAFFC677C1}"/>
               </a:ext>
             </a:extLst>
           </p:cNvPr>
@@ -1049,7 +4416,7 @@
           <p:cNvPr id="4" name="日期版面配置區 3">
             <a:extLst>
               <a:ext uri="{FF2B5EF4-FFF2-40B4-BE49-F238E27FC236}">
-                <a16:creationId xmlns:a16="http://schemas.microsoft.com/office/drawing/2014/main" id="{ABAEE639-472E-E94F-B3F6-195CDD6A8FAC}"/>
+                <a16:creationId xmlns:a16="http://schemas.microsoft.com/office/drawing/2014/main" id="{479C1A9A-AD26-6B40-97B8-8431571CD096}"/>
               </a:ext>
             </a:extLst>
           </p:cNvPr>
@@ -1067,7 +4434,7 @@
           <a:p>
             <a:fld id="{55B79785-3012-D54A-860E-226ED4EF2A90}" type="datetimeFigureOut">
               <a:rPr kumimoji="1" lang="zh-TW" altLang="en-US" smtClean="0"/>
-              <a:t>2018/10/23</a:t>
+              <a:t>2018/10/28</a:t>
             </a:fld>
             <a:endParaRPr kumimoji="1" lang="zh-TW" altLang="en-US"/>
           </a:p>
@@ -1078,7 +4445,7 @@
           <p:cNvPr id="5" name="頁尾版面配置區 4">
             <a:extLst>
               <a:ext uri="{FF2B5EF4-FFF2-40B4-BE49-F238E27FC236}">
-                <a16:creationId xmlns:a16="http://schemas.microsoft.com/office/drawing/2014/main" id="{D4913F54-3E27-7443-B75A-5EA05D82DC81}"/>
+                <a16:creationId xmlns:a16="http://schemas.microsoft.com/office/drawing/2014/main" id="{C219083B-76BD-DD4D-B4F7-C5093A76D3D8}"/>
               </a:ext>
             </a:extLst>
           </p:cNvPr>
@@ -1103,7 +4470,7 @@
           <p:cNvPr id="6" name="投影片編號版面配置區 5">
             <a:extLst>
               <a:ext uri="{FF2B5EF4-FFF2-40B4-BE49-F238E27FC236}">
-                <a16:creationId xmlns:a16="http://schemas.microsoft.com/office/drawing/2014/main" id="{ACC2DAB4-2F9A-3E4C-B92B-858A8D33FFED}"/>
+                <a16:creationId xmlns:a16="http://schemas.microsoft.com/office/drawing/2014/main" id="{F37ED474-0872-0945-A602-E66301C437F6}"/>
               </a:ext>
             </a:extLst>
           </p:cNvPr>
@@ -1130,7 +4497,7 @@
     </p:spTree>
     <p:extLst>
       <p:ext uri="{BB962C8B-B14F-4D97-AF65-F5344CB8AC3E}">
-        <p14:creationId xmlns:p14="http://schemas.microsoft.com/office/powerpoint/2010/main" val="2960132297"/>
+        <p14:creationId xmlns:p14="http://schemas.microsoft.com/office/powerpoint/2010/main" val="1362200424"/>
       </p:ext>
     </p:extLst>
   </p:cSld>
@@ -1162,7 +4529,7 @@
           <p:cNvPr id="2" name="標題 1">
             <a:extLst>
               <a:ext uri="{FF2B5EF4-FFF2-40B4-BE49-F238E27FC236}">
-                <a16:creationId xmlns:a16="http://schemas.microsoft.com/office/drawing/2014/main" id="{02134857-E9A4-FE42-A8CA-B814B3DA1AFB}"/>
+                <a16:creationId xmlns:a16="http://schemas.microsoft.com/office/drawing/2014/main" id="{C3DFFE9D-C994-C04D-BFEF-B6E8BF61156A}"/>
               </a:ext>
             </a:extLst>
           </p:cNvPr>
@@ -1190,7 +4557,7 @@
           <p:cNvPr id="3" name="內容版面配置區 2">
             <a:extLst>
               <a:ext uri="{FF2B5EF4-FFF2-40B4-BE49-F238E27FC236}">
-                <a16:creationId xmlns:a16="http://schemas.microsoft.com/office/drawing/2014/main" id="{4D80DCAA-4776-B547-8FDC-40635FA1892A}"/>
+                <a16:creationId xmlns:a16="http://schemas.microsoft.com/office/drawing/2014/main" id="{699C7AB5-BE25-4D45-894D-02ED93A3AC42}"/>
               </a:ext>
             </a:extLst>
           </p:cNvPr>
@@ -1227,7 +4594,7 @@
           <p:cNvPr id="4" name="內容版面配置區 3">
             <a:extLst>
               <a:ext uri="{FF2B5EF4-FFF2-40B4-BE49-F238E27FC236}">
-                <a16:creationId xmlns:a16="http://schemas.microsoft.com/office/drawing/2014/main" id="{131015C0-A9CB-4845-8F4F-C18DF89527C0}"/>
+                <a16:creationId xmlns:a16="http://schemas.microsoft.com/office/drawing/2014/main" id="{277AAE5E-4DEA-4B44-913E-2CE802C6E065}"/>
               </a:ext>
             </a:extLst>
           </p:cNvPr>
@@ -1264,7 +4631,7 @@
           <p:cNvPr id="5" name="日期版面配置區 4">
             <a:extLst>
               <a:ext uri="{FF2B5EF4-FFF2-40B4-BE49-F238E27FC236}">
-                <a16:creationId xmlns:a16="http://schemas.microsoft.com/office/drawing/2014/main" id="{C103D465-A184-7B45-B9E5-4F68051E450E}"/>
+                <a16:creationId xmlns:a16="http://schemas.microsoft.com/office/drawing/2014/main" id="{BB90A61B-D4C4-E041-AD61-4339AB9BB454}"/>
               </a:ext>
             </a:extLst>
           </p:cNvPr>
@@ -1282,7 +4649,7 @@
           <a:p>
             <a:fld id="{55B79785-3012-D54A-860E-226ED4EF2A90}" type="datetimeFigureOut">
               <a:rPr kumimoji="1" lang="zh-TW" altLang="en-US" smtClean="0"/>
-              <a:t>2018/10/23</a:t>
+              <a:t>2018/10/28</a:t>
             </a:fld>
             <a:endParaRPr kumimoji="1" lang="zh-TW" altLang="en-US"/>
           </a:p>
@@ -1293,7 +4660,7 @@
           <p:cNvPr id="6" name="頁尾版面配置區 5">
             <a:extLst>
               <a:ext uri="{FF2B5EF4-FFF2-40B4-BE49-F238E27FC236}">
-                <a16:creationId xmlns:a16="http://schemas.microsoft.com/office/drawing/2014/main" id="{5392997B-5247-7C45-B3E1-C958B0E2300B}"/>
+                <a16:creationId xmlns:a16="http://schemas.microsoft.com/office/drawing/2014/main" id="{A8A9EE86-E26A-BD4E-8697-869475128F7B}"/>
               </a:ext>
             </a:extLst>
           </p:cNvPr>
@@ -1318,7 +4685,7 @@
           <p:cNvPr id="7" name="投影片編號版面配置區 6">
             <a:extLst>
               <a:ext uri="{FF2B5EF4-FFF2-40B4-BE49-F238E27FC236}">
-                <a16:creationId xmlns:a16="http://schemas.microsoft.com/office/drawing/2014/main" id="{EA397FBA-EDA8-1743-B44E-9AFEC5C724D4}"/>
+                <a16:creationId xmlns:a16="http://schemas.microsoft.com/office/drawing/2014/main" id="{6BF9DD38-C226-E84C-B46C-3BE43E7E3E09}"/>
               </a:ext>
             </a:extLst>
           </p:cNvPr>
@@ -1345,7 +4712,7 @@
     </p:spTree>
     <p:extLst>
       <p:ext uri="{BB962C8B-B14F-4D97-AF65-F5344CB8AC3E}">
-        <p14:creationId xmlns:p14="http://schemas.microsoft.com/office/powerpoint/2010/main" val="2697173682"/>
+        <p14:creationId xmlns:p14="http://schemas.microsoft.com/office/powerpoint/2010/main" val="2315291115"/>
       </p:ext>
     </p:extLst>
   </p:cSld>
@@ -1377,7 +4744,7 @@
           <p:cNvPr id="2" name="標題 1">
             <a:extLst>
               <a:ext uri="{FF2B5EF4-FFF2-40B4-BE49-F238E27FC236}">
-                <a16:creationId xmlns:a16="http://schemas.microsoft.com/office/drawing/2014/main" id="{40C1040C-A1DE-CE4A-900B-345B82B4E763}"/>
+                <a16:creationId xmlns:a16="http://schemas.microsoft.com/office/drawing/2014/main" id="{6C3074C9-151D-3442-B208-518A32663312}"/>
               </a:ext>
             </a:extLst>
           </p:cNvPr>
@@ -1410,7 +4777,7 @@
           <p:cNvPr id="3" name="文字版面配置區 2">
             <a:extLst>
               <a:ext uri="{FF2B5EF4-FFF2-40B4-BE49-F238E27FC236}">
-                <a16:creationId xmlns:a16="http://schemas.microsoft.com/office/drawing/2014/main" id="{2FBA42CC-2326-6946-80F1-C47679B69E22}"/>
+                <a16:creationId xmlns:a16="http://schemas.microsoft.com/office/drawing/2014/main" id="{DD01D3FF-E9E3-7E4B-BE85-0166879A9E87}"/>
               </a:ext>
             </a:extLst>
           </p:cNvPr>
@@ -1484,7 +4851,7 @@
           <p:cNvPr id="4" name="內容版面配置區 3">
             <a:extLst>
               <a:ext uri="{FF2B5EF4-FFF2-40B4-BE49-F238E27FC236}">
-                <a16:creationId xmlns:a16="http://schemas.microsoft.com/office/drawing/2014/main" id="{8DE92DBC-DBB1-E545-89F2-4BC0555C0A9B}"/>
+                <a16:creationId xmlns:a16="http://schemas.microsoft.com/office/drawing/2014/main" id="{15E7A162-EA59-9240-B487-6A0823979DEA}"/>
               </a:ext>
             </a:extLst>
           </p:cNvPr>
@@ -1521,7 +4888,7 @@
           <p:cNvPr id="5" name="文字版面配置區 4">
             <a:extLst>
               <a:ext uri="{FF2B5EF4-FFF2-40B4-BE49-F238E27FC236}">
-                <a16:creationId xmlns:a16="http://schemas.microsoft.com/office/drawing/2014/main" id="{DAA1D02C-8FA5-0147-8A94-C0025737FFAB}"/>
+                <a16:creationId xmlns:a16="http://schemas.microsoft.com/office/drawing/2014/main" id="{B0E0127B-C7F3-4E4A-96E2-94EBC2D95B7F}"/>
               </a:ext>
             </a:extLst>
           </p:cNvPr>
@@ -1595,7 +4962,7 @@
           <p:cNvPr id="6" name="內容版面配置區 5">
             <a:extLst>
               <a:ext uri="{FF2B5EF4-FFF2-40B4-BE49-F238E27FC236}">
-                <a16:creationId xmlns:a16="http://schemas.microsoft.com/office/drawing/2014/main" id="{8E3D3454-8ED9-2E41-9C81-F4D7BDA7F7FE}"/>
+                <a16:creationId xmlns:a16="http://schemas.microsoft.com/office/drawing/2014/main" id="{FAE2890C-C0A7-F048-9820-580B979978F9}"/>
               </a:ext>
             </a:extLst>
           </p:cNvPr>
@@ -1632,7 +4999,7 @@
           <p:cNvPr id="7" name="日期版面配置區 6">
             <a:extLst>
               <a:ext uri="{FF2B5EF4-FFF2-40B4-BE49-F238E27FC236}">
-                <a16:creationId xmlns:a16="http://schemas.microsoft.com/office/drawing/2014/main" id="{EAB22A53-305A-DE41-B52C-F21611F98F4B}"/>
+                <a16:creationId xmlns:a16="http://schemas.microsoft.com/office/drawing/2014/main" id="{4D3CEF21-DA58-1C42-8086-1A0EFF541B29}"/>
               </a:ext>
             </a:extLst>
           </p:cNvPr>
@@ -1650,7 +5017,7 @@
           <a:p>
             <a:fld id="{55B79785-3012-D54A-860E-226ED4EF2A90}" type="datetimeFigureOut">
               <a:rPr kumimoji="1" lang="zh-TW" altLang="en-US" smtClean="0"/>
-              <a:t>2018/10/23</a:t>
+              <a:t>2018/10/28</a:t>
             </a:fld>
             <a:endParaRPr kumimoji="1" lang="zh-TW" altLang="en-US"/>
           </a:p>
@@ -1661,7 +5028,7 @@
           <p:cNvPr id="8" name="頁尾版面配置區 7">
             <a:extLst>
               <a:ext uri="{FF2B5EF4-FFF2-40B4-BE49-F238E27FC236}">
-                <a16:creationId xmlns:a16="http://schemas.microsoft.com/office/drawing/2014/main" id="{993B5F63-234A-724E-9B1B-EDDFF0F6C103}"/>
+                <a16:creationId xmlns:a16="http://schemas.microsoft.com/office/drawing/2014/main" id="{C8320AE3-D65E-B04D-963B-3A3883492637}"/>
               </a:ext>
             </a:extLst>
           </p:cNvPr>
@@ -1686,7 +5053,7 @@
           <p:cNvPr id="9" name="投影片編號版面配置區 8">
             <a:extLst>
               <a:ext uri="{FF2B5EF4-FFF2-40B4-BE49-F238E27FC236}">
-                <a16:creationId xmlns:a16="http://schemas.microsoft.com/office/drawing/2014/main" id="{7A14FB59-C546-764F-A5A1-993B723712A4}"/>
+                <a16:creationId xmlns:a16="http://schemas.microsoft.com/office/drawing/2014/main" id="{C6B6670F-5C5B-2848-9BEF-93DC2B9188D6}"/>
               </a:ext>
             </a:extLst>
           </p:cNvPr>
@@ -1713,7 +5080,7 @@
     </p:spTree>
     <p:extLst>
       <p:ext uri="{BB962C8B-B14F-4D97-AF65-F5344CB8AC3E}">
-        <p14:creationId xmlns:p14="http://schemas.microsoft.com/office/powerpoint/2010/main" val="854340264"/>
+        <p14:creationId xmlns:p14="http://schemas.microsoft.com/office/powerpoint/2010/main" val="3883900801"/>
       </p:ext>
     </p:extLst>
   </p:cSld>
@@ -1745,7 +5112,7 @@
           <p:cNvPr id="2" name="標題 1">
             <a:extLst>
               <a:ext uri="{FF2B5EF4-FFF2-40B4-BE49-F238E27FC236}">
-                <a16:creationId xmlns:a16="http://schemas.microsoft.com/office/drawing/2014/main" id="{892030BA-2080-6A4C-8CA0-1FDD37373CF4}"/>
+                <a16:creationId xmlns:a16="http://schemas.microsoft.com/office/drawing/2014/main" id="{27077C54-F500-6743-AFBB-35842F24A63C}"/>
               </a:ext>
             </a:extLst>
           </p:cNvPr>
@@ -1773,7 +5140,7 @@
           <p:cNvPr id="3" name="日期版面配置區 2">
             <a:extLst>
               <a:ext uri="{FF2B5EF4-FFF2-40B4-BE49-F238E27FC236}">
-                <a16:creationId xmlns:a16="http://schemas.microsoft.com/office/drawing/2014/main" id="{BEC99141-0056-D44A-B839-A43C5288D394}"/>
+                <a16:creationId xmlns:a16="http://schemas.microsoft.com/office/drawing/2014/main" id="{24CC7ACC-A0F3-DB46-82EE-0F2888A3137A}"/>
               </a:ext>
             </a:extLst>
           </p:cNvPr>
@@ -1791,7 +5158,7 @@
           <a:p>
             <a:fld id="{55B79785-3012-D54A-860E-226ED4EF2A90}" type="datetimeFigureOut">
               <a:rPr kumimoji="1" lang="zh-TW" altLang="en-US" smtClean="0"/>
-              <a:t>2018/10/23</a:t>
+              <a:t>2018/10/28</a:t>
             </a:fld>
             <a:endParaRPr kumimoji="1" lang="zh-TW" altLang="en-US"/>
           </a:p>
@@ -1802,7 +5169,7 @@
           <p:cNvPr id="4" name="頁尾版面配置區 3">
             <a:extLst>
               <a:ext uri="{FF2B5EF4-FFF2-40B4-BE49-F238E27FC236}">
-                <a16:creationId xmlns:a16="http://schemas.microsoft.com/office/drawing/2014/main" id="{DB49BDB5-0166-2B4C-B98B-14F2AA9B2F2D}"/>
+                <a16:creationId xmlns:a16="http://schemas.microsoft.com/office/drawing/2014/main" id="{39314CF3-6D62-9B49-8F74-13F4CEA395F9}"/>
               </a:ext>
             </a:extLst>
           </p:cNvPr>
@@ -1827,7 +5194,7 @@
           <p:cNvPr id="5" name="投影片編號版面配置區 4">
             <a:extLst>
               <a:ext uri="{FF2B5EF4-FFF2-40B4-BE49-F238E27FC236}">
-                <a16:creationId xmlns:a16="http://schemas.microsoft.com/office/drawing/2014/main" id="{F65DE29A-50CA-BB4E-A275-C2F5D44B15AE}"/>
+                <a16:creationId xmlns:a16="http://schemas.microsoft.com/office/drawing/2014/main" id="{FEEFC71E-66F1-FE48-A25C-063C3646B807}"/>
               </a:ext>
             </a:extLst>
           </p:cNvPr>
@@ -1854,7 +5221,7 @@
     </p:spTree>
     <p:extLst>
       <p:ext uri="{BB962C8B-B14F-4D97-AF65-F5344CB8AC3E}">
-        <p14:creationId xmlns:p14="http://schemas.microsoft.com/office/powerpoint/2010/main" val="3453171840"/>
+        <p14:creationId xmlns:p14="http://schemas.microsoft.com/office/powerpoint/2010/main" val="2431534418"/>
       </p:ext>
     </p:extLst>
   </p:cSld>
@@ -1886,7 +5253,7 @@
           <p:cNvPr id="2" name="日期版面配置區 1">
             <a:extLst>
               <a:ext uri="{FF2B5EF4-FFF2-40B4-BE49-F238E27FC236}">
-                <a16:creationId xmlns:a16="http://schemas.microsoft.com/office/drawing/2014/main" id="{A0CA1F4F-876E-0845-AB46-DD8989801140}"/>
+                <a16:creationId xmlns:a16="http://schemas.microsoft.com/office/drawing/2014/main" id="{E5435861-A077-8044-9DE9-2716BA25A5AF}"/>
               </a:ext>
             </a:extLst>
           </p:cNvPr>
@@ -1904,7 +5271,7 @@
           <a:p>
             <a:fld id="{55B79785-3012-D54A-860E-226ED4EF2A90}" type="datetimeFigureOut">
               <a:rPr kumimoji="1" lang="zh-TW" altLang="en-US" smtClean="0"/>
-              <a:t>2018/10/23</a:t>
+              <a:t>2018/10/28</a:t>
             </a:fld>
             <a:endParaRPr kumimoji="1" lang="zh-TW" altLang="en-US"/>
           </a:p>
@@ -1915,7 +5282,7 @@
           <p:cNvPr id="3" name="頁尾版面配置區 2">
             <a:extLst>
               <a:ext uri="{FF2B5EF4-FFF2-40B4-BE49-F238E27FC236}">
-                <a16:creationId xmlns:a16="http://schemas.microsoft.com/office/drawing/2014/main" id="{8A35AAAD-7AE4-C248-BAD2-E362867767F0}"/>
+                <a16:creationId xmlns:a16="http://schemas.microsoft.com/office/drawing/2014/main" id="{6F009D34-97BE-E14A-B64E-29C0DD28F716}"/>
               </a:ext>
             </a:extLst>
           </p:cNvPr>
@@ -1940,7 +5307,7 @@
           <p:cNvPr id="4" name="投影片編號版面配置區 3">
             <a:extLst>
               <a:ext uri="{FF2B5EF4-FFF2-40B4-BE49-F238E27FC236}">
-                <a16:creationId xmlns:a16="http://schemas.microsoft.com/office/drawing/2014/main" id="{563A5E59-5EB8-464B-B6B1-926E1135B0C5}"/>
+                <a16:creationId xmlns:a16="http://schemas.microsoft.com/office/drawing/2014/main" id="{CA3577E9-C2D5-9548-A417-C21BA148EBCD}"/>
               </a:ext>
             </a:extLst>
           </p:cNvPr>
@@ -1967,7 +5334,7 @@
     </p:spTree>
     <p:extLst>
       <p:ext uri="{BB962C8B-B14F-4D97-AF65-F5344CB8AC3E}">
-        <p14:creationId xmlns:p14="http://schemas.microsoft.com/office/powerpoint/2010/main" val="3406016842"/>
+        <p14:creationId xmlns:p14="http://schemas.microsoft.com/office/powerpoint/2010/main" val="3743399528"/>
       </p:ext>
     </p:extLst>
   </p:cSld>
@@ -1999,7 +5366,7 @@
           <p:cNvPr id="2" name="標題 1">
             <a:extLst>
               <a:ext uri="{FF2B5EF4-FFF2-40B4-BE49-F238E27FC236}">
-                <a16:creationId xmlns:a16="http://schemas.microsoft.com/office/drawing/2014/main" id="{50E50595-6D4B-D141-A601-EB821F9CEA77}"/>
+                <a16:creationId xmlns:a16="http://schemas.microsoft.com/office/drawing/2014/main" id="{B5D6ED85-4250-CC4D-A0DC-8FECE43C933A}"/>
               </a:ext>
             </a:extLst>
           </p:cNvPr>
@@ -2036,7 +5403,7 @@
           <p:cNvPr id="3" name="內容版面配置區 2">
             <a:extLst>
               <a:ext uri="{FF2B5EF4-FFF2-40B4-BE49-F238E27FC236}">
-                <a16:creationId xmlns:a16="http://schemas.microsoft.com/office/drawing/2014/main" id="{E60EDE0D-100D-9F43-8958-337EB3387DC0}"/>
+                <a16:creationId xmlns:a16="http://schemas.microsoft.com/office/drawing/2014/main" id="{354B61C2-C1A6-4845-B424-11C23514C982}"/>
               </a:ext>
             </a:extLst>
           </p:cNvPr>
@@ -2101,7 +5468,7 @@
           <p:cNvPr id="4" name="文字版面配置區 3">
             <a:extLst>
               <a:ext uri="{FF2B5EF4-FFF2-40B4-BE49-F238E27FC236}">
-                <a16:creationId xmlns:a16="http://schemas.microsoft.com/office/drawing/2014/main" id="{717F5FF5-F618-D749-B382-40993B76F9CF}"/>
+                <a16:creationId xmlns:a16="http://schemas.microsoft.com/office/drawing/2014/main" id="{20232851-2CFD-F44B-B44D-6E3A4A9715A6}"/>
               </a:ext>
             </a:extLst>
           </p:cNvPr>
@@ -2175,7 +5542,7 @@
           <p:cNvPr id="5" name="日期版面配置區 4">
             <a:extLst>
               <a:ext uri="{FF2B5EF4-FFF2-40B4-BE49-F238E27FC236}">
-                <a16:creationId xmlns:a16="http://schemas.microsoft.com/office/drawing/2014/main" id="{A0ED1CC0-1A45-0B49-976E-6D2B00966FF5}"/>
+                <a16:creationId xmlns:a16="http://schemas.microsoft.com/office/drawing/2014/main" id="{75AF2733-35B3-2D48-9DF6-43022304DB02}"/>
               </a:ext>
             </a:extLst>
           </p:cNvPr>
@@ -2193,7 +5560,7 @@
           <a:p>
             <a:fld id="{55B79785-3012-D54A-860E-226ED4EF2A90}" type="datetimeFigureOut">
               <a:rPr kumimoji="1" lang="zh-TW" altLang="en-US" smtClean="0"/>
-              <a:t>2018/10/23</a:t>
+              <a:t>2018/10/28</a:t>
             </a:fld>
             <a:endParaRPr kumimoji="1" lang="zh-TW" altLang="en-US"/>
           </a:p>
@@ -2204,7 +5571,7 @@
           <p:cNvPr id="6" name="頁尾版面配置區 5">
             <a:extLst>
               <a:ext uri="{FF2B5EF4-FFF2-40B4-BE49-F238E27FC236}">
-                <a16:creationId xmlns:a16="http://schemas.microsoft.com/office/drawing/2014/main" id="{F29CAD74-F643-824D-8112-BA651EBEB321}"/>
+                <a16:creationId xmlns:a16="http://schemas.microsoft.com/office/drawing/2014/main" id="{8D1F5F6D-35D1-8242-8A90-4221BCCF768F}"/>
               </a:ext>
             </a:extLst>
           </p:cNvPr>
@@ -2229,7 +5596,7 @@
           <p:cNvPr id="7" name="投影片編號版面配置區 6">
             <a:extLst>
               <a:ext uri="{FF2B5EF4-FFF2-40B4-BE49-F238E27FC236}">
-                <a16:creationId xmlns:a16="http://schemas.microsoft.com/office/drawing/2014/main" id="{738AA951-6E4B-0242-9E55-CBA6839F3750}"/>
+                <a16:creationId xmlns:a16="http://schemas.microsoft.com/office/drawing/2014/main" id="{9EB46F3F-7601-694B-9857-6F7767971BBD}"/>
               </a:ext>
             </a:extLst>
           </p:cNvPr>
@@ -2256,7 +5623,7 @@
     </p:spTree>
     <p:extLst>
       <p:ext uri="{BB962C8B-B14F-4D97-AF65-F5344CB8AC3E}">
-        <p14:creationId xmlns:p14="http://schemas.microsoft.com/office/powerpoint/2010/main" val="4157315912"/>
+        <p14:creationId xmlns:p14="http://schemas.microsoft.com/office/powerpoint/2010/main" val="4028413160"/>
       </p:ext>
     </p:extLst>
   </p:cSld>
@@ -2288,7 +5655,7 @@
           <p:cNvPr id="2" name="標題 1">
             <a:extLst>
               <a:ext uri="{FF2B5EF4-FFF2-40B4-BE49-F238E27FC236}">
-                <a16:creationId xmlns:a16="http://schemas.microsoft.com/office/drawing/2014/main" id="{51A0F8CD-38CE-244B-91E7-08A4C5A6004A}"/>
+                <a16:creationId xmlns:a16="http://schemas.microsoft.com/office/drawing/2014/main" id="{1AEFD9C1-204A-C047-AD2A-89B7441B6E6B}"/>
               </a:ext>
             </a:extLst>
           </p:cNvPr>
@@ -2325,7 +5692,7 @@
           <p:cNvPr id="3" name="圖片版面配置區 2">
             <a:extLst>
               <a:ext uri="{FF2B5EF4-FFF2-40B4-BE49-F238E27FC236}">
-                <a16:creationId xmlns:a16="http://schemas.microsoft.com/office/drawing/2014/main" id="{3381A9F4-4270-AC48-ADBF-8B3CB47D44DA}"/>
+                <a16:creationId xmlns:a16="http://schemas.microsoft.com/office/drawing/2014/main" id="{B44D0035-93DC-A642-B26C-5F13B4EBBCAF}"/>
               </a:ext>
             </a:extLst>
           </p:cNvPr>
@@ -2392,7 +5759,7 @@
           <p:cNvPr id="4" name="文字版面配置區 3">
             <a:extLst>
               <a:ext uri="{FF2B5EF4-FFF2-40B4-BE49-F238E27FC236}">
-                <a16:creationId xmlns:a16="http://schemas.microsoft.com/office/drawing/2014/main" id="{2216AC40-7AA8-1A44-95AC-37872F010266}"/>
+                <a16:creationId xmlns:a16="http://schemas.microsoft.com/office/drawing/2014/main" id="{58BDF295-CAF7-2843-B058-504086204A74}"/>
               </a:ext>
             </a:extLst>
           </p:cNvPr>
@@ -2466,7 +5833,7 @@
           <p:cNvPr id="5" name="日期版面配置區 4">
             <a:extLst>
               <a:ext uri="{FF2B5EF4-FFF2-40B4-BE49-F238E27FC236}">
-                <a16:creationId xmlns:a16="http://schemas.microsoft.com/office/drawing/2014/main" id="{6DE4802A-5582-1D47-9143-A5036FAFC790}"/>
+                <a16:creationId xmlns:a16="http://schemas.microsoft.com/office/drawing/2014/main" id="{2F21955A-2C06-F54A-9322-E8C3D1FAF104}"/>
               </a:ext>
             </a:extLst>
           </p:cNvPr>
@@ -2484,7 +5851,7 @@
           <a:p>
             <a:fld id="{55B79785-3012-D54A-860E-226ED4EF2A90}" type="datetimeFigureOut">
               <a:rPr kumimoji="1" lang="zh-TW" altLang="en-US" smtClean="0"/>
-              <a:t>2018/10/23</a:t>
+              <a:t>2018/10/28</a:t>
             </a:fld>
             <a:endParaRPr kumimoji="1" lang="zh-TW" altLang="en-US"/>
           </a:p>
@@ -2495,7 +5862,7 @@
           <p:cNvPr id="6" name="頁尾版面配置區 5">
             <a:extLst>
               <a:ext uri="{FF2B5EF4-FFF2-40B4-BE49-F238E27FC236}">
-                <a16:creationId xmlns:a16="http://schemas.microsoft.com/office/drawing/2014/main" id="{A1411862-B70E-1047-BD78-02C9A8FC612D}"/>
+                <a16:creationId xmlns:a16="http://schemas.microsoft.com/office/drawing/2014/main" id="{331404F8-3A64-9840-86BD-1460AE8BB39D}"/>
               </a:ext>
             </a:extLst>
           </p:cNvPr>
@@ -2520,7 +5887,7 @@
           <p:cNvPr id="7" name="投影片編號版面配置區 6">
             <a:extLst>
               <a:ext uri="{FF2B5EF4-FFF2-40B4-BE49-F238E27FC236}">
-                <a16:creationId xmlns:a16="http://schemas.microsoft.com/office/drawing/2014/main" id="{5F6C2755-A925-EB4A-B88F-04D617ACA546}"/>
+                <a16:creationId xmlns:a16="http://schemas.microsoft.com/office/drawing/2014/main" id="{B845233B-B921-0041-B460-9283572D4913}"/>
               </a:ext>
             </a:extLst>
           </p:cNvPr>
@@ -2547,7 +5914,7 @@
     </p:spTree>
     <p:extLst>
       <p:ext uri="{BB962C8B-B14F-4D97-AF65-F5344CB8AC3E}">
-        <p14:creationId xmlns:p14="http://schemas.microsoft.com/office/powerpoint/2010/main" val="989558807"/>
+        <p14:creationId xmlns:p14="http://schemas.microsoft.com/office/powerpoint/2010/main" val="1425343179"/>
       </p:ext>
     </p:extLst>
   </p:cSld>
@@ -2584,7 +5951,7 @@
           <p:cNvPr id="2" name="標題版面配置區 1">
             <a:extLst>
               <a:ext uri="{FF2B5EF4-FFF2-40B4-BE49-F238E27FC236}">
-                <a16:creationId xmlns:a16="http://schemas.microsoft.com/office/drawing/2014/main" id="{6AED5B04-C40F-E947-B21B-3FDA8F9AA571}"/>
+                <a16:creationId xmlns:a16="http://schemas.microsoft.com/office/drawing/2014/main" id="{40118106-F9C2-1D49-A9D6-55A1D380AFD7}"/>
               </a:ext>
             </a:extLst>
           </p:cNvPr>
@@ -2622,7 +5989,7 @@
           <p:cNvPr id="3" name="文字版面配置區 2">
             <a:extLst>
               <a:ext uri="{FF2B5EF4-FFF2-40B4-BE49-F238E27FC236}">
-                <a16:creationId xmlns:a16="http://schemas.microsoft.com/office/drawing/2014/main" id="{7D1BA78A-2186-BE4A-A0C2-48FDD93F0692}"/>
+                <a16:creationId xmlns:a16="http://schemas.microsoft.com/office/drawing/2014/main" id="{82A3D11C-41C3-3841-BD49-70EEF42E20F3}"/>
               </a:ext>
             </a:extLst>
           </p:cNvPr>
@@ -2664,7 +6031,7 @@
           <p:cNvPr id="4" name="日期版面配置區 3">
             <a:extLst>
               <a:ext uri="{FF2B5EF4-FFF2-40B4-BE49-F238E27FC236}">
-                <a16:creationId xmlns:a16="http://schemas.microsoft.com/office/drawing/2014/main" id="{3E25730E-9BAA-2D4E-A103-DBBB0280FC10}"/>
+                <a16:creationId xmlns:a16="http://schemas.microsoft.com/office/drawing/2014/main" id="{8BA2EC60-EB13-2345-9A00-06A3DE1778F4}"/>
               </a:ext>
             </a:extLst>
           </p:cNvPr>
@@ -2700,7 +6067,7 @@
           <a:p>
             <a:fld id="{55B79785-3012-D54A-860E-226ED4EF2A90}" type="datetimeFigureOut">
               <a:rPr kumimoji="1" lang="zh-TW" altLang="en-US" smtClean="0"/>
-              <a:t>2018/10/23</a:t>
+              <a:t>2018/10/28</a:t>
             </a:fld>
             <a:endParaRPr kumimoji="1" lang="zh-TW" altLang="en-US"/>
           </a:p>
@@ -2711,7 +6078,7 @@
           <p:cNvPr id="5" name="頁尾版面配置區 4">
             <a:extLst>
               <a:ext uri="{FF2B5EF4-FFF2-40B4-BE49-F238E27FC236}">
-                <a16:creationId xmlns:a16="http://schemas.microsoft.com/office/drawing/2014/main" id="{B88E1E59-683E-0044-AA58-2812C9FB55AE}"/>
+                <a16:creationId xmlns:a16="http://schemas.microsoft.com/office/drawing/2014/main" id="{6358780F-920A-2E46-B066-2F6B3940E181}"/>
               </a:ext>
             </a:extLst>
           </p:cNvPr>
@@ -2754,7 +6121,7 @@
           <p:cNvPr id="6" name="投影片編號版面配置區 5">
             <a:extLst>
               <a:ext uri="{FF2B5EF4-FFF2-40B4-BE49-F238E27FC236}">
-                <a16:creationId xmlns:a16="http://schemas.microsoft.com/office/drawing/2014/main" id="{5629F37E-ABAF-3D49-98F9-EF36169457CB}"/>
+                <a16:creationId xmlns:a16="http://schemas.microsoft.com/office/drawing/2014/main" id="{2F29DD29-B8D4-4C42-8082-C72C49DC8443}"/>
               </a:ext>
             </a:extLst>
           </p:cNvPr>
@@ -2799,23 +6166,23 @@
     </p:spTree>
     <p:extLst>
       <p:ext uri="{BB962C8B-B14F-4D97-AF65-F5344CB8AC3E}">
-        <p14:creationId xmlns:p14="http://schemas.microsoft.com/office/powerpoint/2010/main" val="1728169053"/>
+        <p14:creationId xmlns:p14="http://schemas.microsoft.com/office/powerpoint/2010/main" val="1818601942"/>
       </p:ext>
     </p:extLst>
   </p:cSld>
   <p:clrMap bg1="lt1" tx1="dk1" bg2="lt2" tx2="dk2" accent1="accent1" accent2="accent2" accent3="accent3" accent4="accent4" accent5="accent5" accent6="accent6" hlink="hlink" folHlink="folHlink"/>
   <p:sldLayoutIdLst>
-    <p:sldLayoutId id="2147483649" r:id="rId1"/>
-    <p:sldLayoutId id="2147483650" r:id="rId2"/>
-    <p:sldLayoutId id="2147483651" r:id="rId3"/>
-    <p:sldLayoutId id="2147483652" r:id="rId4"/>
-    <p:sldLayoutId id="2147483653" r:id="rId5"/>
-    <p:sldLayoutId id="2147483654" r:id="rId6"/>
-    <p:sldLayoutId id="2147483655" r:id="rId7"/>
-    <p:sldLayoutId id="2147483656" r:id="rId8"/>
-    <p:sldLayoutId id="2147483657" r:id="rId9"/>
-    <p:sldLayoutId id="2147483658" r:id="rId10"/>
-    <p:sldLayoutId id="2147483659" r:id="rId11"/>
+    <p:sldLayoutId id="2147483721" r:id="rId1"/>
+    <p:sldLayoutId id="2147483722" r:id="rId2"/>
+    <p:sldLayoutId id="2147483723" r:id="rId3"/>
+    <p:sldLayoutId id="2147483724" r:id="rId4"/>
+    <p:sldLayoutId id="2147483725" r:id="rId5"/>
+    <p:sldLayoutId id="2147483726" r:id="rId6"/>
+    <p:sldLayoutId id="2147483727" r:id="rId7"/>
+    <p:sldLayoutId id="2147483728" r:id="rId8"/>
+    <p:sldLayoutId id="2147483729" r:id="rId9"/>
+    <p:sldLayoutId id="2147483730" r:id="rId10"/>
+    <p:sldLayoutId id="2147483731" r:id="rId11"/>
   </p:sldLayoutIdLst>
   <p:txStyles>
     <p:titleStyle>
@@ -3097,6 +6464,775 @@
       </a:lvl9pPr>
     </p:otherStyle>
   </p:txStyles>
+  <p:extLst>
+    <p:ext uri="{27BBF7A9-308A-43DC-89C8-2F10F3537804}">
+      <p15:sldGuideLst xmlns:p15="http://schemas.microsoft.com/office/powerpoint/2012/main"/>
+    </p:ext>
+  </p:extLst>
+</p:sldMaster>
+</file>
+
+<file path=ppt/slideMasters/slideMaster2.xml><?xml version="1.0" encoding="utf-8"?>
+<p:sldMaster xmlns:a="http://schemas.openxmlformats.org/drawingml/2006/main" xmlns:r="http://schemas.openxmlformats.org/officeDocument/2006/relationships" xmlns:p="http://schemas.openxmlformats.org/presentationml/2006/main">
+  <p:cSld>
+    <p:bg>
+      <p:bgRef idx="1001">
+        <a:schemeClr val="bg1"/>
+      </p:bgRef>
+    </p:bg>
+    <p:spTree>
+      <p:nvGrpSpPr>
+        <p:cNvPr id="1" name=""/>
+        <p:cNvGrpSpPr/>
+        <p:nvPr/>
+      </p:nvGrpSpPr>
+      <p:grpSpPr>
+        <a:xfrm>
+          <a:off x="0" y="0"/>
+          <a:ext cx="0" cy="0"/>
+          <a:chOff x="0" y="0"/>
+          <a:chExt cx="0" cy="0"/>
+        </a:xfrm>
+      </p:grpSpPr>
+      <p:sp>
+        <p:nvSpPr>
+          <p:cNvPr id="2" name="Title Placeholder 1"/>
+          <p:cNvSpPr>
+            <a:spLocks noGrp="1"/>
+          </p:cNvSpPr>
+          <p:nvPr>
+            <p:ph type="title"/>
+          </p:nvPr>
+        </p:nvSpPr>
+        <p:spPr>
+          <a:xfrm>
+            <a:off x="1069848" y="484632"/>
+            <a:ext cx="10058400" cy="1609344"/>
+          </a:xfrm>
+          <a:prstGeom prst="rect">
+            <a:avLst/>
+          </a:prstGeom>
+        </p:spPr>
+        <p:txBody>
+          <a:bodyPr vert="horz" lIns="91440" tIns="45720" rIns="91440" bIns="45720" rtlCol="0" anchor="ctr">
+            <a:normAutofit/>
+          </a:bodyPr>
+          <a:lstStyle/>
+          <a:p>
+            <a:r>
+              <a:rPr lang="zh-TW" altLang="en-US"/>
+              <a:t>按一下以編輯母片標題樣式</a:t>
+            </a:r>
+            <a:endParaRPr lang="en-US" dirty="0"/>
+          </a:p>
+        </p:txBody>
+      </p:sp>
+      <p:sp>
+        <p:nvSpPr>
+          <p:cNvPr id="3" name="Text Placeholder 2"/>
+          <p:cNvSpPr>
+            <a:spLocks noGrp="1"/>
+          </p:cNvSpPr>
+          <p:nvPr>
+            <p:ph type="body" idx="1"/>
+          </p:nvPr>
+        </p:nvSpPr>
+        <p:spPr>
+          <a:xfrm>
+            <a:off x="1069848" y="2121408"/>
+            <a:ext cx="10058400" cy="4050792"/>
+          </a:xfrm>
+          <a:prstGeom prst="rect">
+            <a:avLst/>
+          </a:prstGeom>
+        </p:spPr>
+        <p:txBody>
+          <a:bodyPr vert="horz" lIns="91440" tIns="45720" rIns="91440" bIns="45720" rtlCol="0">
+            <a:normAutofit/>
+          </a:bodyPr>
+          <a:lstStyle/>
+          <a:p>
+            <a:pPr lvl="0"/>
+            <a:r>
+              <a:rPr lang="zh-TW" altLang="en-US"/>
+              <a:t>編輯母片文字樣式
+第二層
+第三層
+第四層
+第五層</a:t>
+            </a:r>
+            <a:endParaRPr lang="en-US" dirty="0"/>
+          </a:p>
+        </p:txBody>
+      </p:sp>
+      <p:sp>
+        <p:nvSpPr>
+          <p:cNvPr id="4" name="Date Placeholder 3"/>
+          <p:cNvSpPr>
+            <a:spLocks noGrp="1"/>
+          </p:cNvSpPr>
+          <p:nvPr>
+            <p:ph type="dt" sz="half" idx="2"/>
+          </p:nvPr>
+        </p:nvSpPr>
+        <p:spPr>
+          <a:xfrm>
+            <a:off x="7964424" y="6272784"/>
+            <a:ext cx="3273552" cy="365125"/>
+          </a:xfrm>
+          <a:prstGeom prst="rect">
+            <a:avLst/>
+          </a:prstGeom>
+        </p:spPr>
+        <p:txBody>
+          <a:bodyPr vert="horz" lIns="91440" tIns="45720" rIns="91440" bIns="45720" rtlCol="0" anchor="ctr"/>
+          <a:lstStyle>
+            <a:lvl1pPr algn="r">
+              <a:defRPr sz="1100">
+                <a:solidFill>
+                  <a:schemeClr val="tx2"/>
+                </a:solidFill>
+              </a:defRPr>
+            </a:lvl1pPr>
+          </a:lstStyle>
+          <a:p>
+            <a:fld id="{55B79785-3012-D54A-860E-226ED4EF2A90}" type="datetimeFigureOut">
+              <a:rPr kumimoji="1" lang="zh-TW" altLang="en-US" smtClean="0"/>
+              <a:t>2018/10/28</a:t>
+            </a:fld>
+            <a:endParaRPr kumimoji="1" lang="zh-TW" altLang="en-US"/>
+          </a:p>
+        </p:txBody>
+      </p:sp>
+      <p:sp>
+        <p:nvSpPr>
+          <p:cNvPr id="5" name="Footer Placeholder 4"/>
+          <p:cNvSpPr>
+            <a:spLocks noGrp="1"/>
+          </p:cNvSpPr>
+          <p:nvPr>
+            <p:ph type="ftr" sz="quarter" idx="3"/>
+          </p:nvPr>
+        </p:nvSpPr>
+        <p:spPr>
+          <a:xfrm>
+            <a:off x="1088136" y="6272784"/>
+            <a:ext cx="6327648" cy="365125"/>
+          </a:xfrm>
+          <a:prstGeom prst="rect">
+            <a:avLst/>
+          </a:prstGeom>
+        </p:spPr>
+        <p:txBody>
+          <a:bodyPr vert="horz" lIns="91440" tIns="45720" rIns="91440" bIns="45720" rtlCol="0" anchor="ctr"/>
+          <a:lstStyle>
+            <a:lvl1pPr algn="l">
+              <a:defRPr sz="1100">
+                <a:solidFill>
+                  <a:schemeClr val="tx2"/>
+                </a:solidFill>
+              </a:defRPr>
+            </a:lvl1pPr>
+          </a:lstStyle>
+          <a:p>
+            <a:endParaRPr kumimoji="1" lang="zh-TW" altLang="en-US"/>
+          </a:p>
+        </p:txBody>
+      </p:sp>
+      <p:grpSp>
+        <p:nvGrpSpPr>
+          <p:cNvPr id="7" name="Group 6"/>
+          <p:cNvGrpSpPr>
+            <a:grpSpLocks noChangeAspect="1"/>
+          </p:cNvGrpSpPr>
+          <p:nvPr/>
+        </p:nvGrpSpPr>
+        <p:grpSpPr>
+          <a:xfrm>
+            <a:off x="11401725" y="6229681"/>
+            <a:ext cx="457200" cy="457200"/>
+            <a:chOff x="11361456" y="6195813"/>
+            <a:chExt cx="548640" cy="548640"/>
+          </a:xfrm>
+        </p:grpSpPr>
+        <p:sp>
+          <p:nvSpPr>
+            <p:cNvPr id="8" name="Oval 7"/>
+            <p:cNvSpPr/>
+            <p:nvPr/>
+          </p:nvSpPr>
+          <p:spPr>
+            <a:xfrm>
+              <a:off x="11361456" y="6195813"/>
+              <a:ext cx="548640" cy="548640"/>
+            </a:xfrm>
+            <a:prstGeom prst="ellipse">
+              <a:avLst/>
+            </a:prstGeom>
+            <a:blipFill dpi="0" rotWithShape="1">
+              <a:blip r:embed="rId13">
+                <a:duotone>
+                  <a:schemeClr val="accent1">
+                    <a:shade val="45000"/>
+                    <a:satMod val="135000"/>
+                  </a:schemeClr>
+                  <a:prstClr val="white"/>
+                </a:duotone>
+                <a:extLst>
+                  <a:ext uri="{BEBA8EAE-BF5A-486C-A8C5-ECC9F3942E4B}">
+                    <a14:imgProps xmlns:a14="http://schemas.microsoft.com/office/drawing/2010/main">
+                      <a14:imgLayer r:embed="rId14">
+                        <a14:imgEffect>
+                          <a14:saturation sat="95000"/>
+                        </a14:imgEffect>
+                        <a14:imgEffect>
+                          <a14:brightnessContrast bright="-40000" contrast="20000"/>
+                        </a14:imgEffect>
+                      </a14:imgLayer>
+                    </a14:imgProps>
+                  </a:ext>
+                </a:extLst>
+              </a:blip>
+              <a:srcRect/>
+              <a:tile tx="50800" ty="0" sx="85000" sy="85000" flip="none" algn="tl"/>
+            </a:blipFill>
+            <a:ln w="25400" cap="flat" cmpd="sng" algn="ctr">
+              <a:noFill/>
+              <a:prstDash val="solid"/>
+            </a:ln>
+            <a:effectLst/>
+          </p:spPr>
+          <p:txBody>
+            <a:bodyPr lIns="0" tIns="0" rIns="0" bIns="0" rtlCol="0" anchor="ctr"/>
+            <a:lstStyle/>
+            <a:p>
+              <a:pPr marL="0" marR="0" lvl="0" indent="0" algn="ctr" defTabSz="914400" eaLnBrk="1" fontAlgn="auto" latinLnBrk="0" hangingPunct="1">
+                <a:lnSpc>
+                  <a:spcPct val="100000"/>
+                </a:lnSpc>
+                <a:spcBef>
+                  <a:spcPts val="0"/>
+                </a:spcBef>
+                <a:spcAft>
+                  <a:spcPts val="0"/>
+                </a:spcAft>
+                <a:buClrTx/>
+                <a:buSzTx/>
+                <a:buFontTx/>
+                <a:buNone/>
+                <a:tabLst/>
+                <a:defRPr/>
+              </a:pPr>
+              <a:endParaRPr kumimoji="0" lang="en-US" sz="2000" b="0" i="0" u="none" strike="noStrike" kern="0" cap="none" spc="0" normalizeH="0" baseline="0" noProof="0" dirty="0">
+                <a:ln>
+                  <a:noFill/>
+                </a:ln>
+                <a:solidFill>
+                  <a:prstClr val="white"/>
+                </a:solidFill>
+                <a:effectLst/>
+                <a:uLnTx/>
+                <a:uFillTx/>
+                <a:latin typeface="Rockwell Extra Bold" pitchFamily="18" charset="0"/>
+                <a:ea typeface="+mn-ea"/>
+                <a:cs typeface="+mn-cs"/>
+              </a:endParaRPr>
+            </a:p>
+          </p:txBody>
+        </p:sp>
+        <p:sp>
+          <p:nvSpPr>
+            <p:cNvPr id="9" name="Oval 8"/>
+            <p:cNvSpPr/>
+            <p:nvPr/>
+          </p:nvSpPr>
+          <p:spPr>
+            <a:xfrm>
+              <a:off x="11396488" y="6230844"/>
+              <a:ext cx="478576" cy="478578"/>
+            </a:xfrm>
+            <a:prstGeom prst="ellipse">
+              <a:avLst/>
+            </a:prstGeom>
+            <a:noFill/>
+            <a:ln w="12700" cap="flat" cmpd="sng" algn="ctr">
+              <a:solidFill>
+                <a:srgbClr val="FFFFFF"/>
+              </a:solidFill>
+              <a:prstDash val="solid"/>
+            </a:ln>
+            <a:effectLst/>
+          </p:spPr>
+          <p:txBody>
+            <a:bodyPr rtlCol="0" anchor="ctr"/>
+            <a:lstStyle/>
+            <a:p>
+              <a:pPr marL="0" marR="0" lvl="0" indent="0" algn="ctr" defTabSz="914400" eaLnBrk="1" fontAlgn="auto" latinLnBrk="0" hangingPunct="1">
+                <a:lnSpc>
+                  <a:spcPct val="100000"/>
+                </a:lnSpc>
+                <a:spcBef>
+                  <a:spcPts val="0"/>
+                </a:spcBef>
+                <a:spcAft>
+                  <a:spcPts val="0"/>
+                </a:spcAft>
+                <a:buClrTx/>
+                <a:buSzTx/>
+                <a:buFontTx/>
+                <a:buNone/>
+                <a:tabLst/>
+                <a:defRPr/>
+              </a:pPr>
+              <a:endParaRPr kumimoji="0" lang="en-US" sz="1800" b="0" i="0" u="none" strike="noStrike" kern="0" cap="none" spc="0" normalizeH="0" baseline="0" noProof="0" dirty="0">
+                <a:ln>
+                  <a:noFill/>
+                </a:ln>
+                <a:solidFill>
+                  <a:prstClr val="white"/>
+                </a:solidFill>
+                <a:effectLst/>
+                <a:uLnTx/>
+                <a:uFillTx/>
+                <a:latin typeface="Calibri"/>
+                <a:ea typeface="+mn-ea"/>
+                <a:cs typeface="+mn-cs"/>
+              </a:endParaRPr>
+            </a:p>
+          </p:txBody>
+        </p:sp>
+      </p:grpSp>
+      <p:sp>
+        <p:nvSpPr>
+          <p:cNvPr id="6" name="Slide Number Placeholder 5"/>
+          <p:cNvSpPr>
+            <a:spLocks noGrp="1"/>
+          </p:cNvSpPr>
+          <p:nvPr>
+            <p:ph type="sldNum" sz="quarter" idx="4"/>
+          </p:nvPr>
+        </p:nvSpPr>
+        <p:spPr>
+          <a:xfrm>
+            <a:off x="11311128" y="6272784"/>
+            <a:ext cx="640080" cy="365125"/>
+          </a:xfrm>
+          <a:prstGeom prst="rect">
+            <a:avLst/>
+          </a:prstGeom>
+        </p:spPr>
+        <p:txBody>
+          <a:bodyPr vert="horz" lIns="91440" tIns="45720" rIns="91440" bIns="45720" rtlCol="0" anchor="ctr"/>
+          <a:lstStyle>
+            <a:lvl1pPr algn="ctr">
+              <a:defRPr sz="1400" b="1">
+                <a:solidFill>
+                  <a:srgbClr val="FFFFFF"/>
+                </a:solidFill>
+                <a:latin typeface="+mj-lt"/>
+              </a:defRPr>
+            </a:lvl1pPr>
+          </a:lstStyle>
+          <a:p>
+            <a:fld id="{97B6DADF-0344-4F4A-882C-585FF354930E}" type="slidenum">
+              <a:rPr kumimoji="1" lang="zh-TW" altLang="en-US" smtClean="0"/>
+              <a:t>‹#›</a:t>
+            </a:fld>
+            <a:endParaRPr kumimoji="1" lang="zh-TW" altLang="en-US"/>
+          </a:p>
+        </p:txBody>
+      </p:sp>
+    </p:spTree>
+    <p:extLst>
+      <p:ext uri="{BB962C8B-B14F-4D97-AF65-F5344CB8AC3E}">
+        <p14:creationId xmlns:p14="http://schemas.microsoft.com/office/powerpoint/2010/main" val="1921447691"/>
+      </p:ext>
+    </p:extLst>
+  </p:cSld>
+  <p:clrMap bg1="lt1" tx1="dk1" bg2="lt2" tx2="dk2" accent1="accent1" accent2="accent2" accent3="accent3" accent4="accent4" accent5="accent5" accent6="accent6" hlink="hlink" folHlink="folHlink"/>
+  <p:sldLayoutIdLst>
+    <p:sldLayoutId id="2147483757" r:id="rId1"/>
+    <p:sldLayoutId id="2147483758" r:id="rId2"/>
+    <p:sldLayoutId id="2147483759" r:id="rId3"/>
+    <p:sldLayoutId id="2147483760" r:id="rId4"/>
+    <p:sldLayoutId id="2147483761" r:id="rId5"/>
+    <p:sldLayoutId id="2147483762" r:id="rId6"/>
+    <p:sldLayoutId id="2147483763" r:id="rId7"/>
+    <p:sldLayoutId id="2147483764" r:id="rId8"/>
+    <p:sldLayoutId id="2147483765" r:id="rId9"/>
+    <p:sldLayoutId id="2147483766" r:id="rId10"/>
+    <p:sldLayoutId id="2147483767" r:id="rId11"/>
+  </p:sldLayoutIdLst>
+  <p:txStyles>
+    <p:titleStyle>
+      <a:lvl1pPr algn="l" defTabSz="914400" rtl="0" eaLnBrk="1" latinLnBrk="0" hangingPunct="1">
+        <a:lnSpc>
+          <a:spcPct val="90000"/>
+        </a:lnSpc>
+        <a:spcBef>
+          <a:spcPct val="0"/>
+        </a:spcBef>
+        <a:buNone/>
+        <a:defRPr sz="5400" kern="1200" cap="all" baseline="0">
+          <a:blipFill>
+            <a:blip r:embed="rId15">
+              <a:extLst>
+                <a:ext uri="{28A0092B-C50C-407E-A947-70E740481C1C}">
+                  <a14:useLocalDpi xmlns:a14="http://schemas.microsoft.com/office/drawing/2010/main" val="0"/>
+                </a:ext>
+              </a:extLst>
+            </a:blip>
+            <a:tile tx="6350" ty="-127000" sx="65000" sy="64000" flip="none" algn="tl"/>
+          </a:blipFill>
+          <a:latin typeface="+mj-lt"/>
+          <a:ea typeface="+mj-ea"/>
+          <a:cs typeface="+mj-cs"/>
+        </a:defRPr>
+      </a:lvl1pPr>
+    </p:titleStyle>
+    <p:bodyStyle>
+      <a:lvl1pPr marL="182880" indent="-182880" algn="l" defTabSz="914400" rtl="0" eaLnBrk="1" latinLnBrk="0" hangingPunct="1">
+        <a:lnSpc>
+          <a:spcPct val="90000"/>
+        </a:lnSpc>
+        <a:spcBef>
+          <a:spcPts val="1200"/>
+        </a:spcBef>
+        <a:buClr>
+          <a:schemeClr val="accent1">
+            <a:lumMod val="75000"/>
+          </a:schemeClr>
+        </a:buClr>
+        <a:buSzPct val="85000"/>
+        <a:buFont typeface="Wingdings" pitchFamily="2" charset="2"/>
+        <a:buChar char="§"/>
+        <a:defRPr sz="2000" kern="1200">
+          <a:solidFill>
+            <a:schemeClr val="tx1"/>
+          </a:solidFill>
+          <a:latin typeface="+mn-lt"/>
+          <a:ea typeface="+mn-ea"/>
+          <a:cs typeface="+mn-cs"/>
+        </a:defRPr>
+      </a:lvl1pPr>
+      <a:lvl2pPr marL="457200" indent="-182880" algn="l" defTabSz="914400" rtl="0" eaLnBrk="1" latinLnBrk="0" hangingPunct="1">
+        <a:lnSpc>
+          <a:spcPct val="90000"/>
+        </a:lnSpc>
+        <a:spcBef>
+          <a:spcPts val="400"/>
+        </a:spcBef>
+        <a:spcAft>
+          <a:spcPts val="200"/>
+        </a:spcAft>
+        <a:buClr>
+          <a:schemeClr val="accent1">
+            <a:lumMod val="75000"/>
+          </a:schemeClr>
+        </a:buClr>
+        <a:buSzPct val="85000"/>
+        <a:buFont typeface="Wingdings" pitchFamily="2" charset="2"/>
+        <a:buChar char="§"/>
+        <a:defRPr sz="1800" kern="1200">
+          <a:solidFill>
+            <a:schemeClr val="tx1"/>
+          </a:solidFill>
+          <a:latin typeface="+mn-lt"/>
+          <a:ea typeface="+mn-ea"/>
+          <a:cs typeface="+mn-cs"/>
+        </a:defRPr>
+      </a:lvl2pPr>
+      <a:lvl3pPr marL="731520" indent="-182880" algn="l" defTabSz="914400" rtl="0" eaLnBrk="1" latinLnBrk="0" hangingPunct="1">
+        <a:lnSpc>
+          <a:spcPct val="90000"/>
+        </a:lnSpc>
+        <a:spcBef>
+          <a:spcPts val="400"/>
+        </a:spcBef>
+        <a:spcAft>
+          <a:spcPts val="200"/>
+        </a:spcAft>
+        <a:buClr>
+          <a:schemeClr val="accent1">
+            <a:lumMod val="75000"/>
+          </a:schemeClr>
+        </a:buClr>
+        <a:buSzPct val="85000"/>
+        <a:buFont typeface="Wingdings" pitchFamily="2" charset="2"/>
+        <a:buChar char="§"/>
+        <a:defRPr sz="1600" kern="1200">
+          <a:solidFill>
+            <a:schemeClr val="tx1"/>
+          </a:solidFill>
+          <a:latin typeface="+mn-lt"/>
+          <a:ea typeface="+mn-ea"/>
+          <a:cs typeface="+mn-cs"/>
+        </a:defRPr>
+      </a:lvl3pPr>
+      <a:lvl4pPr marL="1005840" indent="-182880" algn="l" defTabSz="914400" rtl="0" eaLnBrk="1" latinLnBrk="0" hangingPunct="1">
+        <a:lnSpc>
+          <a:spcPct val="90000"/>
+        </a:lnSpc>
+        <a:spcBef>
+          <a:spcPts val="400"/>
+        </a:spcBef>
+        <a:spcAft>
+          <a:spcPts val="200"/>
+        </a:spcAft>
+        <a:buClr>
+          <a:schemeClr val="accent1">
+            <a:lumMod val="75000"/>
+          </a:schemeClr>
+        </a:buClr>
+        <a:buSzPct val="85000"/>
+        <a:buFont typeface="Wingdings" pitchFamily="2" charset="2"/>
+        <a:buChar char="§"/>
+        <a:defRPr sz="1600" kern="1200">
+          <a:solidFill>
+            <a:schemeClr val="tx1"/>
+          </a:solidFill>
+          <a:latin typeface="+mn-lt"/>
+          <a:ea typeface="+mn-ea"/>
+          <a:cs typeface="+mn-cs"/>
+        </a:defRPr>
+      </a:lvl4pPr>
+      <a:lvl5pPr marL="1280160" indent="-182880" algn="l" defTabSz="914400" rtl="0" eaLnBrk="1" latinLnBrk="0" hangingPunct="1">
+        <a:lnSpc>
+          <a:spcPct val="90000"/>
+        </a:lnSpc>
+        <a:spcBef>
+          <a:spcPts val="400"/>
+        </a:spcBef>
+        <a:spcAft>
+          <a:spcPts val="200"/>
+        </a:spcAft>
+        <a:buClr>
+          <a:schemeClr val="accent1">
+            <a:lumMod val="75000"/>
+          </a:schemeClr>
+        </a:buClr>
+        <a:buSzPct val="85000"/>
+        <a:buFont typeface="Wingdings" pitchFamily="2" charset="2"/>
+        <a:buChar char="§"/>
+        <a:defRPr sz="1600" kern="1200">
+          <a:solidFill>
+            <a:schemeClr val="tx1"/>
+          </a:solidFill>
+          <a:latin typeface="+mn-lt"/>
+          <a:ea typeface="+mn-ea"/>
+          <a:cs typeface="+mn-cs"/>
+        </a:defRPr>
+      </a:lvl5pPr>
+      <a:lvl6pPr marL="1600000" indent="-228600" algn="l" defTabSz="914400" rtl="0" eaLnBrk="1" latinLnBrk="0" hangingPunct="1">
+        <a:lnSpc>
+          <a:spcPct val="90000"/>
+        </a:lnSpc>
+        <a:spcBef>
+          <a:spcPts val="400"/>
+        </a:spcBef>
+        <a:spcAft>
+          <a:spcPts val="200"/>
+        </a:spcAft>
+        <a:buClr>
+          <a:schemeClr val="accent1">
+            <a:lumMod val="75000"/>
+          </a:schemeClr>
+        </a:buClr>
+        <a:buSzPct val="85000"/>
+        <a:buFont typeface="Wingdings" pitchFamily="2" charset="2"/>
+        <a:buChar char="§"/>
+        <a:defRPr sz="1600" kern="1200">
+          <a:solidFill>
+            <a:schemeClr val="tx1"/>
+          </a:solidFill>
+          <a:latin typeface="+mn-lt"/>
+          <a:ea typeface="+mn-ea"/>
+          <a:cs typeface="+mn-cs"/>
+        </a:defRPr>
+      </a:lvl6pPr>
+      <a:lvl7pPr marL="1900000" indent="-228600" algn="l" defTabSz="914400" rtl="0" eaLnBrk="1" latinLnBrk="0" hangingPunct="1">
+        <a:lnSpc>
+          <a:spcPct val="90000"/>
+        </a:lnSpc>
+        <a:spcBef>
+          <a:spcPts val="400"/>
+        </a:spcBef>
+        <a:spcAft>
+          <a:spcPts val="200"/>
+        </a:spcAft>
+        <a:buClr>
+          <a:schemeClr val="accent1">
+            <a:lumMod val="75000"/>
+          </a:schemeClr>
+        </a:buClr>
+        <a:buSzPct val="85000"/>
+        <a:buFont typeface="Wingdings" pitchFamily="2" charset="2"/>
+        <a:buChar char="§"/>
+        <a:defRPr sz="1600" kern="1200">
+          <a:solidFill>
+            <a:schemeClr val="tx1"/>
+          </a:solidFill>
+          <a:latin typeface="+mn-lt"/>
+          <a:ea typeface="+mn-ea"/>
+          <a:cs typeface="+mn-cs"/>
+        </a:defRPr>
+      </a:lvl7pPr>
+      <a:lvl8pPr marL="2200000" indent="-228600" algn="l" defTabSz="914400" rtl="0" eaLnBrk="1" latinLnBrk="0" hangingPunct="1">
+        <a:lnSpc>
+          <a:spcPct val="90000"/>
+        </a:lnSpc>
+        <a:spcBef>
+          <a:spcPts val="400"/>
+        </a:spcBef>
+        <a:spcAft>
+          <a:spcPts val="200"/>
+        </a:spcAft>
+        <a:buClr>
+          <a:schemeClr val="accent1">
+            <a:lumMod val="75000"/>
+          </a:schemeClr>
+        </a:buClr>
+        <a:buSzPct val="85000"/>
+        <a:buFont typeface="Wingdings" pitchFamily="2" charset="2"/>
+        <a:buChar char="§"/>
+        <a:defRPr sz="1600" kern="1200">
+          <a:solidFill>
+            <a:schemeClr val="tx1"/>
+          </a:solidFill>
+          <a:latin typeface="+mn-lt"/>
+          <a:ea typeface="+mn-ea"/>
+          <a:cs typeface="+mn-cs"/>
+        </a:defRPr>
+      </a:lvl8pPr>
+      <a:lvl9pPr marL="2500000" indent="-228600" algn="l" defTabSz="914400" rtl="0" eaLnBrk="1" latinLnBrk="0" hangingPunct="1">
+        <a:lnSpc>
+          <a:spcPct val="90000"/>
+        </a:lnSpc>
+        <a:spcBef>
+          <a:spcPts val="400"/>
+        </a:spcBef>
+        <a:spcAft>
+          <a:spcPts val="200"/>
+        </a:spcAft>
+        <a:buClr>
+          <a:schemeClr val="accent1">
+            <a:lumMod val="75000"/>
+          </a:schemeClr>
+        </a:buClr>
+        <a:buSzPct val="85000"/>
+        <a:buFont typeface="Wingdings" pitchFamily="2" charset="2"/>
+        <a:buChar char="§"/>
+        <a:defRPr sz="1600" kern="1200">
+          <a:solidFill>
+            <a:schemeClr val="tx1"/>
+          </a:solidFill>
+          <a:latin typeface="+mn-lt"/>
+          <a:ea typeface="+mn-ea"/>
+          <a:cs typeface="+mn-cs"/>
+        </a:defRPr>
+      </a:lvl9pPr>
+    </p:bodyStyle>
+    <p:otherStyle>
+      <a:defPPr>
+        <a:defRPr lang="en-US"/>
+      </a:defPPr>
+      <a:lvl1pPr marL="0" algn="l" defTabSz="914400" rtl="0" eaLnBrk="1" latinLnBrk="0" hangingPunct="1">
+        <a:defRPr sz="1800" kern="1200">
+          <a:solidFill>
+            <a:schemeClr val="tx1"/>
+          </a:solidFill>
+          <a:latin typeface="+mn-lt"/>
+          <a:ea typeface="+mn-ea"/>
+          <a:cs typeface="+mn-cs"/>
+        </a:defRPr>
+      </a:lvl1pPr>
+      <a:lvl2pPr marL="457200" algn="l" defTabSz="914400" rtl="0" eaLnBrk="1" latinLnBrk="0" hangingPunct="1">
+        <a:defRPr sz="1800" kern="1200">
+          <a:solidFill>
+            <a:schemeClr val="tx1"/>
+          </a:solidFill>
+          <a:latin typeface="+mn-lt"/>
+          <a:ea typeface="+mn-ea"/>
+          <a:cs typeface="+mn-cs"/>
+        </a:defRPr>
+      </a:lvl2pPr>
+      <a:lvl3pPr marL="914400" algn="l" defTabSz="914400" rtl="0" eaLnBrk="1" latinLnBrk="0" hangingPunct="1">
+        <a:defRPr sz="1800" kern="1200">
+          <a:solidFill>
+            <a:schemeClr val="tx1"/>
+          </a:solidFill>
+          <a:latin typeface="+mn-lt"/>
+          <a:ea typeface="+mn-ea"/>
+          <a:cs typeface="+mn-cs"/>
+        </a:defRPr>
+      </a:lvl3pPr>
+      <a:lvl4pPr marL="1371600" algn="l" defTabSz="914400" rtl="0" eaLnBrk="1" latinLnBrk="0" hangingPunct="1">
+        <a:defRPr sz="1800" kern="1200">
+          <a:solidFill>
+            <a:schemeClr val="tx1"/>
+          </a:solidFill>
+          <a:latin typeface="+mn-lt"/>
+          <a:ea typeface="+mn-ea"/>
+          <a:cs typeface="+mn-cs"/>
+        </a:defRPr>
+      </a:lvl4pPr>
+      <a:lvl5pPr marL="1828800" algn="l" defTabSz="914400" rtl="0" eaLnBrk="1" latinLnBrk="0" hangingPunct="1">
+        <a:defRPr sz="1800" kern="1200">
+          <a:solidFill>
+            <a:schemeClr val="tx1"/>
+          </a:solidFill>
+          <a:latin typeface="+mn-lt"/>
+          <a:ea typeface="+mn-ea"/>
+          <a:cs typeface="+mn-cs"/>
+        </a:defRPr>
+      </a:lvl5pPr>
+      <a:lvl6pPr marL="2286000" algn="l" defTabSz="914400" rtl="0" eaLnBrk="1" latinLnBrk="0" hangingPunct="1">
+        <a:defRPr sz="1800" kern="1200">
+          <a:solidFill>
+            <a:schemeClr val="tx1"/>
+          </a:solidFill>
+          <a:latin typeface="+mn-lt"/>
+          <a:ea typeface="+mn-ea"/>
+          <a:cs typeface="+mn-cs"/>
+        </a:defRPr>
+      </a:lvl6pPr>
+      <a:lvl7pPr marL="2743200" algn="l" defTabSz="914400" rtl="0" eaLnBrk="1" latinLnBrk="0" hangingPunct="1">
+        <a:defRPr sz="1800" kern="1200">
+          <a:solidFill>
+            <a:schemeClr val="tx1"/>
+          </a:solidFill>
+          <a:latin typeface="+mn-lt"/>
+          <a:ea typeface="+mn-ea"/>
+          <a:cs typeface="+mn-cs"/>
+        </a:defRPr>
+      </a:lvl7pPr>
+      <a:lvl8pPr marL="3200400" algn="l" defTabSz="914400" rtl="0" eaLnBrk="1" latinLnBrk="0" hangingPunct="1">
+        <a:defRPr sz="1800" kern="1200">
+          <a:solidFill>
+            <a:schemeClr val="tx1"/>
+          </a:solidFill>
+          <a:latin typeface="+mn-lt"/>
+          <a:ea typeface="+mn-ea"/>
+          <a:cs typeface="+mn-cs"/>
+        </a:defRPr>
+      </a:lvl8pPr>
+      <a:lvl9pPr marL="3657600" algn="l" defTabSz="914400" rtl="0" eaLnBrk="1" latinLnBrk="0" hangingPunct="1">
+        <a:defRPr sz="1800" kern="1200">
+          <a:solidFill>
+            <a:schemeClr val="tx1"/>
+          </a:solidFill>
+          <a:latin typeface="+mn-lt"/>
+          <a:ea typeface="+mn-ea"/>
+          <a:cs typeface="+mn-cs"/>
+        </a:defRPr>
+      </a:lvl9pPr>
+    </p:otherStyle>
+  </p:txStyles>
+  <p:extLst>
+    <p:ext uri="{27BBF7A9-308A-43DC-89C8-2F10F3537804}">
+      <p15:sldGuideLst xmlns:p15="http://schemas.microsoft.com/office/powerpoint/2012/main"/>
+    </p:ext>
+  </p:extLst>
 </p:sldMaster>
 </file>
 
@@ -3148,10 +7284,10 @@
               <a:rPr kumimoji="1" lang="en-US" altLang="zh-TW" dirty="0"/>
             </a:br>
             <a:r>
-              <a:rPr kumimoji="1" lang="en-US" altLang="zh-TW" dirty="0"/>
+              <a:rPr kumimoji="1" lang="en-US" altLang="zh-TW" sz="8000" dirty="0"/>
               <a:t>Rollerball - Project 3</a:t>
             </a:r>
-            <a:endParaRPr kumimoji="1" lang="zh-TW" altLang="en-US" dirty="0"/>
+            <a:endParaRPr kumimoji="1" lang="zh-TW" altLang="en-US" sz="8000" dirty="0"/>
           </a:p>
         </p:txBody>
       </p:sp>
@@ -3174,21 +7310,21 @@
         <p:spPr/>
         <p:txBody>
           <a:bodyPr>
-            <a:normAutofit lnSpcReduction="10000"/>
+            <a:normAutofit fontScale="25000" lnSpcReduction="20000"/>
           </a:bodyPr>
           <a:lstStyle/>
           <a:p>
             <a:pPr defTabSz="414780">
               <a:defRPr sz="2200"/>
             </a:pPr>
-            <a:endParaRPr lang="en-US" altLang="zh-TW" dirty="0"/>
+            <a:endParaRPr lang="en-US" altLang="zh-TW" sz="7600" dirty="0"/>
           </a:p>
           <a:p>
             <a:pPr defTabSz="414780">
               <a:defRPr sz="2200"/>
             </a:pPr>
             <a:r>
-              <a:rPr lang="en-US" altLang="zh-TW" dirty="0"/>
+              <a:rPr lang="en-US" altLang="zh-TW" sz="7600" dirty="0"/>
               <a:t>Team Name :  String Cheese</a:t>
             </a:r>
           </a:p>
@@ -3197,8 +7333,24 @@
               <a:defRPr sz="2200"/>
             </a:pPr>
             <a:r>
-              <a:rPr lang="en-US" altLang="zh-TW" dirty="0"/>
-              <a:t>Members :  Tim Stroup, Chris Schaffer, </a:t>
+              <a:rPr lang="en-US" altLang="zh-TW" sz="7600" dirty="0"/>
+              <a:t>Members :  Chris Schaffer, </a:t>
+            </a:r>
+            <a:r>
+              <a:rPr lang="en-US" altLang="zh-TW" sz="7600" dirty="0" err="1"/>
+              <a:t>Meetkumar</a:t>
+            </a:r>
+            <a:r>
+              <a:rPr lang="en-US" altLang="zh-TW" sz="7600" dirty="0"/>
+              <a:t> </a:t>
+            </a:r>
+            <a:r>
+              <a:rPr lang="en-US" altLang="zh-TW" sz="7600" dirty="0" err="1"/>
+              <a:t>Savaliya</a:t>
+            </a:r>
+            <a:r>
+              <a:rPr lang="en-US" altLang="zh-TW" sz="7600" dirty="0"/>
+              <a:t>, </a:t>
             </a:r>
           </a:p>
           <a:p>
@@ -3206,28 +7358,16 @@
               <a:defRPr sz="2200"/>
             </a:pPr>
             <a:r>
-              <a:rPr lang="en-US" altLang="zh-TW" dirty="0" err="1"/>
-              <a:t>Meetkumar</a:t>
+              <a:rPr lang="en-US" altLang="zh-TW" sz="7600" dirty="0"/>
+              <a:t>Tim Stroup,  Wei Chen , </a:t>
             </a:r>
             <a:r>
-              <a:rPr lang="en-US" altLang="zh-TW" dirty="0"/>
-              <a:t> </a:t>
-            </a:r>
-            <a:r>
-              <a:rPr lang="en-US" altLang="zh-TW" dirty="0" err="1"/>
-              <a:t>Savaliya</a:t>
-            </a:r>
-            <a:r>
-              <a:rPr lang="en-US" altLang="zh-TW" dirty="0"/>
-              <a:t>,  </a:t>
-            </a:r>
-            <a:r>
-              <a:rPr lang="en-US" altLang="zh-TW" dirty="0" err="1"/>
+              <a:rPr lang="en-US" altLang="zh-TW" sz="7600" dirty="0" err="1"/>
               <a:t>Ya-Hsin</a:t>
             </a:r>
             <a:r>
-              <a:rPr lang="en-US" altLang="zh-TW" dirty="0"/>
-              <a:t> Cheng,  Wei Chen</a:t>
+              <a:rPr lang="en-US" altLang="zh-TW" sz="7600" dirty="0"/>
+              <a:t> Cheng</a:t>
             </a:r>
           </a:p>
           <a:p>
@@ -3270,7 +7410,7 @@
           <p:cNvPr id="2" name="標題 1">
             <a:extLst>
               <a:ext uri="{FF2B5EF4-FFF2-40B4-BE49-F238E27FC236}">
-                <a16:creationId xmlns:a16="http://schemas.microsoft.com/office/drawing/2014/main" id="{24090AC1-BBDD-C34C-94A5-5A3521867410}"/>
+                <a16:creationId xmlns:a16="http://schemas.microsoft.com/office/drawing/2014/main" id="{990BE03A-1B4F-E549-A7FA-86F12F5DAF1C}"/>
               </a:ext>
             </a:extLst>
           </p:cNvPr>
@@ -3288,7 +7428,7 @@
           <a:p>
             <a:r>
               <a:rPr kumimoji="1" lang="en-US" altLang="zh-TW" dirty="0"/>
-              <a:t>Domain Model Updated</a:t>
+              <a:t>Class Diagram</a:t>
             </a:r>
             <a:endParaRPr kumimoji="1" lang="zh-TW" altLang="en-US" dirty="0"/>
           </a:p>
@@ -3299,7 +7439,7 @@
           <p:cNvPr id="5" name="內容版面配置區 4">
             <a:extLst>
               <a:ext uri="{FF2B5EF4-FFF2-40B4-BE49-F238E27FC236}">
-                <a16:creationId xmlns:a16="http://schemas.microsoft.com/office/drawing/2014/main" id="{AEE4DAA8-C17D-6242-BD5E-22566913E4A1}"/>
+                <a16:creationId xmlns:a16="http://schemas.microsoft.com/office/drawing/2014/main" id="{8BC03E8A-762D-014B-AD7A-C94782703A5A}"/>
               </a:ext>
             </a:extLst>
           </p:cNvPr>
@@ -3318,253 +7458,142 @@
         </p:blipFill>
         <p:spPr>
           <a:xfrm>
-            <a:off x="2269534" y="1456216"/>
-            <a:ext cx="7129959" cy="5401784"/>
+            <a:off x="1069848" y="180540"/>
+            <a:ext cx="10340788" cy="6677460"/>
           </a:xfrm>
         </p:spPr>
       </p:pic>
-      <p:sp>
-        <p:nvSpPr>
-          <p:cNvPr id="6" name="甜甜圈 5">
-            <a:extLst>
-              <a:ext uri="{FF2B5EF4-FFF2-40B4-BE49-F238E27FC236}">
-                <a16:creationId xmlns:a16="http://schemas.microsoft.com/office/drawing/2014/main" id="{66FB2D65-85FF-EF43-AC36-A2777702A9F6}"/>
-              </a:ext>
-            </a:extLst>
-          </p:cNvPr>
-          <p:cNvSpPr/>
-          <p:nvPr/>
-        </p:nvSpPr>
-        <p:spPr>
-          <a:xfrm>
-            <a:off x="8201320" y="4609707"/>
-            <a:ext cx="480767" cy="292231"/>
-          </a:xfrm>
-          <a:prstGeom prst="donut">
-            <a:avLst>
-              <a:gd name="adj" fmla="val 1602"/>
-            </a:avLst>
-          </a:prstGeom>
-          <a:solidFill>
-            <a:srgbClr val="C00000"/>
-          </a:solidFill>
-          <a:ln>
-            <a:solidFill>
-              <a:srgbClr val="FF0000"/>
-            </a:solidFill>
-          </a:ln>
-        </p:spPr>
-        <p:style>
-          <a:lnRef idx="2">
-            <a:schemeClr val="accent2"/>
-          </a:lnRef>
-          <a:fillRef idx="1">
-            <a:schemeClr val="lt1"/>
-          </a:fillRef>
-          <a:effectRef idx="0">
-            <a:schemeClr val="accent2"/>
-          </a:effectRef>
-          <a:fontRef idx="minor">
-            <a:schemeClr val="dk1"/>
-          </a:fontRef>
-        </p:style>
-        <p:txBody>
-          <a:bodyPr rtlCol="0" anchor="ctr"/>
-          <a:lstStyle/>
-          <a:p>
-            <a:pPr algn="ctr"/>
-            <a:endParaRPr kumimoji="1" lang="zh-TW" altLang="en-US">
-              <a:solidFill>
-                <a:schemeClr val="tx1"/>
-              </a:solidFill>
-            </a:endParaRPr>
-          </a:p>
-        </p:txBody>
-      </p:sp>
-      <p:sp>
-        <p:nvSpPr>
-          <p:cNvPr id="7" name="甜甜圈 6">
-            <a:extLst>
-              <a:ext uri="{FF2B5EF4-FFF2-40B4-BE49-F238E27FC236}">
-                <a16:creationId xmlns:a16="http://schemas.microsoft.com/office/drawing/2014/main" id="{DEC6F27A-D815-F74F-8C41-19989E91D21B}"/>
-              </a:ext>
-            </a:extLst>
-          </p:cNvPr>
-          <p:cNvSpPr/>
-          <p:nvPr/>
-        </p:nvSpPr>
-        <p:spPr>
-          <a:xfrm>
-            <a:off x="6046698" y="4745203"/>
-            <a:ext cx="538032" cy="198207"/>
-          </a:xfrm>
-          <a:prstGeom prst="donut">
-            <a:avLst>
-              <a:gd name="adj" fmla="val 1602"/>
-            </a:avLst>
-          </a:prstGeom>
-          <a:solidFill>
-            <a:srgbClr val="C00000"/>
-          </a:solidFill>
-          <a:ln>
-            <a:solidFill>
-              <a:srgbClr val="FF0000"/>
-            </a:solidFill>
-          </a:ln>
-        </p:spPr>
-        <p:style>
-          <a:lnRef idx="2">
-            <a:schemeClr val="accent2"/>
-          </a:lnRef>
-          <a:fillRef idx="1">
-            <a:schemeClr val="lt1"/>
-          </a:fillRef>
-          <a:effectRef idx="0">
-            <a:schemeClr val="accent2"/>
-          </a:effectRef>
-          <a:fontRef idx="minor">
-            <a:schemeClr val="dk1"/>
-          </a:fontRef>
-        </p:style>
-        <p:txBody>
-          <a:bodyPr rtlCol="0" anchor="ctr"/>
-          <a:lstStyle/>
-          <a:p>
-            <a:pPr algn="ctr"/>
-            <a:endParaRPr kumimoji="1" lang="zh-TW" altLang="en-US">
-              <a:solidFill>
-                <a:schemeClr val="tx1"/>
-              </a:solidFill>
-            </a:endParaRPr>
-          </a:p>
-        </p:txBody>
-      </p:sp>
-      <p:sp>
-        <p:nvSpPr>
-          <p:cNvPr id="8" name="甜甜圈 7">
-            <a:extLst>
-              <a:ext uri="{FF2B5EF4-FFF2-40B4-BE49-F238E27FC236}">
-                <a16:creationId xmlns:a16="http://schemas.microsoft.com/office/drawing/2014/main" id="{81085A6A-5D3F-0543-8C02-60790AA5B9E1}"/>
-              </a:ext>
-            </a:extLst>
-          </p:cNvPr>
-          <p:cNvSpPr/>
-          <p:nvPr/>
-        </p:nvSpPr>
-        <p:spPr>
-          <a:xfrm>
-            <a:off x="5772889" y="1798191"/>
-            <a:ext cx="218008" cy="183009"/>
-          </a:xfrm>
-          <a:prstGeom prst="donut">
-            <a:avLst>
-              <a:gd name="adj" fmla="val 1602"/>
-            </a:avLst>
-          </a:prstGeom>
-          <a:solidFill>
-            <a:srgbClr val="C00000"/>
-          </a:solidFill>
-          <a:ln>
-            <a:solidFill>
-              <a:srgbClr val="FF0000"/>
-            </a:solidFill>
-          </a:ln>
-        </p:spPr>
-        <p:style>
-          <a:lnRef idx="2">
-            <a:schemeClr val="accent2"/>
-          </a:lnRef>
-          <a:fillRef idx="1">
-            <a:schemeClr val="lt1"/>
-          </a:fillRef>
-          <a:effectRef idx="0">
-            <a:schemeClr val="accent2"/>
-          </a:effectRef>
-          <a:fontRef idx="minor">
-            <a:schemeClr val="dk1"/>
-          </a:fontRef>
-        </p:style>
-        <p:txBody>
-          <a:bodyPr rtlCol="0" anchor="ctr"/>
-          <a:lstStyle/>
-          <a:p>
-            <a:pPr algn="ctr"/>
-            <a:endParaRPr kumimoji="1" lang="zh-TW" altLang="en-US">
-              <a:solidFill>
-                <a:schemeClr val="tx1"/>
-              </a:solidFill>
-            </a:endParaRPr>
-          </a:p>
-        </p:txBody>
-      </p:sp>
-      <p:sp>
-        <p:nvSpPr>
-          <p:cNvPr id="10" name="甜甜圈 9">
-            <a:extLst>
-              <a:ext uri="{FF2B5EF4-FFF2-40B4-BE49-F238E27FC236}">
-                <a16:creationId xmlns:a16="http://schemas.microsoft.com/office/drawing/2014/main" id="{5FC0E7A5-1D14-6D44-8090-46201EDD8400}"/>
-              </a:ext>
-            </a:extLst>
-          </p:cNvPr>
-          <p:cNvSpPr/>
-          <p:nvPr/>
-        </p:nvSpPr>
-        <p:spPr>
-          <a:xfrm>
-            <a:off x="5364340" y="2967648"/>
-            <a:ext cx="817097" cy="209285"/>
-          </a:xfrm>
-          <a:prstGeom prst="donut">
-            <a:avLst>
-              <a:gd name="adj" fmla="val 1602"/>
-            </a:avLst>
-          </a:prstGeom>
-          <a:solidFill>
-            <a:srgbClr val="C00000"/>
-          </a:solidFill>
-          <a:ln>
-            <a:solidFill>
-              <a:srgbClr val="FF0000"/>
-            </a:solidFill>
-          </a:ln>
-        </p:spPr>
-        <p:style>
-          <a:lnRef idx="2">
-            <a:schemeClr val="accent2"/>
-          </a:lnRef>
-          <a:fillRef idx="1">
-            <a:schemeClr val="lt1"/>
-          </a:fillRef>
-          <a:effectRef idx="0">
-            <a:schemeClr val="accent2"/>
-          </a:effectRef>
-          <a:fontRef idx="minor">
-            <a:schemeClr val="dk1"/>
-          </a:fontRef>
-        </p:style>
-        <p:txBody>
-          <a:bodyPr rtlCol="0" anchor="ctr"/>
-          <a:lstStyle/>
-          <a:p>
-            <a:pPr algn="ctr"/>
-            <a:endParaRPr kumimoji="1" lang="zh-TW" altLang="en-US">
-              <a:solidFill>
-                <a:schemeClr val="tx1"/>
-              </a:solidFill>
-            </a:endParaRPr>
-          </a:p>
-        </p:txBody>
-      </p:sp>
     </p:spTree>
     <p:extLst>
       <p:ext uri="{BB962C8B-B14F-4D97-AF65-F5344CB8AC3E}">
-        <p14:creationId xmlns:p14="http://schemas.microsoft.com/office/powerpoint/2010/main" val="197175177"/>
+        <p14:creationId xmlns:p14="http://schemas.microsoft.com/office/powerpoint/2010/main" val="3325100449"/>
       </p:ext>
     </p:extLst>
   </p:cSld>
   <p:clrMapOvr>
     <a:masterClrMapping/>
   </p:clrMapOvr>
+  <p:timing>
+    <p:tnLst>
+      <p:par>
+        <p:cTn id="1" dur="indefinite" restart="never" nodeType="tmRoot">
+          <p:childTnLst>
+            <p:seq concurrent="1" nextAc="seek">
+              <p:cTn id="2" dur="indefinite" nodeType="mainSeq">
+                <p:childTnLst>
+                  <p:par>
+                    <p:cTn id="3" fill="hold">
+                      <p:stCondLst>
+                        <p:cond delay="indefinite"/>
+                      </p:stCondLst>
+                      <p:childTnLst>
+                        <p:par>
+                          <p:cTn id="4" fill="hold">
+                            <p:stCondLst>
+                              <p:cond delay="0"/>
+                            </p:stCondLst>
+                            <p:childTnLst>
+                              <p:par>
+                                <p:cTn id="5" presetID="2" presetClass="entr" presetSubtype="4" fill="hold" nodeType="clickEffect">
+                                  <p:stCondLst>
+                                    <p:cond delay="0"/>
+                                  </p:stCondLst>
+                                  <p:childTnLst>
+                                    <p:set>
+                                      <p:cBhvr>
+                                        <p:cTn id="6" dur="1" fill="hold">
+                                          <p:stCondLst>
+                                            <p:cond delay="0"/>
+                                          </p:stCondLst>
+                                        </p:cTn>
+                                        <p:tgtEl>
+                                          <p:spTgt spid="5"/>
+                                        </p:tgtEl>
+                                        <p:attrNameLst>
+                                          <p:attrName>style.visibility</p:attrName>
+                                        </p:attrNameLst>
+                                      </p:cBhvr>
+                                      <p:to>
+                                        <p:strVal val="visible"/>
+                                      </p:to>
+                                    </p:set>
+                                    <p:anim calcmode="lin" valueType="num">
+                                      <p:cBhvr additive="base">
+                                        <p:cTn id="7" dur="500" fill="hold"/>
+                                        <p:tgtEl>
+                                          <p:spTgt spid="5"/>
+                                        </p:tgtEl>
+                                        <p:attrNameLst>
+                                          <p:attrName>ppt_x</p:attrName>
+                                        </p:attrNameLst>
+                                      </p:cBhvr>
+                                      <p:tavLst>
+                                        <p:tav tm="0">
+                                          <p:val>
+                                            <p:strVal val="#ppt_x"/>
+                                          </p:val>
+                                        </p:tav>
+                                        <p:tav tm="100000">
+                                          <p:val>
+                                            <p:strVal val="#ppt_x"/>
+                                          </p:val>
+                                        </p:tav>
+                                      </p:tavLst>
+                                    </p:anim>
+                                    <p:anim calcmode="lin" valueType="num">
+                                      <p:cBhvr additive="base">
+                                        <p:cTn id="8" dur="500" fill="hold"/>
+                                        <p:tgtEl>
+                                          <p:spTgt spid="5"/>
+                                        </p:tgtEl>
+                                        <p:attrNameLst>
+                                          <p:attrName>ppt_y</p:attrName>
+                                        </p:attrNameLst>
+                                      </p:cBhvr>
+                                      <p:tavLst>
+                                        <p:tav tm="0">
+                                          <p:val>
+                                            <p:strVal val="1+#ppt_h/2"/>
+                                          </p:val>
+                                        </p:tav>
+                                        <p:tav tm="100000">
+                                          <p:val>
+                                            <p:strVal val="#ppt_y"/>
+                                          </p:val>
+                                        </p:tav>
+                                      </p:tavLst>
+                                    </p:anim>
+                                  </p:childTnLst>
+                                </p:cTn>
+                              </p:par>
+                            </p:childTnLst>
+                          </p:cTn>
+                        </p:par>
+                      </p:childTnLst>
+                    </p:cTn>
+                  </p:par>
+                </p:childTnLst>
+              </p:cTn>
+              <p:prevCondLst>
+                <p:cond evt="onPrev" delay="0">
+                  <p:tgtEl>
+                    <p:sldTgt/>
+                  </p:tgtEl>
+                </p:cond>
+              </p:prevCondLst>
+              <p:nextCondLst>
+                <p:cond evt="onNext" delay="0">
+                  <p:tgtEl>
+                    <p:sldTgt/>
+                  </p:tgtEl>
+                </p:cond>
+              </p:nextCondLst>
+            </p:seq>
+          </p:childTnLst>
+        </p:cTn>
+      </p:par>
+    </p:tnLst>
+  </p:timing>
 </p:sld>
 </file>
 
@@ -3590,7 +7619,7 @@
           <p:cNvPr id="2" name="標題 1">
             <a:extLst>
               <a:ext uri="{FF2B5EF4-FFF2-40B4-BE49-F238E27FC236}">
-                <a16:creationId xmlns:a16="http://schemas.microsoft.com/office/drawing/2014/main" id="{D19E663E-E468-A24B-A326-033F6E6D0DAC}"/>
+                <a16:creationId xmlns:a16="http://schemas.microsoft.com/office/drawing/2014/main" id="{48D0B27F-AA46-344D-A835-5AE7156C922E}"/>
               </a:ext>
             </a:extLst>
           </p:cNvPr>
@@ -3608,679 +7637,45 @@
           <a:p>
             <a:r>
               <a:rPr kumimoji="1" lang="en-US" altLang="zh-TW" dirty="0"/>
-              <a:t>Glossary Updated</a:t>
+              <a:t>Sequence Diagram – Send Invitation</a:t>
             </a:r>
             <a:endParaRPr kumimoji="1" lang="zh-TW" altLang="en-US" dirty="0"/>
           </a:p>
         </p:txBody>
       </p:sp>
-      <p:graphicFrame>
-        <p:nvGraphicFramePr>
-          <p:cNvPr id="4" name="內容版面配置區 3">
+      <p:pic>
+        <p:nvPicPr>
+          <p:cNvPr id="5" name="內容版面配置區 4">
             <a:extLst>
               <a:ext uri="{FF2B5EF4-FFF2-40B4-BE49-F238E27FC236}">
-                <a16:creationId xmlns:a16="http://schemas.microsoft.com/office/drawing/2014/main" id="{D44953A9-6CCB-7142-8008-4E2DA6B3108A}"/>
+                <a16:creationId xmlns:a16="http://schemas.microsoft.com/office/drawing/2014/main" id="{5B30FBA1-C209-164F-974E-0556645C5937}"/>
               </a:ext>
             </a:extLst>
           </p:cNvPr>
-          <p:cNvGraphicFramePr>
-            <a:graphicFrameLocks noGrp="1"/>
-          </p:cNvGraphicFramePr>
+          <p:cNvPicPr>
+            <a:picLocks noGrp="1" noChangeAspect="1"/>
+          </p:cNvPicPr>
           <p:nvPr>
             <p:ph idx="1"/>
-            <p:extLst>
-              <p:ext uri="{D42A27DB-BD31-4B8C-83A1-F6EECF244321}">
-                <p14:modId xmlns:p14="http://schemas.microsoft.com/office/powerpoint/2010/main" val="2130649062"/>
-              </p:ext>
-            </p:extLst>
-          </p:nvPr>
-        </p:nvGraphicFramePr>
-        <p:xfrm>
-          <a:off x="2873957" y="1317162"/>
-          <a:ext cx="6529123" cy="5342719"/>
-        </p:xfrm>
-        <a:graphic>
-          <a:graphicData uri="http://schemas.openxmlformats.org/drawingml/2006/table">
-            <a:tbl>
-              <a:tblPr firstRow="1" bandRow="1">
-                <a:tableStyleId>{5C22544A-7EE6-4342-B048-85BDC9FD1C3A}</a:tableStyleId>
-              </a:tblPr>
-              <a:tblGrid>
-                <a:gridCol w="1235531">
-                  <a:extLst>
-                    <a:ext uri="{9D8B030D-6E8A-4147-A177-3AD203B41FA5}">
-                      <a16:colId xmlns:a16="http://schemas.microsoft.com/office/drawing/2014/main" val="3387431926"/>
-                    </a:ext>
-                  </a:extLst>
-                </a:gridCol>
-                <a:gridCol w="5293592">
-                  <a:extLst>
-                    <a:ext uri="{9D8B030D-6E8A-4147-A177-3AD203B41FA5}">
-                      <a16:colId xmlns:a16="http://schemas.microsoft.com/office/drawing/2014/main" val="781022074"/>
-                    </a:ext>
-                  </a:extLst>
-                </a:gridCol>
-              </a:tblGrid>
-              <a:tr h="465179">
-                <a:tc>
-                  <a:txBody>
-                    <a:bodyPr/>
-                    <a:lstStyle/>
-                    <a:p>
-                      <a:pPr algn="l">
-                        <a:spcAft>
-                          <a:spcPts val="0"/>
-                        </a:spcAft>
-                      </a:pPr>
-                      <a:r>
-                        <a:rPr lang="en-US" sz="1000" kern="1200">
-                          <a:effectLst/>
-                        </a:rPr>
-                        <a:t>Board</a:t>
-                      </a:r>
-                      <a:endParaRPr lang="zh-TW" sz="900">
-                        <a:effectLst/>
-                        <a:latin typeface="Times New Roman" panose="02020603050405020304" pitchFamily="18" charset="0"/>
-                        <a:ea typeface="新細明體" panose="02020500000000000000" pitchFamily="18" charset="-120"/>
-                      </a:endParaRPr>
-                    </a:p>
-                  </a:txBody>
-                  <a:tcPr marL="66858" marR="66858" marT="33429" marB="33429"/>
-                </a:tc>
-                <a:tc>
-                  <a:txBody>
-                    <a:bodyPr/>
-                    <a:lstStyle/>
-                    <a:p>
-                      <a:pPr algn="l">
-                        <a:spcAft>
-                          <a:spcPts val="0"/>
-                        </a:spcAft>
-                      </a:pPr>
-                      <a:r>
-                        <a:rPr lang="en-US" sz="1000" kern="1200">
-                          <a:effectLst/>
-                        </a:rPr>
-                        <a:t>The board is the combination of spaces that a piece may move and the boundaries of the game.</a:t>
-                      </a:r>
-                      <a:endParaRPr lang="zh-TW" sz="900">
-                        <a:effectLst/>
-                        <a:latin typeface="Times New Roman" panose="02020603050405020304" pitchFamily="18" charset="0"/>
-                        <a:ea typeface="新細明體" panose="02020500000000000000" pitchFamily="18" charset="-120"/>
-                      </a:endParaRPr>
-                    </a:p>
-                  </a:txBody>
-                  <a:tcPr marL="66858" marR="66858" marT="33429" marB="33429"/>
-                </a:tc>
-                <a:extLst>
-                  <a:ext uri="{0D108BD9-81ED-4DB2-BD59-A6C34878D82A}">
-                    <a16:rowId xmlns:a16="http://schemas.microsoft.com/office/drawing/2014/main" val="873495986"/>
-                  </a:ext>
-                </a:extLst>
-              </a:tr>
-              <a:tr h="467459">
-                <a:tc>
-                  <a:txBody>
-                    <a:bodyPr/>
-                    <a:lstStyle/>
-                    <a:p>
-                      <a:pPr algn="l">
-                        <a:spcAft>
-                          <a:spcPts val="0"/>
-                        </a:spcAft>
-                      </a:pPr>
-                      <a:r>
-                        <a:rPr lang="en-US" sz="1000" kern="1200">
-                          <a:effectLst/>
-                        </a:rPr>
-                        <a:t>Game</a:t>
-                      </a:r>
-                      <a:endParaRPr lang="zh-TW" sz="900">
-                        <a:effectLst/>
-                        <a:latin typeface="Times New Roman" panose="02020603050405020304" pitchFamily="18" charset="0"/>
-                        <a:ea typeface="新細明體" panose="02020500000000000000" pitchFamily="18" charset="-120"/>
-                      </a:endParaRPr>
-                    </a:p>
-                  </a:txBody>
-                  <a:tcPr marL="66858" marR="66858" marT="33429" marB="33429"/>
-                </a:tc>
-                <a:tc>
-                  <a:txBody>
-                    <a:bodyPr/>
-                    <a:lstStyle/>
-                    <a:p>
-                      <a:pPr algn="l">
-                        <a:spcAft>
-                          <a:spcPts val="0"/>
-                        </a:spcAft>
-                      </a:pPr>
-                      <a:r>
-                        <a:rPr lang="en-US" sz="1000" kern="1200">
-                          <a:effectLst/>
-                        </a:rPr>
-                        <a:t>A game consists of two users who take turns moving their pieces around the board.</a:t>
-                      </a:r>
-                      <a:endParaRPr lang="zh-TW" sz="900">
-                        <a:effectLst/>
-                        <a:latin typeface="Times New Roman" panose="02020603050405020304" pitchFamily="18" charset="0"/>
-                        <a:ea typeface="新細明體" panose="02020500000000000000" pitchFamily="18" charset="-120"/>
-                      </a:endParaRPr>
-                    </a:p>
-                  </a:txBody>
-                  <a:tcPr marL="66858" marR="66858" marT="33429" marB="33429"/>
-                </a:tc>
-                <a:extLst>
-                  <a:ext uri="{0D108BD9-81ED-4DB2-BD59-A6C34878D82A}">
-                    <a16:rowId xmlns:a16="http://schemas.microsoft.com/office/drawing/2014/main" val="3837148525"/>
-                  </a:ext>
-                </a:extLst>
-              </a:tr>
-              <a:tr h="656724">
-                <a:tc>
-                  <a:txBody>
-                    <a:bodyPr/>
-                    <a:lstStyle/>
-                    <a:p>
-                      <a:pPr algn="l">
-                        <a:spcAft>
-                          <a:spcPts val="0"/>
-                        </a:spcAft>
-                      </a:pPr>
-                      <a:r>
-                        <a:rPr lang="en-US" sz="1000" kern="1200">
-                          <a:effectLst/>
-                        </a:rPr>
-                        <a:t>GameHistory</a:t>
-                      </a:r>
-                      <a:endParaRPr lang="zh-TW" sz="900">
-                        <a:effectLst/>
-                        <a:latin typeface="Times New Roman" panose="02020603050405020304" pitchFamily="18" charset="0"/>
-                        <a:ea typeface="新細明體" panose="02020500000000000000" pitchFamily="18" charset="-120"/>
-                      </a:endParaRPr>
-                    </a:p>
-                  </a:txBody>
-                  <a:tcPr marL="66858" marR="66858" marT="33429" marB="33429"/>
-                </a:tc>
-                <a:tc>
-                  <a:txBody>
-                    <a:bodyPr/>
-                    <a:lstStyle/>
-                    <a:p>
-                      <a:pPr algn="l">
-                        <a:spcAft>
-                          <a:spcPts val="0"/>
-                        </a:spcAft>
-                      </a:pPr>
-                      <a:r>
-                        <a:rPr lang="en-US" sz="1000" kern="1200">
-                          <a:effectLst/>
-                        </a:rPr>
-                        <a:t>Each game has an associated history that includes information on things such as which color a user was, end result and time played. Game history is the combination of all of these games.</a:t>
-                      </a:r>
-                      <a:endParaRPr lang="zh-TW" sz="900">
-                        <a:effectLst/>
-                        <a:latin typeface="Times New Roman" panose="02020603050405020304" pitchFamily="18" charset="0"/>
-                        <a:ea typeface="新細明體" panose="02020500000000000000" pitchFamily="18" charset="-120"/>
-                      </a:endParaRPr>
-                    </a:p>
-                  </a:txBody>
-                  <a:tcPr marL="66858" marR="66858" marT="33429" marB="33429"/>
-                </a:tc>
-                <a:extLst>
-                  <a:ext uri="{0D108BD9-81ED-4DB2-BD59-A6C34878D82A}">
-                    <a16:rowId xmlns:a16="http://schemas.microsoft.com/office/drawing/2014/main" val="1270421736"/>
-                  </a:ext>
-                </a:extLst>
-              </a:tr>
-              <a:tr h="467459">
-                <a:tc>
-                  <a:txBody>
-                    <a:bodyPr/>
-                    <a:lstStyle/>
-                    <a:p>
-                      <a:pPr algn="l">
-                        <a:spcAft>
-                          <a:spcPts val="0"/>
-                        </a:spcAft>
-                      </a:pPr>
-                      <a:r>
-                        <a:rPr lang="en-US" sz="1000" kern="1200">
-                          <a:effectLst/>
-                        </a:rPr>
-                        <a:t>GameState</a:t>
-                      </a:r>
-                      <a:endParaRPr lang="zh-TW" sz="900">
-                        <a:effectLst/>
-                        <a:latin typeface="Times New Roman" panose="02020603050405020304" pitchFamily="18" charset="0"/>
-                        <a:ea typeface="新細明體" panose="02020500000000000000" pitchFamily="18" charset="-120"/>
-                      </a:endParaRPr>
-                    </a:p>
-                  </a:txBody>
-                  <a:tcPr marL="66858" marR="66858" marT="33429" marB="33429"/>
-                </a:tc>
-                <a:tc>
-                  <a:txBody>
-                    <a:bodyPr/>
-                    <a:lstStyle/>
-                    <a:p>
-                      <a:pPr algn="l">
-                        <a:spcAft>
-                          <a:spcPts val="0"/>
-                        </a:spcAft>
-                      </a:pPr>
-                      <a:r>
-                        <a:rPr lang="en-US" sz="1000" kern="1200">
-                          <a:effectLst/>
-                        </a:rPr>
-                        <a:t>The game state is a real time snapshot of a game that includes the current position of pieces on the board as well as who's turn it is.</a:t>
-                      </a:r>
-                      <a:endParaRPr lang="zh-TW" sz="900">
-                        <a:effectLst/>
-                        <a:latin typeface="Times New Roman" panose="02020603050405020304" pitchFamily="18" charset="0"/>
-                        <a:ea typeface="新細明體" panose="02020500000000000000" pitchFamily="18" charset="-120"/>
-                      </a:endParaRPr>
-                    </a:p>
-                  </a:txBody>
-                  <a:tcPr marL="66858" marR="66858" marT="33429" marB="33429"/>
-                </a:tc>
-                <a:extLst>
-                  <a:ext uri="{0D108BD9-81ED-4DB2-BD59-A6C34878D82A}">
-                    <a16:rowId xmlns:a16="http://schemas.microsoft.com/office/drawing/2014/main" val="2581261659"/>
-                  </a:ext>
-                </a:extLst>
-              </a:tr>
-              <a:tr h="656724">
-                <a:tc>
-                  <a:txBody>
-                    <a:bodyPr/>
-                    <a:lstStyle/>
-                    <a:p>
-                      <a:pPr algn="l">
-                        <a:spcAft>
-                          <a:spcPts val="0"/>
-                        </a:spcAft>
-                      </a:pPr>
-                      <a:r>
-                        <a:rPr lang="en-US" sz="1000" kern="1200">
-                          <a:effectLst/>
-                        </a:rPr>
-                        <a:t>Invitation</a:t>
-                      </a:r>
-                      <a:endParaRPr lang="zh-TW" sz="900">
-                        <a:effectLst/>
-                        <a:latin typeface="Times New Roman" panose="02020603050405020304" pitchFamily="18" charset="0"/>
-                        <a:ea typeface="新細明體" panose="02020500000000000000" pitchFamily="18" charset="-120"/>
-                      </a:endParaRPr>
-                    </a:p>
-                  </a:txBody>
-                  <a:tcPr marL="66858" marR="66858" marT="33429" marB="33429"/>
-                </a:tc>
-                <a:tc>
-                  <a:txBody>
-                    <a:bodyPr/>
-                    <a:lstStyle/>
-                    <a:p>
-                      <a:pPr algn="l">
-                        <a:spcAft>
-                          <a:spcPts val="0"/>
-                        </a:spcAft>
-                      </a:pPr>
-                      <a:r>
-                        <a:rPr lang="en-US" sz="1000" kern="1200">
-                          <a:effectLst/>
-                        </a:rPr>
-                        <a:t>A user may send an invitation to another user as well as receive an invitation from another user to play a game. A user may send multiple invitations to multiple users to play a game.</a:t>
-                      </a:r>
-                      <a:endParaRPr lang="zh-TW" sz="900">
-                        <a:effectLst/>
-                        <a:latin typeface="Times New Roman" panose="02020603050405020304" pitchFamily="18" charset="0"/>
-                        <a:ea typeface="新細明體" panose="02020500000000000000" pitchFamily="18" charset="-120"/>
-                      </a:endParaRPr>
-                    </a:p>
-                  </a:txBody>
-                  <a:tcPr marL="66858" marR="66858" marT="33429" marB="33429"/>
-                </a:tc>
-                <a:extLst>
-                  <a:ext uri="{0D108BD9-81ED-4DB2-BD59-A6C34878D82A}">
-                    <a16:rowId xmlns:a16="http://schemas.microsoft.com/office/drawing/2014/main" val="4210647633"/>
-                  </a:ext>
-                </a:extLst>
-              </a:tr>
-              <a:tr h="467459">
-                <a:tc>
-                  <a:txBody>
-                    <a:bodyPr/>
-                    <a:lstStyle/>
-                    <a:p>
-                      <a:pPr algn="l">
-                        <a:spcAft>
-                          <a:spcPts val="0"/>
-                        </a:spcAft>
-                      </a:pPr>
-                      <a:r>
-                        <a:rPr lang="en-US" sz="1000" kern="1200">
-                          <a:effectLst/>
-                        </a:rPr>
-                        <a:t>Leaderboard</a:t>
-                      </a:r>
-                      <a:endParaRPr lang="zh-TW" sz="900">
-                        <a:effectLst/>
-                        <a:latin typeface="Times New Roman" panose="02020603050405020304" pitchFamily="18" charset="0"/>
-                        <a:ea typeface="新細明體" panose="02020500000000000000" pitchFamily="18" charset="-120"/>
-                      </a:endParaRPr>
-                    </a:p>
-                  </a:txBody>
-                  <a:tcPr marL="66858" marR="66858" marT="33429" marB="33429"/>
-                </a:tc>
-                <a:tc>
-                  <a:txBody>
-                    <a:bodyPr/>
-                    <a:lstStyle/>
-                    <a:p>
-                      <a:pPr algn="l">
-                        <a:spcAft>
-                          <a:spcPts val="0"/>
-                        </a:spcAft>
-                      </a:pPr>
-                      <a:r>
-                        <a:rPr lang="en-US" sz="1000" kern="1200" dirty="0">
-                          <a:effectLst/>
-                        </a:rPr>
-                        <a:t>A scoreboard showing the names of users and their current scores. The </a:t>
-                      </a:r>
-                      <a:r>
-                        <a:rPr lang="en-US" sz="1000" kern="1200" dirty="0">
-                          <a:solidFill>
-                            <a:srgbClr val="C00000"/>
-                          </a:solidFill>
-                          <a:effectLst/>
-                        </a:rPr>
-                        <a:t>system</a:t>
-                      </a:r>
-                      <a:r>
-                        <a:rPr lang="en-US" sz="1000" kern="1200" dirty="0">
-                          <a:effectLst/>
-                        </a:rPr>
-                        <a:t> has one leaderboard that each user can view.</a:t>
-                      </a:r>
-                      <a:endParaRPr lang="zh-TW" sz="900" dirty="0">
-                        <a:effectLst/>
-                        <a:latin typeface="Times New Roman" panose="02020603050405020304" pitchFamily="18" charset="0"/>
-                        <a:ea typeface="新細明體" panose="02020500000000000000" pitchFamily="18" charset="-120"/>
-                      </a:endParaRPr>
-                    </a:p>
-                  </a:txBody>
-                  <a:tcPr marL="66858" marR="66858" marT="33429" marB="33429"/>
-                </a:tc>
-                <a:extLst>
-                  <a:ext uri="{0D108BD9-81ED-4DB2-BD59-A6C34878D82A}">
-                    <a16:rowId xmlns:a16="http://schemas.microsoft.com/office/drawing/2014/main" val="2025489021"/>
-                  </a:ext>
-                </a:extLst>
-              </a:tr>
-              <a:tr h="848267">
-                <a:tc>
-                  <a:txBody>
-                    <a:bodyPr/>
-                    <a:lstStyle/>
-                    <a:p>
-                      <a:pPr algn="l">
-                        <a:spcAft>
-                          <a:spcPts val="0"/>
-                        </a:spcAft>
-                      </a:pPr>
-                      <a:r>
-                        <a:rPr lang="en-US" sz="1000" kern="1200">
-                          <a:effectLst/>
-                        </a:rPr>
-                        <a:t>Piece</a:t>
-                      </a:r>
-                      <a:endParaRPr lang="zh-TW" sz="900">
-                        <a:effectLst/>
-                        <a:latin typeface="Times New Roman" panose="02020603050405020304" pitchFamily="18" charset="0"/>
-                        <a:ea typeface="新細明體" panose="02020500000000000000" pitchFamily="18" charset="-120"/>
-                      </a:endParaRPr>
-                    </a:p>
-                  </a:txBody>
-                  <a:tcPr marL="66858" marR="66858" marT="33429" marB="33429"/>
-                </a:tc>
-                <a:tc>
-                  <a:txBody>
-                    <a:bodyPr/>
-                    <a:lstStyle/>
-                    <a:p>
-                      <a:pPr algn="l">
-                        <a:spcAft>
-                          <a:spcPts val="0"/>
-                        </a:spcAft>
-                      </a:pPr>
-                      <a:r>
-                        <a:rPr lang="en-US" sz="1000" kern="1200">
-                          <a:effectLst/>
-                        </a:rPr>
-                        <a:t>The game is played with different pieces; each with unique movements and rules. Each player has either six white or six black pieces that include two pawns, one king, one bishop and two rooks.</a:t>
-                      </a:r>
-                      <a:endParaRPr lang="zh-TW" sz="900">
-                        <a:effectLst/>
-                        <a:latin typeface="Times New Roman" panose="02020603050405020304" pitchFamily="18" charset="0"/>
-                        <a:ea typeface="新細明體" panose="02020500000000000000" pitchFamily="18" charset="-120"/>
-                      </a:endParaRPr>
-                    </a:p>
-                  </a:txBody>
-                  <a:tcPr marL="66858" marR="66858" marT="33429" marB="33429"/>
-                </a:tc>
-                <a:extLst>
-                  <a:ext uri="{0D108BD9-81ED-4DB2-BD59-A6C34878D82A}">
-                    <a16:rowId xmlns:a16="http://schemas.microsoft.com/office/drawing/2014/main" val="3013424567"/>
-                  </a:ext>
-                </a:extLst>
-              </a:tr>
-              <a:tr h="656724">
-                <a:tc>
-                  <a:txBody>
-                    <a:bodyPr/>
-                    <a:lstStyle/>
-                    <a:p>
-                      <a:pPr algn="l">
-                        <a:spcAft>
-                          <a:spcPts val="0"/>
-                        </a:spcAft>
-                      </a:pPr>
-                      <a:r>
-                        <a:rPr lang="en-US" sz="1000" kern="1200">
-                          <a:effectLst/>
-                        </a:rPr>
-                        <a:t>User</a:t>
-                      </a:r>
-                      <a:endParaRPr lang="zh-TW" sz="900">
-                        <a:effectLst/>
-                        <a:latin typeface="Times New Roman" panose="02020603050405020304" pitchFamily="18" charset="0"/>
-                        <a:ea typeface="新細明體" panose="02020500000000000000" pitchFamily="18" charset="-120"/>
-                      </a:endParaRPr>
-                    </a:p>
-                  </a:txBody>
-                  <a:tcPr marL="66858" marR="66858" marT="33429" marB="33429"/>
-                </a:tc>
-                <a:tc>
-                  <a:txBody>
-                    <a:bodyPr/>
-                    <a:lstStyle/>
-                    <a:p>
-                      <a:pPr algn="l">
-                        <a:spcAft>
-                          <a:spcPts val="0"/>
-                        </a:spcAft>
-                      </a:pPr>
-                      <a:r>
-                        <a:rPr lang="en-US" sz="1000" kern="1200">
-                          <a:effectLst/>
-                        </a:rPr>
-                        <a:t>A person registered to play the game. They may send invitations to other users to play one or more games at a time. Each user has a user profile. </a:t>
-                      </a:r>
-                      <a:endParaRPr lang="zh-TW" sz="900">
-                        <a:effectLst/>
-                        <a:latin typeface="Times New Roman" panose="02020603050405020304" pitchFamily="18" charset="0"/>
-                        <a:ea typeface="新細明體" panose="02020500000000000000" pitchFamily="18" charset="-120"/>
-                      </a:endParaRPr>
-                    </a:p>
-                  </a:txBody>
-                  <a:tcPr marL="66858" marR="66858" marT="33429" marB="33429"/>
-                </a:tc>
-                <a:extLst>
-                  <a:ext uri="{0D108BD9-81ED-4DB2-BD59-A6C34878D82A}">
-                    <a16:rowId xmlns:a16="http://schemas.microsoft.com/office/drawing/2014/main" val="2030182605"/>
-                  </a:ext>
-                </a:extLst>
-              </a:tr>
-              <a:tr h="656724">
-                <a:tc>
-                  <a:txBody>
-                    <a:bodyPr/>
-                    <a:lstStyle/>
-                    <a:p>
-                      <a:pPr algn="l">
-                        <a:spcAft>
-                          <a:spcPts val="0"/>
-                        </a:spcAft>
-                      </a:pPr>
-                      <a:r>
-                        <a:rPr lang="en-US" sz="1000" kern="1200">
-                          <a:effectLst/>
-                        </a:rPr>
-                        <a:t>UserProfile</a:t>
-                      </a:r>
-                      <a:endParaRPr lang="zh-TW" sz="900">
-                        <a:effectLst/>
-                        <a:latin typeface="Times New Roman" panose="02020603050405020304" pitchFamily="18" charset="0"/>
-                        <a:ea typeface="新細明體" panose="02020500000000000000" pitchFamily="18" charset="-120"/>
-                      </a:endParaRPr>
-                    </a:p>
-                  </a:txBody>
-                  <a:tcPr marL="66858" marR="66858" marT="33429" marB="33429"/>
-                </a:tc>
-                <a:tc>
-                  <a:txBody>
-                    <a:bodyPr/>
-                    <a:lstStyle/>
-                    <a:p>
-                      <a:pPr algn="l">
-                        <a:spcAft>
-                          <a:spcPts val="0"/>
-                        </a:spcAft>
-                      </a:pPr>
-                      <a:r>
-                        <a:rPr lang="en-US" sz="1000" kern="1200" dirty="0">
-                          <a:effectLst/>
-                        </a:rPr>
-                        <a:t>Visual display of personal data associated with a specific user such as name and games in progress. Each user can view their individual game history, </a:t>
-                      </a:r>
-                      <a:r>
-                        <a:rPr lang="en-US" sz="1000" kern="1200" dirty="0">
-                          <a:solidFill>
-                            <a:srgbClr val="C00000"/>
-                          </a:solidFill>
-                          <a:effectLst/>
-                        </a:rPr>
-                        <a:t>and others’ profiles</a:t>
-                      </a:r>
-                      <a:r>
-                        <a:rPr lang="en-US" sz="1000" kern="1200" dirty="0">
-                          <a:effectLst/>
-                        </a:rPr>
-                        <a:t>.</a:t>
-                      </a:r>
-                      <a:endParaRPr lang="zh-TW" sz="900" dirty="0">
-                        <a:effectLst/>
-                        <a:latin typeface="Times New Roman" panose="02020603050405020304" pitchFamily="18" charset="0"/>
-                        <a:ea typeface="新細明體" panose="02020500000000000000" pitchFamily="18" charset="-120"/>
-                      </a:endParaRPr>
-                    </a:p>
-                  </a:txBody>
-                  <a:tcPr marL="66858" marR="66858" marT="33429" marB="33429"/>
-                </a:tc>
-                <a:extLst>
-                  <a:ext uri="{0D108BD9-81ED-4DB2-BD59-A6C34878D82A}">
-                    <a16:rowId xmlns:a16="http://schemas.microsoft.com/office/drawing/2014/main" val="4043802202"/>
-                  </a:ext>
-                </a:extLst>
-              </a:tr>
-            </a:tbl>
-          </a:graphicData>
-        </a:graphic>
-      </p:graphicFrame>
-      <p:sp>
-        <p:nvSpPr>
-          <p:cNvPr id="5" name="Rectangle 1">
-            <a:extLst>
-              <a:ext uri="{FF2B5EF4-FFF2-40B4-BE49-F238E27FC236}">
-                <a16:creationId xmlns:a16="http://schemas.microsoft.com/office/drawing/2014/main" id="{68584139-3EBD-1947-95DC-9D48DC0C82A7}"/>
-              </a:ext>
-            </a:extLst>
-          </p:cNvPr>
-          <p:cNvSpPr>
-            <a:spLocks noChangeArrowheads="1"/>
-          </p:cNvSpPr>
-          <p:nvPr/>
-        </p:nvSpPr>
-        <p:spPr bwMode="auto">
+          </p:nvPr>
+        </p:nvPicPr>
+        <p:blipFill>
+          <a:blip r:embed="rId2"/>
+          <a:stretch>
+            <a:fillRect/>
+          </a:stretch>
+        </p:blipFill>
+        <p:spPr>
           <a:xfrm>
-            <a:off x="0" y="0"/>
-            <a:ext cx="12192000" cy="457200"/>
+            <a:off x="1715190" y="1378560"/>
+            <a:ext cx="8761619" cy="5645070"/>
           </a:xfrm>
-          <a:prstGeom prst="rect">
-            <a:avLst/>
-          </a:prstGeom>
-          <a:noFill/>
-          <a:ln>
-            <a:noFill/>
-          </a:ln>
-          <a:effectLst/>
-          <a:extLst>
-            <a:ext uri="{909E8E84-426E-40DD-AFC4-6F175D3DCCD1}">
-              <a14:hiddenFill xmlns:a14="http://schemas.microsoft.com/office/drawing/2010/main">
-                <a:solidFill>
-                  <a:schemeClr val="accent1"/>
-                </a:solidFill>
-              </a14:hiddenFill>
-            </a:ext>
-            <a:ext uri="{91240B29-F687-4F45-9708-019B960494DF}">
-              <a14:hiddenLine xmlns:a14="http://schemas.microsoft.com/office/drawing/2010/main" w="9525">
-                <a:solidFill>
-                  <a:schemeClr val="tx1"/>
-                </a:solidFill>
-                <a:miter lim="800000"/>
-                <a:headEnd/>
-                <a:tailEnd/>
-              </a14:hiddenLine>
-            </a:ext>
-            <a:ext uri="{AF507438-7753-43E0-B8FC-AC1667EBCBE1}">
-              <a14:hiddenEffects xmlns:a14="http://schemas.microsoft.com/office/drawing/2010/main">
-                <a:effectLst>
-                  <a:outerShdw dist="35921" dir="2700000" algn="ctr" rotWithShape="0">
-                    <a:schemeClr val="bg2"/>
-                  </a:outerShdw>
-                </a:effectLst>
-              </a14:hiddenEffects>
-            </a:ext>
-          </a:extLst>
         </p:spPr>
-        <p:txBody>
-          <a:bodyPr vert="horz" wrap="none" lIns="91440" tIns="45720" rIns="91440" bIns="45720" numCol="1" anchor="ctr" anchorCtr="0" compatLnSpc="1">
-            <a:prstTxWarp prst="textNoShape">
-              <a:avLst/>
-            </a:prstTxWarp>
-            <a:spAutoFit/>
-          </a:bodyPr>
-          <a:lstStyle/>
-          <a:p>
-            <a:endParaRPr lang="zh-TW" altLang="en-US"/>
-          </a:p>
-        </p:txBody>
-      </p:sp>
+      </p:pic>
     </p:spTree>
     <p:extLst>
       <p:ext uri="{BB962C8B-B14F-4D97-AF65-F5344CB8AC3E}">
-        <p14:creationId xmlns:p14="http://schemas.microsoft.com/office/powerpoint/2010/main" val="342231922"/>
+        <p14:creationId xmlns:p14="http://schemas.microsoft.com/office/powerpoint/2010/main" val="1244899666"/>
       </p:ext>
     </p:extLst>
   </p:cSld>
@@ -4312,7 +7707,7 @@
           <p:cNvPr id="2" name="標題 1">
             <a:extLst>
               <a:ext uri="{FF2B5EF4-FFF2-40B4-BE49-F238E27FC236}">
-                <a16:creationId xmlns:a16="http://schemas.microsoft.com/office/drawing/2014/main" id="{990BE03A-1B4F-E549-A7FA-86F12F5DAF1C}"/>
+                <a16:creationId xmlns:a16="http://schemas.microsoft.com/office/drawing/2014/main" id="{FE2D50F1-FF40-2E47-96F9-CF299AB5E7E4}"/>
               </a:ext>
             </a:extLst>
           </p:cNvPr>
@@ -4330,41 +7725,45 @@
           <a:p>
             <a:r>
               <a:rPr kumimoji="1" lang="en-US" altLang="zh-TW" dirty="0"/>
-              <a:t>Class Diagram</a:t>
+              <a:t>Sequence Diagram – Take Turn</a:t>
             </a:r>
             <a:endParaRPr kumimoji="1" lang="zh-TW" altLang="en-US" dirty="0"/>
           </a:p>
         </p:txBody>
       </p:sp>
-      <p:sp>
-        <p:nvSpPr>
-          <p:cNvPr id="3" name="內容版面配置區 2">
+      <p:pic>
+        <p:nvPicPr>
+          <p:cNvPr id="5" name="內容版面配置區 4">
             <a:extLst>
               <a:ext uri="{FF2B5EF4-FFF2-40B4-BE49-F238E27FC236}">
-                <a16:creationId xmlns:a16="http://schemas.microsoft.com/office/drawing/2014/main" id="{AC120035-BE35-924B-8655-AB4318D75628}"/>
+                <a16:creationId xmlns:a16="http://schemas.microsoft.com/office/drawing/2014/main" id="{5227D932-ECA2-B24E-88FB-9B144748569A}"/>
               </a:ext>
             </a:extLst>
           </p:cNvPr>
-          <p:cNvSpPr>
-            <a:spLocks noGrp="1"/>
-          </p:cNvSpPr>
+          <p:cNvPicPr>
+            <a:picLocks noGrp="1" noChangeAspect="1"/>
+          </p:cNvPicPr>
           <p:nvPr>
             <p:ph idx="1"/>
           </p:nvPr>
-        </p:nvSpPr>
-        <p:spPr/>
-        <p:txBody>
-          <a:bodyPr/>
-          <a:lstStyle/>
-          <a:p>
-            <a:endParaRPr kumimoji="1" lang="zh-TW" altLang="en-US"/>
-          </a:p>
-        </p:txBody>
-      </p:sp>
+        </p:nvPicPr>
+        <p:blipFill>
+          <a:blip r:embed="rId2"/>
+          <a:stretch>
+            <a:fillRect/>
+          </a:stretch>
+        </p:blipFill>
+        <p:spPr>
+          <a:xfrm>
+            <a:off x="1000129" y="1239837"/>
+            <a:ext cx="10191742" cy="5618163"/>
+          </a:xfrm>
+        </p:spPr>
+      </p:pic>
     </p:spTree>
     <p:extLst>
       <p:ext uri="{BB962C8B-B14F-4D97-AF65-F5344CB8AC3E}">
-        <p14:creationId xmlns:p14="http://schemas.microsoft.com/office/powerpoint/2010/main" val="3325100449"/>
+        <p14:creationId xmlns:p14="http://schemas.microsoft.com/office/powerpoint/2010/main" val="3124611966"/>
       </p:ext>
     </p:extLst>
   </p:cSld>
@@ -4396,7 +7795,7 @@
           <p:cNvPr id="2" name="標題 1">
             <a:extLst>
               <a:ext uri="{FF2B5EF4-FFF2-40B4-BE49-F238E27FC236}">
-                <a16:creationId xmlns:a16="http://schemas.microsoft.com/office/drawing/2014/main" id="{48D0B27F-AA46-344D-A835-5AE7156C922E}"/>
+                <a16:creationId xmlns:a16="http://schemas.microsoft.com/office/drawing/2014/main" id="{FE2D50F1-FF40-2E47-96F9-CF299AB5E7E4}"/>
               </a:ext>
             </a:extLst>
           </p:cNvPr>
@@ -4414,41 +7813,45 @@
           <a:p>
             <a:r>
               <a:rPr kumimoji="1" lang="en-US" altLang="zh-TW" dirty="0"/>
-              <a:t>Sequence Diagram – Send Invitation</a:t>
+              <a:t>Sequence Diagram – Join Game</a:t>
             </a:r>
             <a:endParaRPr kumimoji="1" lang="zh-TW" altLang="en-US" dirty="0"/>
           </a:p>
         </p:txBody>
       </p:sp>
-      <p:sp>
-        <p:nvSpPr>
-          <p:cNvPr id="3" name="內容版面配置區 2">
+      <p:pic>
+        <p:nvPicPr>
+          <p:cNvPr id="5" name="內容版面配置區 4">
             <a:extLst>
               <a:ext uri="{FF2B5EF4-FFF2-40B4-BE49-F238E27FC236}">
-                <a16:creationId xmlns:a16="http://schemas.microsoft.com/office/drawing/2014/main" id="{75CAA94E-25D5-5241-9BB8-EE016A11E6B0}"/>
+                <a16:creationId xmlns:a16="http://schemas.microsoft.com/office/drawing/2014/main" id="{5227D932-ECA2-B24E-88FB-9B144748569A}"/>
               </a:ext>
             </a:extLst>
           </p:cNvPr>
-          <p:cNvSpPr>
-            <a:spLocks noGrp="1"/>
-          </p:cNvSpPr>
+          <p:cNvPicPr>
+            <a:picLocks noGrp="1" noChangeAspect="1"/>
+          </p:cNvPicPr>
           <p:nvPr>
             <p:ph idx="1"/>
           </p:nvPr>
-        </p:nvSpPr>
-        <p:spPr/>
-        <p:txBody>
-          <a:bodyPr/>
-          <a:lstStyle/>
-          <a:p>
-            <a:endParaRPr kumimoji="1" lang="zh-TW" altLang="en-US" dirty="0"/>
-          </a:p>
-        </p:txBody>
-      </p:sp>
+        </p:nvPicPr>
+        <p:blipFill>
+          <a:blip r:embed="rId2"/>
+          <a:stretch>
+            <a:fillRect/>
+          </a:stretch>
+        </p:blipFill>
+        <p:spPr>
+          <a:xfrm>
+            <a:off x="1000129" y="1468567"/>
+            <a:ext cx="10191742" cy="5160703"/>
+          </a:xfrm>
+        </p:spPr>
+      </p:pic>
     </p:spTree>
     <p:extLst>
       <p:ext uri="{BB962C8B-B14F-4D97-AF65-F5344CB8AC3E}">
-        <p14:creationId xmlns:p14="http://schemas.microsoft.com/office/powerpoint/2010/main" val="1244899666"/>
+        <p14:creationId xmlns:p14="http://schemas.microsoft.com/office/powerpoint/2010/main" val="1412046047"/>
       </p:ext>
     </p:extLst>
   </p:cSld>
@@ -4480,7 +7883,7 @@
           <p:cNvPr id="2" name="標題 1">
             <a:extLst>
               <a:ext uri="{FF2B5EF4-FFF2-40B4-BE49-F238E27FC236}">
-                <a16:creationId xmlns:a16="http://schemas.microsoft.com/office/drawing/2014/main" id="{FE2D50F1-FF40-2E47-96F9-CF299AB5E7E4}"/>
+                <a16:creationId xmlns:a16="http://schemas.microsoft.com/office/drawing/2014/main" id="{E608E4CB-73A3-4A4D-B30B-CAA2C5A9D4F8}"/>
               </a:ext>
             </a:extLst>
           </p:cNvPr>
@@ -4498,41 +7901,2058 @@
           <a:p>
             <a:r>
               <a:rPr kumimoji="1" lang="en-US" altLang="zh-TW" dirty="0"/>
-              <a:t>Sequence Diagram – Take Turn</a:t>
+              <a:t>Traceability link matrix</a:t>
             </a:r>
             <a:endParaRPr kumimoji="1" lang="zh-TW" altLang="en-US" dirty="0"/>
           </a:p>
         </p:txBody>
       </p:sp>
-      <p:sp>
-        <p:nvSpPr>
-          <p:cNvPr id="3" name="內容版面配置區 2">
+      <p:graphicFrame>
+        <p:nvGraphicFramePr>
+          <p:cNvPr id="4" name="內容版面配置區 3">
             <a:extLst>
               <a:ext uri="{FF2B5EF4-FFF2-40B4-BE49-F238E27FC236}">
-                <a16:creationId xmlns:a16="http://schemas.microsoft.com/office/drawing/2014/main" id="{1A2CD0DB-9B30-8145-B972-52B9469E62D7}"/>
+                <a16:creationId xmlns:a16="http://schemas.microsoft.com/office/drawing/2014/main" id="{4D93121B-6B76-814A-8E80-B1F32E0C83E6}"/>
               </a:ext>
             </a:extLst>
           </p:cNvPr>
-          <p:cNvSpPr>
-            <a:spLocks noGrp="1"/>
-          </p:cNvSpPr>
+          <p:cNvGraphicFramePr>
+            <a:graphicFrameLocks noGrp="1"/>
+          </p:cNvGraphicFramePr>
           <p:nvPr>
             <p:ph idx="1"/>
-          </p:nvPr>
-        </p:nvSpPr>
-        <p:spPr/>
-        <p:txBody>
-          <a:bodyPr/>
-          <a:lstStyle/>
-          <a:p>
-            <a:endParaRPr kumimoji="1" lang="zh-TW" altLang="en-US"/>
-          </a:p>
-        </p:txBody>
-      </p:sp>
+            <p:extLst>
+              <p:ext uri="{D42A27DB-BD31-4B8C-83A1-F6EECF244321}">
+                <p14:modId xmlns:p14="http://schemas.microsoft.com/office/powerpoint/2010/main" val="279928532"/>
+              </p:ext>
+            </p:extLst>
+          </p:nvPr>
+        </p:nvGraphicFramePr>
+        <p:xfrm>
+          <a:off x="434787" y="1344707"/>
+          <a:ext cx="11322426" cy="5271240"/>
+        </p:xfrm>
+        <a:graphic>
+          <a:graphicData uri="http://schemas.openxmlformats.org/drawingml/2006/table">
+            <a:tbl>
+              <a:tblPr>
+                <a:tableStyleId>{BDBED569-4797-4DF1-A0F4-6AAB3CD982D8}</a:tableStyleId>
+              </a:tblPr>
+              <a:tblGrid>
+                <a:gridCol w="2821446">
+                  <a:extLst>
+                    <a:ext uri="{9D8B030D-6E8A-4147-A177-3AD203B41FA5}">
+                      <a16:colId xmlns:a16="http://schemas.microsoft.com/office/drawing/2014/main" val="1693806847"/>
+                    </a:ext>
+                  </a:extLst>
+                </a:gridCol>
+                <a:gridCol w="1416830">
+                  <a:extLst>
+                    <a:ext uri="{9D8B030D-6E8A-4147-A177-3AD203B41FA5}">
+                      <a16:colId xmlns:a16="http://schemas.microsoft.com/office/drawing/2014/main" val="3228366326"/>
+                    </a:ext>
+                  </a:extLst>
+                </a:gridCol>
+                <a:gridCol w="1416830">
+                  <a:extLst>
+                    <a:ext uri="{9D8B030D-6E8A-4147-A177-3AD203B41FA5}">
+                      <a16:colId xmlns:a16="http://schemas.microsoft.com/office/drawing/2014/main" val="4187962710"/>
+                    </a:ext>
+                  </a:extLst>
+                </a:gridCol>
+                <a:gridCol w="1416830">
+                  <a:extLst>
+                    <a:ext uri="{9D8B030D-6E8A-4147-A177-3AD203B41FA5}">
+                      <a16:colId xmlns:a16="http://schemas.microsoft.com/office/drawing/2014/main" val="3251303708"/>
+                    </a:ext>
+                  </a:extLst>
+                </a:gridCol>
+                <a:gridCol w="1416830">
+                  <a:extLst>
+                    <a:ext uri="{9D8B030D-6E8A-4147-A177-3AD203B41FA5}">
+                      <a16:colId xmlns:a16="http://schemas.microsoft.com/office/drawing/2014/main" val="899611864"/>
+                    </a:ext>
+                  </a:extLst>
+                </a:gridCol>
+                <a:gridCol w="1416830">
+                  <a:extLst>
+                    <a:ext uri="{9D8B030D-6E8A-4147-A177-3AD203B41FA5}">
+                      <a16:colId xmlns:a16="http://schemas.microsoft.com/office/drawing/2014/main" val="2590069189"/>
+                    </a:ext>
+                  </a:extLst>
+                </a:gridCol>
+                <a:gridCol w="1416830">
+                  <a:extLst>
+                    <a:ext uri="{9D8B030D-6E8A-4147-A177-3AD203B41FA5}">
+                      <a16:colId xmlns:a16="http://schemas.microsoft.com/office/drawing/2014/main" val="1253431813"/>
+                    </a:ext>
+                  </a:extLst>
+                </a:gridCol>
+              </a:tblGrid>
+              <a:tr h="405480">
+                <a:tc>
+                  <a:txBody>
+                    <a:bodyPr/>
+                    <a:lstStyle/>
+                    <a:p>
+                      <a:pPr algn="l" fontAlgn="b"/>
+                      <a:endParaRPr lang="zh-TW" altLang="en-US" sz="1800" b="0" i="0" u="none" strike="noStrike">
+                        <a:solidFill>
+                          <a:srgbClr val="000000"/>
+                        </a:solidFill>
+                        <a:effectLst/>
+                        <a:latin typeface="Arial" panose="020B0604020202020204" pitchFamily="34" charset="0"/>
+                      </a:endParaRPr>
+                    </a:p>
+                  </a:txBody>
+                  <a:tcPr marL="9525" marR="9525" marT="9525" marB="0" anchor="b"/>
+                </a:tc>
+                <a:tc>
+                  <a:txBody>
+                    <a:bodyPr/>
+                    <a:lstStyle/>
+                    <a:p>
+                      <a:pPr algn="l" fontAlgn="b"/>
+                      <a:r>
+                        <a:rPr lang="en-US" sz="1800" u="none" strike="noStrike">
+                          <a:effectLst/>
+                        </a:rPr>
+                        <a:t>ChessBoard</a:t>
+                      </a:r>
+                      <a:endParaRPr lang="en-US" sz="1800" b="0" i="0" u="none" strike="noStrike">
+                        <a:solidFill>
+                          <a:srgbClr val="000000"/>
+                        </a:solidFill>
+                        <a:effectLst/>
+                        <a:latin typeface="Arial" panose="020B0604020202020204" pitchFamily="34" charset="0"/>
+                      </a:endParaRPr>
+                    </a:p>
+                  </a:txBody>
+                  <a:tcPr marL="9525" marR="9525" marT="9525" marB="0" anchor="b"/>
+                </a:tc>
+                <a:tc>
+                  <a:txBody>
+                    <a:bodyPr/>
+                    <a:lstStyle/>
+                    <a:p>
+                      <a:pPr algn="l" fontAlgn="b"/>
+                      <a:r>
+                        <a:rPr lang="en-US" sz="1800" u="none" strike="noStrike">
+                          <a:effectLst/>
+                        </a:rPr>
+                        <a:t>ChessPiece</a:t>
+                      </a:r>
+                      <a:endParaRPr lang="en-US" sz="1800" b="0" i="0" u="none" strike="noStrike">
+                        <a:solidFill>
+                          <a:srgbClr val="000000"/>
+                        </a:solidFill>
+                        <a:effectLst/>
+                        <a:latin typeface="Arial" panose="020B0604020202020204" pitchFamily="34" charset="0"/>
+                      </a:endParaRPr>
+                    </a:p>
+                  </a:txBody>
+                  <a:tcPr marL="9525" marR="9525" marT="9525" marB="0" anchor="b"/>
+                </a:tc>
+                <a:tc>
+                  <a:txBody>
+                    <a:bodyPr/>
+                    <a:lstStyle/>
+                    <a:p>
+                      <a:pPr algn="l" fontAlgn="b"/>
+                      <a:r>
+                        <a:rPr lang="en-US" sz="1800" u="none" strike="noStrike">
+                          <a:effectLst/>
+                        </a:rPr>
+                        <a:t>Game</a:t>
+                      </a:r>
+                      <a:endParaRPr lang="en-US" sz="1800" b="0" i="0" u="none" strike="noStrike">
+                        <a:solidFill>
+                          <a:srgbClr val="000000"/>
+                        </a:solidFill>
+                        <a:effectLst/>
+                        <a:latin typeface="Arial" panose="020B0604020202020204" pitchFamily="34" charset="0"/>
+                      </a:endParaRPr>
+                    </a:p>
+                  </a:txBody>
+                  <a:tcPr marL="9525" marR="9525" marT="9525" marB="0" anchor="b"/>
+                </a:tc>
+                <a:tc>
+                  <a:txBody>
+                    <a:bodyPr/>
+                    <a:lstStyle/>
+                    <a:p>
+                      <a:pPr algn="l" fontAlgn="b"/>
+                      <a:r>
+                        <a:rPr lang="en-US" sz="1800" u="none" strike="noStrike">
+                          <a:effectLst/>
+                        </a:rPr>
+                        <a:t>Invitation</a:t>
+                      </a:r>
+                      <a:endParaRPr lang="en-US" sz="1800" b="0" i="0" u="none" strike="noStrike">
+                        <a:solidFill>
+                          <a:srgbClr val="000000"/>
+                        </a:solidFill>
+                        <a:effectLst/>
+                        <a:latin typeface="Arial" panose="020B0604020202020204" pitchFamily="34" charset="0"/>
+                      </a:endParaRPr>
+                    </a:p>
+                  </a:txBody>
+                  <a:tcPr marL="9525" marR="9525" marT="9525" marB="0" anchor="b"/>
+                </a:tc>
+                <a:tc>
+                  <a:txBody>
+                    <a:bodyPr/>
+                    <a:lstStyle/>
+                    <a:p>
+                      <a:pPr algn="l" fontAlgn="b"/>
+                      <a:r>
+                        <a:rPr lang="en-US" sz="1800" u="none" strike="noStrike">
+                          <a:effectLst/>
+                        </a:rPr>
+                        <a:t>User</a:t>
+                      </a:r>
+                      <a:endParaRPr lang="en-US" sz="1800" b="0" i="0" u="none" strike="noStrike">
+                        <a:solidFill>
+                          <a:srgbClr val="000000"/>
+                        </a:solidFill>
+                        <a:effectLst/>
+                        <a:latin typeface="Arial" panose="020B0604020202020204" pitchFamily="34" charset="0"/>
+                      </a:endParaRPr>
+                    </a:p>
+                  </a:txBody>
+                  <a:tcPr marL="9525" marR="9525" marT="9525" marB="0" anchor="b"/>
+                </a:tc>
+                <a:tc>
+                  <a:txBody>
+                    <a:bodyPr/>
+                    <a:lstStyle/>
+                    <a:p>
+                      <a:pPr algn="l" fontAlgn="b"/>
+                      <a:r>
+                        <a:rPr lang="en-US" sz="1800" u="none" strike="noStrike">
+                          <a:effectLst/>
+                        </a:rPr>
+                        <a:t>DBconnection </a:t>
+                      </a:r>
+                      <a:endParaRPr lang="en-US" sz="1800" b="0" i="0" u="none" strike="noStrike">
+                        <a:solidFill>
+                          <a:srgbClr val="000000"/>
+                        </a:solidFill>
+                        <a:effectLst/>
+                        <a:latin typeface="Arial" panose="020B0604020202020204" pitchFamily="34" charset="0"/>
+                      </a:endParaRPr>
+                    </a:p>
+                  </a:txBody>
+                  <a:tcPr marL="9525" marR="9525" marT="9525" marB="0" anchor="b"/>
+                </a:tc>
+                <a:extLst>
+                  <a:ext uri="{0D108BD9-81ED-4DB2-BD59-A6C34878D82A}">
+                    <a16:rowId xmlns:a16="http://schemas.microsoft.com/office/drawing/2014/main" val="1445661285"/>
+                  </a:ext>
+                </a:extLst>
+              </a:tr>
+              <a:tr h="405480">
+                <a:tc>
+                  <a:txBody>
+                    <a:bodyPr/>
+                    <a:lstStyle/>
+                    <a:p>
+                      <a:pPr algn="l" fontAlgn="b"/>
+                      <a:r>
+                        <a:rPr lang="en-US" sz="1800" u="none" strike="noStrike">
+                          <a:effectLst/>
+                        </a:rPr>
+                        <a:t>UC1-Register Account</a:t>
+                      </a:r>
+                      <a:endParaRPr lang="en-US" sz="1800" b="0" i="0" u="none" strike="noStrike">
+                        <a:solidFill>
+                          <a:srgbClr val="000000"/>
+                        </a:solidFill>
+                        <a:effectLst/>
+                        <a:latin typeface="Arial" panose="020B0604020202020204" pitchFamily="34" charset="0"/>
+                      </a:endParaRPr>
+                    </a:p>
+                  </a:txBody>
+                  <a:tcPr marL="9525" marR="9525" marT="9525" marB="0" anchor="b"/>
+                </a:tc>
+                <a:tc>
+                  <a:txBody>
+                    <a:bodyPr/>
+                    <a:lstStyle/>
+                    <a:p>
+                      <a:pPr algn="l" fontAlgn="b"/>
+                      <a:endParaRPr lang="zh-TW" altLang="en-US" sz="1800" b="0" i="0" u="none" strike="noStrike">
+                        <a:solidFill>
+                          <a:srgbClr val="000000"/>
+                        </a:solidFill>
+                        <a:effectLst/>
+                        <a:latin typeface="Arial" panose="020B0604020202020204" pitchFamily="34" charset="0"/>
+                      </a:endParaRPr>
+                    </a:p>
+                  </a:txBody>
+                  <a:tcPr marL="9525" marR="9525" marT="9525" marB="0" anchor="b"/>
+                </a:tc>
+                <a:tc>
+                  <a:txBody>
+                    <a:bodyPr/>
+                    <a:lstStyle/>
+                    <a:p>
+                      <a:pPr algn="l" fontAlgn="b"/>
+                      <a:endParaRPr lang="zh-TW" altLang="en-US" sz="1800" b="0" i="0" u="none" strike="noStrike">
+                        <a:solidFill>
+                          <a:srgbClr val="000000"/>
+                        </a:solidFill>
+                        <a:effectLst/>
+                        <a:latin typeface="Arial" panose="020B0604020202020204" pitchFamily="34" charset="0"/>
+                      </a:endParaRPr>
+                    </a:p>
+                  </a:txBody>
+                  <a:tcPr marL="9525" marR="9525" marT="9525" marB="0" anchor="b"/>
+                </a:tc>
+                <a:tc>
+                  <a:txBody>
+                    <a:bodyPr/>
+                    <a:lstStyle/>
+                    <a:p>
+                      <a:pPr algn="l" fontAlgn="b"/>
+                      <a:endParaRPr lang="zh-TW" altLang="en-US" sz="1800" b="0" i="0" u="none" strike="noStrike" dirty="0">
+                        <a:solidFill>
+                          <a:srgbClr val="000000"/>
+                        </a:solidFill>
+                        <a:effectLst/>
+                        <a:latin typeface="Arial" panose="020B0604020202020204" pitchFamily="34" charset="0"/>
+                      </a:endParaRPr>
+                    </a:p>
+                  </a:txBody>
+                  <a:tcPr marL="9525" marR="9525" marT="9525" marB="0" anchor="b"/>
+                </a:tc>
+                <a:tc>
+                  <a:txBody>
+                    <a:bodyPr/>
+                    <a:lstStyle/>
+                    <a:p>
+                      <a:pPr algn="l" fontAlgn="b"/>
+                      <a:endParaRPr lang="zh-TW" altLang="en-US" sz="1800" b="0" i="0" u="none" strike="noStrike">
+                        <a:solidFill>
+                          <a:srgbClr val="000000"/>
+                        </a:solidFill>
+                        <a:effectLst/>
+                        <a:latin typeface="Arial" panose="020B0604020202020204" pitchFamily="34" charset="0"/>
+                      </a:endParaRPr>
+                    </a:p>
+                  </a:txBody>
+                  <a:tcPr marL="9525" marR="9525" marT="9525" marB="0" anchor="b"/>
+                </a:tc>
+                <a:tc>
+                  <a:txBody>
+                    <a:bodyPr/>
+                    <a:lstStyle/>
+                    <a:p>
+                      <a:pPr algn="l" fontAlgn="b"/>
+                      <a:r>
+                        <a:rPr lang="en-US" sz="1800" u="none" strike="noStrike">
+                          <a:effectLst/>
+                        </a:rPr>
+                        <a:t>X</a:t>
+                      </a:r>
+                      <a:endParaRPr lang="en-US" sz="1800" b="0" i="0" u="none" strike="noStrike">
+                        <a:solidFill>
+                          <a:srgbClr val="000000"/>
+                        </a:solidFill>
+                        <a:effectLst/>
+                        <a:latin typeface="Arial" panose="020B0604020202020204" pitchFamily="34" charset="0"/>
+                      </a:endParaRPr>
+                    </a:p>
+                  </a:txBody>
+                  <a:tcPr marL="9525" marR="9525" marT="9525" marB="0" anchor="b"/>
+                </a:tc>
+                <a:tc>
+                  <a:txBody>
+                    <a:bodyPr/>
+                    <a:lstStyle/>
+                    <a:p>
+                      <a:pPr algn="l" fontAlgn="b"/>
+                      <a:r>
+                        <a:rPr lang="en-US" sz="1800" u="none" strike="noStrike">
+                          <a:effectLst/>
+                        </a:rPr>
+                        <a:t>X</a:t>
+                      </a:r>
+                      <a:endParaRPr lang="en-US" sz="1800" b="0" i="0" u="none" strike="noStrike">
+                        <a:solidFill>
+                          <a:srgbClr val="000000"/>
+                        </a:solidFill>
+                        <a:effectLst/>
+                        <a:latin typeface="Arial" panose="020B0604020202020204" pitchFamily="34" charset="0"/>
+                      </a:endParaRPr>
+                    </a:p>
+                  </a:txBody>
+                  <a:tcPr marL="9525" marR="9525" marT="9525" marB="0" anchor="b"/>
+                </a:tc>
+                <a:extLst>
+                  <a:ext uri="{0D108BD9-81ED-4DB2-BD59-A6C34878D82A}">
+                    <a16:rowId xmlns:a16="http://schemas.microsoft.com/office/drawing/2014/main" val="264845098"/>
+                  </a:ext>
+                </a:extLst>
+              </a:tr>
+              <a:tr h="405480">
+                <a:tc>
+                  <a:txBody>
+                    <a:bodyPr/>
+                    <a:lstStyle/>
+                    <a:p>
+                      <a:pPr algn="l" fontAlgn="b"/>
+                      <a:r>
+                        <a:rPr lang="en-US" sz="1800" u="none" strike="noStrike">
+                          <a:effectLst/>
+                        </a:rPr>
+                        <a:t>UC2-Create Game</a:t>
+                      </a:r>
+                      <a:endParaRPr lang="en-US" sz="1800" b="0" i="0" u="none" strike="noStrike">
+                        <a:solidFill>
+                          <a:srgbClr val="000000"/>
+                        </a:solidFill>
+                        <a:effectLst/>
+                        <a:latin typeface="Arial" panose="020B0604020202020204" pitchFamily="34" charset="0"/>
+                      </a:endParaRPr>
+                    </a:p>
+                  </a:txBody>
+                  <a:tcPr marL="9525" marR="9525" marT="9525" marB="0" anchor="b"/>
+                </a:tc>
+                <a:tc>
+                  <a:txBody>
+                    <a:bodyPr/>
+                    <a:lstStyle/>
+                    <a:p>
+                      <a:pPr algn="l" fontAlgn="b"/>
+                      <a:endParaRPr lang="zh-TW" altLang="en-US" sz="1800" b="0" i="0" u="none" strike="noStrike" dirty="0">
+                        <a:solidFill>
+                          <a:srgbClr val="000000"/>
+                        </a:solidFill>
+                        <a:effectLst/>
+                        <a:latin typeface="Arial" panose="020B0604020202020204" pitchFamily="34" charset="0"/>
+                      </a:endParaRPr>
+                    </a:p>
+                  </a:txBody>
+                  <a:tcPr marL="9525" marR="9525" marT="9525" marB="0" anchor="b"/>
+                </a:tc>
+                <a:tc>
+                  <a:txBody>
+                    <a:bodyPr/>
+                    <a:lstStyle/>
+                    <a:p>
+                      <a:pPr algn="l" fontAlgn="b"/>
+                      <a:endParaRPr lang="zh-TW" altLang="en-US" sz="1800" b="0" i="0" u="none" strike="noStrike">
+                        <a:solidFill>
+                          <a:srgbClr val="000000"/>
+                        </a:solidFill>
+                        <a:effectLst/>
+                        <a:latin typeface="Arial" panose="020B0604020202020204" pitchFamily="34" charset="0"/>
+                      </a:endParaRPr>
+                    </a:p>
+                  </a:txBody>
+                  <a:tcPr marL="9525" marR="9525" marT="9525" marB="0" anchor="b"/>
+                </a:tc>
+                <a:tc>
+                  <a:txBody>
+                    <a:bodyPr/>
+                    <a:lstStyle/>
+                    <a:p>
+                      <a:pPr algn="l" fontAlgn="b"/>
+                      <a:r>
+                        <a:rPr lang="en-US" sz="1800" u="none" strike="noStrike">
+                          <a:effectLst/>
+                        </a:rPr>
+                        <a:t>X</a:t>
+                      </a:r>
+                      <a:endParaRPr lang="en-US" sz="1800" b="0" i="0" u="none" strike="noStrike">
+                        <a:solidFill>
+                          <a:srgbClr val="000000"/>
+                        </a:solidFill>
+                        <a:effectLst/>
+                        <a:latin typeface="Arial" panose="020B0604020202020204" pitchFamily="34" charset="0"/>
+                      </a:endParaRPr>
+                    </a:p>
+                  </a:txBody>
+                  <a:tcPr marL="9525" marR="9525" marT="9525" marB="0" anchor="b"/>
+                </a:tc>
+                <a:tc>
+                  <a:txBody>
+                    <a:bodyPr/>
+                    <a:lstStyle/>
+                    <a:p>
+                      <a:pPr algn="l" fontAlgn="b"/>
+                      <a:endParaRPr lang="zh-TW" altLang="en-US" sz="1800" b="0" i="0" u="none" strike="noStrike">
+                        <a:solidFill>
+                          <a:srgbClr val="000000"/>
+                        </a:solidFill>
+                        <a:effectLst/>
+                        <a:latin typeface="Arial" panose="020B0604020202020204" pitchFamily="34" charset="0"/>
+                      </a:endParaRPr>
+                    </a:p>
+                  </a:txBody>
+                  <a:tcPr marL="9525" marR="9525" marT="9525" marB="0" anchor="b"/>
+                </a:tc>
+                <a:tc>
+                  <a:txBody>
+                    <a:bodyPr/>
+                    <a:lstStyle/>
+                    <a:p>
+                      <a:pPr algn="l" fontAlgn="b"/>
+                      <a:endParaRPr lang="zh-TW" altLang="en-US" sz="1800" b="0" i="0" u="none" strike="noStrike">
+                        <a:solidFill>
+                          <a:srgbClr val="000000"/>
+                        </a:solidFill>
+                        <a:effectLst/>
+                        <a:latin typeface="Arial" panose="020B0604020202020204" pitchFamily="34" charset="0"/>
+                      </a:endParaRPr>
+                    </a:p>
+                  </a:txBody>
+                  <a:tcPr marL="9525" marR="9525" marT="9525" marB="0" anchor="b"/>
+                </a:tc>
+                <a:tc>
+                  <a:txBody>
+                    <a:bodyPr/>
+                    <a:lstStyle/>
+                    <a:p>
+                      <a:pPr algn="l" fontAlgn="b"/>
+                      <a:r>
+                        <a:rPr lang="en-US" sz="1800" u="none" strike="noStrike">
+                          <a:effectLst/>
+                        </a:rPr>
+                        <a:t>X</a:t>
+                      </a:r>
+                      <a:endParaRPr lang="en-US" sz="1800" b="0" i="0" u="none" strike="noStrike">
+                        <a:solidFill>
+                          <a:srgbClr val="000000"/>
+                        </a:solidFill>
+                        <a:effectLst/>
+                        <a:latin typeface="Arial" panose="020B0604020202020204" pitchFamily="34" charset="0"/>
+                      </a:endParaRPr>
+                    </a:p>
+                  </a:txBody>
+                  <a:tcPr marL="9525" marR="9525" marT="9525" marB="0" anchor="b"/>
+                </a:tc>
+                <a:extLst>
+                  <a:ext uri="{0D108BD9-81ED-4DB2-BD59-A6C34878D82A}">
+                    <a16:rowId xmlns:a16="http://schemas.microsoft.com/office/drawing/2014/main" val="1460129578"/>
+                  </a:ext>
+                </a:extLst>
+              </a:tr>
+              <a:tr h="405480">
+                <a:tc>
+                  <a:txBody>
+                    <a:bodyPr/>
+                    <a:lstStyle/>
+                    <a:p>
+                      <a:pPr algn="l" fontAlgn="b"/>
+                      <a:r>
+                        <a:rPr lang="en-US" sz="1800" u="none" strike="noStrike">
+                          <a:effectLst/>
+                        </a:rPr>
+                        <a:t>UC3-Create Invitation</a:t>
+                      </a:r>
+                      <a:endParaRPr lang="en-US" sz="1800" b="0" i="0" u="none" strike="noStrike">
+                        <a:solidFill>
+                          <a:srgbClr val="000000"/>
+                        </a:solidFill>
+                        <a:effectLst/>
+                        <a:latin typeface="Arial" panose="020B0604020202020204" pitchFamily="34" charset="0"/>
+                      </a:endParaRPr>
+                    </a:p>
+                  </a:txBody>
+                  <a:tcPr marL="9525" marR="9525" marT="9525" marB="0" anchor="b"/>
+                </a:tc>
+                <a:tc>
+                  <a:txBody>
+                    <a:bodyPr/>
+                    <a:lstStyle/>
+                    <a:p>
+                      <a:pPr algn="l" fontAlgn="b"/>
+                      <a:endParaRPr lang="zh-TW" altLang="en-US" sz="1800" b="0" i="0" u="none" strike="noStrike">
+                        <a:solidFill>
+                          <a:srgbClr val="000000"/>
+                        </a:solidFill>
+                        <a:effectLst/>
+                        <a:latin typeface="Arial" panose="020B0604020202020204" pitchFamily="34" charset="0"/>
+                      </a:endParaRPr>
+                    </a:p>
+                  </a:txBody>
+                  <a:tcPr marL="9525" marR="9525" marT="9525" marB="0" anchor="b"/>
+                </a:tc>
+                <a:tc>
+                  <a:txBody>
+                    <a:bodyPr/>
+                    <a:lstStyle/>
+                    <a:p>
+                      <a:pPr algn="l" fontAlgn="b"/>
+                      <a:endParaRPr lang="zh-TW" altLang="en-US" sz="1800" b="0" i="0" u="none" strike="noStrike">
+                        <a:solidFill>
+                          <a:srgbClr val="000000"/>
+                        </a:solidFill>
+                        <a:effectLst/>
+                        <a:latin typeface="Arial" panose="020B0604020202020204" pitchFamily="34" charset="0"/>
+                      </a:endParaRPr>
+                    </a:p>
+                  </a:txBody>
+                  <a:tcPr marL="9525" marR="9525" marT="9525" marB="0" anchor="b"/>
+                </a:tc>
+                <a:tc>
+                  <a:txBody>
+                    <a:bodyPr/>
+                    <a:lstStyle/>
+                    <a:p>
+                      <a:pPr algn="l" fontAlgn="b"/>
+                      <a:endParaRPr lang="zh-TW" altLang="en-US" sz="1800" b="0" i="0" u="none" strike="noStrike">
+                        <a:solidFill>
+                          <a:srgbClr val="000000"/>
+                        </a:solidFill>
+                        <a:effectLst/>
+                        <a:latin typeface="Arial" panose="020B0604020202020204" pitchFamily="34" charset="0"/>
+                      </a:endParaRPr>
+                    </a:p>
+                  </a:txBody>
+                  <a:tcPr marL="9525" marR="9525" marT="9525" marB="0" anchor="b"/>
+                </a:tc>
+                <a:tc>
+                  <a:txBody>
+                    <a:bodyPr/>
+                    <a:lstStyle/>
+                    <a:p>
+                      <a:pPr algn="l" fontAlgn="b"/>
+                      <a:r>
+                        <a:rPr lang="en-US" sz="1800" u="none" strike="noStrike">
+                          <a:effectLst/>
+                        </a:rPr>
+                        <a:t>X</a:t>
+                      </a:r>
+                      <a:endParaRPr lang="en-US" sz="1800" b="0" i="0" u="none" strike="noStrike">
+                        <a:solidFill>
+                          <a:srgbClr val="000000"/>
+                        </a:solidFill>
+                        <a:effectLst/>
+                        <a:latin typeface="Arial" panose="020B0604020202020204" pitchFamily="34" charset="0"/>
+                      </a:endParaRPr>
+                    </a:p>
+                  </a:txBody>
+                  <a:tcPr marL="9525" marR="9525" marT="9525" marB="0" anchor="b"/>
+                </a:tc>
+                <a:tc>
+                  <a:txBody>
+                    <a:bodyPr/>
+                    <a:lstStyle/>
+                    <a:p>
+                      <a:pPr algn="l" fontAlgn="b"/>
+                      <a:endParaRPr lang="zh-TW" altLang="en-US" sz="1800" b="0" i="0" u="none" strike="noStrike">
+                        <a:solidFill>
+                          <a:srgbClr val="000000"/>
+                        </a:solidFill>
+                        <a:effectLst/>
+                        <a:latin typeface="Arial" panose="020B0604020202020204" pitchFamily="34" charset="0"/>
+                      </a:endParaRPr>
+                    </a:p>
+                  </a:txBody>
+                  <a:tcPr marL="9525" marR="9525" marT="9525" marB="0" anchor="b"/>
+                </a:tc>
+                <a:tc>
+                  <a:txBody>
+                    <a:bodyPr/>
+                    <a:lstStyle/>
+                    <a:p>
+                      <a:pPr algn="l" fontAlgn="b"/>
+                      <a:r>
+                        <a:rPr lang="en-US" sz="1800" u="none" strike="noStrike">
+                          <a:effectLst/>
+                        </a:rPr>
+                        <a:t>X</a:t>
+                      </a:r>
+                      <a:endParaRPr lang="en-US" sz="1800" b="0" i="0" u="none" strike="noStrike">
+                        <a:solidFill>
+                          <a:srgbClr val="000000"/>
+                        </a:solidFill>
+                        <a:effectLst/>
+                        <a:latin typeface="Arial" panose="020B0604020202020204" pitchFamily="34" charset="0"/>
+                      </a:endParaRPr>
+                    </a:p>
+                  </a:txBody>
+                  <a:tcPr marL="9525" marR="9525" marT="9525" marB="0" anchor="b"/>
+                </a:tc>
+                <a:extLst>
+                  <a:ext uri="{0D108BD9-81ED-4DB2-BD59-A6C34878D82A}">
+                    <a16:rowId xmlns:a16="http://schemas.microsoft.com/office/drawing/2014/main" val="3591448604"/>
+                  </a:ext>
+                </a:extLst>
+              </a:tr>
+              <a:tr h="405480">
+                <a:tc>
+                  <a:txBody>
+                    <a:bodyPr/>
+                    <a:lstStyle/>
+                    <a:p>
+                      <a:pPr algn="l" fontAlgn="b"/>
+                      <a:r>
+                        <a:rPr lang="en-US" sz="1800" u="none" strike="noStrike">
+                          <a:effectLst/>
+                        </a:rPr>
+                        <a:t>UC4-Deactivate account</a:t>
+                      </a:r>
+                      <a:endParaRPr lang="en-US" sz="1800" b="0" i="0" u="none" strike="noStrike">
+                        <a:solidFill>
+                          <a:srgbClr val="000000"/>
+                        </a:solidFill>
+                        <a:effectLst/>
+                        <a:latin typeface="Arial" panose="020B0604020202020204" pitchFamily="34" charset="0"/>
+                      </a:endParaRPr>
+                    </a:p>
+                  </a:txBody>
+                  <a:tcPr marL="9525" marR="9525" marT="9525" marB="0" anchor="b"/>
+                </a:tc>
+                <a:tc>
+                  <a:txBody>
+                    <a:bodyPr/>
+                    <a:lstStyle/>
+                    <a:p>
+                      <a:pPr algn="l" fontAlgn="b"/>
+                      <a:endParaRPr lang="zh-TW" altLang="en-US" sz="1800" b="0" i="0" u="none" strike="noStrike">
+                        <a:solidFill>
+                          <a:srgbClr val="000000"/>
+                        </a:solidFill>
+                        <a:effectLst/>
+                        <a:latin typeface="Arial" panose="020B0604020202020204" pitchFamily="34" charset="0"/>
+                      </a:endParaRPr>
+                    </a:p>
+                  </a:txBody>
+                  <a:tcPr marL="9525" marR="9525" marT="9525" marB="0" anchor="b"/>
+                </a:tc>
+                <a:tc>
+                  <a:txBody>
+                    <a:bodyPr/>
+                    <a:lstStyle/>
+                    <a:p>
+                      <a:pPr algn="l" fontAlgn="b"/>
+                      <a:endParaRPr lang="zh-TW" altLang="en-US" sz="1800" b="0" i="0" u="none" strike="noStrike">
+                        <a:solidFill>
+                          <a:srgbClr val="000000"/>
+                        </a:solidFill>
+                        <a:effectLst/>
+                        <a:latin typeface="Arial" panose="020B0604020202020204" pitchFamily="34" charset="0"/>
+                      </a:endParaRPr>
+                    </a:p>
+                  </a:txBody>
+                  <a:tcPr marL="9525" marR="9525" marT="9525" marB="0" anchor="b"/>
+                </a:tc>
+                <a:tc>
+                  <a:txBody>
+                    <a:bodyPr/>
+                    <a:lstStyle/>
+                    <a:p>
+                      <a:pPr algn="l" fontAlgn="b"/>
+                      <a:endParaRPr lang="zh-TW" altLang="en-US" sz="1800" b="0" i="0" u="none" strike="noStrike">
+                        <a:solidFill>
+                          <a:srgbClr val="000000"/>
+                        </a:solidFill>
+                        <a:effectLst/>
+                        <a:latin typeface="Arial" panose="020B0604020202020204" pitchFamily="34" charset="0"/>
+                      </a:endParaRPr>
+                    </a:p>
+                  </a:txBody>
+                  <a:tcPr marL="9525" marR="9525" marT="9525" marB="0" anchor="b"/>
+                </a:tc>
+                <a:tc>
+                  <a:txBody>
+                    <a:bodyPr/>
+                    <a:lstStyle/>
+                    <a:p>
+                      <a:pPr algn="l" fontAlgn="b"/>
+                      <a:endParaRPr lang="zh-TW" altLang="en-US" sz="1800" b="0" i="0" u="none" strike="noStrike">
+                        <a:solidFill>
+                          <a:srgbClr val="000000"/>
+                        </a:solidFill>
+                        <a:effectLst/>
+                        <a:latin typeface="Arial" panose="020B0604020202020204" pitchFamily="34" charset="0"/>
+                      </a:endParaRPr>
+                    </a:p>
+                  </a:txBody>
+                  <a:tcPr marL="9525" marR="9525" marT="9525" marB="0" anchor="b"/>
+                </a:tc>
+                <a:tc>
+                  <a:txBody>
+                    <a:bodyPr/>
+                    <a:lstStyle/>
+                    <a:p>
+                      <a:pPr algn="l" fontAlgn="b"/>
+                      <a:r>
+                        <a:rPr lang="en-US" sz="1800" u="none" strike="noStrike">
+                          <a:effectLst/>
+                        </a:rPr>
+                        <a:t>X</a:t>
+                      </a:r>
+                      <a:endParaRPr lang="en-US" sz="1800" b="0" i="0" u="none" strike="noStrike">
+                        <a:solidFill>
+                          <a:srgbClr val="000000"/>
+                        </a:solidFill>
+                        <a:effectLst/>
+                        <a:latin typeface="Arial" panose="020B0604020202020204" pitchFamily="34" charset="0"/>
+                      </a:endParaRPr>
+                    </a:p>
+                  </a:txBody>
+                  <a:tcPr marL="9525" marR="9525" marT="9525" marB="0" anchor="b"/>
+                </a:tc>
+                <a:tc>
+                  <a:txBody>
+                    <a:bodyPr/>
+                    <a:lstStyle/>
+                    <a:p>
+                      <a:pPr algn="l" fontAlgn="b"/>
+                      <a:r>
+                        <a:rPr lang="en-US" sz="1800" u="none" strike="noStrike">
+                          <a:effectLst/>
+                        </a:rPr>
+                        <a:t>X</a:t>
+                      </a:r>
+                      <a:endParaRPr lang="en-US" sz="1800" b="0" i="0" u="none" strike="noStrike">
+                        <a:solidFill>
+                          <a:srgbClr val="000000"/>
+                        </a:solidFill>
+                        <a:effectLst/>
+                        <a:latin typeface="Arial" panose="020B0604020202020204" pitchFamily="34" charset="0"/>
+                      </a:endParaRPr>
+                    </a:p>
+                  </a:txBody>
+                  <a:tcPr marL="9525" marR="9525" marT="9525" marB="0" anchor="b"/>
+                </a:tc>
+                <a:extLst>
+                  <a:ext uri="{0D108BD9-81ED-4DB2-BD59-A6C34878D82A}">
+                    <a16:rowId xmlns:a16="http://schemas.microsoft.com/office/drawing/2014/main" val="4145256968"/>
+                  </a:ext>
+                </a:extLst>
+              </a:tr>
+              <a:tr h="405480">
+                <a:tc>
+                  <a:txBody>
+                    <a:bodyPr/>
+                    <a:lstStyle/>
+                    <a:p>
+                      <a:pPr algn="l" fontAlgn="b"/>
+                      <a:r>
+                        <a:rPr lang="en-US" sz="1800" u="none" strike="noStrike">
+                          <a:effectLst/>
+                        </a:rPr>
+                        <a:t>UC5-Join Game</a:t>
+                      </a:r>
+                      <a:endParaRPr lang="en-US" sz="1800" b="0" i="0" u="none" strike="noStrike">
+                        <a:solidFill>
+                          <a:srgbClr val="000000"/>
+                        </a:solidFill>
+                        <a:effectLst/>
+                        <a:latin typeface="Arial" panose="020B0604020202020204" pitchFamily="34" charset="0"/>
+                      </a:endParaRPr>
+                    </a:p>
+                  </a:txBody>
+                  <a:tcPr marL="9525" marR="9525" marT="9525" marB="0" anchor="b"/>
+                </a:tc>
+                <a:tc>
+                  <a:txBody>
+                    <a:bodyPr/>
+                    <a:lstStyle/>
+                    <a:p>
+                      <a:pPr algn="l" fontAlgn="b"/>
+                      <a:endParaRPr lang="zh-TW" altLang="en-US" sz="1800" b="0" i="0" u="none" strike="noStrike">
+                        <a:solidFill>
+                          <a:srgbClr val="000000"/>
+                        </a:solidFill>
+                        <a:effectLst/>
+                        <a:latin typeface="Arial" panose="020B0604020202020204" pitchFamily="34" charset="0"/>
+                      </a:endParaRPr>
+                    </a:p>
+                  </a:txBody>
+                  <a:tcPr marL="9525" marR="9525" marT="9525" marB="0" anchor="b"/>
+                </a:tc>
+                <a:tc>
+                  <a:txBody>
+                    <a:bodyPr/>
+                    <a:lstStyle/>
+                    <a:p>
+                      <a:pPr algn="l" fontAlgn="b"/>
+                      <a:endParaRPr lang="zh-TW" altLang="en-US" sz="1800" b="0" i="0" u="none" strike="noStrike">
+                        <a:solidFill>
+                          <a:srgbClr val="000000"/>
+                        </a:solidFill>
+                        <a:effectLst/>
+                        <a:latin typeface="Arial" panose="020B0604020202020204" pitchFamily="34" charset="0"/>
+                      </a:endParaRPr>
+                    </a:p>
+                  </a:txBody>
+                  <a:tcPr marL="9525" marR="9525" marT="9525" marB="0" anchor="b"/>
+                </a:tc>
+                <a:tc>
+                  <a:txBody>
+                    <a:bodyPr/>
+                    <a:lstStyle/>
+                    <a:p>
+                      <a:pPr algn="l" fontAlgn="b"/>
+                      <a:r>
+                        <a:rPr lang="en-US" sz="1800" u="none" strike="noStrike">
+                          <a:effectLst/>
+                        </a:rPr>
+                        <a:t>X</a:t>
+                      </a:r>
+                      <a:endParaRPr lang="en-US" sz="1800" b="0" i="0" u="none" strike="noStrike">
+                        <a:solidFill>
+                          <a:srgbClr val="000000"/>
+                        </a:solidFill>
+                        <a:effectLst/>
+                        <a:latin typeface="Arial" panose="020B0604020202020204" pitchFamily="34" charset="0"/>
+                      </a:endParaRPr>
+                    </a:p>
+                  </a:txBody>
+                  <a:tcPr marL="9525" marR="9525" marT="9525" marB="0" anchor="b"/>
+                </a:tc>
+                <a:tc>
+                  <a:txBody>
+                    <a:bodyPr/>
+                    <a:lstStyle/>
+                    <a:p>
+                      <a:pPr algn="l" fontAlgn="b"/>
+                      <a:endParaRPr lang="zh-TW" altLang="en-US" sz="1800" b="0" i="0" u="none" strike="noStrike">
+                        <a:solidFill>
+                          <a:srgbClr val="000000"/>
+                        </a:solidFill>
+                        <a:effectLst/>
+                        <a:latin typeface="Arial" panose="020B0604020202020204" pitchFamily="34" charset="0"/>
+                      </a:endParaRPr>
+                    </a:p>
+                  </a:txBody>
+                  <a:tcPr marL="9525" marR="9525" marT="9525" marB="0" anchor="b"/>
+                </a:tc>
+                <a:tc>
+                  <a:txBody>
+                    <a:bodyPr/>
+                    <a:lstStyle/>
+                    <a:p>
+                      <a:pPr algn="l" fontAlgn="b"/>
+                      <a:r>
+                        <a:rPr lang="en-US" sz="1800" u="none" strike="noStrike">
+                          <a:effectLst/>
+                        </a:rPr>
+                        <a:t>X</a:t>
+                      </a:r>
+                      <a:endParaRPr lang="en-US" sz="1800" b="0" i="0" u="none" strike="noStrike">
+                        <a:solidFill>
+                          <a:srgbClr val="000000"/>
+                        </a:solidFill>
+                        <a:effectLst/>
+                        <a:latin typeface="Arial" panose="020B0604020202020204" pitchFamily="34" charset="0"/>
+                      </a:endParaRPr>
+                    </a:p>
+                  </a:txBody>
+                  <a:tcPr marL="9525" marR="9525" marT="9525" marB="0" anchor="b"/>
+                </a:tc>
+                <a:tc>
+                  <a:txBody>
+                    <a:bodyPr/>
+                    <a:lstStyle/>
+                    <a:p>
+                      <a:pPr algn="l" fontAlgn="b"/>
+                      <a:r>
+                        <a:rPr lang="en-US" sz="1800" u="none" strike="noStrike">
+                          <a:effectLst/>
+                        </a:rPr>
+                        <a:t>X</a:t>
+                      </a:r>
+                      <a:endParaRPr lang="en-US" sz="1800" b="0" i="0" u="none" strike="noStrike">
+                        <a:solidFill>
+                          <a:srgbClr val="000000"/>
+                        </a:solidFill>
+                        <a:effectLst/>
+                        <a:latin typeface="Arial" panose="020B0604020202020204" pitchFamily="34" charset="0"/>
+                      </a:endParaRPr>
+                    </a:p>
+                  </a:txBody>
+                  <a:tcPr marL="9525" marR="9525" marT="9525" marB="0" anchor="b"/>
+                </a:tc>
+                <a:extLst>
+                  <a:ext uri="{0D108BD9-81ED-4DB2-BD59-A6C34878D82A}">
+                    <a16:rowId xmlns:a16="http://schemas.microsoft.com/office/drawing/2014/main" val="1846886497"/>
+                  </a:ext>
+                </a:extLst>
+              </a:tr>
+              <a:tr h="405480">
+                <a:tc>
+                  <a:txBody>
+                    <a:bodyPr/>
+                    <a:lstStyle/>
+                    <a:p>
+                      <a:pPr algn="l" fontAlgn="b"/>
+                      <a:r>
+                        <a:rPr lang="en-US" sz="1800" u="none" strike="noStrike">
+                          <a:effectLst/>
+                        </a:rPr>
+                        <a:t>UC6-View Profile</a:t>
+                      </a:r>
+                      <a:endParaRPr lang="en-US" sz="1800" b="0" i="0" u="none" strike="noStrike">
+                        <a:solidFill>
+                          <a:srgbClr val="000000"/>
+                        </a:solidFill>
+                        <a:effectLst/>
+                        <a:latin typeface="Arial" panose="020B0604020202020204" pitchFamily="34" charset="0"/>
+                      </a:endParaRPr>
+                    </a:p>
+                  </a:txBody>
+                  <a:tcPr marL="9525" marR="9525" marT="9525" marB="0" anchor="b"/>
+                </a:tc>
+                <a:tc>
+                  <a:txBody>
+                    <a:bodyPr/>
+                    <a:lstStyle/>
+                    <a:p>
+                      <a:pPr algn="l" fontAlgn="b"/>
+                      <a:endParaRPr lang="zh-TW" altLang="en-US" sz="1800" b="0" i="0" u="none" strike="noStrike">
+                        <a:solidFill>
+                          <a:srgbClr val="000000"/>
+                        </a:solidFill>
+                        <a:effectLst/>
+                        <a:latin typeface="Arial" panose="020B0604020202020204" pitchFamily="34" charset="0"/>
+                      </a:endParaRPr>
+                    </a:p>
+                  </a:txBody>
+                  <a:tcPr marL="9525" marR="9525" marT="9525" marB="0" anchor="b"/>
+                </a:tc>
+                <a:tc>
+                  <a:txBody>
+                    <a:bodyPr/>
+                    <a:lstStyle/>
+                    <a:p>
+                      <a:pPr algn="l" fontAlgn="b"/>
+                      <a:endParaRPr lang="zh-TW" altLang="en-US" sz="1800" b="0" i="0" u="none" strike="noStrike">
+                        <a:solidFill>
+                          <a:srgbClr val="000000"/>
+                        </a:solidFill>
+                        <a:effectLst/>
+                        <a:latin typeface="Arial" panose="020B0604020202020204" pitchFamily="34" charset="0"/>
+                      </a:endParaRPr>
+                    </a:p>
+                  </a:txBody>
+                  <a:tcPr marL="9525" marR="9525" marT="9525" marB="0" anchor="b"/>
+                </a:tc>
+                <a:tc>
+                  <a:txBody>
+                    <a:bodyPr/>
+                    <a:lstStyle/>
+                    <a:p>
+                      <a:pPr algn="l" fontAlgn="b"/>
+                      <a:endParaRPr lang="zh-TW" altLang="en-US" sz="1800" b="0" i="0" u="none" strike="noStrike">
+                        <a:solidFill>
+                          <a:srgbClr val="000000"/>
+                        </a:solidFill>
+                        <a:effectLst/>
+                        <a:latin typeface="Arial" panose="020B0604020202020204" pitchFamily="34" charset="0"/>
+                      </a:endParaRPr>
+                    </a:p>
+                  </a:txBody>
+                  <a:tcPr marL="9525" marR="9525" marT="9525" marB="0" anchor="b"/>
+                </a:tc>
+                <a:tc>
+                  <a:txBody>
+                    <a:bodyPr/>
+                    <a:lstStyle/>
+                    <a:p>
+                      <a:pPr algn="l" fontAlgn="b"/>
+                      <a:endParaRPr lang="zh-TW" altLang="en-US" sz="1800" b="0" i="0" u="none" strike="noStrike">
+                        <a:solidFill>
+                          <a:srgbClr val="000000"/>
+                        </a:solidFill>
+                        <a:effectLst/>
+                        <a:latin typeface="Arial" panose="020B0604020202020204" pitchFamily="34" charset="0"/>
+                      </a:endParaRPr>
+                    </a:p>
+                  </a:txBody>
+                  <a:tcPr marL="9525" marR="9525" marT="9525" marB="0" anchor="b"/>
+                </a:tc>
+                <a:tc>
+                  <a:txBody>
+                    <a:bodyPr/>
+                    <a:lstStyle/>
+                    <a:p>
+                      <a:pPr algn="l" fontAlgn="b"/>
+                      <a:r>
+                        <a:rPr lang="en-US" sz="1800" u="none" strike="noStrike">
+                          <a:effectLst/>
+                        </a:rPr>
+                        <a:t>X</a:t>
+                      </a:r>
+                      <a:endParaRPr lang="en-US" sz="1800" b="0" i="0" u="none" strike="noStrike">
+                        <a:solidFill>
+                          <a:srgbClr val="000000"/>
+                        </a:solidFill>
+                        <a:effectLst/>
+                        <a:latin typeface="Arial" panose="020B0604020202020204" pitchFamily="34" charset="0"/>
+                      </a:endParaRPr>
+                    </a:p>
+                  </a:txBody>
+                  <a:tcPr marL="9525" marR="9525" marT="9525" marB="0" anchor="b"/>
+                </a:tc>
+                <a:tc>
+                  <a:txBody>
+                    <a:bodyPr/>
+                    <a:lstStyle/>
+                    <a:p>
+                      <a:pPr algn="l" fontAlgn="b"/>
+                      <a:r>
+                        <a:rPr lang="en-US" sz="1800" u="none" strike="noStrike">
+                          <a:effectLst/>
+                        </a:rPr>
+                        <a:t>X</a:t>
+                      </a:r>
+                      <a:endParaRPr lang="en-US" sz="1800" b="0" i="0" u="none" strike="noStrike">
+                        <a:solidFill>
+                          <a:srgbClr val="000000"/>
+                        </a:solidFill>
+                        <a:effectLst/>
+                        <a:latin typeface="Arial" panose="020B0604020202020204" pitchFamily="34" charset="0"/>
+                      </a:endParaRPr>
+                    </a:p>
+                  </a:txBody>
+                  <a:tcPr marL="9525" marR="9525" marT="9525" marB="0" anchor="b"/>
+                </a:tc>
+                <a:extLst>
+                  <a:ext uri="{0D108BD9-81ED-4DB2-BD59-A6C34878D82A}">
+                    <a16:rowId xmlns:a16="http://schemas.microsoft.com/office/drawing/2014/main" val="4293443366"/>
+                  </a:ext>
+                </a:extLst>
+              </a:tr>
+              <a:tr h="405480">
+                <a:tc>
+                  <a:txBody>
+                    <a:bodyPr/>
+                    <a:lstStyle/>
+                    <a:p>
+                      <a:pPr algn="l" fontAlgn="b"/>
+                      <a:r>
+                        <a:rPr lang="en-US" sz="1800" u="none" strike="noStrike">
+                          <a:effectLst/>
+                        </a:rPr>
+                        <a:t>UC7-Log on</a:t>
+                      </a:r>
+                      <a:endParaRPr lang="en-US" sz="1800" b="0" i="0" u="none" strike="noStrike">
+                        <a:solidFill>
+                          <a:srgbClr val="000000"/>
+                        </a:solidFill>
+                        <a:effectLst/>
+                        <a:latin typeface="Arial" panose="020B0604020202020204" pitchFamily="34" charset="0"/>
+                      </a:endParaRPr>
+                    </a:p>
+                  </a:txBody>
+                  <a:tcPr marL="9525" marR="9525" marT="9525" marB="0" anchor="b"/>
+                </a:tc>
+                <a:tc>
+                  <a:txBody>
+                    <a:bodyPr/>
+                    <a:lstStyle/>
+                    <a:p>
+                      <a:pPr algn="l" fontAlgn="b"/>
+                      <a:endParaRPr lang="zh-TW" altLang="en-US" sz="1800" b="0" i="0" u="none" strike="noStrike">
+                        <a:solidFill>
+                          <a:srgbClr val="000000"/>
+                        </a:solidFill>
+                        <a:effectLst/>
+                        <a:latin typeface="Arial" panose="020B0604020202020204" pitchFamily="34" charset="0"/>
+                      </a:endParaRPr>
+                    </a:p>
+                  </a:txBody>
+                  <a:tcPr marL="9525" marR="9525" marT="9525" marB="0" anchor="b"/>
+                </a:tc>
+                <a:tc>
+                  <a:txBody>
+                    <a:bodyPr/>
+                    <a:lstStyle/>
+                    <a:p>
+                      <a:pPr algn="l" fontAlgn="b"/>
+                      <a:endParaRPr lang="zh-TW" altLang="en-US" sz="1800" b="0" i="0" u="none" strike="noStrike">
+                        <a:solidFill>
+                          <a:srgbClr val="000000"/>
+                        </a:solidFill>
+                        <a:effectLst/>
+                        <a:latin typeface="Arial" panose="020B0604020202020204" pitchFamily="34" charset="0"/>
+                      </a:endParaRPr>
+                    </a:p>
+                  </a:txBody>
+                  <a:tcPr marL="9525" marR="9525" marT="9525" marB="0" anchor="b"/>
+                </a:tc>
+                <a:tc>
+                  <a:txBody>
+                    <a:bodyPr/>
+                    <a:lstStyle/>
+                    <a:p>
+                      <a:pPr algn="l" fontAlgn="b"/>
+                      <a:endParaRPr lang="zh-TW" altLang="en-US" sz="1800" b="0" i="0" u="none" strike="noStrike">
+                        <a:solidFill>
+                          <a:srgbClr val="000000"/>
+                        </a:solidFill>
+                        <a:effectLst/>
+                        <a:latin typeface="Arial" panose="020B0604020202020204" pitchFamily="34" charset="0"/>
+                      </a:endParaRPr>
+                    </a:p>
+                  </a:txBody>
+                  <a:tcPr marL="9525" marR="9525" marT="9525" marB="0" anchor="b"/>
+                </a:tc>
+                <a:tc>
+                  <a:txBody>
+                    <a:bodyPr/>
+                    <a:lstStyle/>
+                    <a:p>
+                      <a:pPr algn="l" fontAlgn="b"/>
+                      <a:endParaRPr lang="zh-TW" altLang="en-US" sz="1800" b="0" i="0" u="none" strike="noStrike">
+                        <a:solidFill>
+                          <a:srgbClr val="000000"/>
+                        </a:solidFill>
+                        <a:effectLst/>
+                        <a:latin typeface="Arial" panose="020B0604020202020204" pitchFamily="34" charset="0"/>
+                      </a:endParaRPr>
+                    </a:p>
+                  </a:txBody>
+                  <a:tcPr marL="9525" marR="9525" marT="9525" marB="0" anchor="b"/>
+                </a:tc>
+                <a:tc>
+                  <a:txBody>
+                    <a:bodyPr/>
+                    <a:lstStyle/>
+                    <a:p>
+                      <a:pPr algn="l" fontAlgn="b"/>
+                      <a:r>
+                        <a:rPr lang="en-US" sz="1800" u="none" strike="noStrike">
+                          <a:effectLst/>
+                        </a:rPr>
+                        <a:t>X</a:t>
+                      </a:r>
+                      <a:endParaRPr lang="en-US" sz="1800" b="0" i="0" u="none" strike="noStrike">
+                        <a:solidFill>
+                          <a:srgbClr val="000000"/>
+                        </a:solidFill>
+                        <a:effectLst/>
+                        <a:latin typeface="Arial" panose="020B0604020202020204" pitchFamily="34" charset="0"/>
+                      </a:endParaRPr>
+                    </a:p>
+                  </a:txBody>
+                  <a:tcPr marL="9525" marR="9525" marT="9525" marB="0" anchor="b"/>
+                </a:tc>
+                <a:tc>
+                  <a:txBody>
+                    <a:bodyPr/>
+                    <a:lstStyle/>
+                    <a:p>
+                      <a:pPr algn="l" fontAlgn="b"/>
+                      <a:r>
+                        <a:rPr lang="en-US" sz="1800" u="none" strike="noStrike">
+                          <a:effectLst/>
+                        </a:rPr>
+                        <a:t>X</a:t>
+                      </a:r>
+                      <a:endParaRPr lang="en-US" sz="1800" b="0" i="0" u="none" strike="noStrike">
+                        <a:solidFill>
+                          <a:srgbClr val="000000"/>
+                        </a:solidFill>
+                        <a:effectLst/>
+                        <a:latin typeface="Arial" panose="020B0604020202020204" pitchFamily="34" charset="0"/>
+                      </a:endParaRPr>
+                    </a:p>
+                  </a:txBody>
+                  <a:tcPr marL="9525" marR="9525" marT="9525" marB="0" anchor="b"/>
+                </a:tc>
+                <a:extLst>
+                  <a:ext uri="{0D108BD9-81ED-4DB2-BD59-A6C34878D82A}">
+                    <a16:rowId xmlns:a16="http://schemas.microsoft.com/office/drawing/2014/main" val="320102442"/>
+                  </a:ext>
+                </a:extLst>
+              </a:tr>
+              <a:tr h="405480">
+                <a:tc>
+                  <a:txBody>
+                    <a:bodyPr/>
+                    <a:lstStyle/>
+                    <a:p>
+                      <a:pPr algn="l" fontAlgn="b"/>
+                      <a:r>
+                        <a:rPr lang="en-US" sz="1800" u="none" strike="noStrike">
+                          <a:effectLst/>
+                        </a:rPr>
+                        <a:t>UC8-Quit game</a:t>
+                      </a:r>
+                      <a:endParaRPr lang="en-US" sz="1800" b="0" i="0" u="none" strike="noStrike">
+                        <a:solidFill>
+                          <a:srgbClr val="000000"/>
+                        </a:solidFill>
+                        <a:effectLst/>
+                        <a:latin typeface="Arial" panose="020B0604020202020204" pitchFamily="34" charset="0"/>
+                      </a:endParaRPr>
+                    </a:p>
+                  </a:txBody>
+                  <a:tcPr marL="9525" marR="9525" marT="9525" marB="0" anchor="b"/>
+                </a:tc>
+                <a:tc>
+                  <a:txBody>
+                    <a:bodyPr/>
+                    <a:lstStyle/>
+                    <a:p>
+                      <a:pPr algn="l" fontAlgn="b"/>
+                      <a:endParaRPr lang="zh-TW" altLang="en-US" sz="1800" b="0" i="0" u="none" strike="noStrike">
+                        <a:solidFill>
+                          <a:srgbClr val="000000"/>
+                        </a:solidFill>
+                        <a:effectLst/>
+                        <a:latin typeface="Arial" panose="020B0604020202020204" pitchFamily="34" charset="0"/>
+                      </a:endParaRPr>
+                    </a:p>
+                  </a:txBody>
+                  <a:tcPr marL="9525" marR="9525" marT="9525" marB="0" anchor="b"/>
+                </a:tc>
+                <a:tc>
+                  <a:txBody>
+                    <a:bodyPr/>
+                    <a:lstStyle/>
+                    <a:p>
+                      <a:pPr algn="l" fontAlgn="b"/>
+                      <a:endParaRPr lang="zh-TW" altLang="en-US" sz="1800" b="0" i="0" u="none" strike="noStrike">
+                        <a:solidFill>
+                          <a:srgbClr val="000000"/>
+                        </a:solidFill>
+                        <a:effectLst/>
+                        <a:latin typeface="Arial" panose="020B0604020202020204" pitchFamily="34" charset="0"/>
+                      </a:endParaRPr>
+                    </a:p>
+                  </a:txBody>
+                  <a:tcPr marL="9525" marR="9525" marT="9525" marB="0" anchor="b"/>
+                </a:tc>
+                <a:tc>
+                  <a:txBody>
+                    <a:bodyPr/>
+                    <a:lstStyle/>
+                    <a:p>
+                      <a:pPr algn="l" fontAlgn="b"/>
+                      <a:r>
+                        <a:rPr lang="en-US" sz="1800" u="none" strike="noStrike">
+                          <a:effectLst/>
+                        </a:rPr>
+                        <a:t>X</a:t>
+                      </a:r>
+                      <a:endParaRPr lang="en-US" sz="1800" b="0" i="0" u="none" strike="noStrike">
+                        <a:solidFill>
+                          <a:srgbClr val="000000"/>
+                        </a:solidFill>
+                        <a:effectLst/>
+                        <a:latin typeface="Arial" panose="020B0604020202020204" pitchFamily="34" charset="0"/>
+                      </a:endParaRPr>
+                    </a:p>
+                  </a:txBody>
+                  <a:tcPr marL="9525" marR="9525" marT="9525" marB="0" anchor="b"/>
+                </a:tc>
+                <a:tc>
+                  <a:txBody>
+                    <a:bodyPr/>
+                    <a:lstStyle/>
+                    <a:p>
+                      <a:pPr algn="l" fontAlgn="b"/>
+                      <a:endParaRPr lang="zh-TW" altLang="en-US" sz="1800" b="0" i="0" u="none" strike="noStrike">
+                        <a:solidFill>
+                          <a:srgbClr val="000000"/>
+                        </a:solidFill>
+                        <a:effectLst/>
+                        <a:latin typeface="Arial" panose="020B0604020202020204" pitchFamily="34" charset="0"/>
+                      </a:endParaRPr>
+                    </a:p>
+                  </a:txBody>
+                  <a:tcPr marL="9525" marR="9525" marT="9525" marB="0" anchor="b"/>
+                </a:tc>
+                <a:tc>
+                  <a:txBody>
+                    <a:bodyPr/>
+                    <a:lstStyle/>
+                    <a:p>
+                      <a:pPr algn="l" fontAlgn="b"/>
+                      <a:r>
+                        <a:rPr lang="en-US" sz="1800" u="none" strike="noStrike">
+                          <a:effectLst/>
+                        </a:rPr>
+                        <a:t>X</a:t>
+                      </a:r>
+                      <a:endParaRPr lang="en-US" sz="1800" b="0" i="0" u="none" strike="noStrike">
+                        <a:solidFill>
+                          <a:srgbClr val="000000"/>
+                        </a:solidFill>
+                        <a:effectLst/>
+                        <a:latin typeface="Arial" panose="020B0604020202020204" pitchFamily="34" charset="0"/>
+                      </a:endParaRPr>
+                    </a:p>
+                  </a:txBody>
+                  <a:tcPr marL="9525" marR="9525" marT="9525" marB="0" anchor="b"/>
+                </a:tc>
+                <a:tc>
+                  <a:txBody>
+                    <a:bodyPr/>
+                    <a:lstStyle/>
+                    <a:p>
+                      <a:pPr algn="l" fontAlgn="b"/>
+                      <a:r>
+                        <a:rPr lang="en-US" sz="1800" u="none" strike="noStrike">
+                          <a:effectLst/>
+                        </a:rPr>
+                        <a:t>X</a:t>
+                      </a:r>
+                      <a:endParaRPr lang="en-US" sz="1800" b="0" i="0" u="none" strike="noStrike">
+                        <a:solidFill>
+                          <a:srgbClr val="000000"/>
+                        </a:solidFill>
+                        <a:effectLst/>
+                        <a:latin typeface="Arial" panose="020B0604020202020204" pitchFamily="34" charset="0"/>
+                      </a:endParaRPr>
+                    </a:p>
+                  </a:txBody>
+                  <a:tcPr marL="9525" marR="9525" marT="9525" marB="0" anchor="b"/>
+                </a:tc>
+                <a:extLst>
+                  <a:ext uri="{0D108BD9-81ED-4DB2-BD59-A6C34878D82A}">
+                    <a16:rowId xmlns:a16="http://schemas.microsoft.com/office/drawing/2014/main" val="2719925157"/>
+                  </a:ext>
+                </a:extLst>
+              </a:tr>
+              <a:tr h="405480">
+                <a:tc>
+                  <a:txBody>
+                    <a:bodyPr/>
+                    <a:lstStyle/>
+                    <a:p>
+                      <a:pPr algn="l" fontAlgn="b"/>
+                      <a:r>
+                        <a:rPr lang="en-US" sz="1800" u="none" strike="noStrike">
+                          <a:effectLst/>
+                        </a:rPr>
+                        <a:t>UC9-List active games</a:t>
+                      </a:r>
+                      <a:endParaRPr lang="en-US" sz="1800" b="0" i="0" u="none" strike="noStrike">
+                        <a:solidFill>
+                          <a:srgbClr val="000000"/>
+                        </a:solidFill>
+                        <a:effectLst/>
+                        <a:latin typeface="Arial" panose="020B0604020202020204" pitchFamily="34" charset="0"/>
+                      </a:endParaRPr>
+                    </a:p>
+                  </a:txBody>
+                  <a:tcPr marL="9525" marR="9525" marT="9525" marB="0" anchor="b"/>
+                </a:tc>
+                <a:tc>
+                  <a:txBody>
+                    <a:bodyPr/>
+                    <a:lstStyle/>
+                    <a:p>
+                      <a:pPr algn="l" fontAlgn="b"/>
+                      <a:endParaRPr lang="zh-TW" altLang="en-US" sz="1800" b="0" i="0" u="none" strike="noStrike">
+                        <a:solidFill>
+                          <a:srgbClr val="000000"/>
+                        </a:solidFill>
+                        <a:effectLst/>
+                        <a:latin typeface="Arial" panose="020B0604020202020204" pitchFamily="34" charset="0"/>
+                      </a:endParaRPr>
+                    </a:p>
+                  </a:txBody>
+                  <a:tcPr marL="9525" marR="9525" marT="9525" marB="0" anchor="b"/>
+                </a:tc>
+                <a:tc>
+                  <a:txBody>
+                    <a:bodyPr/>
+                    <a:lstStyle/>
+                    <a:p>
+                      <a:pPr algn="l" fontAlgn="b"/>
+                      <a:endParaRPr lang="zh-TW" altLang="en-US" sz="1800" b="0" i="0" u="none" strike="noStrike">
+                        <a:solidFill>
+                          <a:srgbClr val="000000"/>
+                        </a:solidFill>
+                        <a:effectLst/>
+                        <a:latin typeface="Arial" panose="020B0604020202020204" pitchFamily="34" charset="0"/>
+                      </a:endParaRPr>
+                    </a:p>
+                  </a:txBody>
+                  <a:tcPr marL="9525" marR="9525" marT="9525" marB="0" anchor="b"/>
+                </a:tc>
+                <a:tc>
+                  <a:txBody>
+                    <a:bodyPr/>
+                    <a:lstStyle/>
+                    <a:p>
+                      <a:pPr algn="l" fontAlgn="b"/>
+                      <a:r>
+                        <a:rPr lang="en-US" sz="1800" u="none" strike="noStrike">
+                          <a:effectLst/>
+                        </a:rPr>
+                        <a:t>X</a:t>
+                      </a:r>
+                      <a:endParaRPr lang="en-US" sz="1800" b="0" i="0" u="none" strike="noStrike">
+                        <a:solidFill>
+                          <a:srgbClr val="000000"/>
+                        </a:solidFill>
+                        <a:effectLst/>
+                        <a:latin typeface="Arial" panose="020B0604020202020204" pitchFamily="34" charset="0"/>
+                      </a:endParaRPr>
+                    </a:p>
+                  </a:txBody>
+                  <a:tcPr marL="9525" marR="9525" marT="9525" marB="0" anchor="b"/>
+                </a:tc>
+                <a:tc>
+                  <a:txBody>
+                    <a:bodyPr/>
+                    <a:lstStyle/>
+                    <a:p>
+                      <a:pPr algn="l" fontAlgn="b"/>
+                      <a:endParaRPr lang="zh-TW" altLang="en-US" sz="1800" b="0" i="0" u="none" strike="noStrike">
+                        <a:solidFill>
+                          <a:srgbClr val="000000"/>
+                        </a:solidFill>
+                        <a:effectLst/>
+                        <a:latin typeface="Arial" panose="020B0604020202020204" pitchFamily="34" charset="0"/>
+                      </a:endParaRPr>
+                    </a:p>
+                  </a:txBody>
+                  <a:tcPr marL="9525" marR="9525" marT="9525" marB="0" anchor="b"/>
+                </a:tc>
+                <a:tc>
+                  <a:txBody>
+                    <a:bodyPr/>
+                    <a:lstStyle/>
+                    <a:p>
+                      <a:pPr algn="l" fontAlgn="b"/>
+                      <a:r>
+                        <a:rPr lang="en-US" sz="1800" u="none" strike="noStrike">
+                          <a:effectLst/>
+                        </a:rPr>
+                        <a:t>X</a:t>
+                      </a:r>
+                      <a:endParaRPr lang="en-US" sz="1800" b="0" i="0" u="none" strike="noStrike">
+                        <a:solidFill>
+                          <a:srgbClr val="000000"/>
+                        </a:solidFill>
+                        <a:effectLst/>
+                        <a:latin typeface="Arial" panose="020B0604020202020204" pitchFamily="34" charset="0"/>
+                      </a:endParaRPr>
+                    </a:p>
+                  </a:txBody>
+                  <a:tcPr marL="9525" marR="9525" marT="9525" marB="0" anchor="b"/>
+                </a:tc>
+                <a:tc>
+                  <a:txBody>
+                    <a:bodyPr/>
+                    <a:lstStyle/>
+                    <a:p>
+                      <a:pPr algn="l" fontAlgn="b"/>
+                      <a:r>
+                        <a:rPr lang="en-US" sz="1800" u="none" strike="noStrike">
+                          <a:effectLst/>
+                        </a:rPr>
+                        <a:t>X</a:t>
+                      </a:r>
+                      <a:endParaRPr lang="en-US" sz="1800" b="0" i="0" u="none" strike="noStrike">
+                        <a:solidFill>
+                          <a:srgbClr val="000000"/>
+                        </a:solidFill>
+                        <a:effectLst/>
+                        <a:latin typeface="Arial" panose="020B0604020202020204" pitchFamily="34" charset="0"/>
+                      </a:endParaRPr>
+                    </a:p>
+                  </a:txBody>
+                  <a:tcPr marL="9525" marR="9525" marT="9525" marB="0" anchor="b"/>
+                </a:tc>
+                <a:extLst>
+                  <a:ext uri="{0D108BD9-81ED-4DB2-BD59-A6C34878D82A}">
+                    <a16:rowId xmlns:a16="http://schemas.microsoft.com/office/drawing/2014/main" val="4092867901"/>
+                  </a:ext>
+                </a:extLst>
+              </a:tr>
+              <a:tr h="405480">
+                <a:tc>
+                  <a:txBody>
+                    <a:bodyPr/>
+                    <a:lstStyle/>
+                    <a:p>
+                      <a:pPr algn="l" fontAlgn="b"/>
+                      <a:r>
+                        <a:rPr lang="en-US" sz="1800" u="none" strike="noStrike">
+                          <a:effectLst/>
+                        </a:rPr>
+                        <a:t>UC10-Take Turn</a:t>
+                      </a:r>
+                      <a:endParaRPr lang="en-US" sz="1800" b="0" i="0" u="none" strike="noStrike">
+                        <a:solidFill>
+                          <a:srgbClr val="000000"/>
+                        </a:solidFill>
+                        <a:effectLst/>
+                        <a:latin typeface="Arial" panose="020B0604020202020204" pitchFamily="34" charset="0"/>
+                      </a:endParaRPr>
+                    </a:p>
+                  </a:txBody>
+                  <a:tcPr marL="9525" marR="9525" marT="9525" marB="0" anchor="b"/>
+                </a:tc>
+                <a:tc>
+                  <a:txBody>
+                    <a:bodyPr/>
+                    <a:lstStyle/>
+                    <a:p>
+                      <a:pPr algn="l" fontAlgn="b"/>
+                      <a:r>
+                        <a:rPr lang="en-US" sz="1800" u="none" strike="noStrike">
+                          <a:effectLst/>
+                        </a:rPr>
+                        <a:t>X</a:t>
+                      </a:r>
+                      <a:endParaRPr lang="en-US" sz="1800" b="0" i="0" u="none" strike="noStrike">
+                        <a:solidFill>
+                          <a:srgbClr val="000000"/>
+                        </a:solidFill>
+                        <a:effectLst/>
+                        <a:latin typeface="Arial" panose="020B0604020202020204" pitchFamily="34" charset="0"/>
+                      </a:endParaRPr>
+                    </a:p>
+                  </a:txBody>
+                  <a:tcPr marL="9525" marR="9525" marT="9525" marB="0" anchor="b"/>
+                </a:tc>
+                <a:tc>
+                  <a:txBody>
+                    <a:bodyPr/>
+                    <a:lstStyle/>
+                    <a:p>
+                      <a:pPr algn="l" fontAlgn="b"/>
+                      <a:r>
+                        <a:rPr lang="en-US" sz="1800" u="none" strike="noStrike">
+                          <a:effectLst/>
+                        </a:rPr>
+                        <a:t>X</a:t>
+                      </a:r>
+                      <a:endParaRPr lang="en-US" sz="1800" b="0" i="0" u="none" strike="noStrike">
+                        <a:solidFill>
+                          <a:srgbClr val="000000"/>
+                        </a:solidFill>
+                        <a:effectLst/>
+                        <a:latin typeface="Arial" panose="020B0604020202020204" pitchFamily="34" charset="0"/>
+                      </a:endParaRPr>
+                    </a:p>
+                  </a:txBody>
+                  <a:tcPr marL="9525" marR="9525" marT="9525" marB="0" anchor="b"/>
+                </a:tc>
+                <a:tc>
+                  <a:txBody>
+                    <a:bodyPr/>
+                    <a:lstStyle/>
+                    <a:p>
+                      <a:pPr algn="l" fontAlgn="b"/>
+                      <a:r>
+                        <a:rPr lang="en-US" sz="1800" u="none" strike="noStrike">
+                          <a:effectLst/>
+                        </a:rPr>
+                        <a:t>X</a:t>
+                      </a:r>
+                      <a:endParaRPr lang="en-US" sz="1800" b="0" i="0" u="none" strike="noStrike">
+                        <a:solidFill>
+                          <a:srgbClr val="000000"/>
+                        </a:solidFill>
+                        <a:effectLst/>
+                        <a:latin typeface="Arial" panose="020B0604020202020204" pitchFamily="34" charset="0"/>
+                      </a:endParaRPr>
+                    </a:p>
+                  </a:txBody>
+                  <a:tcPr marL="9525" marR="9525" marT="9525" marB="0" anchor="b"/>
+                </a:tc>
+                <a:tc>
+                  <a:txBody>
+                    <a:bodyPr/>
+                    <a:lstStyle/>
+                    <a:p>
+                      <a:pPr algn="l" fontAlgn="b"/>
+                      <a:endParaRPr lang="zh-TW" altLang="en-US" sz="1800" b="0" i="0" u="none" strike="noStrike">
+                        <a:solidFill>
+                          <a:srgbClr val="000000"/>
+                        </a:solidFill>
+                        <a:effectLst/>
+                        <a:latin typeface="Arial" panose="020B0604020202020204" pitchFamily="34" charset="0"/>
+                      </a:endParaRPr>
+                    </a:p>
+                  </a:txBody>
+                  <a:tcPr marL="9525" marR="9525" marT="9525" marB="0" anchor="b"/>
+                </a:tc>
+                <a:tc>
+                  <a:txBody>
+                    <a:bodyPr/>
+                    <a:lstStyle/>
+                    <a:p>
+                      <a:pPr algn="l" fontAlgn="b"/>
+                      <a:r>
+                        <a:rPr lang="en-US" sz="1800" u="none" strike="noStrike">
+                          <a:effectLst/>
+                        </a:rPr>
+                        <a:t>X</a:t>
+                      </a:r>
+                      <a:endParaRPr lang="en-US" sz="1800" b="0" i="0" u="none" strike="noStrike">
+                        <a:solidFill>
+                          <a:srgbClr val="000000"/>
+                        </a:solidFill>
+                        <a:effectLst/>
+                        <a:latin typeface="Arial" panose="020B0604020202020204" pitchFamily="34" charset="0"/>
+                      </a:endParaRPr>
+                    </a:p>
+                  </a:txBody>
+                  <a:tcPr marL="9525" marR="9525" marT="9525" marB="0" anchor="b"/>
+                </a:tc>
+                <a:tc>
+                  <a:txBody>
+                    <a:bodyPr/>
+                    <a:lstStyle/>
+                    <a:p>
+                      <a:pPr algn="l" fontAlgn="b"/>
+                      <a:r>
+                        <a:rPr lang="en-US" sz="1800" u="none" strike="noStrike">
+                          <a:effectLst/>
+                        </a:rPr>
+                        <a:t>X</a:t>
+                      </a:r>
+                      <a:endParaRPr lang="en-US" sz="1800" b="0" i="0" u="none" strike="noStrike">
+                        <a:solidFill>
+                          <a:srgbClr val="000000"/>
+                        </a:solidFill>
+                        <a:effectLst/>
+                        <a:latin typeface="Arial" panose="020B0604020202020204" pitchFamily="34" charset="0"/>
+                      </a:endParaRPr>
+                    </a:p>
+                  </a:txBody>
+                  <a:tcPr marL="9525" marR="9525" marT="9525" marB="0" anchor="b"/>
+                </a:tc>
+                <a:extLst>
+                  <a:ext uri="{0D108BD9-81ED-4DB2-BD59-A6C34878D82A}">
+                    <a16:rowId xmlns:a16="http://schemas.microsoft.com/office/drawing/2014/main" val="2366209488"/>
+                  </a:ext>
+                </a:extLst>
+              </a:tr>
+              <a:tr h="405480">
+                <a:tc>
+                  <a:txBody>
+                    <a:bodyPr/>
+                    <a:lstStyle/>
+                    <a:p>
+                      <a:pPr algn="l" fontAlgn="b"/>
+                      <a:r>
+                        <a:rPr lang="en-US" sz="1800" u="none" strike="noStrike">
+                          <a:effectLst/>
+                        </a:rPr>
+                        <a:t>UC11-Update Game State</a:t>
+                      </a:r>
+                      <a:endParaRPr lang="en-US" sz="1800" b="0" i="0" u="none" strike="noStrike">
+                        <a:solidFill>
+                          <a:srgbClr val="000000"/>
+                        </a:solidFill>
+                        <a:effectLst/>
+                        <a:latin typeface="Arial" panose="020B0604020202020204" pitchFamily="34" charset="0"/>
+                      </a:endParaRPr>
+                    </a:p>
+                  </a:txBody>
+                  <a:tcPr marL="9525" marR="9525" marT="9525" marB="0" anchor="b"/>
+                </a:tc>
+                <a:tc>
+                  <a:txBody>
+                    <a:bodyPr/>
+                    <a:lstStyle/>
+                    <a:p>
+                      <a:pPr algn="l" fontAlgn="b"/>
+                      <a:r>
+                        <a:rPr lang="en-US" sz="1800" u="none" strike="noStrike">
+                          <a:effectLst/>
+                        </a:rPr>
+                        <a:t>X</a:t>
+                      </a:r>
+                      <a:endParaRPr lang="en-US" sz="1800" b="0" i="0" u="none" strike="noStrike">
+                        <a:solidFill>
+                          <a:srgbClr val="000000"/>
+                        </a:solidFill>
+                        <a:effectLst/>
+                        <a:latin typeface="Arial" panose="020B0604020202020204" pitchFamily="34" charset="0"/>
+                      </a:endParaRPr>
+                    </a:p>
+                  </a:txBody>
+                  <a:tcPr marL="9525" marR="9525" marT="9525" marB="0" anchor="b"/>
+                </a:tc>
+                <a:tc>
+                  <a:txBody>
+                    <a:bodyPr/>
+                    <a:lstStyle/>
+                    <a:p>
+                      <a:pPr algn="l" fontAlgn="b"/>
+                      <a:endParaRPr lang="zh-TW" altLang="en-US" sz="1800" b="0" i="0" u="none" strike="noStrike">
+                        <a:solidFill>
+                          <a:srgbClr val="000000"/>
+                        </a:solidFill>
+                        <a:effectLst/>
+                        <a:latin typeface="Arial" panose="020B0604020202020204" pitchFamily="34" charset="0"/>
+                      </a:endParaRPr>
+                    </a:p>
+                  </a:txBody>
+                  <a:tcPr marL="9525" marR="9525" marT="9525" marB="0" anchor="b"/>
+                </a:tc>
+                <a:tc>
+                  <a:txBody>
+                    <a:bodyPr/>
+                    <a:lstStyle/>
+                    <a:p>
+                      <a:pPr algn="l" fontAlgn="b"/>
+                      <a:r>
+                        <a:rPr lang="en-US" sz="1800" u="none" strike="noStrike">
+                          <a:effectLst/>
+                        </a:rPr>
+                        <a:t>X</a:t>
+                      </a:r>
+                      <a:endParaRPr lang="en-US" sz="1800" b="0" i="0" u="none" strike="noStrike">
+                        <a:solidFill>
+                          <a:srgbClr val="000000"/>
+                        </a:solidFill>
+                        <a:effectLst/>
+                        <a:latin typeface="Arial" panose="020B0604020202020204" pitchFamily="34" charset="0"/>
+                      </a:endParaRPr>
+                    </a:p>
+                  </a:txBody>
+                  <a:tcPr marL="9525" marR="9525" marT="9525" marB="0" anchor="b"/>
+                </a:tc>
+                <a:tc>
+                  <a:txBody>
+                    <a:bodyPr/>
+                    <a:lstStyle/>
+                    <a:p>
+                      <a:pPr algn="l" fontAlgn="b"/>
+                      <a:endParaRPr lang="zh-TW" altLang="en-US" sz="1800" b="0" i="0" u="none" strike="noStrike">
+                        <a:solidFill>
+                          <a:srgbClr val="000000"/>
+                        </a:solidFill>
+                        <a:effectLst/>
+                        <a:latin typeface="Arial" panose="020B0604020202020204" pitchFamily="34" charset="0"/>
+                      </a:endParaRPr>
+                    </a:p>
+                  </a:txBody>
+                  <a:tcPr marL="9525" marR="9525" marT="9525" marB="0" anchor="b"/>
+                </a:tc>
+                <a:tc>
+                  <a:txBody>
+                    <a:bodyPr/>
+                    <a:lstStyle/>
+                    <a:p>
+                      <a:pPr algn="l" fontAlgn="b"/>
+                      <a:r>
+                        <a:rPr lang="en-US" sz="1800" u="none" strike="noStrike">
+                          <a:effectLst/>
+                        </a:rPr>
+                        <a:t>X</a:t>
+                      </a:r>
+                      <a:endParaRPr lang="en-US" sz="1800" b="0" i="0" u="none" strike="noStrike">
+                        <a:solidFill>
+                          <a:srgbClr val="000000"/>
+                        </a:solidFill>
+                        <a:effectLst/>
+                        <a:latin typeface="Arial" panose="020B0604020202020204" pitchFamily="34" charset="0"/>
+                      </a:endParaRPr>
+                    </a:p>
+                  </a:txBody>
+                  <a:tcPr marL="9525" marR="9525" marT="9525" marB="0" anchor="b"/>
+                </a:tc>
+                <a:tc>
+                  <a:txBody>
+                    <a:bodyPr/>
+                    <a:lstStyle/>
+                    <a:p>
+                      <a:pPr algn="l" fontAlgn="b"/>
+                      <a:r>
+                        <a:rPr lang="en-US" sz="1800" u="none" strike="noStrike">
+                          <a:effectLst/>
+                        </a:rPr>
+                        <a:t>X</a:t>
+                      </a:r>
+                      <a:endParaRPr lang="en-US" sz="1800" b="0" i="0" u="none" strike="noStrike">
+                        <a:solidFill>
+                          <a:srgbClr val="000000"/>
+                        </a:solidFill>
+                        <a:effectLst/>
+                        <a:latin typeface="Arial" panose="020B0604020202020204" pitchFamily="34" charset="0"/>
+                      </a:endParaRPr>
+                    </a:p>
+                  </a:txBody>
+                  <a:tcPr marL="9525" marR="9525" marT="9525" marB="0" anchor="b"/>
+                </a:tc>
+                <a:extLst>
+                  <a:ext uri="{0D108BD9-81ED-4DB2-BD59-A6C34878D82A}">
+                    <a16:rowId xmlns:a16="http://schemas.microsoft.com/office/drawing/2014/main" val="2840311704"/>
+                  </a:ext>
+                </a:extLst>
+              </a:tr>
+              <a:tr h="405480">
+                <a:tc>
+                  <a:txBody>
+                    <a:bodyPr/>
+                    <a:lstStyle/>
+                    <a:p>
+                      <a:pPr algn="l" fontAlgn="b"/>
+                      <a:r>
+                        <a:rPr lang="en-US" sz="1800" u="none" strike="noStrike">
+                          <a:effectLst/>
+                        </a:rPr>
+                        <a:t>UC12-Display Valid Moves</a:t>
+                      </a:r>
+                      <a:endParaRPr lang="en-US" sz="1800" b="0" i="0" u="none" strike="noStrike">
+                        <a:solidFill>
+                          <a:srgbClr val="000000"/>
+                        </a:solidFill>
+                        <a:effectLst/>
+                        <a:latin typeface="Arial" panose="020B0604020202020204" pitchFamily="34" charset="0"/>
+                      </a:endParaRPr>
+                    </a:p>
+                  </a:txBody>
+                  <a:tcPr marL="9525" marR="9525" marT="9525" marB="0" anchor="b"/>
+                </a:tc>
+                <a:tc>
+                  <a:txBody>
+                    <a:bodyPr/>
+                    <a:lstStyle/>
+                    <a:p>
+                      <a:pPr algn="l" fontAlgn="b"/>
+                      <a:r>
+                        <a:rPr lang="en-US" sz="1800" u="none" strike="noStrike">
+                          <a:effectLst/>
+                        </a:rPr>
+                        <a:t>X</a:t>
+                      </a:r>
+                      <a:endParaRPr lang="en-US" sz="1800" b="0" i="0" u="none" strike="noStrike">
+                        <a:solidFill>
+                          <a:srgbClr val="000000"/>
+                        </a:solidFill>
+                        <a:effectLst/>
+                        <a:latin typeface="Arial" panose="020B0604020202020204" pitchFamily="34" charset="0"/>
+                      </a:endParaRPr>
+                    </a:p>
+                  </a:txBody>
+                  <a:tcPr marL="9525" marR="9525" marT="9525" marB="0" anchor="b"/>
+                </a:tc>
+                <a:tc>
+                  <a:txBody>
+                    <a:bodyPr/>
+                    <a:lstStyle/>
+                    <a:p>
+                      <a:pPr algn="l" fontAlgn="b"/>
+                      <a:r>
+                        <a:rPr lang="en-US" sz="1800" u="none" strike="noStrike">
+                          <a:effectLst/>
+                        </a:rPr>
+                        <a:t>X</a:t>
+                      </a:r>
+                      <a:endParaRPr lang="en-US" sz="1800" b="0" i="0" u="none" strike="noStrike">
+                        <a:solidFill>
+                          <a:srgbClr val="000000"/>
+                        </a:solidFill>
+                        <a:effectLst/>
+                        <a:latin typeface="Arial" panose="020B0604020202020204" pitchFamily="34" charset="0"/>
+                      </a:endParaRPr>
+                    </a:p>
+                  </a:txBody>
+                  <a:tcPr marL="9525" marR="9525" marT="9525" marB="0" anchor="b"/>
+                </a:tc>
+                <a:tc>
+                  <a:txBody>
+                    <a:bodyPr/>
+                    <a:lstStyle/>
+                    <a:p>
+                      <a:pPr algn="l" fontAlgn="b"/>
+                      <a:r>
+                        <a:rPr lang="en-US" sz="1800" u="none" strike="noStrike">
+                          <a:effectLst/>
+                        </a:rPr>
+                        <a:t>X</a:t>
+                      </a:r>
+                      <a:endParaRPr lang="en-US" sz="1800" b="0" i="0" u="none" strike="noStrike">
+                        <a:solidFill>
+                          <a:srgbClr val="000000"/>
+                        </a:solidFill>
+                        <a:effectLst/>
+                        <a:latin typeface="Arial" panose="020B0604020202020204" pitchFamily="34" charset="0"/>
+                      </a:endParaRPr>
+                    </a:p>
+                  </a:txBody>
+                  <a:tcPr marL="9525" marR="9525" marT="9525" marB="0" anchor="b"/>
+                </a:tc>
+                <a:tc>
+                  <a:txBody>
+                    <a:bodyPr/>
+                    <a:lstStyle/>
+                    <a:p>
+                      <a:pPr algn="l" fontAlgn="b"/>
+                      <a:endParaRPr lang="zh-TW" altLang="en-US" sz="1800" b="0" i="0" u="none" strike="noStrike">
+                        <a:solidFill>
+                          <a:srgbClr val="000000"/>
+                        </a:solidFill>
+                        <a:effectLst/>
+                        <a:latin typeface="Arial" panose="020B0604020202020204" pitchFamily="34" charset="0"/>
+                      </a:endParaRPr>
+                    </a:p>
+                  </a:txBody>
+                  <a:tcPr marL="9525" marR="9525" marT="9525" marB="0" anchor="b"/>
+                </a:tc>
+                <a:tc>
+                  <a:txBody>
+                    <a:bodyPr/>
+                    <a:lstStyle/>
+                    <a:p>
+                      <a:pPr algn="l" fontAlgn="b"/>
+                      <a:r>
+                        <a:rPr lang="en-US" sz="1800" u="none" strike="noStrike">
+                          <a:effectLst/>
+                        </a:rPr>
+                        <a:t>X</a:t>
+                      </a:r>
+                      <a:endParaRPr lang="en-US" sz="1800" b="0" i="0" u="none" strike="noStrike">
+                        <a:solidFill>
+                          <a:srgbClr val="000000"/>
+                        </a:solidFill>
+                        <a:effectLst/>
+                        <a:latin typeface="Arial" panose="020B0604020202020204" pitchFamily="34" charset="0"/>
+                      </a:endParaRPr>
+                    </a:p>
+                  </a:txBody>
+                  <a:tcPr marL="9525" marR="9525" marT="9525" marB="0" anchor="b"/>
+                </a:tc>
+                <a:tc>
+                  <a:txBody>
+                    <a:bodyPr/>
+                    <a:lstStyle/>
+                    <a:p>
+                      <a:pPr algn="l" fontAlgn="b"/>
+                      <a:r>
+                        <a:rPr lang="en-US" sz="1800" u="none" strike="noStrike" dirty="0">
+                          <a:effectLst/>
+                        </a:rPr>
+                        <a:t>X</a:t>
+                      </a:r>
+                      <a:endParaRPr lang="en-US" sz="1800" b="0" i="0" u="none" strike="noStrike" dirty="0">
+                        <a:solidFill>
+                          <a:srgbClr val="000000"/>
+                        </a:solidFill>
+                        <a:effectLst/>
+                        <a:latin typeface="Arial" panose="020B0604020202020204" pitchFamily="34" charset="0"/>
+                      </a:endParaRPr>
+                    </a:p>
+                  </a:txBody>
+                  <a:tcPr marL="9525" marR="9525" marT="9525" marB="0" anchor="b"/>
+                </a:tc>
+                <a:extLst>
+                  <a:ext uri="{0D108BD9-81ED-4DB2-BD59-A6C34878D82A}">
+                    <a16:rowId xmlns:a16="http://schemas.microsoft.com/office/drawing/2014/main" val="2435096105"/>
+                  </a:ext>
+                </a:extLst>
+              </a:tr>
+            </a:tbl>
+          </a:graphicData>
+        </a:graphic>
+      </p:graphicFrame>
     </p:spTree>
     <p:extLst>
       <p:ext uri="{BB962C8B-B14F-4D97-AF65-F5344CB8AC3E}">
-        <p14:creationId xmlns:p14="http://schemas.microsoft.com/office/powerpoint/2010/main" val="3124611966"/>
+        <p14:creationId xmlns:p14="http://schemas.microsoft.com/office/powerpoint/2010/main" val="2018584543"/>
       </p:ext>
     </p:extLst>
   </p:cSld>
@@ -4564,7 +9984,7 @@
           <p:cNvPr id="2" name="標題 1">
             <a:extLst>
               <a:ext uri="{FF2B5EF4-FFF2-40B4-BE49-F238E27FC236}">
-                <a16:creationId xmlns:a16="http://schemas.microsoft.com/office/drawing/2014/main" id="{E608E4CB-73A3-4A4D-B30B-CAA2C5A9D4F8}"/>
+                <a16:creationId xmlns:a16="http://schemas.microsoft.com/office/drawing/2014/main" id="{D33D1EB0-9709-4D4F-81A0-188174CFCBFA}"/>
               </a:ext>
             </a:extLst>
           </p:cNvPr>
@@ -4575,40 +9995,21 @@
             <p:ph type="title"/>
           </p:nvPr>
         </p:nvSpPr>
-        <p:spPr/>
+        <p:spPr>
+          <a:xfrm>
+            <a:off x="838200" y="2766219"/>
+            <a:ext cx="10515600" cy="1325563"/>
+          </a:xfrm>
+        </p:spPr>
         <p:txBody>
           <a:bodyPr/>
           <a:lstStyle/>
           <a:p>
+            <a:pPr algn="ctr"/>
             <a:r>
               <a:rPr kumimoji="1" lang="en-US" altLang="zh-TW" dirty="0"/>
-              <a:t>Traceability link matrix</a:t>
+              <a:t>Q&amp;A</a:t>
             </a:r>
-            <a:endParaRPr kumimoji="1" lang="zh-TW" altLang="en-US" dirty="0"/>
-          </a:p>
-        </p:txBody>
-      </p:sp>
-      <p:sp>
-        <p:nvSpPr>
-          <p:cNvPr id="3" name="內容版面配置區 2">
-            <a:extLst>
-              <a:ext uri="{FF2B5EF4-FFF2-40B4-BE49-F238E27FC236}">
-                <a16:creationId xmlns:a16="http://schemas.microsoft.com/office/drawing/2014/main" id="{6C0438B0-F456-0F4B-8CA0-275B2BDB340C}"/>
-              </a:ext>
-            </a:extLst>
-          </p:cNvPr>
-          <p:cNvSpPr>
-            <a:spLocks noGrp="1"/>
-          </p:cNvSpPr>
-          <p:nvPr>
-            <p:ph idx="1"/>
-          </p:nvPr>
-        </p:nvSpPr>
-        <p:spPr/>
-        <p:txBody>
-          <a:bodyPr/>
-          <a:lstStyle/>
-          <a:p>
             <a:endParaRPr kumimoji="1" lang="zh-TW" altLang="en-US" dirty="0"/>
           </a:p>
         </p:txBody>
@@ -4616,7 +10017,7 @@
     </p:spTree>
     <p:extLst>
       <p:ext uri="{BB962C8B-B14F-4D97-AF65-F5344CB8AC3E}">
-        <p14:creationId xmlns:p14="http://schemas.microsoft.com/office/powerpoint/2010/main" val="2018584543"/>
+        <p14:creationId xmlns:p14="http://schemas.microsoft.com/office/powerpoint/2010/main" val="116588450"/>
       </p:ext>
     </p:extLst>
   </p:cSld>
@@ -4919,4 +10320,233 @@
     </a:ext>
   </a:extLst>
 </a:theme>
+</file>
+
+<file path=ppt/theme/theme2.xml><?xml version="1.0" encoding="utf-8"?>
+<a:theme xmlns:a="http://schemas.openxmlformats.org/drawingml/2006/main" name="木刻字型">
+  <a:themeElements>
+    <a:clrScheme name="木刻字型">
+      <a:dk1>
+        <a:sysClr val="windowText" lastClr="000000"/>
+      </a:dk1>
+      <a:lt1>
+        <a:sysClr val="window" lastClr="FFFFFF"/>
+      </a:lt1>
+      <a:dk2>
+        <a:srgbClr val="696464"/>
+      </a:dk2>
+      <a:lt2>
+        <a:srgbClr val="E9E5DC"/>
+      </a:lt2>
+      <a:accent1>
+        <a:srgbClr val="D34817"/>
+      </a:accent1>
+      <a:accent2>
+        <a:srgbClr val="9B2D1F"/>
+      </a:accent2>
+      <a:accent3>
+        <a:srgbClr val="A28E6A"/>
+      </a:accent3>
+      <a:accent4>
+        <a:srgbClr val="956251"/>
+      </a:accent4>
+      <a:accent5>
+        <a:srgbClr val="918485"/>
+      </a:accent5>
+      <a:accent6>
+        <a:srgbClr val="855D5D"/>
+      </a:accent6>
+      <a:hlink>
+        <a:srgbClr val="CC9900"/>
+      </a:hlink>
+      <a:folHlink>
+        <a:srgbClr val="96A9A9"/>
+      </a:folHlink>
+    </a:clrScheme>
+    <a:fontScheme name="木刻字型">
+      <a:majorFont>
+        <a:latin typeface="Rockwell Condensed" panose="02060603050405020104"/>
+        <a:ea typeface=""/>
+        <a:cs typeface=""/>
+        <a:font script="Grek" typeface="Cambria"/>
+        <a:font script="Cyrl" typeface="Cambria"/>
+        <a:font script="Jpan" typeface="HG明朝B"/>
+        <a:font script="Hang" typeface="바탕"/>
+        <a:font script="Hans" typeface="方正姚体"/>
+        <a:font script="Hant" typeface="微軟正黑體"/>
+        <a:font script="Arab" typeface="Times New Roman"/>
+        <a:font script="Hebr" typeface="David"/>
+        <a:font script="Thai" typeface="JasmineUPC"/>
+        <a:font script="Ethi" typeface="Nyala"/>
+        <a:font script="Beng" typeface="Vrinda"/>
+        <a:font script="Gujr" typeface="Shruti"/>
+        <a:font script="Khmr" typeface="MoolBoran"/>
+        <a:font script="Knda" typeface="Tunga"/>
+        <a:font script="Guru" typeface="Raavi"/>
+        <a:font script="Cans" typeface="Euphemia"/>
+        <a:font script="Cher" typeface="Plantagenet Cherokee"/>
+        <a:font script="Yiii" typeface="Microsoft Yi Baiti"/>
+        <a:font script="Tibt" typeface="Microsoft Himalaya"/>
+        <a:font script="Thaa" typeface="MV Boli"/>
+        <a:font script="Deva" typeface="Mangal"/>
+        <a:font script="Telu" typeface="Gautami"/>
+        <a:font script="Taml" typeface="Latha"/>
+        <a:font script="Syrc" typeface="Estrangelo Edessa"/>
+        <a:font script="Orya" typeface="Kalinga"/>
+        <a:font script="Mlym" typeface="Kartika"/>
+        <a:font script="Laoo" typeface="DokChampa"/>
+        <a:font script="Sinh" typeface="Iskoola Pota"/>
+        <a:font script="Mong" typeface="Mongolian Baiti"/>
+        <a:font script="Viet" typeface="Arial"/>
+        <a:font script="Uigh" typeface="Microsoft Uighur"/>
+      </a:majorFont>
+      <a:minorFont>
+        <a:latin typeface="Rockwell" panose="02060603020205020403"/>
+        <a:ea typeface=""/>
+        <a:cs typeface=""/>
+        <a:font script="Grek" typeface="Cambria"/>
+        <a:font script="Cyrl" typeface="Cambria"/>
+        <a:font script="Jpan" typeface="HG明朝B"/>
+        <a:font script="Hang" typeface="바탕"/>
+        <a:font script="Hans" typeface="方正姚体"/>
+        <a:font script="Hant" typeface="標楷體"/>
+        <a:font script="Arab" typeface="Times New Roman"/>
+        <a:font script="Hebr" typeface="David"/>
+        <a:font script="Thai" typeface="JasmineUPC"/>
+        <a:font script="Ethi" typeface="Nyala"/>
+        <a:font script="Beng" typeface="Vrinda"/>
+        <a:font script="Gujr" typeface="Shruti"/>
+        <a:font script="Khmr" typeface="MoolBoran"/>
+        <a:font script="Knda" typeface="Tunga"/>
+        <a:font script="Guru" typeface="Raavi"/>
+        <a:font script="Cans" typeface="Euphemia"/>
+        <a:font script="Cher" typeface="Plantagenet Cherokee"/>
+        <a:font script="Yiii" typeface="Microsoft Yi Baiti"/>
+        <a:font script="Tibt" typeface="Microsoft Himalaya"/>
+        <a:font script="Thaa" typeface="MV Boli"/>
+        <a:font script="Deva" typeface="Mangal"/>
+        <a:font script="Telu" typeface="Gautami"/>
+        <a:font script="Taml" typeface="Latha"/>
+        <a:font script="Syrc" typeface="Estrangelo Edessa"/>
+        <a:font script="Orya" typeface="Kalinga"/>
+        <a:font script="Mlym" typeface="Kartika"/>
+        <a:font script="Laoo" typeface="DokChampa"/>
+        <a:font script="Sinh" typeface="Iskoola Pota"/>
+        <a:font script="Mong" typeface="Mongolian Baiti"/>
+        <a:font script="Viet" typeface="Times New Roman"/>
+        <a:font script="Uigh" typeface="Microsoft Uighur"/>
+      </a:minorFont>
+    </a:fontScheme>
+    <a:fmtScheme name="木刻字型">
+      <a:fillStyleLst>
+        <a:solidFill>
+          <a:schemeClr val="phClr"/>
+        </a:solidFill>
+        <a:blipFill rotWithShape="1">
+          <a:blip xmlns:r="http://schemas.openxmlformats.org/officeDocument/2006/relationships" r:embed="rId1">
+            <a:duotone>
+              <a:schemeClr val="phClr">
+                <a:tint val="70000"/>
+                <a:shade val="63000"/>
+              </a:schemeClr>
+              <a:schemeClr val="phClr">
+                <a:tint val="10000"/>
+                <a:satMod val="150000"/>
+              </a:schemeClr>
+            </a:duotone>
+          </a:blip>
+          <a:tile tx="0" ty="0" sx="60000" sy="59000" flip="none" algn="tl"/>
+        </a:blipFill>
+        <a:blipFill rotWithShape="1">
+          <a:blip xmlns:r="http://schemas.openxmlformats.org/officeDocument/2006/relationships" r:embed="rId1">
+            <a:duotone>
+              <a:schemeClr val="phClr">
+                <a:shade val="36000"/>
+                <a:satMod val="120000"/>
+              </a:schemeClr>
+              <a:schemeClr val="phClr">
+                <a:tint val="40000"/>
+              </a:schemeClr>
+            </a:duotone>
+          </a:blip>
+          <a:tile tx="0" ty="0" sx="60000" sy="59000" flip="none" algn="tl"/>
+        </a:blipFill>
+      </a:fillStyleLst>
+      <a:lnStyleLst>
+        <a:ln w="6350" cap="flat" cmpd="sng" algn="ctr">
+          <a:solidFill>
+            <a:schemeClr val="phClr"/>
+          </a:solidFill>
+          <a:prstDash val="solid"/>
+        </a:ln>
+        <a:ln w="12700" cap="flat" cmpd="sng" algn="ctr">
+          <a:solidFill>
+            <a:schemeClr val="phClr"/>
+          </a:solidFill>
+          <a:prstDash val="solid"/>
+        </a:ln>
+        <a:ln w="19050" cap="flat" cmpd="sng" algn="ctr">
+          <a:solidFill>
+            <a:schemeClr val="phClr"/>
+          </a:solidFill>
+          <a:prstDash val="solid"/>
+        </a:ln>
+      </a:lnStyleLst>
+      <a:effectStyleLst>
+        <a:effectStyle>
+          <a:effectLst/>
+        </a:effectStyle>
+        <a:effectStyle>
+          <a:effectLst>
+            <a:softEdge rad="12700"/>
+          </a:effectLst>
+        </a:effectStyle>
+        <a:effectStyle>
+          <a:effectLst>
+            <a:outerShdw blurRad="50800" dist="19050" dir="5400000" algn="tl" rotWithShape="0">
+              <a:srgbClr val="000000">
+                <a:alpha val="60000"/>
+              </a:srgbClr>
+            </a:outerShdw>
+            <a:softEdge rad="12700"/>
+          </a:effectLst>
+        </a:effectStyle>
+      </a:effectStyleLst>
+      <a:bgFillStyleLst>
+        <a:solidFill>
+          <a:schemeClr val="phClr"/>
+        </a:solidFill>
+        <a:solidFill>
+          <a:schemeClr val="phClr">
+            <a:shade val="97000"/>
+            <a:satMod val="150000"/>
+          </a:schemeClr>
+        </a:solidFill>
+        <a:blipFill rotWithShape="1">
+          <a:blip xmlns:r="http://schemas.openxmlformats.org/officeDocument/2006/relationships" r:embed="rId1">
+            <a:duotone>
+              <a:schemeClr val="phClr">
+                <a:tint val="75000"/>
+                <a:shade val="58000"/>
+                <a:satMod val="120000"/>
+              </a:schemeClr>
+              <a:schemeClr val="phClr">
+                <a:tint val="50000"/>
+                <a:shade val="96000"/>
+              </a:schemeClr>
+            </a:duotone>
+          </a:blip>
+          <a:tile tx="0" ty="0" sx="100000" sy="100000" flip="none" algn="tl"/>
+        </a:blipFill>
+      </a:bgFillStyleLst>
+    </a:fmtScheme>
+  </a:themeElements>
+  <a:objectDefaults/>
+  <a:extraClrSchemeLst/>
+  <a:extLst>
+    <a:ext uri="{05A4C25C-085E-4340-85A3-A5531E510DB2}">
+      <thm15:themeFamily xmlns:thm15="http://schemas.microsoft.com/office/thememl/2012/main" name="Wood Type" id="{7ACABC62-BF99-48CF-A9DC-4DB89C7B13DC}" vid="{142A1326-48AB-42A9-8428-CB14AA30176D}"/>
+    </a:ext>
+  </a:extLst>
+</a:theme>
 </file>
--- a/Documents P3/CS 414 Rollerball Project 03.pptx
+++ b/Documents P3/CS 414 Rollerball Project 03.pptx
@@ -7,12 +7,14 @@
   </p:sldMasterIdLst>
   <p:sldIdLst>
     <p:sldId id="256" r:id="rId3"/>
-    <p:sldId id="257" r:id="rId4"/>
-    <p:sldId id="258" r:id="rId5"/>
-    <p:sldId id="259" r:id="rId6"/>
-    <p:sldId id="261" r:id="rId7"/>
-    <p:sldId id="260" r:id="rId8"/>
-    <p:sldId id="262" r:id="rId9"/>
+    <p:sldId id="263" r:id="rId4"/>
+    <p:sldId id="257" r:id="rId5"/>
+    <p:sldId id="258" r:id="rId6"/>
+    <p:sldId id="259" r:id="rId7"/>
+    <p:sldId id="261" r:id="rId8"/>
+    <p:sldId id="260" r:id="rId9"/>
+    <p:sldId id="264" r:id="rId10"/>
+    <p:sldId id="262" r:id="rId11"/>
   </p:sldIdLst>
   <p:sldSz cx="12192000" cy="6858000"/>
   <p:notesSz cx="6858000" cy="9144000"/>
@@ -7410,6 +7412,731 @@
           <p:cNvPr id="2" name="標題 1">
             <a:extLst>
               <a:ext uri="{FF2B5EF4-FFF2-40B4-BE49-F238E27FC236}">
+                <a16:creationId xmlns:a16="http://schemas.microsoft.com/office/drawing/2014/main" id="{7478E547-FC14-184A-9156-2210586F0A05}"/>
+              </a:ext>
+            </a:extLst>
+          </p:cNvPr>
+          <p:cNvSpPr>
+            <a:spLocks noGrp="1"/>
+          </p:cNvSpPr>
+          <p:nvPr>
+            <p:ph type="title"/>
+          </p:nvPr>
+        </p:nvSpPr>
+        <p:spPr/>
+        <p:txBody>
+          <a:bodyPr/>
+          <a:lstStyle/>
+          <a:p>
+            <a:r>
+              <a:rPr kumimoji="1" lang="en-US" altLang="zh-TW" dirty="0"/>
+              <a:t>Glossary Update</a:t>
+            </a:r>
+            <a:endParaRPr kumimoji="1" lang="zh-TW" altLang="en-US" dirty="0"/>
+          </a:p>
+        </p:txBody>
+      </p:sp>
+      <p:graphicFrame>
+        <p:nvGraphicFramePr>
+          <p:cNvPr id="4" name="內容版面配置區 3">
+            <a:extLst>
+              <a:ext uri="{FF2B5EF4-FFF2-40B4-BE49-F238E27FC236}">
+                <a16:creationId xmlns:a16="http://schemas.microsoft.com/office/drawing/2014/main" id="{40F814F3-4EF4-1346-81F4-B40AD1D3B041}"/>
+              </a:ext>
+            </a:extLst>
+          </p:cNvPr>
+          <p:cNvGraphicFramePr>
+            <a:graphicFrameLocks noGrp="1"/>
+          </p:cNvGraphicFramePr>
+          <p:nvPr>
+            <p:ph idx="1"/>
+            <p:extLst>
+              <p:ext uri="{D42A27DB-BD31-4B8C-83A1-F6EECF244321}">
+                <p14:modId xmlns:p14="http://schemas.microsoft.com/office/powerpoint/2010/main" val="724628717"/>
+              </p:ext>
+            </p:extLst>
+          </p:nvPr>
+        </p:nvGraphicFramePr>
+        <p:xfrm>
+          <a:off x="4673743" y="244100"/>
+          <a:ext cx="7321033" cy="6492874"/>
+        </p:xfrm>
+        <a:graphic>
+          <a:graphicData uri="http://schemas.openxmlformats.org/drawingml/2006/table">
+            <a:tbl>
+              <a:tblPr firstRow="1" bandRow="1">
+                <a:tableStyleId>{5FD0F851-EC5A-4D38-B0AD-8093EC10F338}</a:tableStyleId>
+              </a:tblPr>
+              <a:tblGrid>
+                <a:gridCol w="1385387">
+                  <a:extLst>
+                    <a:ext uri="{9D8B030D-6E8A-4147-A177-3AD203B41FA5}">
+                      <a16:colId xmlns:a16="http://schemas.microsoft.com/office/drawing/2014/main" val="2989124666"/>
+                    </a:ext>
+                  </a:extLst>
+                </a:gridCol>
+                <a:gridCol w="5935646">
+                  <a:extLst>
+                    <a:ext uri="{9D8B030D-6E8A-4147-A177-3AD203B41FA5}">
+                      <a16:colId xmlns:a16="http://schemas.microsoft.com/office/drawing/2014/main" val="1561775957"/>
+                    </a:ext>
+                  </a:extLst>
+                </a:gridCol>
+              </a:tblGrid>
+              <a:tr h="565320">
+                <a:tc>
+                  <a:txBody>
+                    <a:bodyPr/>
+                    <a:lstStyle/>
+                    <a:p>
+                      <a:pPr algn="l">
+                        <a:spcAft>
+                          <a:spcPts val="0"/>
+                        </a:spcAft>
+                      </a:pPr>
+                      <a:r>
+                        <a:rPr lang="en-US" sz="1400" b="0" kern="1200" dirty="0">
+                          <a:effectLst/>
+                        </a:rPr>
+                        <a:t>Board</a:t>
+                      </a:r>
+                      <a:endParaRPr lang="zh-TW" sz="1400" b="0" dirty="0">
+                        <a:effectLst/>
+                        <a:latin typeface="Times New Roman" panose="02020603050405020304" pitchFamily="18" charset="0"/>
+                        <a:ea typeface="新細明體" panose="02020500000000000000" pitchFamily="18" charset="-120"/>
+                      </a:endParaRPr>
+                    </a:p>
+                  </a:txBody>
+                  <a:tcPr marL="66858" marR="66858" marT="33429" marB="33429"/>
+                </a:tc>
+                <a:tc>
+                  <a:txBody>
+                    <a:bodyPr/>
+                    <a:lstStyle/>
+                    <a:p>
+                      <a:pPr algn="l">
+                        <a:spcAft>
+                          <a:spcPts val="0"/>
+                        </a:spcAft>
+                      </a:pPr>
+                      <a:r>
+                        <a:rPr lang="en-US" sz="1400" b="0" kern="1200" dirty="0">
+                          <a:effectLst/>
+                        </a:rPr>
+                        <a:t>The board is the combination of spaces that a piece may move and the boundaries of the game.</a:t>
+                      </a:r>
+                      <a:endParaRPr lang="zh-TW" sz="1400" b="0" dirty="0">
+                        <a:effectLst/>
+                        <a:latin typeface="Times New Roman" panose="02020603050405020304" pitchFamily="18" charset="0"/>
+                        <a:ea typeface="新細明體" panose="02020500000000000000" pitchFamily="18" charset="-120"/>
+                      </a:endParaRPr>
+                    </a:p>
+                  </a:txBody>
+                  <a:tcPr marL="66858" marR="66858" marT="33429" marB="33429"/>
+                </a:tc>
+                <a:extLst>
+                  <a:ext uri="{0D108BD9-81ED-4DB2-BD59-A6C34878D82A}">
+                    <a16:rowId xmlns:a16="http://schemas.microsoft.com/office/drawing/2014/main" val="3575939547"/>
+                  </a:ext>
+                </a:extLst>
+              </a:tr>
+              <a:tr h="568092">
+                <a:tc>
+                  <a:txBody>
+                    <a:bodyPr/>
+                    <a:lstStyle/>
+                    <a:p>
+                      <a:pPr algn="l">
+                        <a:spcAft>
+                          <a:spcPts val="0"/>
+                        </a:spcAft>
+                      </a:pPr>
+                      <a:r>
+                        <a:rPr lang="en-US" sz="1400" kern="1200">
+                          <a:effectLst/>
+                        </a:rPr>
+                        <a:t>Game</a:t>
+                      </a:r>
+                      <a:endParaRPr lang="zh-TW" sz="1400">
+                        <a:effectLst/>
+                        <a:latin typeface="Times New Roman" panose="02020603050405020304" pitchFamily="18" charset="0"/>
+                        <a:ea typeface="新細明體" panose="02020500000000000000" pitchFamily="18" charset="-120"/>
+                      </a:endParaRPr>
+                    </a:p>
+                  </a:txBody>
+                  <a:tcPr marL="66858" marR="66858" marT="33429" marB="33429"/>
+                </a:tc>
+                <a:tc>
+                  <a:txBody>
+                    <a:bodyPr/>
+                    <a:lstStyle/>
+                    <a:p>
+                      <a:pPr algn="l">
+                        <a:spcAft>
+                          <a:spcPts val="0"/>
+                        </a:spcAft>
+                      </a:pPr>
+                      <a:r>
+                        <a:rPr lang="en-US" sz="1400" kern="1200">
+                          <a:effectLst/>
+                        </a:rPr>
+                        <a:t>A game consists of two users who take turns moving their pieces around the board.</a:t>
+                      </a:r>
+                      <a:endParaRPr lang="zh-TW" sz="1400">
+                        <a:effectLst/>
+                        <a:latin typeface="Times New Roman" panose="02020603050405020304" pitchFamily="18" charset="0"/>
+                        <a:ea typeface="新細明體" panose="02020500000000000000" pitchFamily="18" charset="-120"/>
+                      </a:endParaRPr>
+                    </a:p>
+                  </a:txBody>
+                  <a:tcPr marL="66858" marR="66858" marT="33429" marB="33429"/>
+                </a:tc>
+                <a:extLst>
+                  <a:ext uri="{0D108BD9-81ED-4DB2-BD59-A6C34878D82A}">
+                    <a16:rowId xmlns:a16="http://schemas.microsoft.com/office/drawing/2014/main" val="720238531"/>
+                  </a:ext>
+                </a:extLst>
+              </a:tr>
+              <a:tr h="798100">
+                <a:tc>
+                  <a:txBody>
+                    <a:bodyPr/>
+                    <a:lstStyle/>
+                    <a:p>
+                      <a:pPr algn="l">
+                        <a:spcAft>
+                          <a:spcPts val="0"/>
+                        </a:spcAft>
+                      </a:pPr>
+                      <a:r>
+                        <a:rPr lang="en-US" sz="1400" kern="1200">
+                          <a:effectLst/>
+                        </a:rPr>
+                        <a:t>GameHistory</a:t>
+                      </a:r>
+                      <a:endParaRPr lang="zh-TW" sz="1400">
+                        <a:effectLst/>
+                        <a:latin typeface="Times New Roman" panose="02020603050405020304" pitchFamily="18" charset="0"/>
+                        <a:ea typeface="新細明體" panose="02020500000000000000" pitchFamily="18" charset="-120"/>
+                      </a:endParaRPr>
+                    </a:p>
+                  </a:txBody>
+                  <a:tcPr marL="66858" marR="66858" marT="33429" marB="33429"/>
+                </a:tc>
+                <a:tc>
+                  <a:txBody>
+                    <a:bodyPr/>
+                    <a:lstStyle/>
+                    <a:p>
+                      <a:pPr algn="l">
+                        <a:spcAft>
+                          <a:spcPts val="0"/>
+                        </a:spcAft>
+                      </a:pPr>
+                      <a:r>
+                        <a:rPr lang="en-US" sz="1400" kern="1200">
+                          <a:effectLst/>
+                        </a:rPr>
+                        <a:t>Each game has an associated history that includes information on things such as which color a user was, end result and time played. Game history is the combination of all of these games.</a:t>
+                      </a:r>
+                      <a:endParaRPr lang="zh-TW" sz="1400">
+                        <a:effectLst/>
+                        <a:latin typeface="Times New Roman" panose="02020603050405020304" pitchFamily="18" charset="0"/>
+                        <a:ea typeface="新細明體" panose="02020500000000000000" pitchFamily="18" charset="-120"/>
+                      </a:endParaRPr>
+                    </a:p>
+                  </a:txBody>
+                  <a:tcPr marL="66858" marR="66858" marT="33429" marB="33429"/>
+                </a:tc>
+                <a:extLst>
+                  <a:ext uri="{0D108BD9-81ED-4DB2-BD59-A6C34878D82A}">
+                    <a16:rowId xmlns:a16="http://schemas.microsoft.com/office/drawing/2014/main" val="94498027"/>
+                  </a:ext>
+                </a:extLst>
+              </a:tr>
+              <a:tr h="568092">
+                <a:tc>
+                  <a:txBody>
+                    <a:bodyPr/>
+                    <a:lstStyle/>
+                    <a:p>
+                      <a:pPr algn="l">
+                        <a:spcAft>
+                          <a:spcPts val="0"/>
+                        </a:spcAft>
+                      </a:pPr>
+                      <a:r>
+                        <a:rPr lang="en-US" sz="1400" kern="1200">
+                          <a:effectLst/>
+                        </a:rPr>
+                        <a:t>GameState</a:t>
+                      </a:r>
+                      <a:endParaRPr lang="zh-TW" sz="1400">
+                        <a:effectLst/>
+                        <a:latin typeface="Times New Roman" panose="02020603050405020304" pitchFamily="18" charset="0"/>
+                        <a:ea typeface="新細明體" panose="02020500000000000000" pitchFamily="18" charset="-120"/>
+                      </a:endParaRPr>
+                    </a:p>
+                  </a:txBody>
+                  <a:tcPr marL="66858" marR="66858" marT="33429" marB="33429"/>
+                </a:tc>
+                <a:tc>
+                  <a:txBody>
+                    <a:bodyPr/>
+                    <a:lstStyle/>
+                    <a:p>
+                      <a:pPr algn="l">
+                        <a:spcAft>
+                          <a:spcPts val="0"/>
+                        </a:spcAft>
+                      </a:pPr>
+                      <a:r>
+                        <a:rPr lang="en-US" sz="1400" kern="1200">
+                          <a:effectLst/>
+                        </a:rPr>
+                        <a:t>The game state is a real time snapshot of a game that includes the current position of pieces on the board as well as who's turn it is.</a:t>
+                      </a:r>
+                      <a:endParaRPr lang="zh-TW" sz="1400">
+                        <a:effectLst/>
+                        <a:latin typeface="Times New Roman" panose="02020603050405020304" pitchFamily="18" charset="0"/>
+                        <a:ea typeface="新細明體" panose="02020500000000000000" pitchFamily="18" charset="-120"/>
+                      </a:endParaRPr>
+                    </a:p>
+                  </a:txBody>
+                  <a:tcPr marL="66858" marR="66858" marT="33429" marB="33429"/>
+                </a:tc>
+                <a:extLst>
+                  <a:ext uri="{0D108BD9-81ED-4DB2-BD59-A6C34878D82A}">
+                    <a16:rowId xmlns:a16="http://schemas.microsoft.com/office/drawing/2014/main" val="150294729"/>
+                  </a:ext>
+                </a:extLst>
+              </a:tr>
+              <a:tr h="798100">
+                <a:tc>
+                  <a:txBody>
+                    <a:bodyPr/>
+                    <a:lstStyle/>
+                    <a:p>
+                      <a:pPr algn="l">
+                        <a:spcAft>
+                          <a:spcPts val="0"/>
+                        </a:spcAft>
+                      </a:pPr>
+                      <a:r>
+                        <a:rPr lang="en-US" sz="1400" kern="1200">
+                          <a:effectLst/>
+                        </a:rPr>
+                        <a:t>Invitation</a:t>
+                      </a:r>
+                      <a:endParaRPr lang="zh-TW" sz="1400">
+                        <a:effectLst/>
+                        <a:latin typeface="Times New Roman" panose="02020603050405020304" pitchFamily="18" charset="0"/>
+                        <a:ea typeface="新細明體" panose="02020500000000000000" pitchFamily="18" charset="-120"/>
+                      </a:endParaRPr>
+                    </a:p>
+                  </a:txBody>
+                  <a:tcPr marL="66858" marR="66858" marT="33429" marB="33429"/>
+                </a:tc>
+                <a:tc>
+                  <a:txBody>
+                    <a:bodyPr/>
+                    <a:lstStyle/>
+                    <a:p>
+                      <a:pPr algn="l">
+                        <a:spcAft>
+                          <a:spcPts val="0"/>
+                        </a:spcAft>
+                      </a:pPr>
+                      <a:r>
+                        <a:rPr lang="en-US" sz="1400" kern="1200">
+                          <a:effectLst/>
+                        </a:rPr>
+                        <a:t>A user may send an invitation to another user as well as receive an invitation from another user to play a game. A user may send multiple invitations to multiple users to play a game.</a:t>
+                      </a:r>
+                      <a:endParaRPr lang="zh-TW" sz="1400">
+                        <a:effectLst/>
+                        <a:latin typeface="Times New Roman" panose="02020603050405020304" pitchFamily="18" charset="0"/>
+                        <a:ea typeface="新細明體" panose="02020500000000000000" pitchFamily="18" charset="-120"/>
+                      </a:endParaRPr>
+                    </a:p>
+                  </a:txBody>
+                  <a:tcPr marL="66858" marR="66858" marT="33429" marB="33429"/>
+                </a:tc>
+                <a:extLst>
+                  <a:ext uri="{0D108BD9-81ED-4DB2-BD59-A6C34878D82A}">
+                    <a16:rowId xmlns:a16="http://schemas.microsoft.com/office/drawing/2014/main" val="2342614986"/>
+                  </a:ext>
+                </a:extLst>
+              </a:tr>
+              <a:tr h="568092">
+                <a:tc>
+                  <a:txBody>
+                    <a:bodyPr/>
+                    <a:lstStyle/>
+                    <a:p>
+                      <a:pPr algn="l">
+                        <a:spcAft>
+                          <a:spcPts val="0"/>
+                        </a:spcAft>
+                      </a:pPr>
+                      <a:r>
+                        <a:rPr lang="en-US" sz="1400" kern="1200">
+                          <a:effectLst/>
+                        </a:rPr>
+                        <a:t>Leaderboard</a:t>
+                      </a:r>
+                      <a:endParaRPr lang="zh-TW" sz="1400">
+                        <a:effectLst/>
+                        <a:latin typeface="Times New Roman" panose="02020603050405020304" pitchFamily="18" charset="0"/>
+                        <a:ea typeface="新細明體" panose="02020500000000000000" pitchFamily="18" charset="-120"/>
+                      </a:endParaRPr>
+                    </a:p>
+                  </a:txBody>
+                  <a:tcPr marL="66858" marR="66858" marT="33429" marB="33429"/>
+                </a:tc>
+                <a:tc>
+                  <a:txBody>
+                    <a:bodyPr/>
+                    <a:lstStyle/>
+                    <a:p>
+                      <a:pPr algn="l">
+                        <a:spcAft>
+                          <a:spcPts val="0"/>
+                        </a:spcAft>
+                      </a:pPr>
+                      <a:r>
+                        <a:rPr lang="en-US" sz="1400" kern="1200">
+                          <a:effectLst/>
+                        </a:rPr>
+                        <a:t>A scoreboard showing the names of users and their current scores. The system has one leaderboard that each user can view.</a:t>
+                      </a:r>
+                      <a:endParaRPr lang="zh-TW" sz="1400">
+                        <a:effectLst/>
+                        <a:latin typeface="Times New Roman" panose="02020603050405020304" pitchFamily="18" charset="0"/>
+                        <a:ea typeface="新細明體" panose="02020500000000000000" pitchFamily="18" charset="-120"/>
+                      </a:endParaRPr>
+                    </a:p>
+                  </a:txBody>
+                  <a:tcPr marL="66858" marR="66858" marT="33429" marB="33429"/>
+                </a:tc>
+                <a:extLst>
+                  <a:ext uri="{0D108BD9-81ED-4DB2-BD59-A6C34878D82A}">
+                    <a16:rowId xmlns:a16="http://schemas.microsoft.com/office/drawing/2014/main" val="2351965866"/>
+                  </a:ext>
+                </a:extLst>
+              </a:tr>
+              <a:tr h="1030878">
+                <a:tc>
+                  <a:txBody>
+                    <a:bodyPr/>
+                    <a:lstStyle/>
+                    <a:p>
+                      <a:pPr algn="l">
+                        <a:spcAft>
+                          <a:spcPts val="0"/>
+                        </a:spcAft>
+                      </a:pPr>
+                      <a:r>
+                        <a:rPr lang="en-US" sz="1400" kern="1200">
+                          <a:effectLst/>
+                        </a:rPr>
+                        <a:t>Piece</a:t>
+                      </a:r>
+                      <a:endParaRPr lang="zh-TW" sz="1400">
+                        <a:effectLst/>
+                        <a:latin typeface="Times New Roman" panose="02020603050405020304" pitchFamily="18" charset="0"/>
+                        <a:ea typeface="新細明體" panose="02020500000000000000" pitchFamily="18" charset="-120"/>
+                      </a:endParaRPr>
+                    </a:p>
+                  </a:txBody>
+                  <a:tcPr marL="66858" marR="66858" marT="33429" marB="33429"/>
+                </a:tc>
+                <a:tc>
+                  <a:txBody>
+                    <a:bodyPr/>
+                    <a:lstStyle/>
+                    <a:p>
+                      <a:pPr algn="l">
+                        <a:spcAft>
+                          <a:spcPts val="0"/>
+                        </a:spcAft>
+                      </a:pPr>
+                      <a:r>
+                        <a:rPr lang="en-US" sz="1400" kern="1200">
+                          <a:effectLst/>
+                        </a:rPr>
+                        <a:t>The game is played with different pieces; each with unique movements and rules. Each player has either six white or six black pieces that include two pawns, one king, one bishop and two rooks.</a:t>
+                      </a:r>
+                      <a:endParaRPr lang="zh-TW" sz="1400">
+                        <a:effectLst/>
+                        <a:latin typeface="Times New Roman" panose="02020603050405020304" pitchFamily="18" charset="0"/>
+                        <a:ea typeface="新細明體" panose="02020500000000000000" pitchFamily="18" charset="-120"/>
+                      </a:endParaRPr>
+                    </a:p>
+                  </a:txBody>
+                  <a:tcPr marL="66858" marR="66858" marT="33429" marB="33429"/>
+                </a:tc>
+                <a:extLst>
+                  <a:ext uri="{0D108BD9-81ED-4DB2-BD59-A6C34878D82A}">
+                    <a16:rowId xmlns:a16="http://schemas.microsoft.com/office/drawing/2014/main" val="3169915483"/>
+                  </a:ext>
+                </a:extLst>
+              </a:tr>
+              <a:tr h="798100">
+                <a:tc>
+                  <a:txBody>
+                    <a:bodyPr/>
+                    <a:lstStyle/>
+                    <a:p>
+                      <a:pPr algn="l">
+                        <a:spcAft>
+                          <a:spcPts val="0"/>
+                        </a:spcAft>
+                      </a:pPr>
+                      <a:r>
+                        <a:rPr lang="en-US" sz="1400" kern="1200">
+                          <a:effectLst/>
+                        </a:rPr>
+                        <a:t>User</a:t>
+                      </a:r>
+                      <a:endParaRPr lang="zh-TW" sz="1400">
+                        <a:effectLst/>
+                        <a:latin typeface="Times New Roman" panose="02020603050405020304" pitchFamily="18" charset="0"/>
+                        <a:ea typeface="新細明體" panose="02020500000000000000" pitchFamily="18" charset="-120"/>
+                      </a:endParaRPr>
+                    </a:p>
+                  </a:txBody>
+                  <a:tcPr marL="66858" marR="66858" marT="33429" marB="33429"/>
+                </a:tc>
+                <a:tc>
+                  <a:txBody>
+                    <a:bodyPr/>
+                    <a:lstStyle/>
+                    <a:p>
+                      <a:pPr algn="l">
+                        <a:spcAft>
+                          <a:spcPts val="0"/>
+                        </a:spcAft>
+                      </a:pPr>
+                      <a:r>
+                        <a:rPr lang="en-US" sz="1400" kern="1200">
+                          <a:effectLst/>
+                        </a:rPr>
+                        <a:t>A person registered to play the game. They may send invitations to other users to play one or more games at a time. Each user has a user profile. </a:t>
+                      </a:r>
+                      <a:endParaRPr lang="zh-TW" sz="1400">
+                        <a:effectLst/>
+                        <a:latin typeface="Times New Roman" panose="02020603050405020304" pitchFamily="18" charset="0"/>
+                        <a:ea typeface="新細明體" panose="02020500000000000000" pitchFamily="18" charset="-120"/>
+                      </a:endParaRPr>
+                    </a:p>
+                  </a:txBody>
+                  <a:tcPr marL="66858" marR="66858" marT="33429" marB="33429"/>
+                </a:tc>
+                <a:extLst>
+                  <a:ext uri="{0D108BD9-81ED-4DB2-BD59-A6C34878D82A}">
+                    <a16:rowId xmlns:a16="http://schemas.microsoft.com/office/drawing/2014/main" val="2858187214"/>
+                  </a:ext>
+                </a:extLst>
+              </a:tr>
+              <a:tr h="798100">
+                <a:tc>
+                  <a:txBody>
+                    <a:bodyPr/>
+                    <a:lstStyle/>
+                    <a:p>
+                      <a:pPr algn="l">
+                        <a:spcAft>
+                          <a:spcPts val="0"/>
+                        </a:spcAft>
+                      </a:pPr>
+                      <a:r>
+                        <a:rPr lang="en-US" sz="1400" kern="1200">
+                          <a:effectLst/>
+                        </a:rPr>
+                        <a:t>UserProfile</a:t>
+                      </a:r>
+                      <a:endParaRPr lang="zh-TW" sz="1400">
+                        <a:effectLst/>
+                        <a:latin typeface="Times New Roman" panose="02020603050405020304" pitchFamily="18" charset="0"/>
+                        <a:ea typeface="新細明體" panose="02020500000000000000" pitchFamily="18" charset="-120"/>
+                      </a:endParaRPr>
+                    </a:p>
+                  </a:txBody>
+                  <a:tcPr marL="66858" marR="66858" marT="33429" marB="33429"/>
+                </a:tc>
+                <a:tc>
+                  <a:txBody>
+                    <a:bodyPr/>
+                    <a:lstStyle/>
+                    <a:p>
+                      <a:pPr algn="l">
+                        <a:spcAft>
+                          <a:spcPts val="0"/>
+                        </a:spcAft>
+                      </a:pPr>
+                      <a:r>
+                        <a:rPr lang="en-US" sz="1400" kern="1200" dirty="0">
+                          <a:effectLst/>
+                        </a:rPr>
+                        <a:t>Visual display of personal data associated with a specific user such as name and games in progress. Each user profile can view their individual game history, and others’ profiles.</a:t>
+                      </a:r>
+                      <a:endParaRPr lang="zh-TW" sz="1400" dirty="0">
+                        <a:effectLst/>
+                        <a:latin typeface="Times New Roman" panose="02020603050405020304" pitchFamily="18" charset="0"/>
+                        <a:ea typeface="新細明體" panose="02020500000000000000" pitchFamily="18" charset="-120"/>
+                      </a:endParaRPr>
+                    </a:p>
+                  </a:txBody>
+                  <a:tcPr marL="66858" marR="66858" marT="33429" marB="33429"/>
+                </a:tc>
+                <a:extLst>
+                  <a:ext uri="{0D108BD9-81ED-4DB2-BD59-A6C34878D82A}">
+                    <a16:rowId xmlns:a16="http://schemas.microsoft.com/office/drawing/2014/main" val="3742180852"/>
+                  </a:ext>
+                </a:extLst>
+              </a:tr>
+            </a:tbl>
+          </a:graphicData>
+        </a:graphic>
+      </p:graphicFrame>
+      <p:sp>
+        <p:nvSpPr>
+          <p:cNvPr id="5" name="文字方塊 4">
+            <a:extLst>
+              <a:ext uri="{FF2B5EF4-FFF2-40B4-BE49-F238E27FC236}">
+                <a16:creationId xmlns:a16="http://schemas.microsoft.com/office/drawing/2014/main" id="{12630B4D-BFD9-F941-B2F4-61F772BD9B2C}"/>
+              </a:ext>
+            </a:extLst>
+          </p:cNvPr>
+          <p:cNvSpPr txBox="1"/>
+          <p:nvPr/>
+        </p:nvSpPr>
+        <p:spPr>
+          <a:xfrm>
+            <a:off x="687908" y="1690688"/>
+            <a:ext cx="3803410" cy="3170099"/>
+          </a:xfrm>
+          <a:prstGeom prst="rect">
+            <a:avLst/>
+          </a:prstGeom>
+          <a:noFill/>
+        </p:spPr>
+        <p:txBody>
+          <a:bodyPr wrap="square" rtlCol="0">
+            <a:spAutoFit/>
+          </a:bodyPr>
+          <a:lstStyle/>
+          <a:p>
+            <a:pPr marL="285750" indent="-285750">
+              <a:buFont typeface="Arial" panose="020B0604020202020204" pitchFamily="34" charset="0"/>
+              <a:buChar char="•"/>
+            </a:pPr>
+            <a:r>
+              <a:rPr kumimoji="1" lang="en-US" altLang="zh-TW" sz="2000" dirty="0"/>
+              <a:t>Terms sorted in alphabetical order.</a:t>
+            </a:r>
+          </a:p>
+          <a:p>
+            <a:endParaRPr kumimoji="1" lang="en-US" altLang="zh-TW" sz="2000" dirty="0"/>
+          </a:p>
+          <a:p>
+            <a:pPr marL="285750" indent="-285750">
+              <a:buFont typeface="Arial" panose="020B0604020202020204" pitchFamily="34" charset="0"/>
+              <a:buChar char="•"/>
+            </a:pPr>
+            <a:r>
+              <a:rPr kumimoji="1" lang="en-US" altLang="zh-TW" sz="2000" dirty="0"/>
+              <a:t>Leaderboard:</a:t>
+            </a:r>
+          </a:p>
+          <a:p>
+            <a:r>
+              <a:rPr kumimoji="1" lang="en-US" altLang="zh-TW" sz="2000" dirty="0"/>
+              <a:t>     The game -&gt; The system.</a:t>
+            </a:r>
+          </a:p>
+          <a:p>
+            <a:endParaRPr kumimoji="1" lang="en-US" altLang="zh-TW" sz="2000" dirty="0"/>
+          </a:p>
+          <a:p>
+            <a:pPr marL="285750" indent="-285750">
+              <a:buFont typeface="Arial" panose="020B0604020202020204" pitchFamily="34" charset="0"/>
+              <a:buChar char="•"/>
+            </a:pPr>
+            <a:r>
+              <a:rPr kumimoji="1" lang="en-US" altLang="zh-TW" sz="2000" dirty="0" err="1"/>
+              <a:t>UserProfile</a:t>
+            </a:r>
+            <a:r>
+              <a:rPr kumimoji="1" lang="en-US" altLang="zh-TW" sz="2000" dirty="0"/>
+              <a:t>:</a:t>
+            </a:r>
+          </a:p>
+          <a:p>
+            <a:r>
+              <a:rPr kumimoji="1" lang="en-US" altLang="zh-TW" sz="2000" dirty="0"/>
+              <a:t>     Each user can see others</a:t>
+            </a:r>
+          </a:p>
+          <a:p>
+            <a:r>
+              <a:rPr kumimoji="1" lang="en-US" altLang="zh-TW" sz="2000" dirty="0"/>
+              <a:t>     </a:t>
+            </a:r>
+            <a:r>
+              <a:rPr kumimoji="1" lang="en-US" altLang="zh-TW" sz="2000" dirty="0" err="1"/>
+              <a:t>gamehistory</a:t>
+            </a:r>
+            <a:r>
+              <a:rPr kumimoji="1" lang="en-US" altLang="zh-TW" sz="2000" dirty="0"/>
+              <a:t> from the user     </a:t>
+            </a:r>
+          </a:p>
+          <a:p>
+            <a:r>
+              <a:rPr kumimoji="1" lang="en-US" altLang="zh-TW" sz="2000" dirty="0"/>
+              <a:t>     profile</a:t>
+            </a:r>
+            <a:endParaRPr kumimoji="1" lang="zh-TW" altLang="en-US" sz="2000" dirty="0"/>
+          </a:p>
+        </p:txBody>
+      </p:sp>
+    </p:spTree>
+    <p:extLst>
+      <p:ext uri="{BB962C8B-B14F-4D97-AF65-F5344CB8AC3E}">
+        <p14:creationId xmlns:p14="http://schemas.microsoft.com/office/powerpoint/2010/main" val="3907252204"/>
+      </p:ext>
+    </p:extLst>
+  </p:cSld>
+  <p:clrMapOvr>
+    <a:masterClrMapping/>
+  </p:clrMapOvr>
+</p:sld>
+</file>
+
+<file path=ppt/slides/slide3.xml><?xml version="1.0" encoding="utf-8"?>
+<p:sld xmlns:a="http://schemas.openxmlformats.org/drawingml/2006/main" xmlns:r="http://schemas.openxmlformats.org/officeDocument/2006/relationships" xmlns:p="http://schemas.openxmlformats.org/presentationml/2006/main">
+  <p:cSld>
+    <p:spTree>
+      <p:nvGrpSpPr>
+        <p:cNvPr id="1" name=""/>
+        <p:cNvGrpSpPr/>
+        <p:nvPr/>
+      </p:nvGrpSpPr>
+      <p:grpSpPr>
+        <a:xfrm>
+          <a:off x="0" y="0"/>
+          <a:ext cx="0" cy="0"/>
+          <a:chOff x="0" y="0"/>
+          <a:chExt cx="0" cy="0"/>
+        </a:xfrm>
+      </p:grpSpPr>
+      <p:sp>
+        <p:nvSpPr>
+          <p:cNvPr id="2" name="標題 1">
+            <a:extLst>
+              <a:ext uri="{FF2B5EF4-FFF2-40B4-BE49-F238E27FC236}">
                 <a16:creationId xmlns:a16="http://schemas.microsoft.com/office/drawing/2014/main" id="{990BE03A-1B4F-E549-A7FA-86F12F5DAF1C}"/>
               </a:ext>
             </a:extLst>
@@ -7597,7 +8324,7 @@
 </p:sld>
 </file>
 
-<file path=ppt/slides/slide3.xml><?xml version="1.0" encoding="utf-8"?>
+<file path=ppt/slides/slide4.xml><?xml version="1.0" encoding="utf-8"?>
 <p:sld xmlns:a="http://schemas.openxmlformats.org/drawingml/2006/main" xmlns:r="http://schemas.openxmlformats.org/officeDocument/2006/relationships" xmlns:p="http://schemas.openxmlformats.org/presentationml/2006/main">
   <p:cSld>
     <p:spTree>
@@ -7685,7 +8412,7 @@
 </p:sld>
 </file>
 
-<file path=ppt/slides/slide4.xml><?xml version="1.0" encoding="utf-8"?>
+<file path=ppt/slides/slide5.xml><?xml version="1.0" encoding="utf-8"?>
 <p:sld xmlns:a="http://schemas.openxmlformats.org/drawingml/2006/main" xmlns:r="http://schemas.openxmlformats.org/officeDocument/2006/relationships" xmlns:p="http://schemas.openxmlformats.org/presentationml/2006/main">
   <p:cSld>
     <p:spTree>
@@ -7773,7 +8500,7 @@
 </p:sld>
 </file>
 
-<file path=ppt/slides/slide5.xml><?xml version="1.0" encoding="utf-8"?>
+<file path=ppt/slides/slide6.xml><?xml version="1.0" encoding="utf-8"?>
 <p:sld xmlns:a="http://schemas.openxmlformats.org/drawingml/2006/main" xmlns:r="http://schemas.openxmlformats.org/officeDocument/2006/relationships" xmlns:p="http://schemas.openxmlformats.org/presentationml/2006/main">
   <p:cSld>
     <p:spTree>
@@ -7861,7 +8588,7 @@
 </p:sld>
 </file>
 
-<file path=ppt/slides/slide6.xml><?xml version="1.0" encoding="utf-8"?>
+<file path=ppt/slides/slide7.xml><?xml version="1.0" encoding="utf-8"?>
 <p:sld xmlns:a="http://schemas.openxmlformats.org/drawingml/2006/main" xmlns:r="http://schemas.openxmlformats.org/officeDocument/2006/relationships" xmlns:p="http://schemas.openxmlformats.org/presentationml/2006/main">
   <p:cSld>
     <p:spTree>
@@ -9962,7 +10689,93 @@
 </p:sld>
 </file>
 
-<file path=ppt/slides/slide7.xml><?xml version="1.0" encoding="utf-8"?>
+<file path=ppt/slides/slide8.xml><?xml version="1.0" encoding="utf-8"?>
+<p:sld xmlns:a="http://schemas.openxmlformats.org/drawingml/2006/main" xmlns:r="http://schemas.openxmlformats.org/officeDocument/2006/relationships" xmlns:p="http://schemas.openxmlformats.org/presentationml/2006/main">
+  <p:cSld>
+    <p:spTree>
+      <p:nvGrpSpPr>
+        <p:cNvPr id="1" name=""/>
+        <p:cNvGrpSpPr/>
+        <p:nvPr/>
+      </p:nvGrpSpPr>
+      <p:grpSpPr>
+        <a:xfrm>
+          <a:off x="0" y="0"/>
+          <a:ext cx="0" cy="0"/>
+          <a:chOff x="0" y="0"/>
+          <a:chExt cx="0" cy="0"/>
+        </a:xfrm>
+      </p:grpSpPr>
+      <p:sp>
+        <p:nvSpPr>
+          <p:cNvPr id="2" name="標題 1">
+            <a:extLst>
+              <a:ext uri="{FF2B5EF4-FFF2-40B4-BE49-F238E27FC236}">
+                <a16:creationId xmlns:a16="http://schemas.microsoft.com/office/drawing/2014/main" id="{2B5DF70C-0980-854E-A718-1396A5CBEE40}"/>
+              </a:ext>
+            </a:extLst>
+          </p:cNvPr>
+          <p:cNvSpPr>
+            <a:spLocks noGrp="1"/>
+          </p:cNvSpPr>
+          <p:nvPr>
+            <p:ph type="title"/>
+          </p:nvPr>
+        </p:nvSpPr>
+        <p:spPr/>
+        <p:txBody>
+          <a:bodyPr>
+            <a:normAutofit/>
+          </a:bodyPr>
+          <a:lstStyle/>
+          <a:p>
+            <a:r>
+              <a:rPr lang="en-US" altLang="zh-TW" dirty="0"/>
+              <a:t>Technologies and Tools</a:t>
+            </a:r>
+            <a:endParaRPr kumimoji="1" lang="zh-TW" altLang="en-US" dirty="0"/>
+          </a:p>
+        </p:txBody>
+      </p:sp>
+      <p:sp>
+        <p:nvSpPr>
+          <p:cNvPr id="3" name="內容版面配置區 2">
+            <a:extLst>
+              <a:ext uri="{FF2B5EF4-FFF2-40B4-BE49-F238E27FC236}">
+                <a16:creationId xmlns:a16="http://schemas.microsoft.com/office/drawing/2014/main" id="{85E430AC-9EE4-C242-AB33-58B1BB080181}"/>
+              </a:ext>
+            </a:extLst>
+          </p:cNvPr>
+          <p:cNvSpPr>
+            <a:spLocks noGrp="1"/>
+          </p:cNvSpPr>
+          <p:nvPr>
+            <p:ph idx="1"/>
+          </p:nvPr>
+        </p:nvSpPr>
+        <p:spPr/>
+        <p:txBody>
+          <a:bodyPr/>
+          <a:lstStyle/>
+          <a:p>
+            <a:endParaRPr kumimoji="1" lang="zh-TW" altLang="en-US"/>
+          </a:p>
+        </p:txBody>
+      </p:sp>
+    </p:spTree>
+    <p:extLst>
+      <p:ext uri="{BB962C8B-B14F-4D97-AF65-F5344CB8AC3E}">
+        <p14:creationId xmlns:p14="http://schemas.microsoft.com/office/powerpoint/2010/main" val="3912835972"/>
+      </p:ext>
+    </p:extLst>
+  </p:cSld>
+  <p:clrMapOvr>
+    <a:masterClrMapping/>
+  </p:clrMapOvr>
+</p:sld>
+</file>
+
+<file path=ppt/slides/slide9.xml><?xml version="1.0" encoding="utf-8"?>
 <p:sld xmlns:a="http://schemas.openxmlformats.org/drawingml/2006/main" xmlns:r="http://schemas.openxmlformats.org/officeDocument/2006/relationships" xmlns:p="http://schemas.openxmlformats.org/presentationml/2006/main">
   <p:cSld>
     <p:spTree>

--- a/Documents P3/CS 414 Rollerball Project 03.pptx
+++ b/Documents P3/CS 414 Rollerball Project 03.pptx
@@ -9,12 +9,14 @@
     <p:sldId id="256" r:id="rId3"/>
     <p:sldId id="263" r:id="rId4"/>
     <p:sldId id="257" r:id="rId5"/>
-    <p:sldId id="258" r:id="rId6"/>
-    <p:sldId id="259" r:id="rId7"/>
-    <p:sldId id="261" r:id="rId8"/>
-    <p:sldId id="260" r:id="rId9"/>
-    <p:sldId id="264" r:id="rId10"/>
-    <p:sldId id="262" r:id="rId11"/>
+    <p:sldId id="265" r:id="rId6"/>
+    <p:sldId id="266" r:id="rId7"/>
+    <p:sldId id="258" r:id="rId8"/>
+    <p:sldId id="259" r:id="rId9"/>
+    <p:sldId id="261" r:id="rId10"/>
+    <p:sldId id="260" r:id="rId11"/>
+    <p:sldId id="264" r:id="rId12"/>
+    <p:sldId id="262" r:id="rId13"/>
   </p:sldIdLst>
   <p:sldSz cx="12192000" cy="6858000"/>
   <p:notesSz cx="6858000" cy="9144000"/>
@@ -268,7 +270,7 @@
           <a:p>
             <a:fld id="{55B79785-3012-D54A-860E-226ED4EF2A90}" type="datetimeFigureOut">
               <a:rPr kumimoji="1" lang="zh-TW" altLang="en-US" smtClean="0"/>
-              <a:t>2018/10/28</a:t>
+              <a:t>2018/10/29</a:t>
             </a:fld>
             <a:endParaRPr kumimoji="1" lang="zh-TW" altLang="en-US"/>
           </a:p>
@@ -441,7 +443,7 @@
           <a:p>
             <a:fld id="{55B79785-3012-D54A-860E-226ED4EF2A90}" type="datetimeFigureOut">
               <a:rPr kumimoji="1" lang="zh-TW" altLang="en-US" smtClean="0"/>
-              <a:t>2018/10/28</a:t>
+              <a:t>2018/10/29</a:t>
             </a:fld>
             <a:endParaRPr kumimoji="1" lang="zh-TW" altLang="en-US"/>
           </a:p>
@@ -624,7 +626,7 @@
           <a:p>
             <a:fld id="{55B79785-3012-D54A-860E-226ED4EF2A90}" type="datetimeFigureOut">
               <a:rPr kumimoji="1" lang="zh-TW" altLang="en-US" smtClean="0"/>
-              <a:t>2018/10/28</a:t>
+              <a:t>2018/10/29</a:t>
             </a:fld>
             <a:endParaRPr kumimoji="1" lang="zh-TW" altLang="en-US"/>
           </a:p>
@@ -1198,7 +1200,7 @@
           <a:p>
             <a:fld id="{55B79785-3012-D54A-860E-226ED4EF2A90}" type="datetimeFigureOut">
               <a:rPr kumimoji="1" lang="zh-TW" altLang="en-US" smtClean="0"/>
-              <a:t>2018/10/28</a:t>
+              <a:t>2018/10/29</a:t>
             </a:fld>
             <a:endParaRPr kumimoji="1" lang="zh-TW" altLang="en-US"/>
           </a:p>
@@ -1353,7 +1355,7 @@
           <a:p>
             <a:fld id="{55B79785-3012-D54A-860E-226ED4EF2A90}" type="datetimeFigureOut">
               <a:rPr kumimoji="1" lang="zh-TW" altLang="en-US" smtClean="0"/>
-              <a:t>2018/10/28</a:t>
+              <a:t>2018/10/29</a:t>
             </a:fld>
             <a:endParaRPr kumimoji="1" lang="zh-TW" altLang="en-US"/>
           </a:p>
@@ -1679,7 +1681,7 @@
           <a:p>
             <a:fld id="{55B79785-3012-D54A-860E-226ED4EF2A90}" type="datetimeFigureOut">
               <a:rPr kumimoji="1" lang="zh-TW" altLang="en-US" smtClean="0"/>
-              <a:t>2018/10/28</a:t>
+              <a:t>2018/10/29</a:t>
             </a:fld>
             <a:endParaRPr kumimoji="1" lang="zh-TW" altLang="en-US"/>
           </a:p>
@@ -2091,7 +2093,7 @@
           <a:p>
             <a:fld id="{55B79785-3012-D54A-860E-226ED4EF2A90}" type="datetimeFigureOut">
               <a:rPr kumimoji="1" lang="zh-TW" altLang="en-US" smtClean="0"/>
-              <a:t>2018/10/28</a:t>
+              <a:t>2018/10/29</a:t>
             </a:fld>
             <a:endParaRPr kumimoji="1" lang="zh-TW" altLang="en-US"/>
           </a:p>
@@ -2464,7 +2466,7 @@
           <a:p>
             <a:fld id="{55B79785-3012-D54A-860E-226ED4EF2A90}" type="datetimeFigureOut">
               <a:rPr kumimoji="1" lang="zh-TW" altLang="en-US" smtClean="0"/>
-              <a:t>2018/10/28</a:t>
+              <a:t>2018/10/29</a:t>
             </a:fld>
             <a:endParaRPr kumimoji="1" lang="zh-TW" altLang="en-US"/>
           </a:p>
@@ -2582,7 +2584,7 @@
           <a:p>
             <a:fld id="{55B79785-3012-D54A-860E-226ED4EF2A90}" type="datetimeFigureOut">
               <a:rPr kumimoji="1" lang="zh-TW" altLang="en-US" smtClean="0"/>
-              <a:t>2018/10/28</a:t>
+              <a:t>2018/10/29</a:t>
             </a:fld>
             <a:endParaRPr kumimoji="1" lang="zh-TW" altLang="en-US"/>
           </a:p>
@@ -2700,7 +2702,7 @@
           <a:p>
             <a:fld id="{55B79785-3012-D54A-860E-226ED4EF2A90}" type="datetimeFigureOut">
               <a:rPr kumimoji="1" lang="zh-TW" altLang="en-US" smtClean="0"/>
-              <a:t>2018/10/28</a:t>
+              <a:t>2018/10/29</a:t>
             </a:fld>
             <a:endParaRPr kumimoji="1" lang="zh-TW" altLang="en-US"/>
           </a:p>
@@ -3039,7 +3041,7 @@
           <a:p>
             <a:fld id="{55B79785-3012-D54A-860E-226ED4EF2A90}" type="datetimeFigureOut">
               <a:rPr kumimoji="1" lang="zh-TW" altLang="en-US" smtClean="0"/>
-              <a:t>2018/10/28</a:t>
+              <a:t>2018/10/29</a:t>
             </a:fld>
             <a:endParaRPr kumimoji="1" lang="zh-TW" altLang="en-US"/>
           </a:p>
@@ -3363,7 +3365,7 @@
           <a:p>
             <a:fld id="{55B79785-3012-D54A-860E-226ED4EF2A90}" type="datetimeFigureOut">
               <a:rPr kumimoji="1" lang="zh-TW" altLang="en-US" smtClean="0"/>
-              <a:t>2018/10/28</a:t>
+              <a:t>2018/10/29</a:t>
             </a:fld>
             <a:endParaRPr kumimoji="1" lang="zh-TW" altLang="en-US"/>
           </a:p>
@@ -3724,7 +3726,7 @@
           <a:p>
             <a:fld id="{55B79785-3012-D54A-860E-226ED4EF2A90}" type="datetimeFigureOut">
               <a:rPr kumimoji="1" lang="zh-TW" altLang="en-US" smtClean="0"/>
-              <a:t>2018/10/28</a:t>
+              <a:t>2018/10/29</a:t>
             </a:fld>
             <a:endParaRPr kumimoji="1" lang="zh-TW" altLang="en-US"/>
           </a:p>
@@ -4014,7 +4016,7 @@
           <a:p>
             <a:fld id="{55B79785-3012-D54A-860E-226ED4EF2A90}" type="datetimeFigureOut">
               <a:rPr kumimoji="1" lang="zh-TW" altLang="en-US" smtClean="0"/>
-              <a:t>2018/10/28</a:t>
+              <a:t>2018/10/29</a:t>
             </a:fld>
             <a:endParaRPr kumimoji="1" lang="zh-TW" altLang="en-US"/>
           </a:p>
@@ -4170,7 +4172,7 @@
           <a:p>
             <a:fld id="{55B79785-3012-D54A-860E-226ED4EF2A90}" type="datetimeFigureOut">
               <a:rPr kumimoji="1" lang="zh-TW" altLang="en-US" smtClean="0"/>
-              <a:t>2018/10/28</a:t>
+              <a:t>2018/10/29</a:t>
             </a:fld>
             <a:endParaRPr kumimoji="1" lang="zh-TW" altLang="en-US"/>
           </a:p>
@@ -4436,7 +4438,7 @@
           <a:p>
             <a:fld id="{55B79785-3012-D54A-860E-226ED4EF2A90}" type="datetimeFigureOut">
               <a:rPr kumimoji="1" lang="zh-TW" altLang="en-US" smtClean="0"/>
-              <a:t>2018/10/28</a:t>
+              <a:t>2018/10/29</a:t>
             </a:fld>
             <a:endParaRPr kumimoji="1" lang="zh-TW" altLang="en-US"/>
           </a:p>
@@ -4651,7 +4653,7 @@
           <a:p>
             <a:fld id="{55B79785-3012-D54A-860E-226ED4EF2A90}" type="datetimeFigureOut">
               <a:rPr kumimoji="1" lang="zh-TW" altLang="en-US" smtClean="0"/>
-              <a:t>2018/10/28</a:t>
+              <a:t>2018/10/29</a:t>
             </a:fld>
             <a:endParaRPr kumimoji="1" lang="zh-TW" altLang="en-US"/>
           </a:p>
@@ -5019,7 +5021,7 @@
           <a:p>
             <a:fld id="{55B79785-3012-D54A-860E-226ED4EF2A90}" type="datetimeFigureOut">
               <a:rPr kumimoji="1" lang="zh-TW" altLang="en-US" smtClean="0"/>
-              <a:t>2018/10/28</a:t>
+              <a:t>2018/10/29</a:t>
             </a:fld>
             <a:endParaRPr kumimoji="1" lang="zh-TW" altLang="en-US"/>
           </a:p>
@@ -5160,7 +5162,7 @@
           <a:p>
             <a:fld id="{55B79785-3012-D54A-860E-226ED4EF2A90}" type="datetimeFigureOut">
               <a:rPr kumimoji="1" lang="zh-TW" altLang="en-US" smtClean="0"/>
-              <a:t>2018/10/28</a:t>
+              <a:t>2018/10/29</a:t>
             </a:fld>
             <a:endParaRPr kumimoji="1" lang="zh-TW" altLang="en-US"/>
           </a:p>
@@ -5273,7 +5275,7 @@
           <a:p>
             <a:fld id="{55B79785-3012-D54A-860E-226ED4EF2A90}" type="datetimeFigureOut">
               <a:rPr kumimoji="1" lang="zh-TW" altLang="en-US" smtClean="0"/>
-              <a:t>2018/10/28</a:t>
+              <a:t>2018/10/29</a:t>
             </a:fld>
             <a:endParaRPr kumimoji="1" lang="zh-TW" altLang="en-US"/>
           </a:p>
@@ -5562,7 +5564,7 @@
           <a:p>
             <a:fld id="{55B79785-3012-D54A-860E-226ED4EF2A90}" type="datetimeFigureOut">
               <a:rPr kumimoji="1" lang="zh-TW" altLang="en-US" smtClean="0"/>
-              <a:t>2018/10/28</a:t>
+              <a:t>2018/10/29</a:t>
             </a:fld>
             <a:endParaRPr kumimoji="1" lang="zh-TW" altLang="en-US"/>
           </a:p>
@@ -5853,7 +5855,7 @@
           <a:p>
             <a:fld id="{55B79785-3012-D54A-860E-226ED4EF2A90}" type="datetimeFigureOut">
               <a:rPr kumimoji="1" lang="zh-TW" altLang="en-US" smtClean="0"/>
-              <a:t>2018/10/28</a:t>
+              <a:t>2018/10/29</a:t>
             </a:fld>
             <a:endParaRPr kumimoji="1" lang="zh-TW" altLang="en-US"/>
           </a:p>
@@ -6069,7 +6071,7 @@
           <a:p>
             <a:fld id="{55B79785-3012-D54A-860E-226ED4EF2A90}" type="datetimeFigureOut">
               <a:rPr kumimoji="1" lang="zh-TW" altLang="en-US" smtClean="0"/>
-              <a:t>2018/10/28</a:t>
+              <a:t>2018/10/29</a:t>
             </a:fld>
             <a:endParaRPr kumimoji="1" lang="zh-TW" altLang="en-US"/>
           </a:p>
@@ -6600,7 +6602,7 @@
           <a:p>
             <a:fld id="{55B79785-3012-D54A-860E-226ED4EF2A90}" type="datetimeFigureOut">
               <a:rPr kumimoji="1" lang="zh-TW" altLang="en-US" smtClean="0"/>
-              <a:t>2018/10/28</a:t>
+              <a:t>2018/10/29</a:t>
             </a:fld>
             <a:endParaRPr kumimoji="1" lang="zh-TW" altLang="en-US"/>
           </a:p>
@@ -7381,6 +7383,157 @@
     <p:extLst>
       <p:ext uri="{BB962C8B-B14F-4D97-AF65-F5344CB8AC3E}">
         <p14:creationId xmlns:p14="http://schemas.microsoft.com/office/powerpoint/2010/main" val="3365489198"/>
+      </p:ext>
+    </p:extLst>
+  </p:cSld>
+  <p:clrMapOvr>
+    <a:masterClrMapping/>
+  </p:clrMapOvr>
+</p:sld>
+</file>
+
+<file path=ppt/slides/slide10.xml><?xml version="1.0" encoding="utf-8"?>
+<p:sld xmlns:a="http://schemas.openxmlformats.org/drawingml/2006/main" xmlns:r="http://schemas.openxmlformats.org/officeDocument/2006/relationships" xmlns:p="http://schemas.openxmlformats.org/presentationml/2006/main">
+  <p:cSld>
+    <p:spTree>
+      <p:nvGrpSpPr>
+        <p:cNvPr id="1" name=""/>
+        <p:cNvGrpSpPr/>
+        <p:nvPr/>
+      </p:nvGrpSpPr>
+      <p:grpSpPr>
+        <a:xfrm>
+          <a:off x="0" y="0"/>
+          <a:ext cx="0" cy="0"/>
+          <a:chOff x="0" y="0"/>
+          <a:chExt cx="0" cy="0"/>
+        </a:xfrm>
+      </p:grpSpPr>
+      <p:sp>
+        <p:nvSpPr>
+          <p:cNvPr id="2" name="標題 1">
+            <a:extLst>
+              <a:ext uri="{FF2B5EF4-FFF2-40B4-BE49-F238E27FC236}">
+                <a16:creationId xmlns:a16="http://schemas.microsoft.com/office/drawing/2014/main" id="{2B5DF70C-0980-854E-A718-1396A5CBEE40}"/>
+              </a:ext>
+            </a:extLst>
+          </p:cNvPr>
+          <p:cNvSpPr>
+            <a:spLocks noGrp="1"/>
+          </p:cNvSpPr>
+          <p:nvPr>
+            <p:ph type="title"/>
+          </p:nvPr>
+        </p:nvSpPr>
+        <p:spPr/>
+        <p:txBody>
+          <a:bodyPr>
+            <a:normAutofit/>
+          </a:bodyPr>
+          <a:lstStyle/>
+          <a:p>
+            <a:r>
+              <a:rPr lang="en-US" altLang="zh-TW" dirty="0"/>
+              <a:t>Technologies and Tools</a:t>
+            </a:r>
+            <a:endParaRPr kumimoji="1" lang="zh-TW" altLang="en-US" dirty="0"/>
+          </a:p>
+        </p:txBody>
+      </p:sp>
+      <p:sp>
+        <p:nvSpPr>
+          <p:cNvPr id="3" name="內容版面配置區 2">
+            <a:extLst>
+              <a:ext uri="{FF2B5EF4-FFF2-40B4-BE49-F238E27FC236}">
+                <a16:creationId xmlns:a16="http://schemas.microsoft.com/office/drawing/2014/main" id="{85E430AC-9EE4-C242-AB33-58B1BB080181}"/>
+              </a:ext>
+            </a:extLst>
+          </p:cNvPr>
+          <p:cNvSpPr>
+            <a:spLocks noGrp="1"/>
+          </p:cNvSpPr>
+          <p:nvPr>
+            <p:ph idx="1"/>
+          </p:nvPr>
+        </p:nvSpPr>
+        <p:spPr/>
+        <p:txBody>
+          <a:bodyPr/>
+          <a:lstStyle/>
+          <a:p>
+            <a:endParaRPr kumimoji="1" lang="zh-TW" altLang="en-US"/>
+          </a:p>
+        </p:txBody>
+      </p:sp>
+    </p:spTree>
+    <p:extLst>
+      <p:ext uri="{BB962C8B-B14F-4D97-AF65-F5344CB8AC3E}">
+        <p14:creationId xmlns:p14="http://schemas.microsoft.com/office/powerpoint/2010/main" val="3912835972"/>
+      </p:ext>
+    </p:extLst>
+  </p:cSld>
+  <p:clrMapOvr>
+    <a:masterClrMapping/>
+  </p:clrMapOvr>
+</p:sld>
+</file>
+
+<file path=ppt/slides/slide11.xml><?xml version="1.0" encoding="utf-8"?>
+<p:sld xmlns:a="http://schemas.openxmlformats.org/drawingml/2006/main" xmlns:r="http://schemas.openxmlformats.org/officeDocument/2006/relationships" xmlns:p="http://schemas.openxmlformats.org/presentationml/2006/main">
+  <p:cSld>
+    <p:spTree>
+      <p:nvGrpSpPr>
+        <p:cNvPr id="1" name=""/>
+        <p:cNvGrpSpPr/>
+        <p:nvPr/>
+      </p:nvGrpSpPr>
+      <p:grpSpPr>
+        <a:xfrm>
+          <a:off x="0" y="0"/>
+          <a:ext cx="0" cy="0"/>
+          <a:chOff x="0" y="0"/>
+          <a:chExt cx="0" cy="0"/>
+        </a:xfrm>
+      </p:grpSpPr>
+      <p:sp>
+        <p:nvSpPr>
+          <p:cNvPr id="2" name="標題 1">
+            <a:extLst>
+              <a:ext uri="{FF2B5EF4-FFF2-40B4-BE49-F238E27FC236}">
+                <a16:creationId xmlns:a16="http://schemas.microsoft.com/office/drawing/2014/main" id="{D33D1EB0-9709-4D4F-81A0-188174CFCBFA}"/>
+              </a:ext>
+            </a:extLst>
+          </p:cNvPr>
+          <p:cNvSpPr>
+            <a:spLocks noGrp="1"/>
+          </p:cNvSpPr>
+          <p:nvPr>
+            <p:ph type="title"/>
+          </p:nvPr>
+        </p:nvSpPr>
+        <p:spPr>
+          <a:xfrm>
+            <a:off x="838200" y="2766219"/>
+            <a:ext cx="10515600" cy="1325563"/>
+          </a:xfrm>
+        </p:spPr>
+        <p:txBody>
+          <a:bodyPr/>
+          <a:lstStyle/>
+          <a:p>
+            <a:pPr algn="ctr"/>
+            <a:r>
+              <a:rPr kumimoji="1" lang="en-US" altLang="zh-TW" dirty="0"/>
+              <a:t>Q&amp;A</a:t>
+            </a:r>
+            <a:endParaRPr kumimoji="1" lang="zh-TW" altLang="en-US" dirty="0"/>
+          </a:p>
+        </p:txBody>
+      </p:sp>
+    </p:spTree>
+    <p:extLst>
+      <p:ext uri="{BB962C8B-B14F-4D97-AF65-F5344CB8AC3E}">
+        <p14:creationId xmlns:p14="http://schemas.microsoft.com/office/powerpoint/2010/main" val="116588450"/>
       </p:ext>
     </p:extLst>
   </p:cSld>
@@ -8163,19 +8316,17 @@
       </p:sp>
       <p:pic>
         <p:nvPicPr>
-          <p:cNvPr id="5" name="內容版面配置區 4">
+          <p:cNvPr id="4" name="內容版面配置區 4">
             <a:extLst>
               <a:ext uri="{FF2B5EF4-FFF2-40B4-BE49-F238E27FC236}">
-                <a16:creationId xmlns:a16="http://schemas.microsoft.com/office/drawing/2014/main" id="{8BC03E8A-762D-014B-AD7A-C94782703A5A}"/>
+                <a16:creationId xmlns:a16="http://schemas.microsoft.com/office/drawing/2014/main" id="{84D2F783-9549-9740-B8F6-0975031FD266}"/>
               </a:ext>
             </a:extLst>
           </p:cNvPr>
           <p:cNvPicPr>
-            <a:picLocks noGrp="1" noChangeAspect="1"/>
+            <a:picLocks noChangeAspect="1"/>
           </p:cNvPicPr>
-          <p:nvPr>
-            <p:ph idx="1"/>
-          </p:nvPr>
+          <p:nvPr/>
         </p:nvPicPr>
         <p:blipFill>
           <a:blip r:embed="rId2"/>
@@ -8185,9 +8336,12 @@
         </p:blipFill>
         <p:spPr>
           <a:xfrm>
-            <a:off x="1069848" y="180540"/>
-            <a:ext cx="10340788" cy="6677460"/>
+            <a:off x="838200" y="40341"/>
+            <a:ext cx="10340788" cy="6677459"/>
           </a:xfrm>
+          <a:prstGeom prst="rect">
+            <a:avLst/>
+          </a:prstGeom>
         </p:spPr>
       </p:pic>
     </p:spTree>
@@ -8234,7 +8388,7 @@
                                           </p:stCondLst>
                                         </p:cTn>
                                         <p:tgtEl>
-                                          <p:spTgt spid="5"/>
+                                          <p:spTgt spid="4"/>
                                         </p:tgtEl>
                                         <p:attrNameLst>
                                           <p:attrName>style.visibility</p:attrName>
@@ -8248,7 +8402,7 @@
                                       <p:cBhvr additive="base">
                                         <p:cTn id="7" dur="500" fill="hold"/>
                                         <p:tgtEl>
-                                          <p:spTgt spid="5"/>
+                                          <p:spTgt spid="4"/>
                                         </p:tgtEl>
                                         <p:attrNameLst>
                                           <p:attrName>ppt_x</p:attrName>
@@ -8271,7 +8425,7 @@
                                       <p:cBhvr additive="base">
                                         <p:cTn id="8" dur="500" fill="hold"/>
                                         <p:tgtEl>
-                                          <p:spTgt spid="5"/>
+                                          <p:spTgt spid="4"/>
                                         </p:tgtEl>
                                         <p:attrNameLst>
                                           <p:attrName>ppt_y</p:attrName>
@@ -8341,6 +8495,274 @@
           <a:chExt cx="0" cy="0"/>
         </a:xfrm>
       </p:grpSpPr>
+      <p:grpSp>
+        <p:nvGrpSpPr>
+          <p:cNvPr id="6" name="群組 5">
+            <a:extLst>
+              <a:ext uri="{FF2B5EF4-FFF2-40B4-BE49-F238E27FC236}">
+                <a16:creationId xmlns:a16="http://schemas.microsoft.com/office/drawing/2014/main" id="{CAF7D68E-879A-8943-9E7E-29C23E537C30}"/>
+              </a:ext>
+            </a:extLst>
+          </p:cNvPr>
+          <p:cNvGrpSpPr/>
+          <p:nvPr/>
+        </p:nvGrpSpPr>
+        <p:grpSpPr>
+          <a:xfrm>
+            <a:off x="2156011" y="0"/>
+            <a:ext cx="8628529" cy="7382435"/>
+            <a:chOff x="838201" y="40342"/>
+            <a:chExt cx="6315634" cy="6279776"/>
+          </a:xfrm>
+        </p:grpSpPr>
+        <p:pic>
+          <p:nvPicPr>
+            <p:cNvPr id="4" name="內容版面配置區 4">
+              <a:extLst>
+                <a:ext uri="{FF2B5EF4-FFF2-40B4-BE49-F238E27FC236}">
+                  <a16:creationId xmlns:a16="http://schemas.microsoft.com/office/drawing/2014/main" id="{5A9FE90E-AC1D-3543-A26C-BEE5339F5480}"/>
+                </a:ext>
+              </a:extLst>
+            </p:cNvPr>
+            <p:cNvPicPr>
+              <a:picLocks noChangeAspect="1"/>
+            </p:cNvPicPr>
+            <p:nvPr/>
+          </p:nvPicPr>
+          <p:blipFill rotWithShape="1">
+            <a:blip r:embed="rId2"/>
+            <a:srcRect r="46093" b="9573"/>
+            <a:stretch/>
+          </p:blipFill>
+          <p:spPr>
+            <a:xfrm>
+              <a:off x="838201" y="40342"/>
+              <a:ext cx="5511800" cy="5970493"/>
+            </a:xfrm>
+            <a:prstGeom prst="rect">
+              <a:avLst/>
+            </a:prstGeom>
+          </p:spPr>
+        </p:pic>
+        <p:sp>
+          <p:nvSpPr>
+            <p:cNvPr id="5" name="矩形 4">
+              <a:extLst>
+                <a:ext uri="{FF2B5EF4-FFF2-40B4-BE49-F238E27FC236}">
+                  <a16:creationId xmlns:a16="http://schemas.microsoft.com/office/drawing/2014/main" id="{02BA08EC-734D-A949-965A-E85ED126D7EF}"/>
+                </a:ext>
+              </a:extLst>
+            </p:cNvPr>
+            <p:cNvSpPr/>
+            <p:nvPr/>
+          </p:nvSpPr>
+          <p:spPr>
+            <a:xfrm>
+              <a:off x="4061012" y="4908176"/>
+              <a:ext cx="3092823" cy="1411942"/>
+            </a:xfrm>
+            <a:prstGeom prst="rect">
+              <a:avLst/>
+            </a:prstGeom>
+            <a:solidFill>
+              <a:schemeClr val="bg1"/>
+            </a:solidFill>
+            <a:ln>
+              <a:solidFill>
+                <a:schemeClr val="bg1"/>
+              </a:solidFill>
+            </a:ln>
+          </p:spPr>
+          <p:style>
+            <a:lnRef idx="2">
+              <a:schemeClr val="accent1">
+                <a:shade val="50000"/>
+              </a:schemeClr>
+            </a:lnRef>
+            <a:fillRef idx="1">
+              <a:schemeClr val="accent1"/>
+            </a:fillRef>
+            <a:effectRef idx="0">
+              <a:schemeClr val="accent1"/>
+            </a:effectRef>
+            <a:fontRef idx="minor">
+              <a:schemeClr val="lt1"/>
+            </a:fontRef>
+          </p:style>
+          <p:txBody>
+            <a:bodyPr rtlCol="0" anchor="ctr"/>
+            <a:lstStyle/>
+            <a:p>
+              <a:pPr algn="ctr"/>
+              <a:endParaRPr kumimoji="1" lang="zh-TW" altLang="en-US"/>
+            </a:p>
+          </p:txBody>
+        </p:sp>
+      </p:grpSp>
+    </p:spTree>
+    <p:extLst>
+      <p:ext uri="{BB962C8B-B14F-4D97-AF65-F5344CB8AC3E}">
+        <p14:creationId xmlns:p14="http://schemas.microsoft.com/office/powerpoint/2010/main" val="3819268851"/>
+      </p:ext>
+    </p:extLst>
+  </p:cSld>
+  <p:clrMapOvr>
+    <a:masterClrMapping/>
+  </p:clrMapOvr>
+</p:sld>
+</file>
+
+<file path=ppt/slides/slide5.xml><?xml version="1.0" encoding="utf-8"?>
+<p:sld xmlns:a="http://schemas.openxmlformats.org/drawingml/2006/main" xmlns:r="http://schemas.openxmlformats.org/officeDocument/2006/relationships" xmlns:p="http://schemas.openxmlformats.org/presentationml/2006/main">
+  <p:cSld>
+    <p:spTree>
+      <p:nvGrpSpPr>
+        <p:cNvPr id="1" name=""/>
+        <p:cNvGrpSpPr/>
+        <p:nvPr/>
+      </p:nvGrpSpPr>
+      <p:grpSpPr>
+        <a:xfrm>
+          <a:off x="0" y="0"/>
+          <a:ext cx="0" cy="0"/>
+          <a:chOff x="0" y="0"/>
+          <a:chExt cx="0" cy="0"/>
+        </a:xfrm>
+      </p:grpSpPr>
+      <p:grpSp>
+        <p:nvGrpSpPr>
+          <p:cNvPr id="5" name="群組 4">
+            <a:extLst>
+              <a:ext uri="{FF2B5EF4-FFF2-40B4-BE49-F238E27FC236}">
+                <a16:creationId xmlns:a16="http://schemas.microsoft.com/office/drawing/2014/main" id="{3089995C-BAE8-1347-B2AA-F1DABCA7C72F}"/>
+              </a:ext>
+            </a:extLst>
+          </p:cNvPr>
+          <p:cNvGrpSpPr/>
+          <p:nvPr/>
+        </p:nvGrpSpPr>
+        <p:grpSpPr>
+          <a:xfrm>
+            <a:off x="-1519518" y="-847165"/>
+            <a:ext cx="12115801" cy="7705165"/>
+            <a:chOff x="2043953" y="995082"/>
+            <a:chExt cx="9362234" cy="5862918"/>
+          </a:xfrm>
+        </p:grpSpPr>
+        <p:pic>
+          <p:nvPicPr>
+            <p:cNvPr id="3" name="圖片 2">
+              <a:extLst>
+                <a:ext uri="{FF2B5EF4-FFF2-40B4-BE49-F238E27FC236}">
+                  <a16:creationId xmlns:a16="http://schemas.microsoft.com/office/drawing/2014/main" id="{1B7586BE-A823-CC4E-BBEA-9255968E854B}"/>
+                </a:ext>
+              </a:extLst>
+            </p:cNvPr>
+            <p:cNvPicPr>
+              <a:picLocks noChangeAspect="1"/>
+            </p:cNvPicPr>
+            <p:nvPr/>
+          </p:nvPicPr>
+          <p:blipFill rotWithShape="1">
+            <a:blip r:embed="rId2"/>
+            <a:srcRect l="31092" t="24117"/>
+            <a:stretch/>
+          </p:blipFill>
+          <p:spPr>
+            <a:xfrm>
+              <a:off x="4087906" y="1653988"/>
+              <a:ext cx="7318281" cy="5204012"/>
+            </a:xfrm>
+            <a:prstGeom prst="rect">
+              <a:avLst/>
+            </a:prstGeom>
+          </p:spPr>
+        </p:pic>
+        <p:sp>
+          <p:nvSpPr>
+            <p:cNvPr id="4" name="矩形 3">
+              <a:extLst>
+                <a:ext uri="{FF2B5EF4-FFF2-40B4-BE49-F238E27FC236}">
+                  <a16:creationId xmlns:a16="http://schemas.microsoft.com/office/drawing/2014/main" id="{4885A2A2-901B-534E-97C3-00C4635E7374}"/>
+                </a:ext>
+              </a:extLst>
+            </p:cNvPr>
+            <p:cNvSpPr/>
+            <p:nvPr/>
+          </p:nvSpPr>
+          <p:spPr>
+            <a:xfrm>
+              <a:off x="2043953" y="995082"/>
+              <a:ext cx="4343400" cy="4155142"/>
+            </a:xfrm>
+            <a:prstGeom prst="rect">
+              <a:avLst/>
+            </a:prstGeom>
+            <a:solidFill>
+              <a:schemeClr val="bg1"/>
+            </a:solidFill>
+            <a:ln>
+              <a:solidFill>
+                <a:schemeClr val="bg1"/>
+              </a:solidFill>
+            </a:ln>
+          </p:spPr>
+          <p:style>
+            <a:lnRef idx="2">
+              <a:schemeClr val="accent1">
+                <a:shade val="50000"/>
+              </a:schemeClr>
+            </a:lnRef>
+            <a:fillRef idx="1">
+              <a:schemeClr val="accent1"/>
+            </a:fillRef>
+            <a:effectRef idx="0">
+              <a:schemeClr val="accent1"/>
+            </a:effectRef>
+            <a:fontRef idx="minor">
+              <a:schemeClr val="lt1"/>
+            </a:fontRef>
+          </p:style>
+          <p:txBody>
+            <a:bodyPr rtlCol="0" anchor="ctr"/>
+            <a:lstStyle/>
+            <a:p>
+              <a:pPr algn="ctr"/>
+              <a:endParaRPr kumimoji="1" lang="zh-TW" altLang="en-US"/>
+            </a:p>
+          </p:txBody>
+        </p:sp>
+      </p:grpSp>
+    </p:spTree>
+    <p:extLst>
+      <p:ext uri="{BB962C8B-B14F-4D97-AF65-F5344CB8AC3E}">
+        <p14:creationId xmlns:p14="http://schemas.microsoft.com/office/powerpoint/2010/main" val="3930790485"/>
+      </p:ext>
+    </p:extLst>
+  </p:cSld>
+  <p:clrMapOvr>
+    <a:masterClrMapping/>
+  </p:clrMapOvr>
+</p:sld>
+</file>
+
+<file path=ppt/slides/slide6.xml><?xml version="1.0" encoding="utf-8"?>
+<p:sld xmlns:a="http://schemas.openxmlformats.org/drawingml/2006/main" xmlns:r="http://schemas.openxmlformats.org/officeDocument/2006/relationships" xmlns:p="http://schemas.openxmlformats.org/presentationml/2006/main">
+  <p:cSld>
+    <p:spTree>
+      <p:nvGrpSpPr>
+        <p:cNvPr id="1" name=""/>
+        <p:cNvGrpSpPr/>
+        <p:nvPr/>
+      </p:nvGrpSpPr>
+      <p:grpSpPr>
+        <a:xfrm>
+          <a:off x="0" y="0"/>
+          <a:ext cx="0" cy="0"/>
+          <a:chOff x="0" y="0"/>
+          <a:chExt cx="0" cy="0"/>
+        </a:xfrm>
+      </p:grpSpPr>
       <p:sp>
         <p:nvSpPr>
           <p:cNvPr id="2" name="標題 1">
@@ -8412,7 +8834,7 @@
 </p:sld>
 </file>
 
-<file path=ppt/slides/slide5.xml><?xml version="1.0" encoding="utf-8"?>
+<file path=ppt/slides/slide7.xml><?xml version="1.0" encoding="utf-8"?>
 <p:sld xmlns:a="http://schemas.openxmlformats.org/drawingml/2006/main" xmlns:r="http://schemas.openxmlformats.org/officeDocument/2006/relationships" xmlns:p="http://schemas.openxmlformats.org/presentationml/2006/main">
   <p:cSld>
     <p:spTree>
@@ -8500,7 +8922,7 @@
 </p:sld>
 </file>
 
-<file path=ppt/slides/slide6.xml><?xml version="1.0" encoding="utf-8"?>
+<file path=ppt/slides/slide8.xml><?xml version="1.0" encoding="utf-8"?>
 <p:sld xmlns:a="http://schemas.openxmlformats.org/drawingml/2006/main" xmlns:r="http://schemas.openxmlformats.org/officeDocument/2006/relationships" xmlns:p="http://schemas.openxmlformats.org/presentationml/2006/main">
   <p:cSld>
     <p:spTree>
@@ -8570,8 +8992,8 @@
         </p:blipFill>
         <p:spPr>
           <a:xfrm>
-            <a:off x="1000129" y="1468567"/>
-            <a:ext cx="10191742" cy="5160703"/>
+            <a:off x="1603076" y="1468567"/>
+            <a:ext cx="8985847" cy="5160703"/>
           </a:xfrm>
         </p:spPr>
       </p:pic>
@@ -8588,7 +9010,7 @@
 </p:sld>
 </file>
 
-<file path=ppt/slides/slide7.xml><?xml version="1.0" encoding="utf-8"?>
+<file path=ppt/slides/slide9.xml><?xml version="1.0" encoding="utf-8"?>
 <p:sld xmlns:a="http://schemas.openxmlformats.org/drawingml/2006/main" xmlns:r="http://schemas.openxmlformats.org/officeDocument/2006/relationships" xmlns:p="http://schemas.openxmlformats.org/presentationml/2006/main">
   <p:cSld>
     <p:spTree>
@@ -10689,157 +11111,6 @@
 </p:sld>
 </file>
 
-<file path=ppt/slides/slide8.xml><?xml version="1.0" encoding="utf-8"?>
-<p:sld xmlns:a="http://schemas.openxmlformats.org/drawingml/2006/main" xmlns:r="http://schemas.openxmlformats.org/officeDocument/2006/relationships" xmlns:p="http://schemas.openxmlformats.org/presentationml/2006/main">
-  <p:cSld>
-    <p:spTree>
-      <p:nvGrpSpPr>
-        <p:cNvPr id="1" name=""/>
-        <p:cNvGrpSpPr/>
-        <p:nvPr/>
-      </p:nvGrpSpPr>
-      <p:grpSpPr>
-        <a:xfrm>
-          <a:off x="0" y="0"/>
-          <a:ext cx="0" cy="0"/>
-          <a:chOff x="0" y="0"/>
-          <a:chExt cx="0" cy="0"/>
-        </a:xfrm>
-      </p:grpSpPr>
-      <p:sp>
-        <p:nvSpPr>
-          <p:cNvPr id="2" name="標題 1">
-            <a:extLst>
-              <a:ext uri="{FF2B5EF4-FFF2-40B4-BE49-F238E27FC236}">
-                <a16:creationId xmlns:a16="http://schemas.microsoft.com/office/drawing/2014/main" id="{2B5DF70C-0980-854E-A718-1396A5CBEE40}"/>
-              </a:ext>
-            </a:extLst>
-          </p:cNvPr>
-          <p:cNvSpPr>
-            <a:spLocks noGrp="1"/>
-          </p:cNvSpPr>
-          <p:nvPr>
-            <p:ph type="title"/>
-          </p:nvPr>
-        </p:nvSpPr>
-        <p:spPr/>
-        <p:txBody>
-          <a:bodyPr>
-            <a:normAutofit/>
-          </a:bodyPr>
-          <a:lstStyle/>
-          <a:p>
-            <a:r>
-              <a:rPr lang="en-US" altLang="zh-TW" dirty="0"/>
-              <a:t>Technologies and Tools</a:t>
-            </a:r>
-            <a:endParaRPr kumimoji="1" lang="zh-TW" altLang="en-US" dirty="0"/>
-          </a:p>
-        </p:txBody>
-      </p:sp>
-      <p:sp>
-        <p:nvSpPr>
-          <p:cNvPr id="3" name="內容版面配置區 2">
-            <a:extLst>
-              <a:ext uri="{FF2B5EF4-FFF2-40B4-BE49-F238E27FC236}">
-                <a16:creationId xmlns:a16="http://schemas.microsoft.com/office/drawing/2014/main" id="{85E430AC-9EE4-C242-AB33-58B1BB080181}"/>
-              </a:ext>
-            </a:extLst>
-          </p:cNvPr>
-          <p:cNvSpPr>
-            <a:spLocks noGrp="1"/>
-          </p:cNvSpPr>
-          <p:nvPr>
-            <p:ph idx="1"/>
-          </p:nvPr>
-        </p:nvSpPr>
-        <p:spPr/>
-        <p:txBody>
-          <a:bodyPr/>
-          <a:lstStyle/>
-          <a:p>
-            <a:endParaRPr kumimoji="1" lang="zh-TW" altLang="en-US"/>
-          </a:p>
-        </p:txBody>
-      </p:sp>
-    </p:spTree>
-    <p:extLst>
-      <p:ext uri="{BB962C8B-B14F-4D97-AF65-F5344CB8AC3E}">
-        <p14:creationId xmlns:p14="http://schemas.microsoft.com/office/powerpoint/2010/main" val="3912835972"/>
-      </p:ext>
-    </p:extLst>
-  </p:cSld>
-  <p:clrMapOvr>
-    <a:masterClrMapping/>
-  </p:clrMapOvr>
-</p:sld>
-</file>
-
-<file path=ppt/slides/slide9.xml><?xml version="1.0" encoding="utf-8"?>
-<p:sld xmlns:a="http://schemas.openxmlformats.org/drawingml/2006/main" xmlns:r="http://schemas.openxmlformats.org/officeDocument/2006/relationships" xmlns:p="http://schemas.openxmlformats.org/presentationml/2006/main">
-  <p:cSld>
-    <p:spTree>
-      <p:nvGrpSpPr>
-        <p:cNvPr id="1" name=""/>
-        <p:cNvGrpSpPr/>
-        <p:nvPr/>
-      </p:nvGrpSpPr>
-      <p:grpSpPr>
-        <a:xfrm>
-          <a:off x="0" y="0"/>
-          <a:ext cx="0" cy="0"/>
-          <a:chOff x="0" y="0"/>
-          <a:chExt cx="0" cy="0"/>
-        </a:xfrm>
-      </p:grpSpPr>
-      <p:sp>
-        <p:nvSpPr>
-          <p:cNvPr id="2" name="標題 1">
-            <a:extLst>
-              <a:ext uri="{FF2B5EF4-FFF2-40B4-BE49-F238E27FC236}">
-                <a16:creationId xmlns:a16="http://schemas.microsoft.com/office/drawing/2014/main" id="{D33D1EB0-9709-4D4F-81A0-188174CFCBFA}"/>
-              </a:ext>
-            </a:extLst>
-          </p:cNvPr>
-          <p:cNvSpPr>
-            <a:spLocks noGrp="1"/>
-          </p:cNvSpPr>
-          <p:nvPr>
-            <p:ph type="title"/>
-          </p:nvPr>
-        </p:nvSpPr>
-        <p:spPr>
-          <a:xfrm>
-            <a:off x="838200" y="2766219"/>
-            <a:ext cx="10515600" cy="1325563"/>
-          </a:xfrm>
-        </p:spPr>
-        <p:txBody>
-          <a:bodyPr/>
-          <a:lstStyle/>
-          <a:p>
-            <a:pPr algn="ctr"/>
-            <a:r>
-              <a:rPr kumimoji="1" lang="en-US" altLang="zh-TW" dirty="0"/>
-              <a:t>Q&amp;A</a:t>
-            </a:r>
-            <a:endParaRPr kumimoji="1" lang="zh-TW" altLang="en-US" dirty="0"/>
-          </a:p>
-        </p:txBody>
-      </p:sp>
-    </p:spTree>
-    <p:extLst>
-      <p:ext uri="{BB962C8B-B14F-4D97-AF65-F5344CB8AC3E}">
-        <p14:creationId xmlns:p14="http://schemas.microsoft.com/office/powerpoint/2010/main" val="116588450"/>
-      </p:ext>
-    </p:extLst>
-  </p:cSld>
-  <p:clrMapOvr>
-    <a:masterClrMapping/>
-  </p:clrMapOvr>
-</p:sld>
-</file>
-
 <file path=ppt/theme/theme1.xml><?xml version="1.0" encoding="utf-8"?>
 <a:theme xmlns:a="http://schemas.openxmlformats.org/drawingml/2006/main" name="Office 佈景主題">
   <a:themeElements>

--- a/Documents P3/CS 414 Rollerball Project 03.pptx
+++ b/Documents P3/CS 414 Rollerball Project 03.pptx
@@ -7458,10 +7458,91 @@
         </p:nvSpPr>
         <p:spPr/>
         <p:txBody>
-          <a:bodyPr/>
+          <a:bodyPr>
+            <a:normAutofit fontScale="70000" lnSpcReduction="20000"/>
+          </a:bodyPr>
           <a:lstStyle/>
           <a:p>
-            <a:endParaRPr kumimoji="1" lang="zh-TW" altLang="en-US"/>
+            <a:pPr marL="0" indent="0">
+              <a:buNone/>
+            </a:pPr>
+            <a:r>
+              <a:rPr kumimoji="1" lang="en" altLang="zh-TW" sz="3100" dirty="0"/>
+              <a:t>Programming Language:</a:t>
+            </a:r>
+          </a:p>
+          <a:p>
+            <a:r>
+              <a:rPr kumimoji="1" lang="en" altLang="zh-TW" dirty="0"/>
+              <a:t>Java</a:t>
+            </a:r>
+          </a:p>
+          <a:p>
+            <a:pPr marL="0" indent="0">
+              <a:buNone/>
+            </a:pPr>
+            <a:endParaRPr kumimoji="1" lang="en" altLang="zh-TW" dirty="0"/>
+          </a:p>
+          <a:p>
+            <a:pPr marL="0" indent="0">
+              <a:buNone/>
+            </a:pPr>
+            <a:r>
+              <a:rPr kumimoji="1" lang="en" altLang="zh-TW" sz="3100" dirty="0"/>
+              <a:t>Programming Environment:</a:t>
+            </a:r>
+          </a:p>
+          <a:p>
+            <a:r>
+              <a:rPr kumimoji="1" lang="en" altLang="zh-TW" dirty="0"/>
+              <a:t>Eclipse</a:t>
+            </a:r>
+          </a:p>
+          <a:p>
+            <a:r>
+              <a:rPr lang="zh-TW" altLang="zh-TW" dirty="0"/>
+              <a:t>IntelliJ IDEA</a:t>
+            </a:r>
+            <a:endParaRPr lang="en-US" altLang="zh-TW" dirty="0"/>
+          </a:p>
+          <a:p>
+            <a:endParaRPr lang="en-US" altLang="zh-TW" dirty="0"/>
+          </a:p>
+          <a:p>
+            <a:pPr marL="0" indent="0">
+              <a:buNone/>
+            </a:pPr>
+            <a:r>
+              <a:rPr kumimoji="1" lang="en-US" altLang="zh-TW" sz="3100" dirty="0"/>
+              <a:t>Testing:</a:t>
+            </a:r>
+          </a:p>
+          <a:p>
+            <a:r>
+              <a:rPr kumimoji="1" lang="en" altLang="zh-TW" dirty="0"/>
+              <a:t>Travis Continuous Integration</a:t>
+            </a:r>
+          </a:p>
+          <a:p>
+            <a:endParaRPr kumimoji="1" lang="en" altLang="zh-TW" dirty="0"/>
+          </a:p>
+          <a:p>
+            <a:pPr marL="0" indent="0">
+              <a:buNone/>
+            </a:pPr>
+            <a:r>
+              <a:rPr kumimoji="1" lang="en" altLang="zh-TW" sz="3100" dirty="0"/>
+              <a:t>Other:</a:t>
+            </a:r>
+          </a:p>
+          <a:p>
+            <a:r>
+              <a:rPr kumimoji="1" lang="en" altLang="zh-TW" dirty="0"/>
+              <a:t>GitHub</a:t>
+            </a:r>
+          </a:p>
+          <a:p>
+            <a:endParaRPr kumimoji="1" lang="zh-TW" altLang="en-US" dirty="0"/>
           </a:p>
         </p:txBody>
       </p:sp>
@@ -7523,10 +7604,18 @@
           <a:p>
             <a:pPr algn="ctr"/>
             <a:r>
+              <a:rPr kumimoji="1" lang="en-US" altLang="zh-TW" sz="6600" dirty="0"/>
+              <a:t>Q </a:t>
+            </a:r>
+            <a:r>
               <a:rPr kumimoji="1" lang="en-US" altLang="zh-TW" dirty="0"/>
-              <a:t>Q&amp;A</a:t>
+              <a:t>&amp; </a:t>
             </a:r>
-            <a:endParaRPr kumimoji="1" lang="zh-TW" altLang="en-US" dirty="0"/>
+            <a:r>
+              <a:rPr kumimoji="1" lang="en-US" altLang="zh-TW" sz="6600" dirty="0"/>
+              <a:t>A</a:t>
+            </a:r>
+            <a:endParaRPr kumimoji="1" lang="zh-TW" altLang="en-US" sz="6600" dirty="0"/>
           </a:p>
         </p:txBody>
       </p:sp>
@@ -7605,13 +7694,13 @@
             <p:ph idx="1"/>
             <p:extLst>
               <p:ext uri="{D42A27DB-BD31-4B8C-83A1-F6EECF244321}">
-                <p14:modId xmlns:p14="http://schemas.microsoft.com/office/powerpoint/2010/main" val="724628717"/>
+                <p14:modId xmlns:p14="http://schemas.microsoft.com/office/powerpoint/2010/main" val="4148125600"/>
               </p:ext>
             </p:extLst>
           </p:nvPr>
         </p:nvGraphicFramePr>
         <p:xfrm>
-          <a:off x="4673743" y="244100"/>
+          <a:off x="4673743" y="266134"/>
           <a:ext cx="7321033" cy="6492874"/>
         </p:xfrm>
         <a:graphic>
@@ -7849,7 +7938,7 @@
                         </a:rPr>
                         <a:t>The game state is a real time snapshot of a game that includes the current position of pieces on the board as well as who's turn it is.</a:t>
                       </a:r>
-                      <a:endParaRPr lang="zh-TW" sz="1400">
+                      <a:endParaRPr lang="zh-TW" sz="1400" dirty="0">
                         <a:effectLst/>
                         <a:latin typeface="Times New Roman" panose="02020603050405020304" pitchFamily="18" charset="0"/>
                         <a:ea typeface="新細明體" panose="02020500000000000000" pitchFamily="18" charset="-120"/>
@@ -8239,7 +8328,7 @@
             </a:r>
             <a:r>
               <a:rPr kumimoji="1" lang="en-US" altLang="zh-TW" sz="2000" dirty="0" err="1"/>
-              <a:t>gamehistory</a:t>
+              <a:t>GameHistory</a:t>
             </a:r>
             <a:r>
               <a:rPr kumimoji="1" lang="en-US" altLang="zh-TW" sz="2000" dirty="0"/>
@@ -8509,8 +8598,8 @@
         </p:nvGrpSpPr>
         <p:grpSpPr>
           <a:xfrm>
-            <a:off x="2156011" y="0"/>
-            <a:ext cx="8628529" cy="7382435"/>
+            <a:off x="2277198" y="121185"/>
+            <a:ext cx="8497300" cy="6996845"/>
             <a:chOff x="838201" y="40342"/>
             <a:chExt cx="6315634" cy="6279776"/>
           </a:xfrm>
@@ -8643,7 +8732,7 @@
         </p:nvGrpSpPr>
         <p:grpSpPr>
           <a:xfrm>
-            <a:off x="-1519518" y="-847165"/>
+            <a:off x="-1486467" y="-924283"/>
             <a:ext cx="12115801" cy="7705165"/>
             <a:chOff x="2043953" y="995082"/>
             <a:chExt cx="9362234" cy="5862918"/>
@@ -8904,7 +8993,7 @@
         </p:blipFill>
         <p:spPr>
           <a:xfrm>
-            <a:off x="1000129" y="1239837"/>
+            <a:off x="1000129" y="1305939"/>
             <a:ext cx="10191742" cy="5618163"/>
           </a:xfrm>
         </p:spPr>

--- a/Documents P3/CS 414 Rollerball Project 03.pptx
+++ b/Documents P3/CS 414 Rollerball Project 03.pptx
@@ -270,7 +270,7 @@
           <a:p>
             <a:fld id="{55B79785-3012-D54A-860E-226ED4EF2A90}" type="datetimeFigureOut">
               <a:rPr kumimoji="1" lang="zh-TW" altLang="en-US" smtClean="0"/>
-              <a:t>2018/10/29</a:t>
+              <a:t>2018/10/30</a:t>
             </a:fld>
             <a:endParaRPr kumimoji="1" lang="zh-TW" altLang="en-US"/>
           </a:p>
@@ -443,7 +443,7 @@
           <a:p>
             <a:fld id="{55B79785-3012-D54A-860E-226ED4EF2A90}" type="datetimeFigureOut">
               <a:rPr kumimoji="1" lang="zh-TW" altLang="en-US" smtClean="0"/>
-              <a:t>2018/10/29</a:t>
+              <a:t>2018/10/30</a:t>
             </a:fld>
             <a:endParaRPr kumimoji="1" lang="zh-TW" altLang="en-US"/>
           </a:p>
@@ -626,7 +626,7 @@
           <a:p>
             <a:fld id="{55B79785-3012-D54A-860E-226ED4EF2A90}" type="datetimeFigureOut">
               <a:rPr kumimoji="1" lang="zh-TW" altLang="en-US" smtClean="0"/>
-              <a:t>2018/10/29</a:t>
+              <a:t>2018/10/30</a:t>
             </a:fld>
             <a:endParaRPr kumimoji="1" lang="zh-TW" altLang="en-US"/>
           </a:p>
@@ -1200,7 +1200,7 @@
           <a:p>
             <a:fld id="{55B79785-3012-D54A-860E-226ED4EF2A90}" type="datetimeFigureOut">
               <a:rPr kumimoji="1" lang="zh-TW" altLang="en-US" smtClean="0"/>
-              <a:t>2018/10/29</a:t>
+              <a:t>2018/10/30</a:t>
             </a:fld>
             <a:endParaRPr kumimoji="1" lang="zh-TW" altLang="en-US"/>
           </a:p>
@@ -1355,7 +1355,7 @@
           <a:p>
             <a:fld id="{55B79785-3012-D54A-860E-226ED4EF2A90}" type="datetimeFigureOut">
               <a:rPr kumimoji="1" lang="zh-TW" altLang="en-US" smtClean="0"/>
-              <a:t>2018/10/29</a:t>
+              <a:t>2018/10/30</a:t>
             </a:fld>
             <a:endParaRPr kumimoji="1" lang="zh-TW" altLang="en-US"/>
           </a:p>
@@ -1681,7 +1681,7 @@
           <a:p>
             <a:fld id="{55B79785-3012-D54A-860E-226ED4EF2A90}" type="datetimeFigureOut">
               <a:rPr kumimoji="1" lang="zh-TW" altLang="en-US" smtClean="0"/>
-              <a:t>2018/10/29</a:t>
+              <a:t>2018/10/30</a:t>
             </a:fld>
             <a:endParaRPr kumimoji="1" lang="zh-TW" altLang="en-US"/>
           </a:p>
@@ -2093,7 +2093,7 @@
           <a:p>
             <a:fld id="{55B79785-3012-D54A-860E-226ED4EF2A90}" type="datetimeFigureOut">
               <a:rPr kumimoji="1" lang="zh-TW" altLang="en-US" smtClean="0"/>
-              <a:t>2018/10/29</a:t>
+              <a:t>2018/10/30</a:t>
             </a:fld>
             <a:endParaRPr kumimoji="1" lang="zh-TW" altLang="en-US"/>
           </a:p>
@@ -2466,7 +2466,7 @@
           <a:p>
             <a:fld id="{55B79785-3012-D54A-860E-226ED4EF2A90}" type="datetimeFigureOut">
               <a:rPr kumimoji="1" lang="zh-TW" altLang="en-US" smtClean="0"/>
-              <a:t>2018/10/29</a:t>
+              <a:t>2018/10/30</a:t>
             </a:fld>
             <a:endParaRPr kumimoji="1" lang="zh-TW" altLang="en-US"/>
           </a:p>
@@ -2584,7 +2584,7 @@
           <a:p>
             <a:fld id="{55B79785-3012-D54A-860E-226ED4EF2A90}" type="datetimeFigureOut">
               <a:rPr kumimoji="1" lang="zh-TW" altLang="en-US" smtClean="0"/>
-              <a:t>2018/10/29</a:t>
+              <a:t>2018/10/30</a:t>
             </a:fld>
             <a:endParaRPr kumimoji="1" lang="zh-TW" altLang="en-US"/>
           </a:p>
@@ -2702,7 +2702,7 @@
           <a:p>
             <a:fld id="{55B79785-3012-D54A-860E-226ED4EF2A90}" type="datetimeFigureOut">
               <a:rPr kumimoji="1" lang="zh-TW" altLang="en-US" smtClean="0"/>
-              <a:t>2018/10/29</a:t>
+              <a:t>2018/10/30</a:t>
             </a:fld>
             <a:endParaRPr kumimoji="1" lang="zh-TW" altLang="en-US"/>
           </a:p>
@@ -3041,7 +3041,7 @@
           <a:p>
             <a:fld id="{55B79785-3012-D54A-860E-226ED4EF2A90}" type="datetimeFigureOut">
               <a:rPr kumimoji="1" lang="zh-TW" altLang="en-US" smtClean="0"/>
-              <a:t>2018/10/29</a:t>
+              <a:t>2018/10/30</a:t>
             </a:fld>
             <a:endParaRPr kumimoji="1" lang="zh-TW" altLang="en-US"/>
           </a:p>
@@ -3365,7 +3365,7 @@
           <a:p>
             <a:fld id="{55B79785-3012-D54A-860E-226ED4EF2A90}" type="datetimeFigureOut">
               <a:rPr kumimoji="1" lang="zh-TW" altLang="en-US" smtClean="0"/>
-              <a:t>2018/10/29</a:t>
+              <a:t>2018/10/30</a:t>
             </a:fld>
             <a:endParaRPr kumimoji="1" lang="zh-TW" altLang="en-US"/>
           </a:p>
@@ -3726,7 +3726,7 @@
           <a:p>
             <a:fld id="{55B79785-3012-D54A-860E-226ED4EF2A90}" type="datetimeFigureOut">
               <a:rPr kumimoji="1" lang="zh-TW" altLang="en-US" smtClean="0"/>
-              <a:t>2018/10/29</a:t>
+              <a:t>2018/10/30</a:t>
             </a:fld>
             <a:endParaRPr kumimoji="1" lang="zh-TW" altLang="en-US"/>
           </a:p>
@@ -4016,7 +4016,7 @@
           <a:p>
             <a:fld id="{55B79785-3012-D54A-860E-226ED4EF2A90}" type="datetimeFigureOut">
               <a:rPr kumimoji="1" lang="zh-TW" altLang="en-US" smtClean="0"/>
-              <a:t>2018/10/29</a:t>
+              <a:t>2018/10/30</a:t>
             </a:fld>
             <a:endParaRPr kumimoji="1" lang="zh-TW" altLang="en-US"/>
           </a:p>
@@ -4172,7 +4172,7 @@
           <a:p>
             <a:fld id="{55B79785-3012-D54A-860E-226ED4EF2A90}" type="datetimeFigureOut">
               <a:rPr kumimoji="1" lang="zh-TW" altLang="en-US" smtClean="0"/>
-              <a:t>2018/10/29</a:t>
+              <a:t>2018/10/30</a:t>
             </a:fld>
             <a:endParaRPr kumimoji="1" lang="zh-TW" altLang="en-US"/>
           </a:p>
@@ -4438,7 +4438,7 @@
           <a:p>
             <a:fld id="{55B79785-3012-D54A-860E-226ED4EF2A90}" type="datetimeFigureOut">
               <a:rPr kumimoji="1" lang="zh-TW" altLang="en-US" smtClean="0"/>
-              <a:t>2018/10/29</a:t>
+              <a:t>2018/10/30</a:t>
             </a:fld>
             <a:endParaRPr kumimoji="1" lang="zh-TW" altLang="en-US"/>
           </a:p>
@@ -4653,7 +4653,7 @@
           <a:p>
             <a:fld id="{55B79785-3012-D54A-860E-226ED4EF2A90}" type="datetimeFigureOut">
               <a:rPr kumimoji="1" lang="zh-TW" altLang="en-US" smtClean="0"/>
-              <a:t>2018/10/29</a:t>
+              <a:t>2018/10/30</a:t>
             </a:fld>
             <a:endParaRPr kumimoji="1" lang="zh-TW" altLang="en-US"/>
           </a:p>
@@ -5021,7 +5021,7 @@
           <a:p>
             <a:fld id="{55B79785-3012-D54A-860E-226ED4EF2A90}" type="datetimeFigureOut">
               <a:rPr kumimoji="1" lang="zh-TW" altLang="en-US" smtClean="0"/>
-              <a:t>2018/10/29</a:t>
+              <a:t>2018/10/30</a:t>
             </a:fld>
             <a:endParaRPr kumimoji="1" lang="zh-TW" altLang="en-US"/>
           </a:p>
@@ -5162,7 +5162,7 @@
           <a:p>
             <a:fld id="{55B79785-3012-D54A-860E-226ED4EF2A90}" type="datetimeFigureOut">
               <a:rPr kumimoji="1" lang="zh-TW" altLang="en-US" smtClean="0"/>
-              <a:t>2018/10/29</a:t>
+              <a:t>2018/10/30</a:t>
             </a:fld>
             <a:endParaRPr kumimoji="1" lang="zh-TW" altLang="en-US"/>
           </a:p>
@@ -5275,7 +5275,7 @@
           <a:p>
             <a:fld id="{55B79785-3012-D54A-860E-226ED4EF2A90}" type="datetimeFigureOut">
               <a:rPr kumimoji="1" lang="zh-TW" altLang="en-US" smtClean="0"/>
-              <a:t>2018/10/29</a:t>
+              <a:t>2018/10/30</a:t>
             </a:fld>
             <a:endParaRPr kumimoji="1" lang="zh-TW" altLang="en-US"/>
           </a:p>
@@ -5564,7 +5564,7 @@
           <a:p>
             <a:fld id="{55B79785-3012-D54A-860E-226ED4EF2A90}" type="datetimeFigureOut">
               <a:rPr kumimoji="1" lang="zh-TW" altLang="en-US" smtClean="0"/>
-              <a:t>2018/10/29</a:t>
+              <a:t>2018/10/30</a:t>
             </a:fld>
             <a:endParaRPr kumimoji="1" lang="zh-TW" altLang="en-US"/>
           </a:p>
@@ -5855,7 +5855,7 @@
           <a:p>
             <a:fld id="{55B79785-3012-D54A-860E-226ED4EF2A90}" type="datetimeFigureOut">
               <a:rPr kumimoji="1" lang="zh-TW" altLang="en-US" smtClean="0"/>
-              <a:t>2018/10/29</a:t>
+              <a:t>2018/10/30</a:t>
             </a:fld>
             <a:endParaRPr kumimoji="1" lang="zh-TW" altLang="en-US"/>
           </a:p>
@@ -6071,7 +6071,7 @@
           <a:p>
             <a:fld id="{55B79785-3012-D54A-860E-226ED4EF2A90}" type="datetimeFigureOut">
               <a:rPr kumimoji="1" lang="zh-TW" altLang="en-US" smtClean="0"/>
-              <a:t>2018/10/29</a:t>
+              <a:t>2018/10/30</a:t>
             </a:fld>
             <a:endParaRPr kumimoji="1" lang="zh-TW" altLang="en-US"/>
           </a:p>
@@ -6602,7 +6602,7 @@
           <a:p>
             <a:fld id="{55B79785-3012-D54A-860E-226ED4EF2A90}" type="datetimeFigureOut">
               <a:rPr kumimoji="1" lang="zh-TW" altLang="en-US" smtClean="0"/>
-              <a:t>2018/10/29</a:t>
+              <a:t>2018/10/30</a:t>
             </a:fld>
             <a:endParaRPr kumimoji="1" lang="zh-TW" altLang="en-US"/>
           </a:p>
@@ -8426,7 +8426,7 @@
         <p:spPr>
           <a:xfrm>
             <a:off x="838200" y="40341"/>
-            <a:ext cx="10340788" cy="6677459"/>
+            <a:ext cx="10340787" cy="6677459"/>
           </a:xfrm>
           <a:prstGeom prst="rect">
             <a:avLst/>
@@ -8586,10 +8586,10 @@
       </p:grpSpPr>
       <p:grpSp>
         <p:nvGrpSpPr>
-          <p:cNvPr id="6" name="群組 5">
+          <p:cNvPr id="3" name="群組 2">
             <a:extLst>
               <a:ext uri="{FF2B5EF4-FFF2-40B4-BE49-F238E27FC236}">
-                <a16:creationId xmlns:a16="http://schemas.microsoft.com/office/drawing/2014/main" id="{CAF7D68E-879A-8943-9E7E-29C23E537C30}"/>
+                <a16:creationId xmlns:a16="http://schemas.microsoft.com/office/drawing/2014/main" id="{1D307906-88E7-A44A-9B15-72E635E171B4}"/>
               </a:ext>
             </a:extLst>
           </p:cNvPr>
@@ -8598,18 +8598,18 @@
         </p:nvGrpSpPr>
         <p:grpSpPr>
           <a:xfrm>
-            <a:off x="2277198" y="121185"/>
-            <a:ext cx="8497300" cy="6996845"/>
-            <a:chOff x="838201" y="40342"/>
-            <a:chExt cx="6315634" cy="6279776"/>
+            <a:off x="2427842" y="154236"/>
+            <a:ext cx="7336316" cy="7205031"/>
+            <a:chOff x="838200" y="40342"/>
+            <a:chExt cx="6080393" cy="6602829"/>
           </a:xfrm>
         </p:grpSpPr>
         <p:pic>
           <p:nvPicPr>
-            <p:cNvPr id="4" name="內容版面配置區 4">
+            <p:cNvPr id="7" name="內容版面配置區 4">
               <a:extLst>
                 <a:ext uri="{FF2B5EF4-FFF2-40B4-BE49-F238E27FC236}">
-                  <a16:creationId xmlns:a16="http://schemas.microsoft.com/office/drawing/2014/main" id="{5A9FE90E-AC1D-3543-A26C-BEE5339F5480}"/>
+                  <a16:creationId xmlns:a16="http://schemas.microsoft.com/office/drawing/2014/main" id="{FA4D2549-45F0-064A-9E6D-52AEE292CB16}"/>
                 </a:ext>
               </a:extLst>
             </p:cNvPr>
@@ -8620,13 +8620,13 @@
           </p:nvPicPr>
           <p:blipFill rotWithShape="1">
             <a:blip r:embed="rId2"/>
-            <a:srcRect r="46093" b="9573"/>
+            <a:srcRect r="47592" b="9037"/>
             <a:stretch/>
           </p:blipFill>
           <p:spPr>
             <a:xfrm>
-              <a:off x="838201" y="40342"/>
-              <a:ext cx="5511800" cy="5970493"/>
+              <a:off x="838200" y="40342"/>
+              <a:ext cx="5419381" cy="6074020"/>
             </a:xfrm>
             <a:prstGeom prst="rect">
               <a:avLst/>
@@ -8635,10 +8635,10 @@
         </p:pic>
         <p:sp>
           <p:nvSpPr>
-            <p:cNvPr id="5" name="矩形 4">
+            <p:cNvPr id="2" name="圓角矩形 1">
               <a:extLst>
                 <a:ext uri="{FF2B5EF4-FFF2-40B4-BE49-F238E27FC236}">
-                  <a16:creationId xmlns:a16="http://schemas.microsoft.com/office/drawing/2014/main" id="{02BA08EC-734D-A949-965A-E85ED126D7EF}"/>
+                  <a16:creationId xmlns:a16="http://schemas.microsoft.com/office/drawing/2014/main" id="{3FAA86EE-8298-1C4F-81CE-20D62FB6144A}"/>
                 </a:ext>
               </a:extLst>
             </p:cNvPr>
@@ -8647,10 +8647,10 @@
           </p:nvSpPr>
           <p:spPr>
             <a:xfrm>
-              <a:off x="4061012" y="4908176"/>
-              <a:ext cx="3092823" cy="1411942"/>
+              <a:off x="3690651" y="4858439"/>
+              <a:ext cx="3227942" cy="1784732"/>
             </a:xfrm>
-            <a:prstGeom prst="rect">
+            <a:prstGeom prst="roundRect">
               <a:avLst/>
             </a:prstGeom>
             <a:solidFill>
@@ -8720,10 +8720,10 @@
       </p:grpSpPr>
       <p:grpSp>
         <p:nvGrpSpPr>
-          <p:cNvPr id="5" name="群組 4">
+          <p:cNvPr id="8" name="群組 7">
             <a:extLst>
               <a:ext uri="{FF2B5EF4-FFF2-40B4-BE49-F238E27FC236}">
-                <a16:creationId xmlns:a16="http://schemas.microsoft.com/office/drawing/2014/main" id="{3089995C-BAE8-1347-B2AA-F1DABCA7C72F}"/>
+                <a16:creationId xmlns:a16="http://schemas.microsoft.com/office/drawing/2014/main" id="{193C4648-E4B7-324B-95A7-F45A73425E6B}"/>
               </a:ext>
             </a:extLst>
           </p:cNvPr>
@@ -8732,18 +8732,18 @@
         </p:nvGrpSpPr>
         <p:grpSpPr>
           <a:xfrm>
-            <a:off x="-1486467" y="-924283"/>
-            <a:ext cx="12115801" cy="7705165"/>
-            <a:chOff x="2043953" y="995082"/>
-            <a:chExt cx="9362234" cy="5862918"/>
+            <a:off x="114300" y="-1114425"/>
+            <a:ext cx="11064687" cy="7832225"/>
+            <a:chOff x="3157538" y="1271588"/>
+            <a:chExt cx="8021449" cy="5446212"/>
           </a:xfrm>
         </p:grpSpPr>
         <p:pic>
           <p:nvPicPr>
-            <p:cNvPr id="3" name="圖片 2">
+            <p:cNvPr id="7" name="內容版面配置區 4">
               <a:extLst>
                 <a:ext uri="{FF2B5EF4-FFF2-40B4-BE49-F238E27FC236}">
-                  <a16:creationId xmlns:a16="http://schemas.microsoft.com/office/drawing/2014/main" id="{1B7586BE-A823-CC4E-BBEA-9255968E854B}"/>
+                  <a16:creationId xmlns:a16="http://schemas.microsoft.com/office/drawing/2014/main" id="{B46A9B63-421E-6A42-BFE1-1ECFA1508FB4}"/>
                 </a:ext>
               </a:extLst>
             </p:cNvPr>
@@ -8754,13 +8754,13 @@
           </p:nvPicPr>
           <p:blipFill rotWithShape="1">
             <a:blip r:embed="rId2"/>
-            <a:srcRect l="31092" t="24117"/>
+            <a:srcRect l="31686" t="29779"/>
             <a:stretch/>
           </p:blipFill>
           <p:spPr>
             <a:xfrm>
-              <a:off x="4087906" y="1653988"/>
-              <a:ext cx="7318281" cy="5204012"/>
+              <a:off x="4114800" y="2028825"/>
+              <a:ext cx="7064187" cy="4688975"/>
             </a:xfrm>
             <a:prstGeom prst="rect">
               <a:avLst/>
@@ -8769,10 +8769,10 @@
         </p:pic>
         <p:sp>
           <p:nvSpPr>
-            <p:cNvPr id="4" name="矩形 3">
+            <p:cNvPr id="2" name="圓角矩形 1">
               <a:extLst>
                 <a:ext uri="{FF2B5EF4-FFF2-40B4-BE49-F238E27FC236}">
-                  <a16:creationId xmlns:a16="http://schemas.microsoft.com/office/drawing/2014/main" id="{4885A2A2-901B-534E-97C3-00C4635E7374}"/>
+                  <a16:creationId xmlns:a16="http://schemas.microsoft.com/office/drawing/2014/main" id="{C3CB1DCF-DF2A-5B46-8BEE-48C01657D672}"/>
                 </a:ext>
               </a:extLst>
             </p:cNvPr>
@@ -8781,10 +8781,10 @@
           </p:nvSpPr>
           <p:spPr>
             <a:xfrm>
-              <a:off x="2043953" y="995082"/>
-              <a:ext cx="4343400" cy="4155142"/>
+              <a:off x="3157538" y="1271588"/>
+              <a:ext cx="3086100" cy="3771900"/>
             </a:xfrm>
-            <a:prstGeom prst="rect">
+            <a:prstGeom prst="roundRect">
               <a:avLst/>
             </a:prstGeom>
             <a:solidFill>
@@ -8905,8 +8905,8 @@
         </p:blipFill>
         <p:spPr>
           <a:xfrm>
-            <a:off x="1715190" y="1378560"/>
-            <a:ext cx="8761619" cy="5645070"/>
+            <a:off x="1930612" y="1378560"/>
+            <a:ext cx="8330775" cy="5479440"/>
           </a:xfrm>
         </p:spPr>
       </p:pic>
@@ -9081,8 +9081,8 @@
         </p:blipFill>
         <p:spPr>
           <a:xfrm>
-            <a:off x="1603076" y="1468567"/>
-            <a:ext cx="8985847" cy="5160703"/>
+            <a:off x="173768" y="1214437"/>
+            <a:ext cx="11844464" cy="5418501"/>
           </a:xfrm>
         </p:spPr>
       </p:pic>

--- a/Documents P3/CS 414 Rollerball Project 03.pptx
+++ b/Documents P3/CS 414 Rollerball Project 03.pptx
@@ -270,7 +270,7 @@
           <a:p>
             <a:fld id="{55B79785-3012-D54A-860E-226ED4EF2A90}" type="datetimeFigureOut">
               <a:rPr kumimoji="1" lang="zh-TW" altLang="en-US" smtClean="0"/>
-              <a:t>2018/10/30</a:t>
+              <a:t>2018/10/31</a:t>
             </a:fld>
             <a:endParaRPr kumimoji="1" lang="zh-TW" altLang="en-US"/>
           </a:p>
@@ -443,7 +443,7 @@
           <a:p>
             <a:fld id="{55B79785-3012-D54A-860E-226ED4EF2A90}" type="datetimeFigureOut">
               <a:rPr kumimoji="1" lang="zh-TW" altLang="en-US" smtClean="0"/>
-              <a:t>2018/10/30</a:t>
+              <a:t>2018/10/31</a:t>
             </a:fld>
             <a:endParaRPr kumimoji="1" lang="zh-TW" altLang="en-US"/>
           </a:p>
@@ -626,7 +626,7 @@
           <a:p>
             <a:fld id="{55B79785-3012-D54A-860E-226ED4EF2A90}" type="datetimeFigureOut">
               <a:rPr kumimoji="1" lang="zh-TW" altLang="en-US" smtClean="0"/>
-              <a:t>2018/10/30</a:t>
+              <a:t>2018/10/31</a:t>
             </a:fld>
             <a:endParaRPr kumimoji="1" lang="zh-TW" altLang="en-US"/>
           </a:p>
@@ -1200,7 +1200,7 @@
           <a:p>
             <a:fld id="{55B79785-3012-D54A-860E-226ED4EF2A90}" type="datetimeFigureOut">
               <a:rPr kumimoji="1" lang="zh-TW" altLang="en-US" smtClean="0"/>
-              <a:t>2018/10/30</a:t>
+              <a:t>2018/10/31</a:t>
             </a:fld>
             <a:endParaRPr kumimoji="1" lang="zh-TW" altLang="en-US"/>
           </a:p>
@@ -1355,7 +1355,7 @@
           <a:p>
             <a:fld id="{55B79785-3012-D54A-860E-226ED4EF2A90}" type="datetimeFigureOut">
               <a:rPr kumimoji="1" lang="zh-TW" altLang="en-US" smtClean="0"/>
-              <a:t>2018/10/30</a:t>
+              <a:t>2018/10/31</a:t>
             </a:fld>
             <a:endParaRPr kumimoji="1" lang="zh-TW" altLang="en-US"/>
           </a:p>
@@ -1681,7 +1681,7 @@
           <a:p>
             <a:fld id="{55B79785-3012-D54A-860E-226ED4EF2A90}" type="datetimeFigureOut">
               <a:rPr kumimoji="1" lang="zh-TW" altLang="en-US" smtClean="0"/>
-              <a:t>2018/10/30</a:t>
+              <a:t>2018/10/31</a:t>
             </a:fld>
             <a:endParaRPr kumimoji="1" lang="zh-TW" altLang="en-US"/>
           </a:p>
@@ -2093,7 +2093,7 @@
           <a:p>
             <a:fld id="{55B79785-3012-D54A-860E-226ED4EF2A90}" type="datetimeFigureOut">
               <a:rPr kumimoji="1" lang="zh-TW" altLang="en-US" smtClean="0"/>
-              <a:t>2018/10/30</a:t>
+              <a:t>2018/10/31</a:t>
             </a:fld>
             <a:endParaRPr kumimoji="1" lang="zh-TW" altLang="en-US"/>
           </a:p>
@@ -2466,7 +2466,7 @@
           <a:p>
             <a:fld id="{55B79785-3012-D54A-860E-226ED4EF2A90}" type="datetimeFigureOut">
               <a:rPr kumimoji="1" lang="zh-TW" altLang="en-US" smtClean="0"/>
-              <a:t>2018/10/30</a:t>
+              <a:t>2018/10/31</a:t>
             </a:fld>
             <a:endParaRPr kumimoji="1" lang="zh-TW" altLang="en-US"/>
           </a:p>
@@ -2584,7 +2584,7 @@
           <a:p>
             <a:fld id="{55B79785-3012-D54A-860E-226ED4EF2A90}" type="datetimeFigureOut">
               <a:rPr kumimoji="1" lang="zh-TW" altLang="en-US" smtClean="0"/>
-              <a:t>2018/10/30</a:t>
+              <a:t>2018/10/31</a:t>
             </a:fld>
             <a:endParaRPr kumimoji="1" lang="zh-TW" altLang="en-US"/>
           </a:p>
@@ -2702,7 +2702,7 @@
           <a:p>
             <a:fld id="{55B79785-3012-D54A-860E-226ED4EF2A90}" type="datetimeFigureOut">
               <a:rPr kumimoji="1" lang="zh-TW" altLang="en-US" smtClean="0"/>
-              <a:t>2018/10/30</a:t>
+              <a:t>2018/10/31</a:t>
             </a:fld>
             <a:endParaRPr kumimoji="1" lang="zh-TW" altLang="en-US"/>
           </a:p>
@@ -3041,7 +3041,7 @@
           <a:p>
             <a:fld id="{55B79785-3012-D54A-860E-226ED4EF2A90}" type="datetimeFigureOut">
               <a:rPr kumimoji="1" lang="zh-TW" altLang="en-US" smtClean="0"/>
-              <a:t>2018/10/30</a:t>
+              <a:t>2018/10/31</a:t>
             </a:fld>
             <a:endParaRPr kumimoji="1" lang="zh-TW" altLang="en-US"/>
           </a:p>
@@ -3365,7 +3365,7 @@
           <a:p>
             <a:fld id="{55B79785-3012-D54A-860E-226ED4EF2A90}" type="datetimeFigureOut">
               <a:rPr kumimoji="1" lang="zh-TW" altLang="en-US" smtClean="0"/>
-              <a:t>2018/10/30</a:t>
+              <a:t>2018/10/31</a:t>
             </a:fld>
             <a:endParaRPr kumimoji="1" lang="zh-TW" altLang="en-US"/>
           </a:p>
@@ -3726,7 +3726,7 @@
           <a:p>
             <a:fld id="{55B79785-3012-D54A-860E-226ED4EF2A90}" type="datetimeFigureOut">
               <a:rPr kumimoji="1" lang="zh-TW" altLang="en-US" smtClean="0"/>
-              <a:t>2018/10/30</a:t>
+              <a:t>2018/10/31</a:t>
             </a:fld>
             <a:endParaRPr kumimoji="1" lang="zh-TW" altLang="en-US"/>
           </a:p>
@@ -4016,7 +4016,7 @@
           <a:p>
             <a:fld id="{55B79785-3012-D54A-860E-226ED4EF2A90}" type="datetimeFigureOut">
               <a:rPr kumimoji="1" lang="zh-TW" altLang="en-US" smtClean="0"/>
-              <a:t>2018/10/30</a:t>
+              <a:t>2018/10/31</a:t>
             </a:fld>
             <a:endParaRPr kumimoji="1" lang="zh-TW" altLang="en-US"/>
           </a:p>
@@ -4172,7 +4172,7 @@
           <a:p>
             <a:fld id="{55B79785-3012-D54A-860E-226ED4EF2A90}" type="datetimeFigureOut">
               <a:rPr kumimoji="1" lang="zh-TW" altLang="en-US" smtClean="0"/>
-              <a:t>2018/10/30</a:t>
+              <a:t>2018/10/31</a:t>
             </a:fld>
             <a:endParaRPr kumimoji="1" lang="zh-TW" altLang="en-US"/>
           </a:p>
@@ -4438,7 +4438,7 @@
           <a:p>
             <a:fld id="{55B79785-3012-D54A-860E-226ED4EF2A90}" type="datetimeFigureOut">
               <a:rPr kumimoji="1" lang="zh-TW" altLang="en-US" smtClean="0"/>
-              <a:t>2018/10/30</a:t>
+              <a:t>2018/10/31</a:t>
             </a:fld>
             <a:endParaRPr kumimoji="1" lang="zh-TW" altLang="en-US"/>
           </a:p>
@@ -4653,7 +4653,7 @@
           <a:p>
             <a:fld id="{55B79785-3012-D54A-860E-226ED4EF2A90}" type="datetimeFigureOut">
               <a:rPr kumimoji="1" lang="zh-TW" altLang="en-US" smtClean="0"/>
-              <a:t>2018/10/30</a:t>
+              <a:t>2018/10/31</a:t>
             </a:fld>
             <a:endParaRPr kumimoji="1" lang="zh-TW" altLang="en-US"/>
           </a:p>
@@ -5021,7 +5021,7 @@
           <a:p>
             <a:fld id="{55B79785-3012-D54A-860E-226ED4EF2A90}" type="datetimeFigureOut">
               <a:rPr kumimoji="1" lang="zh-TW" altLang="en-US" smtClean="0"/>
-              <a:t>2018/10/30</a:t>
+              <a:t>2018/10/31</a:t>
             </a:fld>
             <a:endParaRPr kumimoji="1" lang="zh-TW" altLang="en-US"/>
           </a:p>
@@ -5162,7 +5162,7 @@
           <a:p>
             <a:fld id="{55B79785-3012-D54A-860E-226ED4EF2A90}" type="datetimeFigureOut">
               <a:rPr kumimoji="1" lang="zh-TW" altLang="en-US" smtClean="0"/>
-              <a:t>2018/10/30</a:t>
+              <a:t>2018/10/31</a:t>
             </a:fld>
             <a:endParaRPr kumimoji="1" lang="zh-TW" altLang="en-US"/>
           </a:p>
@@ -5275,7 +5275,7 @@
           <a:p>
             <a:fld id="{55B79785-3012-D54A-860E-226ED4EF2A90}" type="datetimeFigureOut">
               <a:rPr kumimoji="1" lang="zh-TW" altLang="en-US" smtClean="0"/>
-              <a:t>2018/10/30</a:t>
+              <a:t>2018/10/31</a:t>
             </a:fld>
             <a:endParaRPr kumimoji="1" lang="zh-TW" altLang="en-US"/>
           </a:p>
@@ -5564,7 +5564,7 @@
           <a:p>
             <a:fld id="{55B79785-3012-D54A-860E-226ED4EF2A90}" type="datetimeFigureOut">
               <a:rPr kumimoji="1" lang="zh-TW" altLang="en-US" smtClean="0"/>
-              <a:t>2018/10/30</a:t>
+              <a:t>2018/10/31</a:t>
             </a:fld>
             <a:endParaRPr kumimoji="1" lang="zh-TW" altLang="en-US"/>
           </a:p>
@@ -5855,7 +5855,7 @@
           <a:p>
             <a:fld id="{55B79785-3012-D54A-860E-226ED4EF2A90}" type="datetimeFigureOut">
               <a:rPr kumimoji="1" lang="zh-TW" altLang="en-US" smtClean="0"/>
-              <a:t>2018/10/30</a:t>
+              <a:t>2018/10/31</a:t>
             </a:fld>
             <a:endParaRPr kumimoji="1" lang="zh-TW" altLang="en-US"/>
           </a:p>
@@ -6071,7 +6071,7 @@
           <a:p>
             <a:fld id="{55B79785-3012-D54A-860E-226ED4EF2A90}" type="datetimeFigureOut">
               <a:rPr kumimoji="1" lang="zh-TW" altLang="en-US" smtClean="0"/>
-              <a:t>2018/10/30</a:t>
+              <a:t>2018/10/31</a:t>
             </a:fld>
             <a:endParaRPr kumimoji="1" lang="zh-TW" altLang="en-US"/>
           </a:p>
@@ -6602,7 +6602,7 @@
           <a:p>
             <a:fld id="{55B79785-3012-D54A-860E-226ED4EF2A90}" type="datetimeFigureOut">
               <a:rPr kumimoji="1" lang="zh-TW" altLang="en-US" smtClean="0"/>
-              <a:t>2018/10/30</a:t>
+              <a:t>2018/10/31</a:t>
             </a:fld>
             <a:endParaRPr kumimoji="1" lang="zh-TW" altLang="en-US"/>
           </a:p>
@@ -8861,7 +8861,7 @@
             <p:ph idx="1"/>
             <p:extLst>
               <p:ext uri="{D42A27DB-BD31-4B8C-83A1-F6EECF244321}">
-                <p14:modId xmlns:p14="http://schemas.microsoft.com/office/powerpoint/2010/main" val="279928532"/>
+                <p14:modId xmlns:p14="http://schemas.microsoft.com/office/powerpoint/2010/main" val="403052359"/>
               </p:ext>
             </p:extLst>
           </p:nvPr>
@@ -9769,12 +9769,6 @@
                     <a:lstStyle/>
                     <a:p>
                       <a:pPr algn="l" fontAlgn="b"/>
-                      <a:r>
-                        <a:rPr lang="en-US" sz="1800" u="none" strike="noStrike">
-                          <a:effectLst/>
-                        </a:rPr>
-                        <a:t>X</a:t>
-                      </a:r>
                       <a:endParaRPr lang="en-US" sz="1800" b="0" i="0" u="none" strike="noStrike">
                         <a:solidFill>
                           <a:srgbClr val="000000"/>
@@ -10207,13 +10201,7 @@
                     <a:lstStyle/>
                     <a:p>
                       <a:pPr algn="l" fontAlgn="b"/>
-                      <a:r>
-                        <a:rPr lang="en-US" sz="1800" u="none" strike="noStrike">
-                          <a:effectLst/>
-                        </a:rPr>
-                        <a:t>X</a:t>
-                      </a:r>
-                      <a:endParaRPr lang="en-US" sz="1800" b="0" i="0" u="none" strike="noStrike">
+                      <a:endParaRPr lang="en-US" sz="1800" b="0" i="0" u="none" strike="noStrike" dirty="0">
                         <a:solidFill>
                           <a:srgbClr val="000000"/>
                         </a:solidFill>
@@ -10357,13 +10345,7 @@
                     <a:lstStyle/>
                     <a:p>
                       <a:pPr algn="l" fontAlgn="b"/>
-                      <a:r>
-                        <a:rPr lang="en-US" sz="1800" u="none" strike="noStrike">
-                          <a:effectLst/>
-                        </a:rPr>
-                        <a:t>X</a:t>
-                      </a:r>
-                      <a:endParaRPr lang="en-US" sz="1800" b="0" i="0" u="none" strike="noStrike">
+                      <a:endParaRPr lang="en-US" sz="1800" b="0" i="0" u="none" strike="noStrike" dirty="0">
                         <a:solidFill>
                           <a:srgbClr val="000000"/>
                         </a:solidFill>
@@ -10675,13 +10657,7 @@
                     <a:lstStyle/>
                     <a:p>
                       <a:pPr algn="l" fontAlgn="b"/>
-                      <a:r>
-                        <a:rPr lang="en-US" sz="1800" u="none" strike="noStrike">
-                          <a:effectLst/>
-                        </a:rPr>
-                        <a:t>X</a:t>
-                      </a:r>
-                      <a:endParaRPr lang="en-US" sz="1800" b="0" i="0" u="none" strike="noStrike">
+                      <a:endParaRPr lang="en-US" sz="1800" b="0" i="0" u="none" strike="noStrike" dirty="0">
                         <a:solidFill>
                           <a:srgbClr val="000000"/>
                         </a:solidFill>
@@ -10860,12 +10836,6 @@
                     <a:lstStyle/>
                     <a:p>
                       <a:pPr algn="l" fontAlgn="b"/>
-                      <a:r>
-                        <a:rPr lang="en-US" sz="1800" u="none" strike="noStrike" dirty="0">
-                          <a:effectLst/>
-                        </a:rPr>
-                        <a:t>X</a:t>
-                      </a:r>
                       <a:endParaRPr lang="en-US" sz="1800" b="0" i="0" u="none" strike="noStrike" dirty="0">
                         <a:solidFill>
                           <a:srgbClr val="000000"/>

--- a/Documents P3/CS 414 Rollerball Project 03.pptx
+++ b/Documents P3/CS 414 Rollerball Project 03.pptx
@@ -11,12 +11,13 @@
     <p:sldId id="257" r:id="rId5"/>
     <p:sldId id="265" r:id="rId6"/>
     <p:sldId id="266" r:id="rId7"/>
-    <p:sldId id="258" r:id="rId8"/>
-    <p:sldId id="259" r:id="rId9"/>
-    <p:sldId id="261" r:id="rId10"/>
-    <p:sldId id="260" r:id="rId11"/>
-    <p:sldId id="264" r:id="rId12"/>
-    <p:sldId id="262" r:id="rId13"/>
+    <p:sldId id="269" r:id="rId8"/>
+    <p:sldId id="258" r:id="rId9"/>
+    <p:sldId id="259" r:id="rId10"/>
+    <p:sldId id="261" r:id="rId11"/>
+    <p:sldId id="260" r:id="rId12"/>
+    <p:sldId id="264" r:id="rId13"/>
+    <p:sldId id="262" r:id="rId14"/>
   </p:sldIdLst>
   <p:sldSz cx="12192000" cy="6858000"/>
   <p:notesSz cx="6858000" cy="9144000"/>
@@ -7393,1413 +7394,6 @@
 </file>
 
 <file path=ppt/slides/slide10.xml><?xml version="1.0" encoding="utf-8"?>
-<p:sld xmlns:a="http://schemas.openxmlformats.org/drawingml/2006/main" xmlns:r="http://schemas.openxmlformats.org/officeDocument/2006/relationships" xmlns:p="http://schemas.openxmlformats.org/presentationml/2006/main">
-  <p:cSld>
-    <p:spTree>
-      <p:nvGrpSpPr>
-        <p:cNvPr id="1" name=""/>
-        <p:cNvGrpSpPr/>
-        <p:nvPr/>
-      </p:nvGrpSpPr>
-      <p:grpSpPr>
-        <a:xfrm>
-          <a:off x="0" y="0"/>
-          <a:ext cx="0" cy="0"/>
-          <a:chOff x="0" y="0"/>
-          <a:chExt cx="0" cy="0"/>
-        </a:xfrm>
-      </p:grpSpPr>
-      <p:sp>
-        <p:nvSpPr>
-          <p:cNvPr id="2" name="標題 1">
-            <a:extLst>
-              <a:ext uri="{FF2B5EF4-FFF2-40B4-BE49-F238E27FC236}">
-                <a16:creationId xmlns:a16="http://schemas.microsoft.com/office/drawing/2014/main" id="{2B5DF70C-0980-854E-A718-1396A5CBEE40}"/>
-              </a:ext>
-            </a:extLst>
-          </p:cNvPr>
-          <p:cNvSpPr>
-            <a:spLocks noGrp="1"/>
-          </p:cNvSpPr>
-          <p:nvPr>
-            <p:ph type="title"/>
-          </p:nvPr>
-        </p:nvSpPr>
-        <p:spPr/>
-        <p:txBody>
-          <a:bodyPr>
-            <a:normAutofit/>
-          </a:bodyPr>
-          <a:lstStyle/>
-          <a:p>
-            <a:r>
-              <a:rPr lang="en-US" altLang="zh-TW" dirty="0"/>
-              <a:t>Technologies and Tools</a:t>
-            </a:r>
-            <a:endParaRPr kumimoji="1" lang="zh-TW" altLang="en-US" dirty="0"/>
-          </a:p>
-        </p:txBody>
-      </p:sp>
-      <p:sp>
-        <p:nvSpPr>
-          <p:cNvPr id="3" name="內容版面配置區 2">
-            <a:extLst>
-              <a:ext uri="{FF2B5EF4-FFF2-40B4-BE49-F238E27FC236}">
-                <a16:creationId xmlns:a16="http://schemas.microsoft.com/office/drawing/2014/main" id="{85E430AC-9EE4-C242-AB33-58B1BB080181}"/>
-              </a:ext>
-            </a:extLst>
-          </p:cNvPr>
-          <p:cNvSpPr>
-            <a:spLocks noGrp="1"/>
-          </p:cNvSpPr>
-          <p:nvPr>
-            <p:ph idx="1"/>
-          </p:nvPr>
-        </p:nvSpPr>
-        <p:spPr/>
-        <p:txBody>
-          <a:bodyPr>
-            <a:normAutofit fontScale="85000" lnSpcReduction="20000"/>
-          </a:bodyPr>
-          <a:lstStyle/>
-          <a:p>
-            <a:pPr marL="0" indent="0">
-              <a:buNone/>
-            </a:pPr>
-            <a:r>
-              <a:rPr kumimoji="1" lang="en" altLang="zh-TW" sz="3100" dirty="0"/>
-              <a:t>Programming Language:</a:t>
-            </a:r>
-          </a:p>
-          <a:p>
-            <a:r>
-              <a:rPr kumimoji="1" lang="en" altLang="zh-TW" dirty="0"/>
-              <a:t>Java</a:t>
-            </a:r>
-          </a:p>
-          <a:p>
-            <a:pPr marL="0" indent="0">
-              <a:buNone/>
-            </a:pPr>
-            <a:endParaRPr kumimoji="1" lang="en" altLang="zh-TW" dirty="0"/>
-          </a:p>
-          <a:p>
-            <a:pPr marL="0" indent="0">
-              <a:buNone/>
-            </a:pPr>
-            <a:r>
-              <a:rPr kumimoji="1" lang="en" altLang="zh-TW" sz="3100" dirty="0"/>
-              <a:t>Programming Environment:</a:t>
-            </a:r>
-          </a:p>
-          <a:p>
-            <a:r>
-              <a:rPr lang="zh-TW" altLang="zh-TW" dirty="0"/>
-              <a:t>IntelliJ IDEA</a:t>
-            </a:r>
-            <a:endParaRPr lang="en-US" altLang="zh-TW" dirty="0"/>
-          </a:p>
-          <a:p>
-            <a:endParaRPr lang="en-US" altLang="zh-TW" dirty="0"/>
-          </a:p>
-          <a:p>
-            <a:pPr marL="0" indent="0">
-              <a:buNone/>
-            </a:pPr>
-            <a:r>
-              <a:rPr kumimoji="1" lang="en-US" altLang="zh-TW" sz="3100" dirty="0"/>
-              <a:t>Testing:</a:t>
-            </a:r>
-          </a:p>
-          <a:p>
-            <a:r>
-              <a:rPr kumimoji="1" lang="en" altLang="zh-TW" dirty="0"/>
-              <a:t>Travis Continuous Integration</a:t>
-            </a:r>
-          </a:p>
-          <a:p>
-            <a:endParaRPr kumimoji="1" lang="en" altLang="zh-TW" dirty="0"/>
-          </a:p>
-          <a:p>
-            <a:pPr marL="0" indent="0">
-              <a:buNone/>
-            </a:pPr>
-            <a:r>
-              <a:rPr kumimoji="1" lang="en" altLang="zh-TW" sz="3100" dirty="0"/>
-              <a:t>Other:</a:t>
-            </a:r>
-          </a:p>
-          <a:p>
-            <a:r>
-              <a:rPr kumimoji="1" lang="en" altLang="zh-TW" dirty="0"/>
-              <a:t>GitHub</a:t>
-            </a:r>
-          </a:p>
-          <a:p>
-            <a:endParaRPr kumimoji="1" lang="zh-TW" altLang="en-US" dirty="0"/>
-          </a:p>
-        </p:txBody>
-      </p:sp>
-    </p:spTree>
-    <p:extLst>
-      <p:ext uri="{BB962C8B-B14F-4D97-AF65-F5344CB8AC3E}">
-        <p14:creationId xmlns:p14="http://schemas.microsoft.com/office/powerpoint/2010/main" val="3912835972"/>
-      </p:ext>
-    </p:extLst>
-  </p:cSld>
-  <p:clrMapOvr>
-    <a:masterClrMapping/>
-  </p:clrMapOvr>
-</p:sld>
-</file>
-
-<file path=ppt/slides/slide11.xml><?xml version="1.0" encoding="utf-8"?>
-<p:sld xmlns:a="http://schemas.openxmlformats.org/drawingml/2006/main" xmlns:r="http://schemas.openxmlformats.org/officeDocument/2006/relationships" xmlns:p="http://schemas.openxmlformats.org/presentationml/2006/main">
-  <p:cSld>
-    <p:spTree>
-      <p:nvGrpSpPr>
-        <p:cNvPr id="1" name=""/>
-        <p:cNvGrpSpPr/>
-        <p:nvPr/>
-      </p:nvGrpSpPr>
-      <p:grpSpPr>
-        <a:xfrm>
-          <a:off x="0" y="0"/>
-          <a:ext cx="0" cy="0"/>
-          <a:chOff x="0" y="0"/>
-          <a:chExt cx="0" cy="0"/>
-        </a:xfrm>
-      </p:grpSpPr>
-      <p:sp>
-        <p:nvSpPr>
-          <p:cNvPr id="2" name="標題 1">
-            <a:extLst>
-              <a:ext uri="{FF2B5EF4-FFF2-40B4-BE49-F238E27FC236}">
-                <a16:creationId xmlns:a16="http://schemas.microsoft.com/office/drawing/2014/main" id="{D33D1EB0-9709-4D4F-81A0-188174CFCBFA}"/>
-              </a:ext>
-            </a:extLst>
-          </p:cNvPr>
-          <p:cNvSpPr>
-            <a:spLocks noGrp="1"/>
-          </p:cNvSpPr>
-          <p:nvPr>
-            <p:ph type="title"/>
-          </p:nvPr>
-        </p:nvSpPr>
-        <p:spPr>
-          <a:xfrm>
-            <a:off x="838200" y="2766219"/>
-            <a:ext cx="10515600" cy="1325563"/>
-          </a:xfrm>
-        </p:spPr>
-        <p:txBody>
-          <a:bodyPr/>
-          <a:lstStyle/>
-          <a:p>
-            <a:pPr algn="ctr"/>
-            <a:r>
-              <a:rPr kumimoji="1" lang="en-US" altLang="zh-TW" sz="6600" dirty="0"/>
-              <a:t>Q </a:t>
-            </a:r>
-            <a:r>
-              <a:rPr kumimoji="1" lang="en-US" altLang="zh-TW" dirty="0"/>
-              <a:t>&amp; </a:t>
-            </a:r>
-            <a:r>
-              <a:rPr kumimoji="1" lang="en-US" altLang="zh-TW" sz="6600" dirty="0"/>
-              <a:t>A</a:t>
-            </a:r>
-            <a:endParaRPr kumimoji="1" lang="zh-TW" altLang="en-US" sz="6600" dirty="0"/>
-          </a:p>
-        </p:txBody>
-      </p:sp>
-    </p:spTree>
-    <p:extLst>
-      <p:ext uri="{BB962C8B-B14F-4D97-AF65-F5344CB8AC3E}">
-        <p14:creationId xmlns:p14="http://schemas.microsoft.com/office/powerpoint/2010/main" val="116588450"/>
-      </p:ext>
-    </p:extLst>
-  </p:cSld>
-  <p:clrMapOvr>
-    <a:masterClrMapping/>
-  </p:clrMapOvr>
-</p:sld>
-</file>
-
-<file path=ppt/slides/slide2.xml><?xml version="1.0" encoding="utf-8"?>
-<p:sld xmlns:a="http://schemas.openxmlformats.org/drawingml/2006/main" xmlns:r="http://schemas.openxmlformats.org/officeDocument/2006/relationships" xmlns:p="http://schemas.openxmlformats.org/presentationml/2006/main">
-  <p:cSld>
-    <p:spTree>
-      <p:nvGrpSpPr>
-        <p:cNvPr id="1" name=""/>
-        <p:cNvGrpSpPr/>
-        <p:nvPr/>
-      </p:nvGrpSpPr>
-      <p:grpSpPr>
-        <a:xfrm>
-          <a:off x="0" y="0"/>
-          <a:ext cx="0" cy="0"/>
-          <a:chOff x="0" y="0"/>
-          <a:chExt cx="0" cy="0"/>
-        </a:xfrm>
-      </p:grpSpPr>
-      <p:pic>
-        <p:nvPicPr>
-          <p:cNvPr id="1026" name="Picture 2" descr="https://upload.wikimedia.org/wikipedia/commons/thumb/4/4a/Rollerball_gameboard_and_init_config.PNG/800px-Rollerball_gameboard_and_init_config.PNG"/>
-          <p:cNvPicPr>
-            <a:picLocks noChangeAspect="1" noChangeArrowheads="1"/>
-          </p:cNvPicPr>
-          <p:nvPr/>
-        </p:nvPicPr>
-        <p:blipFill>
-          <a:blip r:embed="rId2">
-            <a:extLst>
-              <a:ext uri="{28A0092B-C50C-407E-A947-70E740481C1C}">
-                <a14:useLocalDpi xmlns:a14="http://schemas.microsoft.com/office/drawing/2010/main" val="0"/>
-              </a:ext>
-            </a:extLst>
-          </a:blip>
-          <a:srcRect/>
-          <a:stretch>
-            <a:fillRect/>
-          </a:stretch>
-        </p:blipFill>
-        <p:spPr bwMode="auto">
-          <a:xfrm>
-            <a:off x="7002612" y="791588"/>
-            <a:ext cx="4374140" cy="4374140"/>
-          </a:xfrm>
-          <a:prstGeom prst="rect">
-            <a:avLst/>
-          </a:prstGeom>
-          <a:noFill/>
-          <a:extLst>
-            <a:ext uri="{909E8E84-426E-40DD-AFC4-6F175D3DCCD1}">
-              <a14:hiddenFill xmlns:a14="http://schemas.microsoft.com/office/drawing/2010/main">
-                <a:solidFill>
-                  <a:srgbClr val="FFFFFF"/>
-                </a:solidFill>
-              </a14:hiddenFill>
-            </a:ext>
-          </a:extLst>
-        </p:spPr>
-      </p:pic>
-      <p:sp>
-        <p:nvSpPr>
-          <p:cNvPr id="2" name="Rectangle 1"/>
-          <p:cNvSpPr/>
-          <p:nvPr/>
-        </p:nvSpPr>
-        <p:spPr>
-          <a:xfrm>
-            <a:off x="451523" y="415636"/>
-            <a:ext cx="4245890" cy="928422"/>
-          </a:xfrm>
-          <a:prstGeom prst="rect">
-            <a:avLst/>
-          </a:prstGeom>
-          <a:solidFill>
-            <a:schemeClr val="bg1"/>
-          </a:solidFill>
-        </p:spPr>
-        <p:style>
-          <a:lnRef idx="2">
-            <a:schemeClr val="dk1">
-              <a:shade val="50000"/>
-            </a:schemeClr>
-          </a:lnRef>
-          <a:fillRef idx="1">
-            <a:schemeClr val="dk1"/>
-          </a:fillRef>
-          <a:effectRef idx="0">
-            <a:schemeClr val="dk1"/>
-          </a:effectRef>
-          <a:fontRef idx="minor">
-            <a:schemeClr val="lt1"/>
-          </a:fontRef>
-        </p:style>
-        <p:txBody>
-          <a:bodyPr rtlCol="0" anchor="ctr"/>
-          <a:lstStyle/>
-          <a:p>
-            <a:pPr algn="ctr"/>
-            <a:r>
-              <a:rPr kumimoji="1" lang="en-US" altLang="zh-TW" sz="4400" dirty="0">
-                <a:solidFill>
-                  <a:prstClr val="black"/>
-                </a:solidFill>
-                <a:latin typeface="Calibri Light" panose="020F0302020204030204"/>
-                <a:cs typeface="+mj-cs"/>
-              </a:rPr>
-              <a:t>Rollerball rules</a:t>
-            </a:r>
-            <a:endParaRPr lang="en-US" dirty="0">
-              <a:solidFill>
-                <a:schemeClr val="tx1"/>
-              </a:solidFill>
-            </a:endParaRPr>
-          </a:p>
-        </p:txBody>
-      </p:sp>
-      <p:sp>
-        <p:nvSpPr>
-          <p:cNvPr id="10" name="內容版面配置區 2">
-            <a:extLst>
-              <a:ext uri="{FF2B5EF4-FFF2-40B4-BE49-F238E27FC236}">
-                <a16:creationId xmlns:a16="http://schemas.microsoft.com/office/drawing/2014/main" id="{86462B2D-432F-7B43-BA5C-66600FAC415B}"/>
-              </a:ext>
-            </a:extLst>
-          </p:cNvPr>
-          <p:cNvSpPr txBox="1">
-            <a:spLocks/>
-          </p:cNvSpPr>
-          <p:nvPr/>
-        </p:nvSpPr>
-        <p:spPr>
-          <a:xfrm>
-            <a:off x="451523" y="1597446"/>
-            <a:ext cx="10902277" cy="5056742"/>
-          </a:xfrm>
-          <a:prstGeom prst="rect">
-            <a:avLst/>
-          </a:prstGeom>
-        </p:spPr>
-        <p:txBody>
-          <a:bodyPr>
-            <a:normAutofit fontScale="70000" lnSpcReduction="20000"/>
-          </a:bodyPr>
-          <a:lstStyle>
-            <a:lvl1pPr marL="228600" indent="-228600" algn="l" defTabSz="914400" rtl="0" eaLnBrk="1" latinLnBrk="0" hangingPunct="1">
-              <a:lnSpc>
-                <a:spcPct val="90000"/>
-              </a:lnSpc>
-              <a:spcBef>
-                <a:spcPts val="1000"/>
-              </a:spcBef>
-              <a:buFont typeface="Arial" panose="020B0604020202020204" pitchFamily="34" charset="0"/>
-              <a:buChar char="•"/>
-              <a:defRPr sz="2800" kern="1200">
-                <a:solidFill>
-                  <a:schemeClr val="tx1"/>
-                </a:solidFill>
-                <a:latin typeface="+mn-lt"/>
-                <a:ea typeface="+mn-ea"/>
-                <a:cs typeface="+mn-cs"/>
-              </a:defRPr>
-            </a:lvl1pPr>
-            <a:lvl2pPr marL="685800" indent="-228600" algn="l" defTabSz="914400" rtl="0" eaLnBrk="1" latinLnBrk="0" hangingPunct="1">
-              <a:lnSpc>
-                <a:spcPct val="90000"/>
-              </a:lnSpc>
-              <a:spcBef>
-                <a:spcPts val="500"/>
-              </a:spcBef>
-              <a:buFont typeface="Arial" panose="020B0604020202020204" pitchFamily="34" charset="0"/>
-              <a:buChar char="•"/>
-              <a:defRPr sz="2400" kern="1200">
-                <a:solidFill>
-                  <a:schemeClr val="tx1"/>
-                </a:solidFill>
-                <a:latin typeface="+mn-lt"/>
-                <a:ea typeface="+mn-ea"/>
-                <a:cs typeface="+mn-cs"/>
-              </a:defRPr>
-            </a:lvl2pPr>
-            <a:lvl3pPr marL="1143000" indent="-228600" algn="l" defTabSz="914400" rtl="0" eaLnBrk="1" latinLnBrk="0" hangingPunct="1">
-              <a:lnSpc>
-                <a:spcPct val="90000"/>
-              </a:lnSpc>
-              <a:spcBef>
-                <a:spcPts val="500"/>
-              </a:spcBef>
-              <a:buFont typeface="Arial" panose="020B0604020202020204" pitchFamily="34" charset="0"/>
-              <a:buChar char="•"/>
-              <a:defRPr sz="2000" kern="1200">
-                <a:solidFill>
-                  <a:schemeClr val="tx1"/>
-                </a:solidFill>
-                <a:latin typeface="+mn-lt"/>
-                <a:ea typeface="+mn-ea"/>
-                <a:cs typeface="+mn-cs"/>
-              </a:defRPr>
-            </a:lvl3pPr>
-            <a:lvl4pPr marL="1600200" indent="-228600" algn="l" defTabSz="914400" rtl="0" eaLnBrk="1" latinLnBrk="0" hangingPunct="1">
-              <a:lnSpc>
-                <a:spcPct val="90000"/>
-              </a:lnSpc>
-              <a:spcBef>
-                <a:spcPts val="500"/>
-              </a:spcBef>
-              <a:buFont typeface="Arial" panose="020B0604020202020204" pitchFamily="34" charset="0"/>
-              <a:buChar char="•"/>
-              <a:defRPr sz="1800" kern="1200">
-                <a:solidFill>
-                  <a:schemeClr val="tx1"/>
-                </a:solidFill>
-                <a:latin typeface="+mn-lt"/>
-                <a:ea typeface="+mn-ea"/>
-                <a:cs typeface="+mn-cs"/>
-              </a:defRPr>
-            </a:lvl4pPr>
-            <a:lvl5pPr marL="2057400" indent="-228600" algn="l" defTabSz="914400" rtl="0" eaLnBrk="1" latinLnBrk="0" hangingPunct="1">
-              <a:lnSpc>
-                <a:spcPct val="90000"/>
-              </a:lnSpc>
-              <a:spcBef>
-                <a:spcPts val="500"/>
-              </a:spcBef>
-              <a:buFont typeface="Arial" panose="020B0604020202020204" pitchFamily="34" charset="0"/>
-              <a:buChar char="•"/>
-              <a:defRPr sz="1800" kern="1200">
-                <a:solidFill>
-                  <a:schemeClr val="tx1"/>
-                </a:solidFill>
-                <a:latin typeface="+mn-lt"/>
-                <a:ea typeface="+mn-ea"/>
-                <a:cs typeface="+mn-cs"/>
-              </a:defRPr>
-            </a:lvl5pPr>
-            <a:lvl6pPr marL="2514600" indent="-228600" algn="l" defTabSz="914400" rtl="0" eaLnBrk="1" latinLnBrk="0" hangingPunct="1">
-              <a:lnSpc>
-                <a:spcPct val="90000"/>
-              </a:lnSpc>
-              <a:spcBef>
-                <a:spcPts val="500"/>
-              </a:spcBef>
-              <a:buFont typeface="Arial" panose="020B0604020202020204" pitchFamily="34" charset="0"/>
-              <a:buChar char="•"/>
-              <a:defRPr sz="1800" kern="1200">
-                <a:solidFill>
-                  <a:schemeClr val="tx1"/>
-                </a:solidFill>
-                <a:latin typeface="+mn-lt"/>
-                <a:ea typeface="+mn-ea"/>
-                <a:cs typeface="+mn-cs"/>
-              </a:defRPr>
-            </a:lvl6pPr>
-            <a:lvl7pPr marL="2971800" indent="-228600" algn="l" defTabSz="914400" rtl="0" eaLnBrk="1" latinLnBrk="0" hangingPunct="1">
-              <a:lnSpc>
-                <a:spcPct val="90000"/>
-              </a:lnSpc>
-              <a:spcBef>
-                <a:spcPts val="500"/>
-              </a:spcBef>
-              <a:buFont typeface="Arial" panose="020B0604020202020204" pitchFamily="34" charset="0"/>
-              <a:buChar char="•"/>
-              <a:defRPr sz="1800" kern="1200">
-                <a:solidFill>
-                  <a:schemeClr val="tx1"/>
-                </a:solidFill>
-                <a:latin typeface="+mn-lt"/>
-                <a:ea typeface="+mn-ea"/>
-                <a:cs typeface="+mn-cs"/>
-              </a:defRPr>
-            </a:lvl7pPr>
-            <a:lvl8pPr marL="3429000" indent="-228600" algn="l" defTabSz="914400" rtl="0" eaLnBrk="1" latinLnBrk="0" hangingPunct="1">
-              <a:lnSpc>
-                <a:spcPct val="90000"/>
-              </a:lnSpc>
-              <a:spcBef>
-                <a:spcPts val="500"/>
-              </a:spcBef>
-              <a:buFont typeface="Arial" panose="020B0604020202020204" pitchFamily="34" charset="0"/>
-              <a:buChar char="•"/>
-              <a:defRPr sz="1800" kern="1200">
-                <a:solidFill>
-                  <a:schemeClr val="tx1"/>
-                </a:solidFill>
-                <a:latin typeface="+mn-lt"/>
-                <a:ea typeface="+mn-ea"/>
-                <a:cs typeface="+mn-cs"/>
-              </a:defRPr>
-            </a:lvl8pPr>
-            <a:lvl9pPr marL="3886200" indent="-228600" algn="l" defTabSz="914400" rtl="0" eaLnBrk="1" latinLnBrk="0" hangingPunct="1">
-              <a:lnSpc>
-                <a:spcPct val="90000"/>
-              </a:lnSpc>
-              <a:spcBef>
-                <a:spcPts val="500"/>
-              </a:spcBef>
-              <a:buFont typeface="Arial" panose="020B0604020202020204" pitchFamily="34" charset="0"/>
-              <a:buChar char="•"/>
-              <a:defRPr sz="1800" kern="1200">
-                <a:solidFill>
-                  <a:schemeClr val="tx1"/>
-                </a:solidFill>
-                <a:latin typeface="+mn-lt"/>
-                <a:ea typeface="+mn-ea"/>
-                <a:cs typeface="+mn-cs"/>
-              </a:defRPr>
-            </a:lvl9pPr>
-          </a:lstStyle>
-          <a:p>
-            <a:pPr marL="0" indent="0">
-              <a:buNone/>
-            </a:pPr>
-            <a:r>
-              <a:rPr kumimoji="1" lang="en" altLang="zh-TW" sz="3600" dirty="0"/>
-              <a:t>The Board</a:t>
-            </a:r>
-          </a:p>
-          <a:p>
-            <a:pPr marL="285750" indent="-285750"/>
-            <a:r>
-              <a:rPr lang="en" altLang="zh-TW" sz="3200" dirty="0"/>
-              <a:t>7×7 squares with the central 3×3 blanks</a:t>
-            </a:r>
-          </a:p>
-          <a:p>
-            <a:pPr marL="285750" indent="-285750"/>
-            <a:endParaRPr kumimoji="1" lang="en-US" altLang="zh-TW" sz="3200" dirty="0"/>
-          </a:p>
-          <a:p>
-            <a:pPr marL="0" indent="0">
-              <a:buNone/>
-            </a:pPr>
-            <a:r>
-              <a:rPr kumimoji="1" lang="en-US" altLang="zh-TW" sz="3600" dirty="0"/>
-              <a:t>The Piece</a:t>
-            </a:r>
-            <a:r>
-              <a:rPr kumimoji="1" lang="en" altLang="zh-TW" sz="3600" dirty="0"/>
-              <a:t>s</a:t>
-            </a:r>
-          </a:p>
-          <a:p>
-            <a:pPr marL="285750" indent="-285750"/>
-            <a:r>
-              <a:rPr lang="en" altLang="zh-TW" sz="3200" dirty="0"/>
-              <a:t>Only can move clockwise </a:t>
-            </a:r>
-          </a:p>
-          <a:p>
-            <a:pPr marL="285750" indent="-285750"/>
-            <a:r>
-              <a:rPr lang="en-US" altLang="zh-TW" sz="3200" dirty="0"/>
-              <a:t>1 King</a:t>
-            </a:r>
-          </a:p>
-          <a:p>
-            <a:pPr marL="285750" indent="-285750"/>
-            <a:r>
-              <a:rPr lang="en-US" altLang="zh-TW" sz="3200" dirty="0"/>
-              <a:t>1 Bishop</a:t>
-            </a:r>
-          </a:p>
-          <a:p>
-            <a:pPr marL="285750" indent="-285750"/>
-            <a:r>
-              <a:rPr lang="en-US" altLang="zh-TW" sz="3200" dirty="0"/>
-              <a:t>2 Rooks</a:t>
-            </a:r>
-          </a:p>
-          <a:p>
-            <a:pPr marL="285750" indent="-285750"/>
-            <a:r>
-              <a:rPr lang="en-US" altLang="zh-TW" sz="3200" dirty="0"/>
-              <a:t>2 Pawns</a:t>
-            </a:r>
-          </a:p>
-          <a:p>
-            <a:pPr marL="285750" indent="-285750"/>
-            <a:endParaRPr lang="en-US" altLang="zh-TW" sz="3200" dirty="0"/>
-          </a:p>
-          <a:p>
-            <a:pPr marL="0" lvl="0" indent="0">
-              <a:buNone/>
-            </a:pPr>
-            <a:r>
-              <a:rPr kumimoji="1" lang="en-US" altLang="zh-TW" sz="3600" dirty="0">
-                <a:solidFill>
-                  <a:prstClr val="black"/>
-                </a:solidFill>
-              </a:rPr>
-              <a:t>How to win</a:t>
-            </a:r>
-          </a:p>
-          <a:p>
-            <a:pPr marL="457200" indent="-457200"/>
-            <a:r>
-              <a:rPr kumimoji="1" lang="en" altLang="zh-TW" sz="3100" dirty="0">
-                <a:solidFill>
-                  <a:prstClr val="black"/>
-                </a:solidFill>
-              </a:rPr>
-              <a:t>Checkmate the enemy king</a:t>
-            </a:r>
-          </a:p>
-          <a:p>
-            <a:pPr marL="457200" lvl="0" indent="-457200"/>
-            <a:r>
-              <a:rPr kumimoji="1" lang="en" altLang="zh-TW" sz="3100" dirty="0">
-                <a:solidFill>
-                  <a:prstClr val="black"/>
-                </a:solidFill>
-              </a:rPr>
-              <a:t>Travel own king clockwise direction to the start position of the enemy king</a:t>
-            </a:r>
-          </a:p>
-          <a:p>
-            <a:endParaRPr lang="en-US" altLang="zh-TW" sz="3200" dirty="0"/>
-          </a:p>
-        </p:txBody>
-      </p:sp>
-    </p:spTree>
-    <p:extLst>
-      <p:ext uri="{BB962C8B-B14F-4D97-AF65-F5344CB8AC3E}">
-        <p14:creationId xmlns:p14="http://schemas.microsoft.com/office/powerpoint/2010/main" val="1902335459"/>
-      </p:ext>
-    </p:extLst>
-  </p:cSld>
-  <p:clrMapOvr>
-    <a:masterClrMapping/>
-  </p:clrMapOvr>
-</p:sld>
-</file>
-
-<file path=ppt/slides/slide3.xml><?xml version="1.0" encoding="utf-8"?>
-<p:sld xmlns:a="http://schemas.openxmlformats.org/drawingml/2006/main" xmlns:r="http://schemas.openxmlformats.org/officeDocument/2006/relationships" xmlns:p="http://schemas.openxmlformats.org/presentationml/2006/main">
-  <p:cSld>
-    <p:spTree>
-      <p:nvGrpSpPr>
-        <p:cNvPr id="1" name=""/>
-        <p:cNvGrpSpPr/>
-        <p:nvPr/>
-      </p:nvGrpSpPr>
-      <p:grpSpPr>
-        <a:xfrm>
-          <a:off x="0" y="0"/>
-          <a:ext cx="0" cy="0"/>
-          <a:chOff x="0" y="0"/>
-          <a:chExt cx="0" cy="0"/>
-        </a:xfrm>
-      </p:grpSpPr>
-      <p:sp>
-        <p:nvSpPr>
-          <p:cNvPr id="2" name="標題 1">
-            <a:extLst>
-              <a:ext uri="{FF2B5EF4-FFF2-40B4-BE49-F238E27FC236}">
-                <a16:creationId xmlns:a16="http://schemas.microsoft.com/office/drawing/2014/main" id="{990BE03A-1B4F-E549-A7FA-86F12F5DAF1C}"/>
-              </a:ext>
-            </a:extLst>
-          </p:cNvPr>
-          <p:cNvSpPr>
-            <a:spLocks noGrp="1"/>
-          </p:cNvSpPr>
-          <p:nvPr>
-            <p:ph type="title"/>
-          </p:nvPr>
-        </p:nvSpPr>
-        <p:spPr/>
-        <p:txBody>
-          <a:bodyPr/>
-          <a:lstStyle/>
-          <a:p>
-            <a:r>
-              <a:rPr kumimoji="1" lang="en-US" altLang="zh-TW" dirty="0"/>
-              <a:t>Class Diagram</a:t>
-            </a:r>
-            <a:endParaRPr kumimoji="1" lang="zh-TW" altLang="en-US" dirty="0"/>
-          </a:p>
-        </p:txBody>
-      </p:sp>
-      <p:pic>
-        <p:nvPicPr>
-          <p:cNvPr id="4" name="內容版面配置區 4">
-            <a:extLst>
-              <a:ext uri="{FF2B5EF4-FFF2-40B4-BE49-F238E27FC236}">
-                <a16:creationId xmlns:a16="http://schemas.microsoft.com/office/drawing/2014/main" id="{84D2F783-9549-9740-B8F6-0975031FD266}"/>
-              </a:ext>
-            </a:extLst>
-          </p:cNvPr>
-          <p:cNvPicPr>
-            <a:picLocks noChangeAspect="1"/>
-          </p:cNvPicPr>
-          <p:nvPr/>
-        </p:nvPicPr>
-        <p:blipFill>
-          <a:blip r:embed="rId2"/>
-          <a:stretch>
-            <a:fillRect/>
-          </a:stretch>
-        </p:blipFill>
-        <p:spPr>
-          <a:xfrm>
-            <a:off x="838200" y="40341"/>
-            <a:ext cx="10340787" cy="6677459"/>
-          </a:xfrm>
-          <a:prstGeom prst="rect">
-            <a:avLst/>
-          </a:prstGeom>
-        </p:spPr>
-      </p:pic>
-    </p:spTree>
-    <p:extLst>
-      <p:ext uri="{BB962C8B-B14F-4D97-AF65-F5344CB8AC3E}">
-        <p14:creationId xmlns:p14="http://schemas.microsoft.com/office/powerpoint/2010/main" val="3325100449"/>
-      </p:ext>
-    </p:extLst>
-  </p:cSld>
-  <p:clrMapOvr>
-    <a:masterClrMapping/>
-  </p:clrMapOvr>
-  <p:timing>
-    <p:tnLst>
-      <p:par>
-        <p:cTn id="1" dur="indefinite" restart="never" nodeType="tmRoot">
-          <p:childTnLst>
-            <p:seq concurrent="1" nextAc="seek">
-              <p:cTn id="2" dur="indefinite" nodeType="mainSeq">
-                <p:childTnLst>
-                  <p:par>
-                    <p:cTn id="3" fill="hold">
-                      <p:stCondLst>
-                        <p:cond delay="indefinite"/>
-                      </p:stCondLst>
-                      <p:childTnLst>
-                        <p:par>
-                          <p:cTn id="4" fill="hold">
-                            <p:stCondLst>
-                              <p:cond delay="0"/>
-                            </p:stCondLst>
-                            <p:childTnLst>
-                              <p:par>
-                                <p:cTn id="5" presetID="2" presetClass="entr" presetSubtype="4" fill="hold" nodeType="clickEffect">
-                                  <p:stCondLst>
-                                    <p:cond delay="0"/>
-                                  </p:stCondLst>
-                                  <p:childTnLst>
-                                    <p:set>
-                                      <p:cBhvr>
-                                        <p:cTn id="6" dur="1" fill="hold">
-                                          <p:stCondLst>
-                                            <p:cond delay="0"/>
-                                          </p:stCondLst>
-                                        </p:cTn>
-                                        <p:tgtEl>
-                                          <p:spTgt spid="4"/>
-                                        </p:tgtEl>
-                                        <p:attrNameLst>
-                                          <p:attrName>style.visibility</p:attrName>
-                                        </p:attrNameLst>
-                                      </p:cBhvr>
-                                      <p:to>
-                                        <p:strVal val="visible"/>
-                                      </p:to>
-                                    </p:set>
-                                    <p:anim calcmode="lin" valueType="num">
-                                      <p:cBhvr additive="base">
-                                        <p:cTn id="7" dur="500" fill="hold"/>
-                                        <p:tgtEl>
-                                          <p:spTgt spid="4"/>
-                                        </p:tgtEl>
-                                        <p:attrNameLst>
-                                          <p:attrName>ppt_x</p:attrName>
-                                        </p:attrNameLst>
-                                      </p:cBhvr>
-                                      <p:tavLst>
-                                        <p:tav tm="0">
-                                          <p:val>
-                                            <p:strVal val="#ppt_x"/>
-                                          </p:val>
-                                        </p:tav>
-                                        <p:tav tm="100000">
-                                          <p:val>
-                                            <p:strVal val="#ppt_x"/>
-                                          </p:val>
-                                        </p:tav>
-                                      </p:tavLst>
-                                    </p:anim>
-                                    <p:anim calcmode="lin" valueType="num">
-                                      <p:cBhvr additive="base">
-                                        <p:cTn id="8" dur="500" fill="hold"/>
-                                        <p:tgtEl>
-                                          <p:spTgt spid="4"/>
-                                        </p:tgtEl>
-                                        <p:attrNameLst>
-                                          <p:attrName>ppt_y</p:attrName>
-                                        </p:attrNameLst>
-                                      </p:cBhvr>
-                                      <p:tavLst>
-                                        <p:tav tm="0">
-                                          <p:val>
-                                            <p:strVal val="1+#ppt_h/2"/>
-                                          </p:val>
-                                        </p:tav>
-                                        <p:tav tm="100000">
-                                          <p:val>
-                                            <p:strVal val="#ppt_y"/>
-                                          </p:val>
-                                        </p:tav>
-                                      </p:tavLst>
-                                    </p:anim>
-                                  </p:childTnLst>
-                                </p:cTn>
-                              </p:par>
-                            </p:childTnLst>
-                          </p:cTn>
-                        </p:par>
-                      </p:childTnLst>
-                    </p:cTn>
-                  </p:par>
-                </p:childTnLst>
-              </p:cTn>
-              <p:prevCondLst>
-                <p:cond evt="onPrev" delay="0">
-                  <p:tgtEl>
-                    <p:sldTgt/>
-                  </p:tgtEl>
-                </p:cond>
-              </p:prevCondLst>
-              <p:nextCondLst>
-                <p:cond evt="onNext" delay="0">
-                  <p:tgtEl>
-                    <p:sldTgt/>
-                  </p:tgtEl>
-                </p:cond>
-              </p:nextCondLst>
-            </p:seq>
-          </p:childTnLst>
-        </p:cTn>
-      </p:par>
-    </p:tnLst>
-  </p:timing>
-</p:sld>
-</file>
-
-<file path=ppt/slides/slide4.xml><?xml version="1.0" encoding="utf-8"?>
-<p:sld xmlns:a="http://schemas.openxmlformats.org/drawingml/2006/main" xmlns:r="http://schemas.openxmlformats.org/officeDocument/2006/relationships" xmlns:p="http://schemas.openxmlformats.org/presentationml/2006/main">
-  <p:cSld>
-    <p:spTree>
-      <p:nvGrpSpPr>
-        <p:cNvPr id="1" name=""/>
-        <p:cNvGrpSpPr/>
-        <p:nvPr/>
-      </p:nvGrpSpPr>
-      <p:grpSpPr>
-        <a:xfrm>
-          <a:off x="0" y="0"/>
-          <a:ext cx="0" cy="0"/>
-          <a:chOff x="0" y="0"/>
-          <a:chExt cx="0" cy="0"/>
-        </a:xfrm>
-      </p:grpSpPr>
-      <p:grpSp>
-        <p:nvGrpSpPr>
-          <p:cNvPr id="3" name="群組 2">
-            <a:extLst>
-              <a:ext uri="{FF2B5EF4-FFF2-40B4-BE49-F238E27FC236}">
-                <a16:creationId xmlns:a16="http://schemas.microsoft.com/office/drawing/2014/main" id="{1D307906-88E7-A44A-9B15-72E635E171B4}"/>
-              </a:ext>
-            </a:extLst>
-          </p:cNvPr>
-          <p:cNvGrpSpPr/>
-          <p:nvPr/>
-        </p:nvGrpSpPr>
-        <p:grpSpPr>
-          <a:xfrm>
-            <a:off x="2427842" y="154236"/>
-            <a:ext cx="7336316" cy="7205031"/>
-            <a:chOff x="838200" y="40342"/>
-            <a:chExt cx="6080393" cy="6602829"/>
-          </a:xfrm>
-        </p:grpSpPr>
-        <p:pic>
-          <p:nvPicPr>
-            <p:cNvPr id="7" name="內容版面配置區 4">
-              <a:extLst>
-                <a:ext uri="{FF2B5EF4-FFF2-40B4-BE49-F238E27FC236}">
-                  <a16:creationId xmlns:a16="http://schemas.microsoft.com/office/drawing/2014/main" id="{FA4D2549-45F0-064A-9E6D-52AEE292CB16}"/>
-                </a:ext>
-              </a:extLst>
-            </p:cNvPr>
-            <p:cNvPicPr>
-              <a:picLocks noChangeAspect="1"/>
-            </p:cNvPicPr>
-            <p:nvPr/>
-          </p:nvPicPr>
-          <p:blipFill rotWithShape="1">
-            <a:blip r:embed="rId2"/>
-            <a:srcRect r="47592" b="9037"/>
-            <a:stretch/>
-          </p:blipFill>
-          <p:spPr>
-            <a:xfrm>
-              <a:off x="838200" y="40342"/>
-              <a:ext cx="5419381" cy="6074020"/>
-            </a:xfrm>
-            <a:prstGeom prst="rect">
-              <a:avLst/>
-            </a:prstGeom>
-          </p:spPr>
-        </p:pic>
-        <p:sp>
-          <p:nvSpPr>
-            <p:cNvPr id="2" name="圓角矩形 1">
-              <a:extLst>
-                <a:ext uri="{FF2B5EF4-FFF2-40B4-BE49-F238E27FC236}">
-                  <a16:creationId xmlns:a16="http://schemas.microsoft.com/office/drawing/2014/main" id="{3FAA86EE-8298-1C4F-81CE-20D62FB6144A}"/>
-                </a:ext>
-              </a:extLst>
-            </p:cNvPr>
-            <p:cNvSpPr/>
-            <p:nvPr/>
-          </p:nvSpPr>
-          <p:spPr>
-            <a:xfrm>
-              <a:off x="3690651" y="4858439"/>
-              <a:ext cx="3227942" cy="1784732"/>
-            </a:xfrm>
-            <a:prstGeom prst="roundRect">
-              <a:avLst/>
-            </a:prstGeom>
-            <a:solidFill>
-              <a:schemeClr val="bg1"/>
-            </a:solidFill>
-            <a:ln>
-              <a:solidFill>
-                <a:schemeClr val="bg1"/>
-              </a:solidFill>
-            </a:ln>
-          </p:spPr>
-          <p:style>
-            <a:lnRef idx="2">
-              <a:schemeClr val="accent1">
-                <a:shade val="50000"/>
-              </a:schemeClr>
-            </a:lnRef>
-            <a:fillRef idx="1">
-              <a:schemeClr val="accent1"/>
-            </a:fillRef>
-            <a:effectRef idx="0">
-              <a:schemeClr val="accent1"/>
-            </a:effectRef>
-            <a:fontRef idx="minor">
-              <a:schemeClr val="lt1"/>
-            </a:fontRef>
-          </p:style>
-          <p:txBody>
-            <a:bodyPr rtlCol="0" anchor="ctr"/>
-            <a:lstStyle/>
-            <a:p>
-              <a:pPr algn="ctr"/>
-              <a:endParaRPr kumimoji="1" lang="zh-TW" altLang="en-US"/>
-            </a:p>
-          </p:txBody>
-        </p:sp>
-      </p:grpSp>
-    </p:spTree>
-    <p:extLst>
-      <p:ext uri="{BB962C8B-B14F-4D97-AF65-F5344CB8AC3E}">
-        <p14:creationId xmlns:p14="http://schemas.microsoft.com/office/powerpoint/2010/main" val="3819268851"/>
-      </p:ext>
-    </p:extLst>
-  </p:cSld>
-  <p:clrMapOvr>
-    <a:masterClrMapping/>
-  </p:clrMapOvr>
-</p:sld>
-</file>
-
-<file path=ppt/slides/slide5.xml><?xml version="1.0" encoding="utf-8"?>
-<p:sld xmlns:a="http://schemas.openxmlformats.org/drawingml/2006/main" xmlns:r="http://schemas.openxmlformats.org/officeDocument/2006/relationships" xmlns:p="http://schemas.openxmlformats.org/presentationml/2006/main">
-  <p:cSld>
-    <p:spTree>
-      <p:nvGrpSpPr>
-        <p:cNvPr id="1" name=""/>
-        <p:cNvGrpSpPr/>
-        <p:nvPr/>
-      </p:nvGrpSpPr>
-      <p:grpSpPr>
-        <a:xfrm>
-          <a:off x="0" y="0"/>
-          <a:ext cx="0" cy="0"/>
-          <a:chOff x="0" y="0"/>
-          <a:chExt cx="0" cy="0"/>
-        </a:xfrm>
-      </p:grpSpPr>
-      <p:grpSp>
-        <p:nvGrpSpPr>
-          <p:cNvPr id="8" name="群組 7">
-            <a:extLst>
-              <a:ext uri="{FF2B5EF4-FFF2-40B4-BE49-F238E27FC236}">
-                <a16:creationId xmlns:a16="http://schemas.microsoft.com/office/drawing/2014/main" id="{193C4648-E4B7-324B-95A7-F45A73425E6B}"/>
-              </a:ext>
-            </a:extLst>
-          </p:cNvPr>
-          <p:cNvGrpSpPr/>
-          <p:nvPr/>
-        </p:nvGrpSpPr>
-        <p:grpSpPr>
-          <a:xfrm>
-            <a:off x="114300" y="-1114425"/>
-            <a:ext cx="11064687" cy="7832225"/>
-            <a:chOff x="3157538" y="1271588"/>
-            <a:chExt cx="8021449" cy="5446212"/>
-          </a:xfrm>
-        </p:grpSpPr>
-        <p:pic>
-          <p:nvPicPr>
-            <p:cNvPr id="7" name="內容版面配置區 4">
-              <a:extLst>
-                <a:ext uri="{FF2B5EF4-FFF2-40B4-BE49-F238E27FC236}">
-                  <a16:creationId xmlns:a16="http://schemas.microsoft.com/office/drawing/2014/main" id="{B46A9B63-421E-6A42-BFE1-1ECFA1508FB4}"/>
-                </a:ext>
-              </a:extLst>
-            </p:cNvPr>
-            <p:cNvPicPr>
-              <a:picLocks noChangeAspect="1"/>
-            </p:cNvPicPr>
-            <p:nvPr/>
-          </p:nvPicPr>
-          <p:blipFill rotWithShape="1">
-            <a:blip r:embed="rId2"/>
-            <a:srcRect l="31686" t="29779"/>
-            <a:stretch/>
-          </p:blipFill>
-          <p:spPr>
-            <a:xfrm>
-              <a:off x="4114800" y="2028825"/>
-              <a:ext cx="7064187" cy="4688975"/>
-            </a:xfrm>
-            <a:prstGeom prst="rect">
-              <a:avLst/>
-            </a:prstGeom>
-          </p:spPr>
-        </p:pic>
-        <p:sp>
-          <p:nvSpPr>
-            <p:cNvPr id="2" name="圓角矩形 1">
-              <a:extLst>
-                <a:ext uri="{FF2B5EF4-FFF2-40B4-BE49-F238E27FC236}">
-                  <a16:creationId xmlns:a16="http://schemas.microsoft.com/office/drawing/2014/main" id="{C3CB1DCF-DF2A-5B46-8BEE-48C01657D672}"/>
-                </a:ext>
-              </a:extLst>
-            </p:cNvPr>
-            <p:cNvSpPr/>
-            <p:nvPr/>
-          </p:nvSpPr>
-          <p:spPr>
-            <a:xfrm>
-              <a:off x="3157538" y="1271588"/>
-              <a:ext cx="3086100" cy="3771900"/>
-            </a:xfrm>
-            <a:prstGeom prst="roundRect">
-              <a:avLst/>
-            </a:prstGeom>
-            <a:solidFill>
-              <a:schemeClr val="bg1"/>
-            </a:solidFill>
-            <a:ln>
-              <a:solidFill>
-                <a:schemeClr val="bg1"/>
-              </a:solidFill>
-            </a:ln>
-          </p:spPr>
-          <p:style>
-            <a:lnRef idx="2">
-              <a:schemeClr val="accent1">
-                <a:shade val="50000"/>
-              </a:schemeClr>
-            </a:lnRef>
-            <a:fillRef idx="1">
-              <a:schemeClr val="accent1"/>
-            </a:fillRef>
-            <a:effectRef idx="0">
-              <a:schemeClr val="accent1"/>
-            </a:effectRef>
-            <a:fontRef idx="minor">
-              <a:schemeClr val="lt1"/>
-            </a:fontRef>
-          </p:style>
-          <p:txBody>
-            <a:bodyPr rtlCol="0" anchor="ctr"/>
-            <a:lstStyle/>
-            <a:p>
-              <a:pPr algn="ctr"/>
-              <a:endParaRPr kumimoji="1" lang="zh-TW" altLang="en-US"/>
-            </a:p>
-          </p:txBody>
-        </p:sp>
-      </p:grpSp>
-    </p:spTree>
-    <p:extLst>
-      <p:ext uri="{BB962C8B-B14F-4D97-AF65-F5344CB8AC3E}">
-        <p14:creationId xmlns:p14="http://schemas.microsoft.com/office/powerpoint/2010/main" val="3930790485"/>
-      </p:ext>
-    </p:extLst>
-  </p:cSld>
-  <p:clrMapOvr>
-    <a:masterClrMapping/>
-  </p:clrMapOvr>
-</p:sld>
-</file>
-
-<file path=ppt/slides/slide6.xml><?xml version="1.0" encoding="utf-8"?>
-<p:sld xmlns:a="http://schemas.openxmlformats.org/drawingml/2006/main" xmlns:r="http://schemas.openxmlformats.org/officeDocument/2006/relationships" xmlns:p="http://schemas.openxmlformats.org/presentationml/2006/main">
-  <p:cSld>
-    <p:spTree>
-      <p:nvGrpSpPr>
-        <p:cNvPr id="1" name=""/>
-        <p:cNvGrpSpPr/>
-        <p:nvPr/>
-      </p:nvGrpSpPr>
-      <p:grpSpPr>
-        <a:xfrm>
-          <a:off x="0" y="0"/>
-          <a:ext cx="0" cy="0"/>
-          <a:chOff x="0" y="0"/>
-          <a:chExt cx="0" cy="0"/>
-        </a:xfrm>
-      </p:grpSpPr>
-      <p:sp>
-        <p:nvSpPr>
-          <p:cNvPr id="2" name="標題 1">
-            <a:extLst>
-              <a:ext uri="{FF2B5EF4-FFF2-40B4-BE49-F238E27FC236}">
-                <a16:creationId xmlns:a16="http://schemas.microsoft.com/office/drawing/2014/main" id="{48D0B27F-AA46-344D-A835-5AE7156C922E}"/>
-              </a:ext>
-            </a:extLst>
-          </p:cNvPr>
-          <p:cNvSpPr>
-            <a:spLocks noGrp="1"/>
-          </p:cNvSpPr>
-          <p:nvPr>
-            <p:ph type="title"/>
-          </p:nvPr>
-        </p:nvSpPr>
-        <p:spPr/>
-        <p:txBody>
-          <a:bodyPr/>
-          <a:lstStyle/>
-          <a:p>
-            <a:r>
-              <a:rPr kumimoji="1" lang="en-US" altLang="zh-TW" dirty="0"/>
-              <a:t>Sequence Diagram – Send Invitation</a:t>
-            </a:r>
-            <a:endParaRPr kumimoji="1" lang="zh-TW" altLang="en-US" dirty="0"/>
-          </a:p>
-        </p:txBody>
-      </p:sp>
-      <p:pic>
-        <p:nvPicPr>
-          <p:cNvPr id="5" name="內容版面配置區 4">
-            <a:extLst>
-              <a:ext uri="{FF2B5EF4-FFF2-40B4-BE49-F238E27FC236}">
-                <a16:creationId xmlns:a16="http://schemas.microsoft.com/office/drawing/2014/main" id="{5B30FBA1-C209-164F-974E-0556645C5937}"/>
-              </a:ext>
-            </a:extLst>
-          </p:cNvPr>
-          <p:cNvPicPr>
-            <a:picLocks noGrp="1" noChangeAspect="1"/>
-          </p:cNvPicPr>
-          <p:nvPr>
-            <p:ph idx="1"/>
-          </p:nvPr>
-        </p:nvPicPr>
-        <p:blipFill>
-          <a:blip r:embed="rId2"/>
-          <a:stretch>
-            <a:fillRect/>
-          </a:stretch>
-        </p:blipFill>
-        <p:spPr>
-          <a:xfrm>
-            <a:off x="1930612" y="1378560"/>
-            <a:ext cx="8330775" cy="5479440"/>
-          </a:xfrm>
-        </p:spPr>
-      </p:pic>
-    </p:spTree>
-    <p:extLst>
-      <p:ext uri="{BB962C8B-B14F-4D97-AF65-F5344CB8AC3E}">
-        <p14:creationId xmlns:p14="http://schemas.microsoft.com/office/powerpoint/2010/main" val="1244899666"/>
-      </p:ext>
-    </p:extLst>
-  </p:cSld>
-  <p:clrMapOvr>
-    <a:masterClrMapping/>
-  </p:clrMapOvr>
-</p:sld>
-</file>
-
-<file path=ppt/slides/slide7.xml><?xml version="1.0" encoding="utf-8"?>
-<p:sld xmlns:a="http://schemas.openxmlformats.org/drawingml/2006/main" xmlns:r="http://schemas.openxmlformats.org/officeDocument/2006/relationships" xmlns:p="http://schemas.openxmlformats.org/presentationml/2006/main">
-  <p:cSld>
-    <p:spTree>
-      <p:nvGrpSpPr>
-        <p:cNvPr id="1" name=""/>
-        <p:cNvGrpSpPr/>
-        <p:nvPr/>
-      </p:nvGrpSpPr>
-      <p:grpSpPr>
-        <a:xfrm>
-          <a:off x="0" y="0"/>
-          <a:ext cx="0" cy="0"/>
-          <a:chOff x="0" y="0"/>
-          <a:chExt cx="0" cy="0"/>
-        </a:xfrm>
-      </p:grpSpPr>
-      <p:sp>
-        <p:nvSpPr>
-          <p:cNvPr id="2" name="標題 1">
-            <a:extLst>
-              <a:ext uri="{FF2B5EF4-FFF2-40B4-BE49-F238E27FC236}">
-                <a16:creationId xmlns:a16="http://schemas.microsoft.com/office/drawing/2014/main" id="{FE2D50F1-FF40-2E47-96F9-CF299AB5E7E4}"/>
-              </a:ext>
-            </a:extLst>
-          </p:cNvPr>
-          <p:cNvSpPr>
-            <a:spLocks noGrp="1"/>
-          </p:cNvSpPr>
-          <p:nvPr>
-            <p:ph type="title"/>
-          </p:nvPr>
-        </p:nvSpPr>
-        <p:spPr/>
-        <p:txBody>
-          <a:bodyPr/>
-          <a:lstStyle/>
-          <a:p>
-            <a:r>
-              <a:rPr kumimoji="1" lang="en-US" altLang="zh-TW" dirty="0"/>
-              <a:t>Sequence Diagram – Take Turn</a:t>
-            </a:r>
-            <a:endParaRPr kumimoji="1" lang="zh-TW" altLang="en-US" dirty="0"/>
-          </a:p>
-        </p:txBody>
-      </p:sp>
-      <p:pic>
-        <p:nvPicPr>
-          <p:cNvPr id="5" name="內容版面配置區 4">
-            <a:extLst>
-              <a:ext uri="{FF2B5EF4-FFF2-40B4-BE49-F238E27FC236}">
-                <a16:creationId xmlns:a16="http://schemas.microsoft.com/office/drawing/2014/main" id="{5227D932-ECA2-B24E-88FB-9B144748569A}"/>
-              </a:ext>
-            </a:extLst>
-          </p:cNvPr>
-          <p:cNvPicPr>
-            <a:picLocks noGrp="1" noChangeAspect="1"/>
-          </p:cNvPicPr>
-          <p:nvPr>
-            <p:ph idx="1"/>
-          </p:nvPr>
-        </p:nvPicPr>
-        <p:blipFill>
-          <a:blip r:embed="rId2"/>
-          <a:stretch>
-            <a:fillRect/>
-          </a:stretch>
-        </p:blipFill>
-        <p:spPr>
-          <a:xfrm>
-            <a:off x="1000129" y="1305939"/>
-            <a:ext cx="10191742" cy="5618163"/>
-          </a:xfrm>
-        </p:spPr>
-      </p:pic>
-    </p:spTree>
-    <p:extLst>
-      <p:ext uri="{BB962C8B-B14F-4D97-AF65-F5344CB8AC3E}">
-        <p14:creationId xmlns:p14="http://schemas.microsoft.com/office/powerpoint/2010/main" val="3124611966"/>
-      </p:ext>
-    </p:extLst>
-  </p:cSld>
-  <p:clrMapOvr>
-    <a:masterClrMapping/>
-  </p:clrMapOvr>
-</p:sld>
-</file>
-
-<file path=ppt/slides/slide8.xml><?xml version="1.0" encoding="utf-8"?>
-<p:sld xmlns:a="http://schemas.openxmlformats.org/drawingml/2006/main" xmlns:r="http://schemas.openxmlformats.org/officeDocument/2006/relationships" xmlns:p="http://schemas.openxmlformats.org/presentationml/2006/main">
-  <p:cSld>
-    <p:spTree>
-      <p:nvGrpSpPr>
-        <p:cNvPr id="1" name=""/>
-        <p:cNvGrpSpPr/>
-        <p:nvPr/>
-      </p:nvGrpSpPr>
-      <p:grpSpPr>
-        <a:xfrm>
-          <a:off x="0" y="0"/>
-          <a:ext cx="0" cy="0"/>
-          <a:chOff x="0" y="0"/>
-          <a:chExt cx="0" cy="0"/>
-        </a:xfrm>
-      </p:grpSpPr>
-      <p:sp>
-        <p:nvSpPr>
-          <p:cNvPr id="2" name="標題 1">
-            <a:extLst>
-              <a:ext uri="{FF2B5EF4-FFF2-40B4-BE49-F238E27FC236}">
-                <a16:creationId xmlns:a16="http://schemas.microsoft.com/office/drawing/2014/main" id="{FE2D50F1-FF40-2E47-96F9-CF299AB5E7E4}"/>
-              </a:ext>
-            </a:extLst>
-          </p:cNvPr>
-          <p:cNvSpPr>
-            <a:spLocks noGrp="1"/>
-          </p:cNvSpPr>
-          <p:nvPr>
-            <p:ph type="title"/>
-          </p:nvPr>
-        </p:nvSpPr>
-        <p:spPr/>
-        <p:txBody>
-          <a:bodyPr/>
-          <a:lstStyle/>
-          <a:p>
-            <a:r>
-              <a:rPr kumimoji="1" lang="en-US" altLang="zh-TW" dirty="0"/>
-              <a:t>Sequence Diagram – Join Game</a:t>
-            </a:r>
-            <a:endParaRPr kumimoji="1" lang="zh-TW" altLang="en-US" dirty="0"/>
-          </a:p>
-        </p:txBody>
-      </p:sp>
-      <p:pic>
-        <p:nvPicPr>
-          <p:cNvPr id="5" name="內容版面配置區 4">
-            <a:extLst>
-              <a:ext uri="{FF2B5EF4-FFF2-40B4-BE49-F238E27FC236}">
-                <a16:creationId xmlns:a16="http://schemas.microsoft.com/office/drawing/2014/main" id="{5227D932-ECA2-B24E-88FB-9B144748569A}"/>
-              </a:ext>
-            </a:extLst>
-          </p:cNvPr>
-          <p:cNvPicPr>
-            <a:picLocks noGrp="1" noChangeAspect="1"/>
-          </p:cNvPicPr>
-          <p:nvPr>
-            <p:ph idx="1"/>
-          </p:nvPr>
-        </p:nvPicPr>
-        <p:blipFill>
-          <a:blip r:embed="rId2"/>
-          <a:stretch>
-            <a:fillRect/>
-          </a:stretch>
-        </p:blipFill>
-        <p:spPr>
-          <a:xfrm>
-            <a:off x="173768" y="1214437"/>
-            <a:ext cx="11844464" cy="5418501"/>
-          </a:xfrm>
-        </p:spPr>
-      </p:pic>
-    </p:spTree>
-    <p:extLst>
-      <p:ext uri="{BB962C8B-B14F-4D97-AF65-F5344CB8AC3E}">
-        <p14:creationId xmlns:p14="http://schemas.microsoft.com/office/powerpoint/2010/main" val="1412046047"/>
-      </p:ext>
-    </p:extLst>
-  </p:cSld>
-  <p:clrMapOvr>
-    <a:masterClrMapping/>
-  </p:clrMapOvr>
-</p:sld>
-</file>
-
-<file path=ppt/slides/slide9.xml><?xml version="1.0" encoding="utf-8"?>
 <p:sld xmlns:a="http://schemas.openxmlformats.org/drawingml/2006/main" xmlns:r="http://schemas.openxmlformats.org/officeDocument/2006/relationships" xmlns:p="http://schemas.openxmlformats.org/presentationml/2006/main">
   <p:cSld>
     <p:spTree>
@@ -9769,7 +8363,7 @@
                     <a:lstStyle/>
                     <a:p>
                       <a:pPr algn="l" fontAlgn="b"/>
-                      <a:endParaRPr lang="en-US" sz="1800" b="0" i="0" u="none" strike="noStrike">
+                      <a:endParaRPr lang="en-US" sz="1800" b="0" i="0" u="none" strike="noStrike" dirty="0">
                         <a:solidFill>
                           <a:srgbClr val="000000"/>
                         </a:solidFill>
@@ -10870,6 +9464,1602 @@
 </p:sld>
 </file>
 
+<file path=ppt/slides/slide11.xml><?xml version="1.0" encoding="utf-8"?>
+<p:sld xmlns:a="http://schemas.openxmlformats.org/drawingml/2006/main" xmlns:r="http://schemas.openxmlformats.org/officeDocument/2006/relationships" xmlns:p="http://schemas.openxmlformats.org/presentationml/2006/main">
+  <p:cSld>
+    <p:spTree>
+      <p:nvGrpSpPr>
+        <p:cNvPr id="1" name=""/>
+        <p:cNvGrpSpPr/>
+        <p:nvPr/>
+      </p:nvGrpSpPr>
+      <p:grpSpPr>
+        <a:xfrm>
+          <a:off x="0" y="0"/>
+          <a:ext cx="0" cy="0"/>
+          <a:chOff x="0" y="0"/>
+          <a:chExt cx="0" cy="0"/>
+        </a:xfrm>
+      </p:grpSpPr>
+      <p:sp>
+        <p:nvSpPr>
+          <p:cNvPr id="2" name="標題 1">
+            <a:extLst>
+              <a:ext uri="{FF2B5EF4-FFF2-40B4-BE49-F238E27FC236}">
+                <a16:creationId xmlns:a16="http://schemas.microsoft.com/office/drawing/2014/main" id="{2B5DF70C-0980-854E-A718-1396A5CBEE40}"/>
+              </a:ext>
+            </a:extLst>
+          </p:cNvPr>
+          <p:cNvSpPr>
+            <a:spLocks noGrp="1"/>
+          </p:cNvSpPr>
+          <p:nvPr>
+            <p:ph type="title"/>
+          </p:nvPr>
+        </p:nvSpPr>
+        <p:spPr/>
+        <p:txBody>
+          <a:bodyPr>
+            <a:normAutofit/>
+          </a:bodyPr>
+          <a:lstStyle/>
+          <a:p>
+            <a:r>
+              <a:rPr lang="en-US" altLang="zh-TW" dirty="0"/>
+              <a:t>Technologies and Tools</a:t>
+            </a:r>
+            <a:endParaRPr kumimoji="1" lang="zh-TW" altLang="en-US" dirty="0"/>
+          </a:p>
+        </p:txBody>
+      </p:sp>
+      <p:sp>
+        <p:nvSpPr>
+          <p:cNvPr id="3" name="內容版面配置區 2">
+            <a:extLst>
+              <a:ext uri="{FF2B5EF4-FFF2-40B4-BE49-F238E27FC236}">
+                <a16:creationId xmlns:a16="http://schemas.microsoft.com/office/drawing/2014/main" id="{85E430AC-9EE4-C242-AB33-58B1BB080181}"/>
+              </a:ext>
+            </a:extLst>
+          </p:cNvPr>
+          <p:cNvSpPr>
+            <a:spLocks noGrp="1"/>
+          </p:cNvSpPr>
+          <p:nvPr>
+            <p:ph idx="1"/>
+          </p:nvPr>
+        </p:nvSpPr>
+        <p:spPr/>
+        <p:txBody>
+          <a:bodyPr>
+            <a:normAutofit fontScale="77500" lnSpcReduction="20000"/>
+          </a:bodyPr>
+          <a:lstStyle/>
+          <a:p>
+            <a:pPr marL="0" indent="0">
+              <a:buNone/>
+            </a:pPr>
+            <a:r>
+              <a:rPr kumimoji="1" lang="en" altLang="zh-TW" sz="3100" dirty="0"/>
+              <a:t>Programming Language:</a:t>
+            </a:r>
+          </a:p>
+          <a:p>
+            <a:r>
+              <a:rPr kumimoji="1" lang="en" altLang="zh-TW" dirty="0"/>
+              <a:t>Java</a:t>
+            </a:r>
+          </a:p>
+          <a:p>
+            <a:pPr marL="0" indent="0">
+              <a:buNone/>
+            </a:pPr>
+            <a:endParaRPr kumimoji="1" lang="en" altLang="zh-TW" dirty="0"/>
+          </a:p>
+          <a:p>
+            <a:pPr marL="0" indent="0">
+              <a:buNone/>
+            </a:pPr>
+            <a:r>
+              <a:rPr kumimoji="1" lang="en" altLang="zh-TW" sz="3100" dirty="0"/>
+              <a:t>Programming Environment:</a:t>
+            </a:r>
+          </a:p>
+          <a:p>
+            <a:r>
+              <a:rPr lang="zh-TW" altLang="zh-TW" dirty="0"/>
+              <a:t>IntelliJ IDEA</a:t>
+            </a:r>
+            <a:endParaRPr lang="en-US" altLang="zh-TW" dirty="0"/>
+          </a:p>
+          <a:p>
+            <a:endParaRPr lang="en-US" altLang="zh-TW" dirty="0"/>
+          </a:p>
+          <a:p>
+            <a:pPr marL="0" indent="0">
+              <a:buNone/>
+            </a:pPr>
+            <a:r>
+              <a:rPr kumimoji="1" lang="en-US" altLang="zh-TW" sz="3100" dirty="0"/>
+              <a:t>Testing:</a:t>
+            </a:r>
+          </a:p>
+          <a:p>
+            <a:r>
+              <a:rPr kumimoji="1" lang="en" altLang="zh-TW" dirty="0"/>
+              <a:t>Travis Continuous Integration</a:t>
+            </a:r>
+          </a:p>
+          <a:p>
+            <a:endParaRPr kumimoji="1" lang="en" altLang="zh-TW" dirty="0"/>
+          </a:p>
+          <a:p>
+            <a:pPr marL="0" indent="0">
+              <a:buNone/>
+            </a:pPr>
+            <a:r>
+              <a:rPr kumimoji="1" lang="en" altLang="zh-TW" sz="3100" dirty="0"/>
+              <a:t>Other:</a:t>
+            </a:r>
+          </a:p>
+          <a:p>
+            <a:r>
+              <a:rPr kumimoji="1" lang="en" altLang="zh-TW" dirty="0"/>
+              <a:t>GitHub</a:t>
+            </a:r>
+          </a:p>
+          <a:p>
+            <a:pPr marL="0" indent="0">
+              <a:buNone/>
+            </a:pPr>
+            <a:r>
+              <a:rPr kumimoji="1" lang="en" altLang="zh-TW" sz="1700" dirty="0">
+                <a:hlinkClick r:id="rId2"/>
+              </a:rPr>
+              <a:t>Developing Manual</a:t>
+            </a:r>
+            <a:endParaRPr kumimoji="1" lang="en" altLang="zh-TW" sz="1700" dirty="0"/>
+          </a:p>
+          <a:p>
+            <a:endParaRPr kumimoji="1" lang="zh-TW" altLang="en-US" dirty="0"/>
+          </a:p>
+        </p:txBody>
+      </p:sp>
+    </p:spTree>
+    <p:extLst>
+      <p:ext uri="{BB962C8B-B14F-4D97-AF65-F5344CB8AC3E}">
+        <p14:creationId xmlns:p14="http://schemas.microsoft.com/office/powerpoint/2010/main" val="3912835972"/>
+      </p:ext>
+    </p:extLst>
+  </p:cSld>
+  <p:clrMapOvr>
+    <a:masterClrMapping/>
+  </p:clrMapOvr>
+</p:sld>
+</file>
+
+<file path=ppt/slides/slide12.xml><?xml version="1.0" encoding="utf-8"?>
+<p:sld xmlns:a="http://schemas.openxmlformats.org/drawingml/2006/main" xmlns:r="http://schemas.openxmlformats.org/officeDocument/2006/relationships" xmlns:p="http://schemas.openxmlformats.org/presentationml/2006/main">
+  <p:cSld>
+    <p:spTree>
+      <p:nvGrpSpPr>
+        <p:cNvPr id="1" name=""/>
+        <p:cNvGrpSpPr/>
+        <p:nvPr/>
+      </p:nvGrpSpPr>
+      <p:grpSpPr>
+        <a:xfrm>
+          <a:off x="0" y="0"/>
+          <a:ext cx="0" cy="0"/>
+          <a:chOff x="0" y="0"/>
+          <a:chExt cx="0" cy="0"/>
+        </a:xfrm>
+      </p:grpSpPr>
+      <p:sp>
+        <p:nvSpPr>
+          <p:cNvPr id="2" name="標題 1">
+            <a:extLst>
+              <a:ext uri="{FF2B5EF4-FFF2-40B4-BE49-F238E27FC236}">
+                <a16:creationId xmlns:a16="http://schemas.microsoft.com/office/drawing/2014/main" id="{D33D1EB0-9709-4D4F-81A0-188174CFCBFA}"/>
+              </a:ext>
+            </a:extLst>
+          </p:cNvPr>
+          <p:cNvSpPr>
+            <a:spLocks noGrp="1"/>
+          </p:cNvSpPr>
+          <p:nvPr>
+            <p:ph type="title"/>
+          </p:nvPr>
+        </p:nvSpPr>
+        <p:spPr>
+          <a:xfrm>
+            <a:off x="838200" y="2766219"/>
+            <a:ext cx="10515600" cy="1325563"/>
+          </a:xfrm>
+        </p:spPr>
+        <p:txBody>
+          <a:bodyPr/>
+          <a:lstStyle/>
+          <a:p>
+            <a:pPr algn="ctr"/>
+            <a:r>
+              <a:rPr kumimoji="1" lang="en-US" altLang="zh-TW" sz="6600" dirty="0"/>
+              <a:t>Q </a:t>
+            </a:r>
+            <a:r>
+              <a:rPr kumimoji="1" lang="en-US" altLang="zh-TW" dirty="0"/>
+              <a:t>&amp; </a:t>
+            </a:r>
+            <a:r>
+              <a:rPr kumimoji="1" lang="en-US" altLang="zh-TW" sz="6600" dirty="0"/>
+              <a:t>A</a:t>
+            </a:r>
+            <a:endParaRPr kumimoji="1" lang="zh-TW" altLang="en-US" sz="6600" dirty="0"/>
+          </a:p>
+        </p:txBody>
+      </p:sp>
+    </p:spTree>
+    <p:extLst>
+      <p:ext uri="{BB962C8B-B14F-4D97-AF65-F5344CB8AC3E}">
+        <p14:creationId xmlns:p14="http://schemas.microsoft.com/office/powerpoint/2010/main" val="116588450"/>
+      </p:ext>
+    </p:extLst>
+  </p:cSld>
+  <p:clrMapOvr>
+    <a:masterClrMapping/>
+  </p:clrMapOvr>
+</p:sld>
+</file>
+
+<file path=ppt/slides/slide2.xml><?xml version="1.0" encoding="utf-8"?>
+<p:sld xmlns:a="http://schemas.openxmlformats.org/drawingml/2006/main" xmlns:r="http://schemas.openxmlformats.org/officeDocument/2006/relationships" xmlns:p="http://schemas.openxmlformats.org/presentationml/2006/main">
+  <p:cSld>
+    <p:spTree>
+      <p:nvGrpSpPr>
+        <p:cNvPr id="1" name=""/>
+        <p:cNvGrpSpPr/>
+        <p:nvPr/>
+      </p:nvGrpSpPr>
+      <p:grpSpPr>
+        <a:xfrm>
+          <a:off x="0" y="0"/>
+          <a:ext cx="0" cy="0"/>
+          <a:chOff x="0" y="0"/>
+          <a:chExt cx="0" cy="0"/>
+        </a:xfrm>
+      </p:grpSpPr>
+      <p:pic>
+        <p:nvPicPr>
+          <p:cNvPr id="1026" name="Picture 2" descr="https://upload.wikimedia.org/wikipedia/commons/thumb/4/4a/Rollerball_gameboard_and_init_config.PNG/800px-Rollerball_gameboard_and_init_config.PNG"/>
+          <p:cNvPicPr>
+            <a:picLocks noChangeAspect="1" noChangeArrowheads="1"/>
+          </p:cNvPicPr>
+          <p:nvPr/>
+        </p:nvPicPr>
+        <p:blipFill>
+          <a:blip r:embed="rId2">
+            <a:extLst>
+              <a:ext uri="{28A0092B-C50C-407E-A947-70E740481C1C}">
+                <a14:useLocalDpi xmlns:a14="http://schemas.microsoft.com/office/drawing/2010/main" val="0"/>
+              </a:ext>
+            </a:extLst>
+          </a:blip>
+          <a:srcRect/>
+          <a:stretch>
+            <a:fillRect/>
+          </a:stretch>
+        </p:blipFill>
+        <p:spPr bwMode="auto">
+          <a:xfrm>
+            <a:off x="7002612" y="791588"/>
+            <a:ext cx="4374140" cy="4374140"/>
+          </a:xfrm>
+          <a:prstGeom prst="rect">
+            <a:avLst/>
+          </a:prstGeom>
+          <a:noFill/>
+          <a:extLst>
+            <a:ext uri="{909E8E84-426E-40DD-AFC4-6F175D3DCCD1}">
+              <a14:hiddenFill xmlns:a14="http://schemas.microsoft.com/office/drawing/2010/main">
+                <a:solidFill>
+                  <a:srgbClr val="FFFFFF"/>
+                </a:solidFill>
+              </a14:hiddenFill>
+            </a:ext>
+          </a:extLst>
+        </p:spPr>
+      </p:pic>
+      <p:sp>
+        <p:nvSpPr>
+          <p:cNvPr id="2" name="Rectangle 1"/>
+          <p:cNvSpPr/>
+          <p:nvPr/>
+        </p:nvSpPr>
+        <p:spPr>
+          <a:xfrm>
+            <a:off x="451523" y="415636"/>
+            <a:ext cx="4245890" cy="928422"/>
+          </a:xfrm>
+          <a:prstGeom prst="rect">
+            <a:avLst/>
+          </a:prstGeom>
+          <a:solidFill>
+            <a:schemeClr val="bg1"/>
+          </a:solidFill>
+        </p:spPr>
+        <p:style>
+          <a:lnRef idx="2">
+            <a:schemeClr val="dk1">
+              <a:shade val="50000"/>
+            </a:schemeClr>
+          </a:lnRef>
+          <a:fillRef idx="1">
+            <a:schemeClr val="dk1"/>
+          </a:fillRef>
+          <a:effectRef idx="0">
+            <a:schemeClr val="dk1"/>
+          </a:effectRef>
+          <a:fontRef idx="minor">
+            <a:schemeClr val="lt1"/>
+          </a:fontRef>
+        </p:style>
+        <p:txBody>
+          <a:bodyPr rtlCol="0" anchor="ctr"/>
+          <a:lstStyle/>
+          <a:p>
+            <a:pPr algn="ctr"/>
+            <a:r>
+              <a:rPr kumimoji="1" lang="en-US" altLang="zh-TW" sz="4400" dirty="0">
+                <a:solidFill>
+                  <a:prstClr val="black"/>
+                </a:solidFill>
+                <a:latin typeface="Calibri Light" panose="020F0302020204030204"/>
+                <a:cs typeface="+mj-cs"/>
+              </a:rPr>
+              <a:t>Rollerball rules</a:t>
+            </a:r>
+            <a:endParaRPr lang="en-US" dirty="0">
+              <a:solidFill>
+                <a:schemeClr val="tx1"/>
+              </a:solidFill>
+            </a:endParaRPr>
+          </a:p>
+        </p:txBody>
+      </p:sp>
+      <p:sp>
+        <p:nvSpPr>
+          <p:cNvPr id="10" name="內容版面配置區 2">
+            <a:extLst>
+              <a:ext uri="{FF2B5EF4-FFF2-40B4-BE49-F238E27FC236}">
+                <a16:creationId xmlns:a16="http://schemas.microsoft.com/office/drawing/2014/main" id="{86462B2D-432F-7B43-BA5C-66600FAC415B}"/>
+              </a:ext>
+            </a:extLst>
+          </p:cNvPr>
+          <p:cNvSpPr txBox="1">
+            <a:spLocks/>
+          </p:cNvSpPr>
+          <p:nvPr/>
+        </p:nvSpPr>
+        <p:spPr>
+          <a:xfrm>
+            <a:off x="451523" y="1597446"/>
+            <a:ext cx="10902277" cy="5056742"/>
+          </a:xfrm>
+          <a:prstGeom prst="rect">
+            <a:avLst/>
+          </a:prstGeom>
+        </p:spPr>
+        <p:txBody>
+          <a:bodyPr>
+            <a:normAutofit fontScale="70000" lnSpcReduction="20000"/>
+          </a:bodyPr>
+          <a:lstStyle>
+            <a:lvl1pPr marL="228600" indent="-228600" algn="l" defTabSz="914400" rtl="0" eaLnBrk="1" latinLnBrk="0" hangingPunct="1">
+              <a:lnSpc>
+                <a:spcPct val="90000"/>
+              </a:lnSpc>
+              <a:spcBef>
+                <a:spcPts val="1000"/>
+              </a:spcBef>
+              <a:buFont typeface="Arial" panose="020B0604020202020204" pitchFamily="34" charset="0"/>
+              <a:buChar char="•"/>
+              <a:defRPr sz="2800" kern="1200">
+                <a:solidFill>
+                  <a:schemeClr val="tx1"/>
+                </a:solidFill>
+                <a:latin typeface="+mn-lt"/>
+                <a:ea typeface="+mn-ea"/>
+                <a:cs typeface="+mn-cs"/>
+              </a:defRPr>
+            </a:lvl1pPr>
+            <a:lvl2pPr marL="685800" indent="-228600" algn="l" defTabSz="914400" rtl="0" eaLnBrk="1" latinLnBrk="0" hangingPunct="1">
+              <a:lnSpc>
+                <a:spcPct val="90000"/>
+              </a:lnSpc>
+              <a:spcBef>
+                <a:spcPts val="500"/>
+              </a:spcBef>
+              <a:buFont typeface="Arial" panose="020B0604020202020204" pitchFamily="34" charset="0"/>
+              <a:buChar char="•"/>
+              <a:defRPr sz="2400" kern="1200">
+                <a:solidFill>
+                  <a:schemeClr val="tx1"/>
+                </a:solidFill>
+                <a:latin typeface="+mn-lt"/>
+                <a:ea typeface="+mn-ea"/>
+                <a:cs typeface="+mn-cs"/>
+              </a:defRPr>
+            </a:lvl2pPr>
+            <a:lvl3pPr marL="1143000" indent="-228600" algn="l" defTabSz="914400" rtl="0" eaLnBrk="1" latinLnBrk="0" hangingPunct="1">
+              <a:lnSpc>
+                <a:spcPct val="90000"/>
+              </a:lnSpc>
+              <a:spcBef>
+                <a:spcPts val="500"/>
+              </a:spcBef>
+              <a:buFont typeface="Arial" panose="020B0604020202020204" pitchFamily="34" charset="0"/>
+              <a:buChar char="•"/>
+              <a:defRPr sz="2000" kern="1200">
+                <a:solidFill>
+                  <a:schemeClr val="tx1"/>
+                </a:solidFill>
+                <a:latin typeface="+mn-lt"/>
+                <a:ea typeface="+mn-ea"/>
+                <a:cs typeface="+mn-cs"/>
+              </a:defRPr>
+            </a:lvl3pPr>
+            <a:lvl4pPr marL="1600200" indent="-228600" algn="l" defTabSz="914400" rtl="0" eaLnBrk="1" latinLnBrk="0" hangingPunct="1">
+              <a:lnSpc>
+                <a:spcPct val="90000"/>
+              </a:lnSpc>
+              <a:spcBef>
+                <a:spcPts val="500"/>
+              </a:spcBef>
+              <a:buFont typeface="Arial" panose="020B0604020202020204" pitchFamily="34" charset="0"/>
+              <a:buChar char="•"/>
+              <a:defRPr sz="1800" kern="1200">
+                <a:solidFill>
+                  <a:schemeClr val="tx1"/>
+                </a:solidFill>
+                <a:latin typeface="+mn-lt"/>
+                <a:ea typeface="+mn-ea"/>
+                <a:cs typeface="+mn-cs"/>
+              </a:defRPr>
+            </a:lvl4pPr>
+            <a:lvl5pPr marL="2057400" indent="-228600" algn="l" defTabSz="914400" rtl="0" eaLnBrk="1" latinLnBrk="0" hangingPunct="1">
+              <a:lnSpc>
+                <a:spcPct val="90000"/>
+              </a:lnSpc>
+              <a:spcBef>
+                <a:spcPts val="500"/>
+              </a:spcBef>
+              <a:buFont typeface="Arial" panose="020B0604020202020204" pitchFamily="34" charset="0"/>
+              <a:buChar char="•"/>
+              <a:defRPr sz="1800" kern="1200">
+                <a:solidFill>
+                  <a:schemeClr val="tx1"/>
+                </a:solidFill>
+                <a:latin typeface="+mn-lt"/>
+                <a:ea typeface="+mn-ea"/>
+                <a:cs typeface="+mn-cs"/>
+              </a:defRPr>
+            </a:lvl5pPr>
+            <a:lvl6pPr marL="2514600" indent="-228600" algn="l" defTabSz="914400" rtl="0" eaLnBrk="1" latinLnBrk="0" hangingPunct="1">
+              <a:lnSpc>
+                <a:spcPct val="90000"/>
+              </a:lnSpc>
+              <a:spcBef>
+                <a:spcPts val="500"/>
+              </a:spcBef>
+              <a:buFont typeface="Arial" panose="020B0604020202020204" pitchFamily="34" charset="0"/>
+              <a:buChar char="•"/>
+              <a:defRPr sz="1800" kern="1200">
+                <a:solidFill>
+                  <a:schemeClr val="tx1"/>
+                </a:solidFill>
+                <a:latin typeface="+mn-lt"/>
+                <a:ea typeface="+mn-ea"/>
+                <a:cs typeface="+mn-cs"/>
+              </a:defRPr>
+            </a:lvl6pPr>
+            <a:lvl7pPr marL="2971800" indent="-228600" algn="l" defTabSz="914400" rtl="0" eaLnBrk="1" latinLnBrk="0" hangingPunct="1">
+              <a:lnSpc>
+                <a:spcPct val="90000"/>
+              </a:lnSpc>
+              <a:spcBef>
+                <a:spcPts val="500"/>
+              </a:spcBef>
+              <a:buFont typeface="Arial" panose="020B0604020202020204" pitchFamily="34" charset="0"/>
+              <a:buChar char="•"/>
+              <a:defRPr sz="1800" kern="1200">
+                <a:solidFill>
+                  <a:schemeClr val="tx1"/>
+                </a:solidFill>
+                <a:latin typeface="+mn-lt"/>
+                <a:ea typeface="+mn-ea"/>
+                <a:cs typeface="+mn-cs"/>
+              </a:defRPr>
+            </a:lvl7pPr>
+            <a:lvl8pPr marL="3429000" indent="-228600" algn="l" defTabSz="914400" rtl="0" eaLnBrk="1" latinLnBrk="0" hangingPunct="1">
+              <a:lnSpc>
+                <a:spcPct val="90000"/>
+              </a:lnSpc>
+              <a:spcBef>
+                <a:spcPts val="500"/>
+              </a:spcBef>
+              <a:buFont typeface="Arial" panose="020B0604020202020204" pitchFamily="34" charset="0"/>
+              <a:buChar char="•"/>
+              <a:defRPr sz="1800" kern="1200">
+                <a:solidFill>
+                  <a:schemeClr val="tx1"/>
+                </a:solidFill>
+                <a:latin typeface="+mn-lt"/>
+                <a:ea typeface="+mn-ea"/>
+                <a:cs typeface="+mn-cs"/>
+              </a:defRPr>
+            </a:lvl8pPr>
+            <a:lvl9pPr marL="3886200" indent="-228600" algn="l" defTabSz="914400" rtl="0" eaLnBrk="1" latinLnBrk="0" hangingPunct="1">
+              <a:lnSpc>
+                <a:spcPct val="90000"/>
+              </a:lnSpc>
+              <a:spcBef>
+                <a:spcPts val="500"/>
+              </a:spcBef>
+              <a:buFont typeface="Arial" panose="020B0604020202020204" pitchFamily="34" charset="0"/>
+              <a:buChar char="•"/>
+              <a:defRPr sz="1800" kern="1200">
+                <a:solidFill>
+                  <a:schemeClr val="tx1"/>
+                </a:solidFill>
+                <a:latin typeface="+mn-lt"/>
+                <a:ea typeface="+mn-ea"/>
+                <a:cs typeface="+mn-cs"/>
+              </a:defRPr>
+            </a:lvl9pPr>
+          </a:lstStyle>
+          <a:p>
+            <a:pPr marL="0" indent="0">
+              <a:buNone/>
+            </a:pPr>
+            <a:r>
+              <a:rPr kumimoji="1" lang="en" altLang="zh-TW" sz="3600" dirty="0"/>
+              <a:t>The Board</a:t>
+            </a:r>
+          </a:p>
+          <a:p>
+            <a:pPr marL="285750" indent="-285750"/>
+            <a:r>
+              <a:rPr lang="en" altLang="zh-TW" sz="3200" dirty="0"/>
+              <a:t>7×7 squares with the central 3×3 blanks</a:t>
+            </a:r>
+          </a:p>
+          <a:p>
+            <a:pPr marL="285750" indent="-285750"/>
+            <a:endParaRPr kumimoji="1" lang="en-US" altLang="zh-TW" sz="3200" dirty="0"/>
+          </a:p>
+          <a:p>
+            <a:pPr marL="0" indent="0">
+              <a:buNone/>
+            </a:pPr>
+            <a:r>
+              <a:rPr kumimoji="1" lang="en-US" altLang="zh-TW" sz="3600" dirty="0"/>
+              <a:t>The Piece</a:t>
+            </a:r>
+            <a:r>
+              <a:rPr kumimoji="1" lang="en" altLang="zh-TW" sz="3600" dirty="0"/>
+              <a:t>s</a:t>
+            </a:r>
+          </a:p>
+          <a:p>
+            <a:pPr marL="285750" indent="-285750"/>
+            <a:r>
+              <a:rPr lang="en" altLang="zh-TW" sz="3200" dirty="0"/>
+              <a:t>Only can move clockwise </a:t>
+            </a:r>
+          </a:p>
+          <a:p>
+            <a:pPr marL="285750" indent="-285750"/>
+            <a:r>
+              <a:rPr lang="en-US" altLang="zh-TW" sz="3200" dirty="0"/>
+              <a:t>1 King</a:t>
+            </a:r>
+          </a:p>
+          <a:p>
+            <a:pPr marL="285750" indent="-285750"/>
+            <a:r>
+              <a:rPr lang="en-US" altLang="zh-TW" sz="3200" dirty="0"/>
+              <a:t>1 Bishop</a:t>
+            </a:r>
+          </a:p>
+          <a:p>
+            <a:pPr marL="285750" indent="-285750"/>
+            <a:r>
+              <a:rPr lang="en-US" altLang="zh-TW" sz="3200" dirty="0"/>
+              <a:t>2 Rooks</a:t>
+            </a:r>
+          </a:p>
+          <a:p>
+            <a:pPr marL="285750" indent="-285750"/>
+            <a:r>
+              <a:rPr lang="en-US" altLang="zh-TW" sz="3200" dirty="0"/>
+              <a:t>2 Pawns</a:t>
+            </a:r>
+          </a:p>
+          <a:p>
+            <a:pPr marL="285750" indent="-285750"/>
+            <a:endParaRPr lang="en-US" altLang="zh-TW" sz="3200" dirty="0"/>
+          </a:p>
+          <a:p>
+            <a:pPr marL="0" lvl="0" indent="0">
+              <a:buNone/>
+            </a:pPr>
+            <a:r>
+              <a:rPr kumimoji="1" lang="en-US" altLang="zh-TW" sz="3600" dirty="0">
+                <a:solidFill>
+                  <a:prstClr val="black"/>
+                </a:solidFill>
+              </a:rPr>
+              <a:t>How to win</a:t>
+            </a:r>
+          </a:p>
+          <a:p>
+            <a:pPr marL="457200" indent="-457200"/>
+            <a:r>
+              <a:rPr kumimoji="1" lang="en" altLang="zh-TW" sz="3100" dirty="0">
+                <a:solidFill>
+                  <a:prstClr val="black"/>
+                </a:solidFill>
+              </a:rPr>
+              <a:t>Checkmate the enemy king</a:t>
+            </a:r>
+          </a:p>
+          <a:p>
+            <a:pPr marL="457200" lvl="0" indent="-457200"/>
+            <a:r>
+              <a:rPr kumimoji="1" lang="en" altLang="zh-TW" sz="3100" dirty="0">
+                <a:solidFill>
+                  <a:prstClr val="black"/>
+                </a:solidFill>
+              </a:rPr>
+              <a:t>Travel own king clockwise direction to the start position of the enemy king</a:t>
+            </a:r>
+          </a:p>
+          <a:p>
+            <a:endParaRPr lang="en-US" altLang="zh-TW" sz="3200" dirty="0"/>
+          </a:p>
+        </p:txBody>
+      </p:sp>
+    </p:spTree>
+    <p:extLst>
+      <p:ext uri="{BB962C8B-B14F-4D97-AF65-F5344CB8AC3E}">
+        <p14:creationId xmlns:p14="http://schemas.microsoft.com/office/powerpoint/2010/main" val="1902335459"/>
+      </p:ext>
+    </p:extLst>
+  </p:cSld>
+  <p:clrMapOvr>
+    <a:masterClrMapping/>
+  </p:clrMapOvr>
+</p:sld>
+</file>
+
+<file path=ppt/slides/slide3.xml><?xml version="1.0" encoding="utf-8"?>
+<p:sld xmlns:a="http://schemas.openxmlformats.org/drawingml/2006/main" xmlns:r="http://schemas.openxmlformats.org/officeDocument/2006/relationships" xmlns:p="http://schemas.openxmlformats.org/presentationml/2006/main">
+  <p:cSld>
+    <p:spTree>
+      <p:nvGrpSpPr>
+        <p:cNvPr id="1" name=""/>
+        <p:cNvGrpSpPr/>
+        <p:nvPr/>
+      </p:nvGrpSpPr>
+      <p:grpSpPr>
+        <a:xfrm>
+          <a:off x="0" y="0"/>
+          <a:ext cx="0" cy="0"/>
+          <a:chOff x="0" y="0"/>
+          <a:chExt cx="0" cy="0"/>
+        </a:xfrm>
+      </p:grpSpPr>
+      <p:sp>
+        <p:nvSpPr>
+          <p:cNvPr id="2" name="標題 1">
+            <a:extLst>
+              <a:ext uri="{FF2B5EF4-FFF2-40B4-BE49-F238E27FC236}">
+                <a16:creationId xmlns:a16="http://schemas.microsoft.com/office/drawing/2014/main" id="{990BE03A-1B4F-E549-A7FA-86F12F5DAF1C}"/>
+              </a:ext>
+            </a:extLst>
+          </p:cNvPr>
+          <p:cNvSpPr>
+            <a:spLocks noGrp="1"/>
+          </p:cNvSpPr>
+          <p:nvPr>
+            <p:ph type="title"/>
+          </p:nvPr>
+        </p:nvSpPr>
+        <p:spPr/>
+        <p:txBody>
+          <a:bodyPr/>
+          <a:lstStyle/>
+          <a:p>
+            <a:r>
+              <a:rPr kumimoji="1" lang="en-US" altLang="zh-TW" dirty="0"/>
+              <a:t>Class Diagram</a:t>
+            </a:r>
+            <a:endParaRPr kumimoji="1" lang="zh-TW" altLang="en-US" dirty="0"/>
+          </a:p>
+        </p:txBody>
+      </p:sp>
+      <p:pic>
+        <p:nvPicPr>
+          <p:cNvPr id="4" name="內容版面配置區 4">
+            <a:extLst>
+              <a:ext uri="{FF2B5EF4-FFF2-40B4-BE49-F238E27FC236}">
+                <a16:creationId xmlns:a16="http://schemas.microsoft.com/office/drawing/2014/main" id="{84D2F783-9549-9740-B8F6-0975031FD266}"/>
+              </a:ext>
+            </a:extLst>
+          </p:cNvPr>
+          <p:cNvPicPr>
+            <a:picLocks noChangeAspect="1"/>
+          </p:cNvPicPr>
+          <p:nvPr/>
+        </p:nvPicPr>
+        <p:blipFill>
+          <a:blip r:embed="rId2"/>
+          <a:stretch>
+            <a:fillRect/>
+          </a:stretch>
+        </p:blipFill>
+        <p:spPr>
+          <a:xfrm>
+            <a:off x="838200" y="40341"/>
+            <a:ext cx="10340787" cy="6677459"/>
+          </a:xfrm>
+          <a:prstGeom prst="rect">
+            <a:avLst/>
+          </a:prstGeom>
+        </p:spPr>
+      </p:pic>
+    </p:spTree>
+    <p:extLst>
+      <p:ext uri="{BB962C8B-B14F-4D97-AF65-F5344CB8AC3E}">
+        <p14:creationId xmlns:p14="http://schemas.microsoft.com/office/powerpoint/2010/main" val="3325100449"/>
+      </p:ext>
+    </p:extLst>
+  </p:cSld>
+  <p:clrMapOvr>
+    <a:masterClrMapping/>
+  </p:clrMapOvr>
+  <p:timing>
+    <p:tnLst>
+      <p:par>
+        <p:cTn id="1" dur="indefinite" restart="never" nodeType="tmRoot">
+          <p:childTnLst>
+            <p:seq concurrent="1" nextAc="seek">
+              <p:cTn id="2" dur="indefinite" nodeType="mainSeq">
+                <p:childTnLst>
+                  <p:par>
+                    <p:cTn id="3" fill="hold">
+                      <p:stCondLst>
+                        <p:cond delay="indefinite"/>
+                      </p:stCondLst>
+                      <p:childTnLst>
+                        <p:par>
+                          <p:cTn id="4" fill="hold">
+                            <p:stCondLst>
+                              <p:cond delay="0"/>
+                            </p:stCondLst>
+                            <p:childTnLst>
+                              <p:par>
+                                <p:cTn id="5" presetID="2" presetClass="entr" presetSubtype="4" fill="hold" nodeType="clickEffect">
+                                  <p:stCondLst>
+                                    <p:cond delay="0"/>
+                                  </p:stCondLst>
+                                  <p:childTnLst>
+                                    <p:set>
+                                      <p:cBhvr>
+                                        <p:cTn id="6" dur="1" fill="hold">
+                                          <p:stCondLst>
+                                            <p:cond delay="0"/>
+                                          </p:stCondLst>
+                                        </p:cTn>
+                                        <p:tgtEl>
+                                          <p:spTgt spid="4"/>
+                                        </p:tgtEl>
+                                        <p:attrNameLst>
+                                          <p:attrName>style.visibility</p:attrName>
+                                        </p:attrNameLst>
+                                      </p:cBhvr>
+                                      <p:to>
+                                        <p:strVal val="visible"/>
+                                      </p:to>
+                                    </p:set>
+                                    <p:anim calcmode="lin" valueType="num">
+                                      <p:cBhvr additive="base">
+                                        <p:cTn id="7" dur="500" fill="hold"/>
+                                        <p:tgtEl>
+                                          <p:spTgt spid="4"/>
+                                        </p:tgtEl>
+                                        <p:attrNameLst>
+                                          <p:attrName>ppt_x</p:attrName>
+                                        </p:attrNameLst>
+                                      </p:cBhvr>
+                                      <p:tavLst>
+                                        <p:tav tm="0">
+                                          <p:val>
+                                            <p:strVal val="#ppt_x"/>
+                                          </p:val>
+                                        </p:tav>
+                                        <p:tav tm="100000">
+                                          <p:val>
+                                            <p:strVal val="#ppt_x"/>
+                                          </p:val>
+                                        </p:tav>
+                                      </p:tavLst>
+                                    </p:anim>
+                                    <p:anim calcmode="lin" valueType="num">
+                                      <p:cBhvr additive="base">
+                                        <p:cTn id="8" dur="500" fill="hold"/>
+                                        <p:tgtEl>
+                                          <p:spTgt spid="4"/>
+                                        </p:tgtEl>
+                                        <p:attrNameLst>
+                                          <p:attrName>ppt_y</p:attrName>
+                                        </p:attrNameLst>
+                                      </p:cBhvr>
+                                      <p:tavLst>
+                                        <p:tav tm="0">
+                                          <p:val>
+                                            <p:strVal val="1+#ppt_h/2"/>
+                                          </p:val>
+                                        </p:tav>
+                                        <p:tav tm="100000">
+                                          <p:val>
+                                            <p:strVal val="#ppt_y"/>
+                                          </p:val>
+                                        </p:tav>
+                                      </p:tavLst>
+                                    </p:anim>
+                                  </p:childTnLst>
+                                </p:cTn>
+                              </p:par>
+                            </p:childTnLst>
+                          </p:cTn>
+                        </p:par>
+                      </p:childTnLst>
+                    </p:cTn>
+                  </p:par>
+                </p:childTnLst>
+              </p:cTn>
+              <p:prevCondLst>
+                <p:cond evt="onPrev" delay="0">
+                  <p:tgtEl>
+                    <p:sldTgt/>
+                  </p:tgtEl>
+                </p:cond>
+              </p:prevCondLst>
+              <p:nextCondLst>
+                <p:cond evt="onNext" delay="0">
+                  <p:tgtEl>
+                    <p:sldTgt/>
+                  </p:tgtEl>
+                </p:cond>
+              </p:nextCondLst>
+            </p:seq>
+          </p:childTnLst>
+        </p:cTn>
+      </p:par>
+    </p:tnLst>
+  </p:timing>
+</p:sld>
+</file>
+
+<file path=ppt/slides/slide4.xml><?xml version="1.0" encoding="utf-8"?>
+<p:sld xmlns:a="http://schemas.openxmlformats.org/drawingml/2006/main" xmlns:r="http://schemas.openxmlformats.org/officeDocument/2006/relationships" xmlns:p="http://schemas.openxmlformats.org/presentationml/2006/main">
+  <p:cSld>
+    <p:spTree>
+      <p:nvGrpSpPr>
+        <p:cNvPr id="1" name=""/>
+        <p:cNvGrpSpPr/>
+        <p:nvPr/>
+      </p:nvGrpSpPr>
+      <p:grpSpPr>
+        <a:xfrm>
+          <a:off x="0" y="0"/>
+          <a:ext cx="0" cy="0"/>
+          <a:chOff x="0" y="0"/>
+          <a:chExt cx="0" cy="0"/>
+        </a:xfrm>
+      </p:grpSpPr>
+      <p:grpSp>
+        <p:nvGrpSpPr>
+          <p:cNvPr id="3" name="群組 2">
+            <a:extLst>
+              <a:ext uri="{FF2B5EF4-FFF2-40B4-BE49-F238E27FC236}">
+                <a16:creationId xmlns:a16="http://schemas.microsoft.com/office/drawing/2014/main" id="{1D307906-88E7-A44A-9B15-72E635E171B4}"/>
+              </a:ext>
+            </a:extLst>
+          </p:cNvPr>
+          <p:cNvGrpSpPr/>
+          <p:nvPr/>
+        </p:nvGrpSpPr>
+        <p:grpSpPr>
+          <a:xfrm>
+            <a:off x="2427842" y="154236"/>
+            <a:ext cx="7336316" cy="7205031"/>
+            <a:chOff x="838200" y="40342"/>
+            <a:chExt cx="6080393" cy="6602829"/>
+          </a:xfrm>
+        </p:grpSpPr>
+        <p:pic>
+          <p:nvPicPr>
+            <p:cNvPr id="7" name="內容版面配置區 4">
+              <a:extLst>
+                <a:ext uri="{FF2B5EF4-FFF2-40B4-BE49-F238E27FC236}">
+                  <a16:creationId xmlns:a16="http://schemas.microsoft.com/office/drawing/2014/main" id="{FA4D2549-45F0-064A-9E6D-52AEE292CB16}"/>
+                </a:ext>
+              </a:extLst>
+            </p:cNvPr>
+            <p:cNvPicPr>
+              <a:picLocks noChangeAspect="1"/>
+            </p:cNvPicPr>
+            <p:nvPr/>
+          </p:nvPicPr>
+          <p:blipFill rotWithShape="1">
+            <a:blip r:embed="rId2"/>
+            <a:srcRect r="47592" b="9037"/>
+            <a:stretch/>
+          </p:blipFill>
+          <p:spPr>
+            <a:xfrm>
+              <a:off x="838200" y="40342"/>
+              <a:ext cx="5419381" cy="6074020"/>
+            </a:xfrm>
+            <a:prstGeom prst="rect">
+              <a:avLst/>
+            </a:prstGeom>
+          </p:spPr>
+        </p:pic>
+        <p:sp>
+          <p:nvSpPr>
+            <p:cNvPr id="2" name="圓角矩形 1">
+              <a:extLst>
+                <a:ext uri="{FF2B5EF4-FFF2-40B4-BE49-F238E27FC236}">
+                  <a16:creationId xmlns:a16="http://schemas.microsoft.com/office/drawing/2014/main" id="{3FAA86EE-8298-1C4F-81CE-20D62FB6144A}"/>
+                </a:ext>
+              </a:extLst>
+            </p:cNvPr>
+            <p:cNvSpPr/>
+            <p:nvPr/>
+          </p:nvSpPr>
+          <p:spPr>
+            <a:xfrm>
+              <a:off x="3690651" y="4858439"/>
+              <a:ext cx="3227942" cy="1784732"/>
+            </a:xfrm>
+            <a:prstGeom prst="roundRect">
+              <a:avLst/>
+            </a:prstGeom>
+            <a:solidFill>
+              <a:schemeClr val="bg1"/>
+            </a:solidFill>
+            <a:ln>
+              <a:solidFill>
+                <a:schemeClr val="bg1"/>
+              </a:solidFill>
+            </a:ln>
+          </p:spPr>
+          <p:style>
+            <a:lnRef idx="2">
+              <a:schemeClr val="accent1">
+                <a:shade val="50000"/>
+              </a:schemeClr>
+            </a:lnRef>
+            <a:fillRef idx="1">
+              <a:schemeClr val="accent1"/>
+            </a:fillRef>
+            <a:effectRef idx="0">
+              <a:schemeClr val="accent1"/>
+            </a:effectRef>
+            <a:fontRef idx="minor">
+              <a:schemeClr val="lt1"/>
+            </a:fontRef>
+          </p:style>
+          <p:txBody>
+            <a:bodyPr rtlCol="0" anchor="ctr"/>
+            <a:lstStyle/>
+            <a:p>
+              <a:pPr algn="ctr"/>
+              <a:endParaRPr kumimoji="1" lang="zh-TW" altLang="en-US"/>
+            </a:p>
+          </p:txBody>
+        </p:sp>
+      </p:grpSp>
+    </p:spTree>
+    <p:extLst>
+      <p:ext uri="{BB962C8B-B14F-4D97-AF65-F5344CB8AC3E}">
+        <p14:creationId xmlns:p14="http://schemas.microsoft.com/office/powerpoint/2010/main" val="3819268851"/>
+      </p:ext>
+    </p:extLst>
+  </p:cSld>
+  <p:clrMapOvr>
+    <a:masterClrMapping/>
+  </p:clrMapOvr>
+</p:sld>
+</file>
+
+<file path=ppt/slides/slide5.xml><?xml version="1.0" encoding="utf-8"?>
+<p:sld xmlns:a="http://schemas.openxmlformats.org/drawingml/2006/main" xmlns:r="http://schemas.openxmlformats.org/officeDocument/2006/relationships" xmlns:p="http://schemas.openxmlformats.org/presentationml/2006/main">
+  <p:cSld>
+    <p:spTree>
+      <p:nvGrpSpPr>
+        <p:cNvPr id="1" name=""/>
+        <p:cNvGrpSpPr/>
+        <p:nvPr/>
+      </p:nvGrpSpPr>
+      <p:grpSpPr>
+        <a:xfrm>
+          <a:off x="0" y="0"/>
+          <a:ext cx="0" cy="0"/>
+          <a:chOff x="0" y="0"/>
+          <a:chExt cx="0" cy="0"/>
+        </a:xfrm>
+      </p:grpSpPr>
+      <p:grpSp>
+        <p:nvGrpSpPr>
+          <p:cNvPr id="8" name="群組 7">
+            <a:extLst>
+              <a:ext uri="{FF2B5EF4-FFF2-40B4-BE49-F238E27FC236}">
+                <a16:creationId xmlns:a16="http://schemas.microsoft.com/office/drawing/2014/main" id="{193C4648-E4B7-324B-95A7-F45A73425E6B}"/>
+              </a:ext>
+            </a:extLst>
+          </p:cNvPr>
+          <p:cNvGrpSpPr/>
+          <p:nvPr/>
+        </p:nvGrpSpPr>
+        <p:grpSpPr>
+          <a:xfrm>
+            <a:off x="114300" y="-1114425"/>
+            <a:ext cx="11064687" cy="7832225"/>
+            <a:chOff x="3157538" y="1271588"/>
+            <a:chExt cx="8021449" cy="5446212"/>
+          </a:xfrm>
+        </p:grpSpPr>
+        <p:pic>
+          <p:nvPicPr>
+            <p:cNvPr id="7" name="內容版面配置區 4">
+              <a:extLst>
+                <a:ext uri="{FF2B5EF4-FFF2-40B4-BE49-F238E27FC236}">
+                  <a16:creationId xmlns:a16="http://schemas.microsoft.com/office/drawing/2014/main" id="{B46A9B63-421E-6A42-BFE1-1ECFA1508FB4}"/>
+                </a:ext>
+              </a:extLst>
+            </p:cNvPr>
+            <p:cNvPicPr>
+              <a:picLocks noChangeAspect="1"/>
+            </p:cNvPicPr>
+            <p:nvPr/>
+          </p:nvPicPr>
+          <p:blipFill rotWithShape="1">
+            <a:blip r:embed="rId2"/>
+            <a:srcRect l="31686" t="29779"/>
+            <a:stretch/>
+          </p:blipFill>
+          <p:spPr>
+            <a:xfrm>
+              <a:off x="4114800" y="2028825"/>
+              <a:ext cx="7064187" cy="4688975"/>
+            </a:xfrm>
+            <a:prstGeom prst="rect">
+              <a:avLst/>
+            </a:prstGeom>
+          </p:spPr>
+        </p:pic>
+        <p:sp>
+          <p:nvSpPr>
+            <p:cNvPr id="2" name="圓角矩形 1">
+              <a:extLst>
+                <a:ext uri="{FF2B5EF4-FFF2-40B4-BE49-F238E27FC236}">
+                  <a16:creationId xmlns:a16="http://schemas.microsoft.com/office/drawing/2014/main" id="{C3CB1DCF-DF2A-5B46-8BEE-48C01657D672}"/>
+                </a:ext>
+              </a:extLst>
+            </p:cNvPr>
+            <p:cNvSpPr/>
+            <p:nvPr/>
+          </p:nvSpPr>
+          <p:spPr>
+            <a:xfrm>
+              <a:off x="3157538" y="1271588"/>
+              <a:ext cx="3086100" cy="3771900"/>
+            </a:xfrm>
+            <a:prstGeom prst="roundRect">
+              <a:avLst/>
+            </a:prstGeom>
+            <a:solidFill>
+              <a:schemeClr val="bg1"/>
+            </a:solidFill>
+            <a:ln>
+              <a:solidFill>
+                <a:schemeClr val="bg1"/>
+              </a:solidFill>
+            </a:ln>
+          </p:spPr>
+          <p:style>
+            <a:lnRef idx="2">
+              <a:schemeClr val="accent1">
+                <a:shade val="50000"/>
+              </a:schemeClr>
+            </a:lnRef>
+            <a:fillRef idx="1">
+              <a:schemeClr val="accent1"/>
+            </a:fillRef>
+            <a:effectRef idx="0">
+              <a:schemeClr val="accent1"/>
+            </a:effectRef>
+            <a:fontRef idx="minor">
+              <a:schemeClr val="lt1"/>
+            </a:fontRef>
+          </p:style>
+          <p:txBody>
+            <a:bodyPr rtlCol="0" anchor="ctr"/>
+            <a:lstStyle/>
+            <a:p>
+              <a:pPr algn="ctr"/>
+              <a:endParaRPr kumimoji="1" lang="zh-TW" altLang="en-US"/>
+            </a:p>
+          </p:txBody>
+        </p:sp>
+      </p:grpSp>
+    </p:spTree>
+    <p:extLst>
+      <p:ext uri="{BB962C8B-B14F-4D97-AF65-F5344CB8AC3E}">
+        <p14:creationId xmlns:p14="http://schemas.microsoft.com/office/powerpoint/2010/main" val="3930790485"/>
+      </p:ext>
+    </p:extLst>
+  </p:cSld>
+  <p:clrMapOvr>
+    <a:masterClrMapping/>
+  </p:clrMapOvr>
+</p:sld>
+</file>
+
+<file path=ppt/slides/slide6.xml><?xml version="1.0" encoding="utf-8"?>
+<p:sld xmlns:a="http://schemas.openxmlformats.org/drawingml/2006/main" xmlns:r="http://schemas.openxmlformats.org/officeDocument/2006/relationships" xmlns:p="http://schemas.openxmlformats.org/presentationml/2006/main">
+  <p:cSld>
+    <p:spTree>
+      <p:nvGrpSpPr>
+        <p:cNvPr id="1" name=""/>
+        <p:cNvGrpSpPr/>
+        <p:nvPr/>
+      </p:nvGrpSpPr>
+      <p:grpSpPr>
+        <a:xfrm>
+          <a:off x="0" y="0"/>
+          <a:ext cx="0" cy="0"/>
+          <a:chOff x="0" y="0"/>
+          <a:chExt cx="0" cy="0"/>
+        </a:xfrm>
+      </p:grpSpPr>
+      <p:sp>
+        <p:nvSpPr>
+          <p:cNvPr id="2" name="標題 1">
+            <a:extLst>
+              <a:ext uri="{FF2B5EF4-FFF2-40B4-BE49-F238E27FC236}">
+                <a16:creationId xmlns:a16="http://schemas.microsoft.com/office/drawing/2014/main" id="{0B5094F4-479E-D047-9FE0-4C8686177BCC}"/>
+              </a:ext>
+            </a:extLst>
+          </p:cNvPr>
+          <p:cNvSpPr>
+            <a:spLocks noGrp="1"/>
+          </p:cNvSpPr>
+          <p:nvPr>
+            <p:ph type="title"/>
+          </p:nvPr>
+        </p:nvSpPr>
+        <p:spPr/>
+        <p:txBody>
+          <a:bodyPr/>
+          <a:lstStyle/>
+          <a:p>
+            <a:r>
+              <a:rPr kumimoji="1" lang="en-US" altLang="zh-TW" dirty="0"/>
+              <a:t>Domain Model Update</a:t>
+            </a:r>
+            <a:endParaRPr kumimoji="1" lang="zh-TW" altLang="en-US" dirty="0"/>
+          </a:p>
+        </p:txBody>
+      </p:sp>
+      <p:sp>
+        <p:nvSpPr>
+          <p:cNvPr id="3" name="內容版面配置區 2">
+            <a:extLst>
+              <a:ext uri="{FF2B5EF4-FFF2-40B4-BE49-F238E27FC236}">
+                <a16:creationId xmlns:a16="http://schemas.microsoft.com/office/drawing/2014/main" id="{3D38C7C9-6FAB-444F-8F96-F3356F1B9C40}"/>
+              </a:ext>
+            </a:extLst>
+          </p:cNvPr>
+          <p:cNvSpPr>
+            <a:spLocks noGrp="1"/>
+          </p:cNvSpPr>
+          <p:nvPr>
+            <p:ph sz="half" idx="1"/>
+          </p:nvPr>
+        </p:nvSpPr>
+        <p:spPr/>
+        <p:txBody>
+          <a:bodyPr/>
+          <a:lstStyle/>
+          <a:p>
+            <a:r>
+              <a:rPr kumimoji="1" lang="en-US" altLang="zh-TW" dirty="0"/>
+              <a:t>Previous one</a:t>
+            </a:r>
+            <a:endParaRPr kumimoji="1" lang="zh-TW" altLang="en-US" dirty="0"/>
+          </a:p>
+        </p:txBody>
+      </p:sp>
+      <p:sp>
+        <p:nvSpPr>
+          <p:cNvPr id="4" name="內容版面配置區 3">
+            <a:extLst>
+              <a:ext uri="{FF2B5EF4-FFF2-40B4-BE49-F238E27FC236}">
+                <a16:creationId xmlns:a16="http://schemas.microsoft.com/office/drawing/2014/main" id="{F98D0FE2-1E4F-1D40-A3A0-A2920C2B71B1}"/>
+              </a:ext>
+            </a:extLst>
+          </p:cNvPr>
+          <p:cNvSpPr>
+            <a:spLocks noGrp="1"/>
+          </p:cNvSpPr>
+          <p:nvPr>
+            <p:ph sz="half" idx="2"/>
+          </p:nvPr>
+        </p:nvSpPr>
+        <p:spPr/>
+        <p:txBody>
+          <a:bodyPr/>
+          <a:lstStyle/>
+          <a:p>
+            <a:r>
+              <a:rPr kumimoji="1" lang="en-US" altLang="zh-TW" dirty="0"/>
+              <a:t>Updated one</a:t>
+            </a:r>
+            <a:endParaRPr kumimoji="1" lang="zh-TW" altLang="en-US" dirty="0"/>
+          </a:p>
+        </p:txBody>
+      </p:sp>
+      <p:pic>
+        <p:nvPicPr>
+          <p:cNvPr id="6" name="圖片 5">
+            <a:extLst>
+              <a:ext uri="{FF2B5EF4-FFF2-40B4-BE49-F238E27FC236}">
+                <a16:creationId xmlns:a16="http://schemas.microsoft.com/office/drawing/2014/main" id="{4B2FF9F0-1D69-854D-A4E4-22A2E8CA8577}"/>
+              </a:ext>
+            </a:extLst>
+          </p:cNvPr>
+          <p:cNvPicPr>
+            <a:picLocks noChangeAspect="1"/>
+          </p:cNvPicPr>
+          <p:nvPr/>
+        </p:nvPicPr>
+        <p:blipFill>
+          <a:blip r:embed="rId2"/>
+          <a:stretch>
+            <a:fillRect/>
+          </a:stretch>
+        </p:blipFill>
+        <p:spPr>
+          <a:xfrm>
+            <a:off x="369132" y="2351336"/>
+            <a:ext cx="5227655" cy="3960564"/>
+          </a:xfrm>
+          <a:prstGeom prst="rect">
+            <a:avLst/>
+          </a:prstGeom>
+        </p:spPr>
+      </p:pic>
+      <p:pic>
+        <p:nvPicPr>
+          <p:cNvPr id="8" name="圖片 7">
+            <a:extLst>
+              <a:ext uri="{FF2B5EF4-FFF2-40B4-BE49-F238E27FC236}">
+                <a16:creationId xmlns:a16="http://schemas.microsoft.com/office/drawing/2014/main" id="{11D4A8A0-A943-DE46-AF80-8F343E23CA9C}"/>
+              </a:ext>
+            </a:extLst>
+          </p:cNvPr>
+          <p:cNvPicPr>
+            <a:picLocks noChangeAspect="1"/>
+          </p:cNvPicPr>
+          <p:nvPr/>
+        </p:nvPicPr>
+        <p:blipFill>
+          <a:blip r:embed="rId3"/>
+          <a:stretch>
+            <a:fillRect/>
+          </a:stretch>
+        </p:blipFill>
+        <p:spPr>
+          <a:xfrm>
+            <a:off x="5745572" y="2351336"/>
+            <a:ext cx="6446428" cy="4351339"/>
+          </a:xfrm>
+          <a:prstGeom prst="rect">
+            <a:avLst/>
+          </a:prstGeom>
+        </p:spPr>
+      </p:pic>
+    </p:spTree>
+    <p:extLst>
+      <p:ext uri="{BB962C8B-B14F-4D97-AF65-F5344CB8AC3E}">
+        <p14:creationId xmlns:p14="http://schemas.microsoft.com/office/powerpoint/2010/main" val="1546490821"/>
+      </p:ext>
+    </p:extLst>
+  </p:cSld>
+  <p:clrMapOvr>
+    <a:masterClrMapping/>
+  </p:clrMapOvr>
+</p:sld>
+</file>
+
+<file path=ppt/slides/slide7.xml><?xml version="1.0" encoding="utf-8"?>
+<p:sld xmlns:a="http://schemas.openxmlformats.org/drawingml/2006/main" xmlns:r="http://schemas.openxmlformats.org/officeDocument/2006/relationships" xmlns:p="http://schemas.openxmlformats.org/presentationml/2006/main">
+  <p:cSld>
+    <p:spTree>
+      <p:nvGrpSpPr>
+        <p:cNvPr id="1" name=""/>
+        <p:cNvGrpSpPr/>
+        <p:nvPr/>
+      </p:nvGrpSpPr>
+      <p:grpSpPr>
+        <a:xfrm>
+          <a:off x="0" y="0"/>
+          <a:ext cx="0" cy="0"/>
+          <a:chOff x="0" y="0"/>
+          <a:chExt cx="0" cy="0"/>
+        </a:xfrm>
+      </p:grpSpPr>
+      <p:sp>
+        <p:nvSpPr>
+          <p:cNvPr id="2" name="標題 1">
+            <a:extLst>
+              <a:ext uri="{FF2B5EF4-FFF2-40B4-BE49-F238E27FC236}">
+                <a16:creationId xmlns:a16="http://schemas.microsoft.com/office/drawing/2014/main" id="{48D0B27F-AA46-344D-A835-5AE7156C922E}"/>
+              </a:ext>
+            </a:extLst>
+          </p:cNvPr>
+          <p:cNvSpPr>
+            <a:spLocks noGrp="1"/>
+          </p:cNvSpPr>
+          <p:nvPr>
+            <p:ph type="title"/>
+          </p:nvPr>
+        </p:nvSpPr>
+        <p:spPr/>
+        <p:txBody>
+          <a:bodyPr/>
+          <a:lstStyle/>
+          <a:p>
+            <a:r>
+              <a:rPr kumimoji="1" lang="en-US" altLang="zh-TW" dirty="0"/>
+              <a:t>Sequence Diagram – Send Invitation</a:t>
+            </a:r>
+            <a:endParaRPr kumimoji="1" lang="zh-TW" altLang="en-US" dirty="0"/>
+          </a:p>
+        </p:txBody>
+      </p:sp>
+      <p:pic>
+        <p:nvPicPr>
+          <p:cNvPr id="5" name="內容版面配置區 4">
+            <a:extLst>
+              <a:ext uri="{FF2B5EF4-FFF2-40B4-BE49-F238E27FC236}">
+                <a16:creationId xmlns:a16="http://schemas.microsoft.com/office/drawing/2014/main" id="{5B30FBA1-C209-164F-974E-0556645C5937}"/>
+              </a:ext>
+            </a:extLst>
+          </p:cNvPr>
+          <p:cNvPicPr>
+            <a:picLocks noGrp="1" noChangeAspect="1"/>
+          </p:cNvPicPr>
+          <p:nvPr>
+            <p:ph idx="1"/>
+          </p:nvPr>
+        </p:nvPicPr>
+        <p:blipFill>
+          <a:blip r:embed="rId2"/>
+          <a:stretch>
+            <a:fillRect/>
+          </a:stretch>
+        </p:blipFill>
+        <p:spPr>
+          <a:xfrm>
+            <a:off x="1930612" y="1378560"/>
+            <a:ext cx="8330775" cy="5479440"/>
+          </a:xfrm>
+        </p:spPr>
+      </p:pic>
+    </p:spTree>
+    <p:extLst>
+      <p:ext uri="{BB962C8B-B14F-4D97-AF65-F5344CB8AC3E}">
+        <p14:creationId xmlns:p14="http://schemas.microsoft.com/office/powerpoint/2010/main" val="1244899666"/>
+      </p:ext>
+    </p:extLst>
+  </p:cSld>
+  <p:clrMapOvr>
+    <a:masterClrMapping/>
+  </p:clrMapOvr>
+</p:sld>
+</file>
+
+<file path=ppt/slides/slide8.xml><?xml version="1.0" encoding="utf-8"?>
+<p:sld xmlns:a="http://schemas.openxmlformats.org/drawingml/2006/main" xmlns:r="http://schemas.openxmlformats.org/officeDocument/2006/relationships" xmlns:p="http://schemas.openxmlformats.org/presentationml/2006/main">
+  <p:cSld>
+    <p:spTree>
+      <p:nvGrpSpPr>
+        <p:cNvPr id="1" name=""/>
+        <p:cNvGrpSpPr/>
+        <p:nvPr/>
+      </p:nvGrpSpPr>
+      <p:grpSpPr>
+        <a:xfrm>
+          <a:off x="0" y="0"/>
+          <a:ext cx="0" cy="0"/>
+          <a:chOff x="0" y="0"/>
+          <a:chExt cx="0" cy="0"/>
+        </a:xfrm>
+      </p:grpSpPr>
+      <p:sp>
+        <p:nvSpPr>
+          <p:cNvPr id="2" name="標題 1">
+            <a:extLst>
+              <a:ext uri="{FF2B5EF4-FFF2-40B4-BE49-F238E27FC236}">
+                <a16:creationId xmlns:a16="http://schemas.microsoft.com/office/drawing/2014/main" id="{FE2D50F1-FF40-2E47-96F9-CF299AB5E7E4}"/>
+              </a:ext>
+            </a:extLst>
+          </p:cNvPr>
+          <p:cNvSpPr>
+            <a:spLocks noGrp="1"/>
+          </p:cNvSpPr>
+          <p:nvPr>
+            <p:ph type="title"/>
+          </p:nvPr>
+        </p:nvSpPr>
+        <p:spPr/>
+        <p:txBody>
+          <a:bodyPr/>
+          <a:lstStyle/>
+          <a:p>
+            <a:r>
+              <a:rPr kumimoji="1" lang="en-US" altLang="zh-TW" dirty="0"/>
+              <a:t>Sequence Diagram – Take Turn</a:t>
+            </a:r>
+            <a:endParaRPr kumimoji="1" lang="zh-TW" altLang="en-US" dirty="0"/>
+          </a:p>
+        </p:txBody>
+      </p:sp>
+      <p:pic>
+        <p:nvPicPr>
+          <p:cNvPr id="5" name="內容版面配置區 4">
+            <a:extLst>
+              <a:ext uri="{FF2B5EF4-FFF2-40B4-BE49-F238E27FC236}">
+                <a16:creationId xmlns:a16="http://schemas.microsoft.com/office/drawing/2014/main" id="{5227D932-ECA2-B24E-88FB-9B144748569A}"/>
+              </a:ext>
+            </a:extLst>
+          </p:cNvPr>
+          <p:cNvPicPr>
+            <a:picLocks noGrp="1" noChangeAspect="1"/>
+          </p:cNvPicPr>
+          <p:nvPr>
+            <p:ph idx="1"/>
+          </p:nvPr>
+        </p:nvPicPr>
+        <p:blipFill>
+          <a:blip r:embed="rId2"/>
+          <a:stretch>
+            <a:fillRect/>
+          </a:stretch>
+        </p:blipFill>
+        <p:spPr>
+          <a:xfrm>
+            <a:off x="1000129" y="1305939"/>
+            <a:ext cx="10191742" cy="5618163"/>
+          </a:xfrm>
+        </p:spPr>
+      </p:pic>
+    </p:spTree>
+    <p:extLst>
+      <p:ext uri="{BB962C8B-B14F-4D97-AF65-F5344CB8AC3E}">
+        <p14:creationId xmlns:p14="http://schemas.microsoft.com/office/powerpoint/2010/main" val="3124611966"/>
+      </p:ext>
+    </p:extLst>
+  </p:cSld>
+  <p:clrMapOvr>
+    <a:masterClrMapping/>
+  </p:clrMapOvr>
+</p:sld>
+</file>
+
+<file path=ppt/slides/slide9.xml><?xml version="1.0" encoding="utf-8"?>
+<p:sld xmlns:a="http://schemas.openxmlformats.org/drawingml/2006/main" xmlns:r="http://schemas.openxmlformats.org/officeDocument/2006/relationships" xmlns:p="http://schemas.openxmlformats.org/presentationml/2006/main">
+  <p:cSld>
+    <p:spTree>
+      <p:nvGrpSpPr>
+        <p:cNvPr id="1" name=""/>
+        <p:cNvGrpSpPr/>
+        <p:nvPr/>
+      </p:nvGrpSpPr>
+      <p:grpSpPr>
+        <a:xfrm>
+          <a:off x="0" y="0"/>
+          <a:ext cx="0" cy="0"/>
+          <a:chOff x="0" y="0"/>
+          <a:chExt cx="0" cy="0"/>
+        </a:xfrm>
+      </p:grpSpPr>
+      <p:sp>
+        <p:nvSpPr>
+          <p:cNvPr id="2" name="標題 1">
+            <a:extLst>
+              <a:ext uri="{FF2B5EF4-FFF2-40B4-BE49-F238E27FC236}">
+                <a16:creationId xmlns:a16="http://schemas.microsoft.com/office/drawing/2014/main" id="{FE2D50F1-FF40-2E47-96F9-CF299AB5E7E4}"/>
+              </a:ext>
+            </a:extLst>
+          </p:cNvPr>
+          <p:cNvSpPr>
+            <a:spLocks noGrp="1"/>
+          </p:cNvSpPr>
+          <p:nvPr>
+            <p:ph type="title"/>
+          </p:nvPr>
+        </p:nvSpPr>
+        <p:spPr/>
+        <p:txBody>
+          <a:bodyPr/>
+          <a:lstStyle/>
+          <a:p>
+            <a:r>
+              <a:rPr kumimoji="1" lang="en-US" altLang="zh-TW" dirty="0"/>
+              <a:t>Sequence Diagram – Join Game</a:t>
+            </a:r>
+            <a:endParaRPr kumimoji="1" lang="zh-TW" altLang="en-US" dirty="0"/>
+          </a:p>
+        </p:txBody>
+      </p:sp>
+      <p:pic>
+        <p:nvPicPr>
+          <p:cNvPr id="5" name="內容版面配置區 4">
+            <a:extLst>
+              <a:ext uri="{FF2B5EF4-FFF2-40B4-BE49-F238E27FC236}">
+                <a16:creationId xmlns:a16="http://schemas.microsoft.com/office/drawing/2014/main" id="{5227D932-ECA2-B24E-88FB-9B144748569A}"/>
+              </a:ext>
+            </a:extLst>
+          </p:cNvPr>
+          <p:cNvPicPr>
+            <a:picLocks noGrp="1" noChangeAspect="1"/>
+          </p:cNvPicPr>
+          <p:nvPr>
+            <p:ph idx="1"/>
+          </p:nvPr>
+        </p:nvPicPr>
+        <p:blipFill>
+          <a:blip r:embed="rId2"/>
+          <a:stretch>
+            <a:fillRect/>
+          </a:stretch>
+        </p:blipFill>
+        <p:spPr>
+          <a:xfrm>
+            <a:off x="173768" y="1214437"/>
+            <a:ext cx="11844464" cy="5418501"/>
+          </a:xfrm>
+        </p:spPr>
+      </p:pic>
+    </p:spTree>
+    <p:extLst>
+      <p:ext uri="{BB962C8B-B14F-4D97-AF65-F5344CB8AC3E}">
+        <p14:creationId xmlns:p14="http://schemas.microsoft.com/office/powerpoint/2010/main" val="1412046047"/>
+      </p:ext>
+    </p:extLst>
+  </p:cSld>
+  <p:clrMapOvr>
+    <a:masterClrMapping/>
+  </p:clrMapOvr>
+</p:sld>
+</file>
+
 <file path=ppt/theme/theme1.xml><?xml version="1.0" encoding="utf-8"?>
 <a:theme xmlns:a="http://schemas.openxmlformats.org/drawingml/2006/main" name="Office 佈景主題">
   <a:themeElements>

--- a/Documents P3/CS 414 Rollerball Project 03.pptx
+++ b/Documents P3/CS 414 Rollerball Project 03.pptx
@@ -13,8 +13,8 @@
     <p:sldId id="266" r:id="rId7"/>
     <p:sldId id="269" r:id="rId8"/>
     <p:sldId id="258" r:id="rId9"/>
-    <p:sldId id="259" r:id="rId10"/>
-    <p:sldId id="261" r:id="rId11"/>
+    <p:sldId id="261" r:id="rId10"/>
+    <p:sldId id="259" r:id="rId11"/>
     <p:sldId id="260" r:id="rId12"/>
     <p:sldId id="264" r:id="rId13"/>
     <p:sldId id="262" r:id="rId14"/>
@@ -271,7 +271,7 @@
           <a:p>
             <a:fld id="{55B79785-3012-D54A-860E-226ED4EF2A90}" type="datetimeFigureOut">
               <a:rPr kumimoji="1" lang="zh-TW" altLang="en-US" smtClean="0"/>
-              <a:t>2018/10/31</a:t>
+              <a:t>2018/11/1</a:t>
             </a:fld>
             <a:endParaRPr kumimoji="1" lang="zh-TW" altLang="en-US"/>
           </a:p>
@@ -444,7 +444,7 @@
           <a:p>
             <a:fld id="{55B79785-3012-D54A-860E-226ED4EF2A90}" type="datetimeFigureOut">
               <a:rPr kumimoji="1" lang="zh-TW" altLang="en-US" smtClean="0"/>
-              <a:t>2018/10/31</a:t>
+              <a:t>2018/11/1</a:t>
             </a:fld>
             <a:endParaRPr kumimoji="1" lang="zh-TW" altLang="en-US"/>
           </a:p>
@@ -627,7 +627,7 @@
           <a:p>
             <a:fld id="{55B79785-3012-D54A-860E-226ED4EF2A90}" type="datetimeFigureOut">
               <a:rPr kumimoji="1" lang="zh-TW" altLang="en-US" smtClean="0"/>
-              <a:t>2018/10/31</a:t>
+              <a:t>2018/11/1</a:t>
             </a:fld>
             <a:endParaRPr kumimoji="1" lang="zh-TW" altLang="en-US"/>
           </a:p>
@@ -1201,7 +1201,7 @@
           <a:p>
             <a:fld id="{55B79785-3012-D54A-860E-226ED4EF2A90}" type="datetimeFigureOut">
               <a:rPr kumimoji="1" lang="zh-TW" altLang="en-US" smtClean="0"/>
-              <a:t>2018/10/31</a:t>
+              <a:t>2018/11/1</a:t>
             </a:fld>
             <a:endParaRPr kumimoji="1" lang="zh-TW" altLang="en-US"/>
           </a:p>
@@ -1356,7 +1356,7 @@
           <a:p>
             <a:fld id="{55B79785-3012-D54A-860E-226ED4EF2A90}" type="datetimeFigureOut">
               <a:rPr kumimoji="1" lang="zh-TW" altLang="en-US" smtClean="0"/>
-              <a:t>2018/10/31</a:t>
+              <a:t>2018/11/1</a:t>
             </a:fld>
             <a:endParaRPr kumimoji="1" lang="zh-TW" altLang="en-US"/>
           </a:p>
@@ -1682,7 +1682,7 @@
           <a:p>
             <a:fld id="{55B79785-3012-D54A-860E-226ED4EF2A90}" type="datetimeFigureOut">
               <a:rPr kumimoji="1" lang="zh-TW" altLang="en-US" smtClean="0"/>
-              <a:t>2018/10/31</a:t>
+              <a:t>2018/11/1</a:t>
             </a:fld>
             <a:endParaRPr kumimoji="1" lang="zh-TW" altLang="en-US"/>
           </a:p>
@@ -2094,7 +2094,7 @@
           <a:p>
             <a:fld id="{55B79785-3012-D54A-860E-226ED4EF2A90}" type="datetimeFigureOut">
               <a:rPr kumimoji="1" lang="zh-TW" altLang="en-US" smtClean="0"/>
-              <a:t>2018/10/31</a:t>
+              <a:t>2018/11/1</a:t>
             </a:fld>
             <a:endParaRPr kumimoji="1" lang="zh-TW" altLang="en-US"/>
           </a:p>
@@ -2467,7 +2467,7 @@
           <a:p>
             <a:fld id="{55B79785-3012-D54A-860E-226ED4EF2A90}" type="datetimeFigureOut">
               <a:rPr kumimoji="1" lang="zh-TW" altLang="en-US" smtClean="0"/>
-              <a:t>2018/10/31</a:t>
+              <a:t>2018/11/1</a:t>
             </a:fld>
             <a:endParaRPr kumimoji="1" lang="zh-TW" altLang="en-US"/>
           </a:p>
@@ -2585,7 +2585,7 @@
           <a:p>
             <a:fld id="{55B79785-3012-D54A-860E-226ED4EF2A90}" type="datetimeFigureOut">
               <a:rPr kumimoji="1" lang="zh-TW" altLang="en-US" smtClean="0"/>
-              <a:t>2018/10/31</a:t>
+              <a:t>2018/11/1</a:t>
             </a:fld>
             <a:endParaRPr kumimoji="1" lang="zh-TW" altLang="en-US"/>
           </a:p>
@@ -2703,7 +2703,7 @@
           <a:p>
             <a:fld id="{55B79785-3012-D54A-860E-226ED4EF2A90}" type="datetimeFigureOut">
               <a:rPr kumimoji="1" lang="zh-TW" altLang="en-US" smtClean="0"/>
-              <a:t>2018/10/31</a:t>
+              <a:t>2018/11/1</a:t>
             </a:fld>
             <a:endParaRPr kumimoji="1" lang="zh-TW" altLang="en-US"/>
           </a:p>
@@ -3042,7 +3042,7 @@
           <a:p>
             <a:fld id="{55B79785-3012-D54A-860E-226ED4EF2A90}" type="datetimeFigureOut">
               <a:rPr kumimoji="1" lang="zh-TW" altLang="en-US" smtClean="0"/>
-              <a:t>2018/10/31</a:t>
+              <a:t>2018/11/1</a:t>
             </a:fld>
             <a:endParaRPr kumimoji="1" lang="zh-TW" altLang="en-US"/>
           </a:p>
@@ -3366,7 +3366,7 @@
           <a:p>
             <a:fld id="{55B79785-3012-D54A-860E-226ED4EF2A90}" type="datetimeFigureOut">
               <a:rPr kumimoji="1" lang="zh-TW" altLang="en-US" smtClean="0"/>
-              <a:t>2018/10/31</a:t>
+              <a:t>2018/11/1</a:t>
             </a:fld>
             <a:endParaRPr kumimoji="1" lang="zh-TW" altLang="en-US"/>
           </a:p>
@@ -3727,7 +3727,7 @@
           <a:p>
             <a:fld id="{55B79785-3012-D54A-860E-226ED4EF2A90}" type="datetimeFigureOut">
               <a:rPr kumimoji="1" lang="zh-TW" altLang="en-US" smtClean="0"/>
-              <a:t>2018/10/31</a:t>
+              <a:t>2018/11/1</a:t>
             </a:fld>
             <a:endParaRPr kumimoji="1" lang="zh-TW" altLang="en-US"/>
           </a:p>
@@ -4017,7 +4017,7 @@
           <a:p>
             <a:fld id="{55B79785-3012-D54A-860E-226ED4EF2A90}" type="datetimeFigureOut">
               <a:rPr kumimoji="1" lang="zh-TW" altLang="en-US" smtClean="0"/>
-              <a:t>2018/10/31</a:t>
+              <a:t>2018/11/1</a:t>
             </a:fld>
             <a:endParaRPr kumimoji="1" lang="zh-TW" altLang="en-US"/>
           </a:p>
@@ -4173,7 +4173,7 @@
           <a:p>
             <a:fld id="{55B79785-3012-D54A-860E-226ED4EF2A90}" type="datetimeFigureOut">
               <a:rPr kumimoji="1" lang="zh-TW" altLang="en-US" smtClean="0"/>
-              <a:t>2018/10/31</a:t>
+              <a:t>2018/11/1</a:t>
             </a:fld>
             <a:endParaRPr kumimoji="1" lang="zh-TW" altLang="en-US"/>
           </a:p>
@@ -4439,7 +4439,7 @@
           <a:p>
             <a:fld id="{55B79785-3012-D54A-860E-226ED4EF2A90}" type="datetimeFigureOut">
               <a:rPr kumimoji="1" lang="zh-TW" altLang="en-US" smtClean="0"/>
-              <a:t>2018/10/31</a:t>
+              <a:t>2018/11/1</a:t>
             </a:fld>
             <a:endParaRPr kumimoji="1" lang="zh-TW" altLang="en-US"/>
           </a:p>
@@ -4654,7 +4654,7 @@
           <a:p>
             <a:fld id="{55B79785-3012-D54A-860E-226ED4EF2A90}" type="datetimeFigureOut">
               <a:rPr kumimoji="1" lang="zh-TW" altLang="en-US" smtClean="0"/>
-              <a:t>2018/10/31</a:t>
+              <a:t>2018/11/1</a:t>
             </a:fld>
             <a:endParaRPr kumimoji="1" lang="zh-TW" altLang="en-US"/>
           </a:p>
@@ -5022,7 +5022,7 @@
           <a:p>
             <a:fld id="{55B79785-3012-D54A-860E-226ED4EF2A90}" type="datetimeFigureOut">
               <a:rPr kumimoji="1" lang="zh-TW" altLang="en-US" smtClean="0"/>
-              <a:t>2018/10/31</a:t>
+              <a:t>2018/11/1</a:t>
             </a:fld>
             <a:endParaRPr kumimoji="1" lang="zh-TW" altLang="en-US"/>
           </a:p>
@@ -5163,7 +5163,7 @@
           <a:p>
             <a:fld id="{55B79785-3012-D54A-860E-226ED4EF2A90}" type="datetimeFigureOut">
               <a:rPr kumimoji="1" lang="zh-TW" altLang="en-US" smtClean="0"/>
-              <a:t>2018/10/31</a:t>
+              <a:t>2018/11/1</a:t>
             </a:fld>
             <a:endParaRPr kumimoji="1" lang="zh-TW" altLang="en-US"/>
           </a:p>
@@ -5276,7 +5276,7 @@
           <a:p>
             <a:fld id="{55B79785-3012-D54A-860E-226ED4EF2A90}" type="datetimeFigureOut">
               <a:rPr kumimoji="1" lang="zh-TW" altLang="en-US" smtClean="0"/>
-              <a:t>2018/10/31</a:t>
+              <a:t>2018/11/1</a:t>
             </a:fld>
             <a:endParaRPr kumimoji="1" lang="zh-TW" altLang="en-US"/>
           </a:p>
@@ -5565,7 +5565,7 @@
           <a:p>
             <a:fld id="{55B79785-3012-D54A-860E-226ED4EF2A90}" type="datetimeFigureOut">
               <a:rPr kumimoji="1" lang="zh-TW" altLang="en-US" smtClean="0"/>
-              <a:t>2018/10/31</a:t>
+              <a:t>2018/11/1</a:t>
             </a:fld>
             <a:endParaRPr kumimoji="1" lang="zh-TW" altLang="en-US"/>
           </a:p>
@@ -5856,7 +5856,7 @@
           <a:p>
             <a:fld id="{55B79785-3012-D54A-860E-226ED4EF2A90}" type="datetimeFigureOut">
               <a:rPr kumimoji="1" lang="zh-TW" altLang="en-US" smtClean="0"/>
-              <a:t>2018/10/31</a:t>
+              <a:t>2018/11/1</a:t>
             </a:fld>
             <a:endParaRPr kumimoji="1" lang="zh-TW" altLang="en-US"/>
           </a:p>
@@ -6072,7 +6072,7 @@
           <a:p>
             <a:fld id="{55B79785-3012-D54A-860E-226ED4EF2A90}" type="datetimeFigureOut">
               <a:rPr kumimoji="1" lang="zh-TW" altLang="en-US" smtClean="0"/>
-              <a:t>2018/10/31</a:t>
+              <a:t>2018/11/1</a:t>
             </a:fld>
             <a:endParaRPr kumimoji="1" lang="zh-TW" altLang="en-US"/>
           </a:p>
@@ -6603,7 +6603,7 @@
           <a:p>
             <a:fld id="{55B79785-3012-D54A-860E-226ED4EF2A90}" type="datetimeFigureOut">
               <a:rPr kumimoji="1" lang="zh-TW" altLang="en-US" smtClean="0"/>
-              <a:t>2018/10/31</a:t>
+              <a:t>2018/11/1</a:t>
             </a:fld>
             <a:endParaRPr kumimoji="1" lang="zh-TW" altLang="en-US"/>
           </a:p>
@@ -7426,7 +7426,12 @@
             <p:ph type="title"/>
           </p:nvPr>
         </p:nvSpPr>
-        <p:spPr/>
+        <p:spPr>
+          <a:xfrm>
+            <a:off x="606188" y="242053"/>
+            <a:ext cx="10515600" cy="1325563"/>
+          </a:xfrm>
+        </p:spPr>
         <p:txBody>
           <a:bodyPr/>
           <a:lstStyle/>
@@ -7455,7 +7460,7 @@
             <p:ph idx="1"/>
             <p:extLst>
               <p:ext uri="{D42A27DB-BD31-4B8C-83A1-F6EECF244321}">
-                <p14:modId xmlns:p14="http://schemas.microsoft.com/office/powerpoint/2010/main" val="403052359"/>
+                <p14:modId xmlns:p14="http://schemas.microsoft.com/office/powerpoint/2010/main" val="4222990087"/>
               </p:ext>
             </p:extLst>
           </p:nvPr>
@@ -9299,14 +9304,17 @@
                     <a:p>
                       <a:pPr algn="l" fontAlgn="b"/>
                       <a:r>
-                        <a:rPr lang="en-US" sz="1800" u="none" strike="noStrike">
+                        <a:rPr lang="en-US" sz="1800" u="none" strike="noStrike" dirty="0">
+                          <a:solidFill>
+                            <a:srgbClr val="C00000"/>
+                          </a:solidFill>
                           <a:effectLst/>
                         </a:rPr>
                         <a:t>UC12-Display Valid Moves</a:t>
                       </a:r>
-                      <a:endParaRPr lang="en-US" sz="1800" b="0" i="0" u="none" strike="noStrike">
+                      <a:endParaRPr lang="en-US" sz="1800" b="0" i="0" u="none" strike="noStrike" dirty="0">
                         <a:solidFill>
-                          <a:srgbClr val="000000"/>
+                          <a:srgbClr val="C00000"/>
                         </a:solidFill>
                         <a:effectLst/>
                         <a:latin typeface="Arial" panose="020B0604020202020204" pitchFamily="34" charset="0"/>
@@ -9323,13 +9331,16 @@
                       <a:pPr algn="l" fontAlgn="b"/>
                       <a:r>
                         <a:rPr lang="en-US" sz="1800" u="none" strike="noStrike">
+                          <a:solidFill>
+                            <a:srgbClr val="C00000"/>
+                          </a:solidFill>
                           <a:effectLst/>
                         </a:rPr>
                         <a:t>X</a:t>
                       </a:r>
                       <a:endParaRPr lang="en-US" sz="1800" b="0" i="0" u="none" strike="noStrike">
                         <a:solidFill>
-                          <a:srgbClr val="000000"/>
+                          <a:srgbClr val="C00000"/>
                         </a:solidFill>
                         <a:effectLst/>
                         <a:latin typeface="Arial" panose="020B0604020202020204" pitchFamily="34" charset="0"/>
@@ -9346,13 +9357,16 @@
                       <a:pPr algn="l" fontAlgn="b"/>
                       <a:r>
                         <a:rPr lang="en-US" sz="1800" u="none" strike="noStrike">
+                          <a:solidFill>
+                            <a:srgbClr val="C00000"/>
+                          </a:solidFill>
                           <a:effectLst/>
                         </a:rPr>
                         <a:t>X</a:t>
                       </a:r>
                       <a:endParaRPr lang="en-US" sz="1800" b="0" i="0" u="none" strike="noStrike">
                         <a:solidFill>
-                          <a:srgbClr val="000000"/>
+                          <a:srgbClr val="C00000"/>
                         </a:solidFill>
                         <a:effectLst/>
                         <a:latin typeface="Arial" panose="020B0604020202020204" pitchFamily="34" charset="0"/>
@@ -9369,13 +9383,16 @@
                       <a:pPr algn="l" fontAlgn="b"/>
                       <a:r>
                         <a:rPr lang="en-US" sz="1800" u="none" strike="noStrike">
+                          <a:solidFill>
+                            <a:srgbClr val="C00000"/>
+                          </a:solidFill>
                           <a:effectLst/>
                         </a:rPr>
                         <a:t>X</a:t>
                       </a:r>
                       <a:endParaRPr lang="en-US" sz="1800" b="0" i="0" u="none" strike="noStrike">
                         <a:solidFill>
-                          <a:srgbClr val="000000"/>
+                          <a:srgbClr val="C00000"/>
                         </a:solidFill>
                         <a:effectLst/>
                         <a:latin typeface="Arial" panose="020B0604020202020204" pitchFamily="34" charset="0"/>
@@ -9392,7 +9409,7 @@
                       <a:pPr algn="l" fontAlgn="b"/>
                       <a:endParaRPr lang="zh-TW" altLang="en-US" sz="1800" b="0" i="0" u="none" strike="noStrike">
                         <a:solidFill>
-                          <a:srgbClr val="000000"/>
+                          <a:srgbClr val="C00000"/>
                         </a:solidFill>
                         <a:effectLst/>
                         <a:latin typeface="Arial" panose="020B0604020202020204" pitchFamily="34" charset="0"/>
@@ -9409,13 +9426,16 @@
                       <a:pPr algn="l" fontAlgn="b"/>
                       <a:r>
                         <a:rPr lang="en-US" sz="1800" u="none" strike="noStrike">
+                          <a:solidFill>
+                            <a:srgbClr val="C00000"/>
+                          </a:solidFill>
                           <a:effectLst/>
                         </a:rPr>
                         <a:t>X</a:t>
                       </a:r>
                       <a:endParaRPr lang="en-US" sz="1800" b="0" i="0" u="none" strike="noStrike">
                         <a:solidFill>
-                          <a:srgbClr val="000000"/>
+                          <a:srgbClr val="C00000"/>
                         </a:solidFill>
                         <a:effectLst/>
                         <a:latin typeface="Arial" panose="020B0604020202020204" pitchFamily="34" charset="0"/>
@@ -9432,7 +9452,7 @@
                       <a:pPr algn="l" fontAlgn="b"/>
                       <a:endParaRPr lang="en-US" sz="1800" b="0" i="0" u="none" strike="noStrike" dirty="0">
                         <a:solidFill>
-                          <a:srgbClr val="000000"/>
+                          <a:srgbClr val="C00000"/>
                         </a:solidFill>
                         <a:effectLst/>
                         <a:latin typeface="Arial" panose="020B0604020202020204" pitchFamily="34" charset="0"/>
@@ -9505,10 +9525,10 @@
           <a:lstStyle/>
           <a:p>
             <a:r>
-              <a:rPr lang="en-US" altLang="zh-TW" dirty="0"/>
+              <a:rPr lang="en-US" altLang="zh-TW" b="1" dirty="0"/>
               <a:t>Technologies and Tools</a:t>
             </a:r>
-            <a:endParaRPr kumimoji="1" lang="zh-TW" altLang="en-US" dirty="0"/>
+            <a:endParaRPr kumimoji="1" lang="zh-TW" altLang="en-US" b="1" dirty="0"/>
           </a:p>
         </p:txBody>
       </p:sp>
@@ -9768,63 +9788,6 @@
           </a:extLst>
         </p:spPr>
       </p:pic>
-      <p:sp>
-        <p:nvSpPr>
-          <p:cNvPr id="2" name="Rectangle 1"/>
-          <p:cNvSpPr/>
-          <p:nvPr/>
-        </p:nvSpPr>
-        <p:spPr>
-          <a:xfrm>
-            <a:off x="451523" y="415636"/>
-            <a:ext cx="4245890" cy="928422"/>
-          </a:xfrm>
-          <a:prstGeom prst="rect">
-            <a:avLst/>
-          </a:prstGeom>
-          <a:solidFill>
-            <a:schemeClr val="bg1"/>
-          </a:solidFill>
-        </p:spPr>
-        <p:style>
-          <a:lnRef idx="2">
-            <a:schemeClr val="dk1">
-              <a:shade val="50000"/>
-            </a:schemeClr>
-          </a:lnRef>
-          <a:fillRef idx="1">
-            <a:schemeClr val="dk1"/>
-          </a:fillRef>
-          <a:effectRef idx="0">
-            <a:schemeClr val="dk1"/>
-          </a:effectRef>
-          <a:fontRef idx="minor">
-            <a:schemeClr val="lt1"/>
-          </a:fontRef>
-        </p:style>
-        <p:txBody>
-          <a:bodyPr rtlCol="0" anchor="ctr"/>
-          <a:lstStyle/>
-          <a:p>
-            <a:pPr algn="ctr"/>
-            <a:r>
-              <a:rPr kumimoji="1" lang="en-US" altLang="zh-TW" sz="4400" dirty="0">
-                <a:solidFill>
-                  <a:prstClr val="black"/>
-                </a:solidFill>
-                <a:latin typeface="Calibri Light" panose="020F0302020204030204"/>
-                <a:cs typeface="+mj-cs"/>
-              </a:rPr>
-              <a:t>Rollerball rules</a:t>
-            </a:r>
-            <a:endParaRPr lang="en-US" dirty="0">
-              <a:solidFill>
-                <a:schemeClr val="tx1"/>
-              </a:solidFill>
-            </a:endParaRPr>
-          </a:p>
-        </p:txBody>
-      </p:sp>
       <p:sp>
         <p:nvSpPr>
           <p:cNvPr id="10" name="內容版面配置區 2">
@@ -10128,6 +10091,59 @@
           </a:p>
         </p:txBody>
       </p:sp>
+      <p:sp>
+        <p:nvSpPr>
+          <p:cNvPr id="6" name="標題 1">
+            <a:extLst>
+              <a:ext uri="{FF2B5EF4-FFF2-40B4-BE49-F238E27FC236}">
+                <a16:creationId xmlns:a16="http://schemas.microsoft.com/office/drawing/2014/main" id="{14F9BC2A-D7E4-A548-B114-8002268A6EB4}"/>
+              </a:ext>
+            </a:extLst>
+          </p:cNvPr>
+          <p:cNvSpPr txBox="1">
+            <a:spLocks/>
+          </p:cNvSpPr>
+          <p:nvPr/>
+        </p:nvSpPr>
+        <p:spPr>
+          <a:xfrm>
+            <a:off x="451523" y="531736"/>
+            <a:ext cx="10515600" cy="1325563"/>
+          </a:xfrm>
+          <a:prstGeom prst="rect">
+            <a:avLst/>
+          </a:prstGeom>
+        </p:spPr>
+        <p:txBody>
+          <a:bodyPr/>
+          <a:lstStyle>
+            <a:lvl1pPr algn="l" defTabSz="914400" rtl="0" eaLnBrk="1" latinLnBrk="0" hangingPunct="1">
+              <a:lnSpc>
+                <a:spcPct val="90000"/>
+              </a:lnSpc>
+              <a:spcBef>
+                <a:spcPct val="0"/>
+              </a:spcBef>
+              <a:buNone/>
+              <a:defRPr sz="4400" kern="1200">
+                <a:solidFill>
+                  <a:schemeClr val="tx1"/>
+                </a:solidFill>
+                <a:latin typeface="+mj-lt"/>
+                <a:ea typeface="+mj-ea"/>
+                <a:cs typeface="+mj-cs"/>
+              </a:defRPr>
+            </a:lvl1pPr>
+          </a:lstStyle>
+          <a:p>
+            <a:r>
+              <a:rPr kumimoji="1" lang="en-US" altLang="zh-TW" b="1" dirty="0"/>
+              <a:t>Rollerball rules</a:t>
+            </a:r>
+            <a:endParaRPr kumimoji="1" lang="zh-TW" altLang="en-US" b="1" dirty="0"/>
+          </a:p>
+        </p:txBody>
+      </p:sp>
     </p:spTree>
     <p:extLst>
       <p:ext uri="{BB962C8B-B14F-4D97-AF65-F5344CB8AC3E}">
@@ -10180,10 +10196,10 @@
           <a:lstStyle/>
           <a:p>
             <a:r>
-              <a:rPr kumimoji="1" lang="en-US" altLang="zh-TW" dirty="0"/>
+              <a:rPr kumimoji="1" lang="en-US" altLang="zh-TW" b="1" dirty="0"/>
               <a:t>Class Diagram</a:t>
             </a:r>
-            <a:endParaRPr kumimoji="1" lang="zh-TW" altLang="en-US" dirty="0"/>
+            <a:endParaRPr kumimoji="1" lang="zh-TW" altLang="en-US" b="1" dirty="0"/>
           </a:p>
         </p:txBody>
       </p:sp>
@@ -10209,7 +10225,7 @@
         </p:blipFill>
         <p:spPr>
           <a:xfrm>
-            <a:off x="838200" y="40341"/>
+            <a:off x="925606" y="180541"/>
             <a:ext cx="10340787" cy="6677459"/>
           </a:xfrm>
           <a:prstGeom prst="rect">
@@ -10658,10 +10674,10 @@
           <a:lstStyle/>
           <a:p>
             <a:r>
-              <a:rPr kumimoji="1" lang="en-US" altLang="zh-TW" dirty="0"/>
+              <a:rPr kumimoji="1" lang="en-US" altLang="zh-TW" b="1" dirty="0"/>
               <a:t>Domain Model Update</a:t>
             </a:r>
-            <a:endParaRPr kumimoji="1" lang="zh-TW" altLang="en-US" dirty="0"/>
+            <a:endParaRPr kumimoji="1" lang="zh-TW" altLang="en-US" b="1" dirty="0"/>
           </a:p>
         </p:txBody>
       </p:sp>
@@ -10835,10 +10851,10 @@
           <a:lstStyle/>
           <a:p>
             <a:r>
-              <a:rPr kumimoji="1" lang="en-US" altLang="zh-TW" dirty="0"/>
+              <a:rPr kumimoji="1" lang="en-US" altLang="zh-TW" b="1" dirty="0"/>
               <a:t>Sequence Diagram – Send Invitation</a:t>
             </a:r>
-            <a:endParaRPr kumimoji="1" lang="zh-TW" altLang="en-US" dirty="0"/>
+            <a:endParaRPr kumimoji="1" lang="zh-TW" altLang="en-US" b="1" dirty="0"/>
           </a:p>
         </p:txBody>
       </p:sp>
@@ -10866,8 +10882,8 @@
         </p:blipFill>
         <p:spPr>
           <a:xfrm>
-            <a:off x="1930612" y="1378560"/>
-            <a:ext cx="8330775" cy="5479440"/>
+            <a:off x="3189170" y="1378560"/>
+            <a:ext cx="5813659" cy="5479440"/>
           </a:xfrm>
         </p:spPr>
       </p:pic>
@@ -10923,10 +10939,10 @@
           <a:lstStyle/>
           <a:p>
             <a:r>
-              <a:rPr kumimoji="1" lang="en-US" altLang="zh-TW" dirty="0"/>
-              <a:t>Sequence Diagram – Take Turn</a:t>
+              <a:rPr kumimoji="1" lang="en-US" altLang="zh-TW" b="1" dirty="0"/>
+              <a:t>Sequence Diagram – Join Game</a:t>
             </a:r>
-            <a:endParaRPr kumimoji="1" lang="zh-TW" altLang="en-US" dirty="0"/>
+            <a:endParaRPr kumimoji="1" lang="zh-TW" altLang="en-US" b="1" dirty="0"/>
           </a:p>
         </p:txBody>
       </p:sp>
@@ -10954,15 +10970,15 @@
         </p:blipFill>
         <p:spPr>
           <a:xfrm>
-            <a:off x="1000129" y="1305939"/>
-            <a:ext cx="10191742" cy="5618163"/>
+            <a:off x="228677" y="1439499"/>
+            <a:ext cx="11734645" cy="5418501"/>
           </a:xfrm>
         </p:spPr>
       </p:pic>
     </p:spTree>
     <p:extLst>
       <p:ext uri="{BB962C8B-B14F-4D97-AF65-F5344CB8AC3E}">
-        <p14:creationId xmlns:p14="http://schemas.microsoft.com/office/powerpoint/2010/main" val="3124611966"/>
+        <p14:creationId xmlns:p14="http://schemas.microsoft.com/office/powerpoint/2010/main" val="1412046047"/>
       </p:ext>
     </p:extLst>
   </p:cSld>
@@ -11011,10 +11027,10 @@
           <a:lstStyle/>
           <a:p>
             <a:r>
-              <a:rPr kumimoji="1" lang="en-US" altLang="zh-TW" dirty="0"/>
-              <a:t>Sequence Diagram – Join Game</a:t>
+              <a:rPr kumimoji="1" lang="en-US" altLang="zh-TW" b="1" dirty="0"/>
+              <a:t>Sequence Diagram – Take Turn</a:t>
             </a:r>
-            <a:endParaRPr kumimoji="1" lang="zh-TW" altLang="en-US" dirty="0"/>
+            <a:endParaRPr kumimoji="1" lang="zh-TW" altLang="en-US" b="1" dirty="0"/>
           </a:p>
         </p:txBody>
       </p:sp>
@@ -11042,15 +11058,15 @@
         </p:blipFill>
         <p:spPr>
           <a:xfrm>
-            <a:off x="173768" y="1214437"/>
-            <a:ext cx="11844464" cy="5418501"/>
+            <a:off x="98350" y="1518613"/>
+            <a:ext cx="11995299" cy="4974261"/>
           </a:xfrm>
         </p:spPr>
       </p:pic>
     </p:spTree>
     <p:extLst>
       <p:ext uri="{BB962C8B-B14F-4D97-AF65-F5344CB8AC3E}">
-        <p14:creationId xmlns:p14="http://schemas.microsoft.com/office/powerpoint/2010/main" val="1412046047"/>
+        <p14:creationId xmlns:p14="http://schemas.microsoft.com/office/powerpoint/2010/main" val="3124611966"/>
       </p:ext>
     </p:extLst>
   </p:cSld>

--- a/Documents P3/CS 414 Rollerball Project 03.pptx
+++ b/Documents P3/CS 414 Rollerball Project 03.pptx
@@ -11058,8 +11058,8 @@
         </p:blipFill>
         <p:spPr>
           <a:xfrm>
-            <a:off x="98350" y="1518613"/>
-            <a:ext cx="11995299" cy="4974261"/>
+            <a:off x="419100" y="1406821"/>
+            <a:ext cx="11353800" cy="5276178"/>
           </a:xfrm>
         </p:spPr>
       </p:pic>
